--- a/01 Classes/Aula 01 Desenvolvimento Web Caracterização.pptx
+++ b/01 Classes/Aula 01 Desenvolvimento Web Caracterização.pptx
@@ -5,28 +5,29 @@
     <p:sldMasterId id="2147483648" r:id="rId1"/>
   </p:sldMasterIdLst>
   <p:notesMasterIdLst>
-    <p:notesMasterId r:id="rId21"/>
+    <p:notesMasterId r:id="rId22"/>
   </p:notesMasterIdLst>
   <p:sldIdLst>
     <p:sldId id="256" r:id="rId2"/>
     <p:sldId id="291" r:id="rId3"/>
     <p:sldId id="332" r:id="rId4"/>
     <p:sldId id="343" r:id="rId5"/>
-    <p:sldId id="335" r:id="rId6"/>
-    <p:sldId id="344" r:id="rId7"/>
-    <p:sldId id="345" r:id="rId8"/>
-    <p:sldId id="340" r:id="rId9"/>
-    <p:sldId id="346" r:id="rId10"/>
-    <p:sldId id="347" r:id="rId11"/>
-    <p:sldId id="348" r:id="rId12"/>
-    <p:sldId id="339" r:id="rId13"/>
-    <p:sldId id="336" r:id="rId14"/>
-    <p:sldId id="342" r:id="rId15"/>
-    <p:sldId id="333" r:id="rId16"/>
-    <p:sldId id="323" r:id="rId17"/>
-    <p:sldId id="334" r:id="rId18"/>
-    <p:sldId id="337" r:id="rId19"/>
-    <p:sldId id="309" r:id="rId20"/>
+    <p:sldId id="349" r:id="rId6"/>
+    <p:sldId id="335" r:id="rId7"/>
+    <p:sldId id="344" r:id="rId8"/>
+    <p:sldId id="345" r:id="rId9"/>
+    <p:sldId id="340" r:id="rId10"/>
+    <p:sldId id="346" r:id="rId11"/>
+    <p:sldId id="347" r:id="rId12"/>
+    <p:sldId id="348" r:id="rId13"/>
+    <p:sldId id="339" r:id="rId14"/>
+    <p:sldId id="336" r:id="rId15"/>
+    <p:sldId id="342" r:id="rId16"/>
+    <p:sldId id="333" r:id="rId17"/>
+    <p:sldId id="323" r:id="rId18"/>
+    <p:sldId id="334" r:id="rId19"/>
+    <p:sldId id="337" r:id="rId20"/>
+    <p:sldId id="309" r:id="rId21"/>
   </p:sldIdLst>
   <p:sldSz cx="9144000" cy="5143500" type="screen16x9"/>
   <p:notesSz cx="6858000" cy="9144000"/>
@@ -634,7 +635,7 @@
     </p:spTree>
     <p:extLst>
       <p:ext uri="{BB962C8B-B14F-4D97-AF65-F5344CB8AC3E}">
-        <p14:creationId xmlns:p14="http://schemas.microsoft.com/office/powerpoint/2010/main" val="3441660781"/>
+        <p14:creationId xmlns:p14="http://schemas.microsoft.com/office/powerpoint/2010/main" val="305201082"/>
       </p:ext>
     </p:extLst>
   </p:cSld>
@@ -700,7 +701,7 @@
     </p:spTree>
     <p:extLst>
       <p:ext uri="{BB962C8B-B14F-4D97-AF65-F5344CB8AC3E}">
-        <p14:creationId xmlns:p14="http://schemas.microsoft.com/office/powerpoint/2010/main" val="3079433743"/>
+        <p14:creationId xmlns:p14="http://schemas.microsoft.com/office/powerpoint/2010/main" val="3441660781"/>
       </p:ext>
     </p:extLst>
   </p:cSld>
@@ -766,7 +767,7 @@
     </p:spTree>
     <p:extLst>
       <p:ext uri="{BB962C8B-B14F-4D97-AF65-F5344CB8AC3E}">
-        <p14:creationId xmlns:p14="http://schemas.microsoft.com/office/powerpoint/2010/main" val="585304384"/>
+        <p14:creationId xmlns:p14="http://schemas.microsoft.com/office/powerpoint/2010/main" val="3079433743"/>
       </p:ext>
     </p:extLst>
   </p:cSld>
@@ -832,7 +833,7 @@
     </p:spTree>
     <p:extLst>
       <p:ext uri="{BB962C8B-B14F-4D97-AF65-F5344CB8AC3E}">
-        <p14:creationId xmlns:p14="http://schemas.microsoft.com/office/powerpoint/2010/main" val="2709569597"/>
+        <p14:creationId xmlns:p14="http://schemas.microsoft.com/office/powerpoint/2010/main" val="585304384"/>
       </p:ext>
     </p:extLst>
   </p:cSld>
@@ -898,6 +899,72 @@
     </p:spTree>
     <p:extLst>
       <p:ext uri="{BB962C8B-B14F-4D97-AF65-F5344CB8AC3E}">
+        <p14:creationId xmlns:p14="http://schemas.microsoft.com/office/powerpoint/2010/main" val="2709569597"/>
+      </p:ext>
+    </p:extLst>
+  </p:cSld>
+  <p:clrMapOvr>
+    <a:masterClrMapping/>
+  </p:clrMapOvr>
+</p:notes>
+</file>
+
+<file path=ppt/notesSlides/notesSlide15.xml><?xml version="1.0" encoding="utf-8"?>
+<p:notes xmlns:a="http://schemas.openxmlformats.org/drawingml/2006/main" xmlns:r="http://schemas.openxmlformats.org/officeDocument/2006/relationships" xmlns:p="http://schemas.openxmlformats.org/presentationml/2006/main">
+  <p:cSld>
+    <p:spTree>
+      <p:nvGrpSpPr>
+        <p:cNvPr id="1" name=""/>
+        <p:cNvGrpSpPr/>
+        <p:nvPr/>
+      </p:nvGrpSpPr>
+      <p:grpSpPr>
+        <a:xfrm>
+          <a:off x="0" y="0"/>
+          <a:ext cx="0" cy="0"/>
+          <a:chOff x="0" y="0"/>
+          <a:chExt cx="0" cy="0"/>
+        </a:xfrm>
+      </p:grpSpPr>
+      <p:sp>
+        <p:nvSpPr>
+          <p:cNvPr id="2" name="Espaço Reservado para Imagem de Slide 1"/>
+          <p:cNvSpPr>
+            <a:spLocks noGrp="1" noRot="1" noChangeAspect="1"/>
+          </p:cNvSpPr>
+          <p:nvPr>
+            <p:ph type="sldImg"/>
+          </p:nvPr>
+        </p:nvSpPr>
+        <p:spPr>
+          <a:xfrm>
+            <a:off x="381000" y="685800"/>
+            <a:ext cx="6096000" cy="3429000"/>
+          </a:xfrm>
+        </p:spPr>
+      </p:sp>
+      <p:sp>
+        <p:nvSpPr>
+          <p:cNvPr id="3" name="Espaço Reservado para Anotações 2"/>
+          <p:cNvSpPr>
+            <a:spLocks noGrp="1"/>
+          </p:cNvSpPr>
+          <p:nvPr>
+            <p:ph type="body" idx="1"/>
+          </p:nvPr>
+        </p:nvSpPr>
+        <p:spPr/>
+        <p:txBody>
+          <a:bodyPr/>
+          <a:lstStyle/>
+          <a:p>
+            <a:endParaRPr lang="pt-BR" dirty="0"/>
+          </a:p>
+        </p:txBody>
+      </p:sp>
+    </p:spTree>
+    <p:extLst>
+      <p:ext uri="{BB962C8B-B14F-4D97-AF65-F5344CB8AC3E}">
         <p14:creationId xmlns:p14="http://schemas.microsoft.com/office/powerpoint/2010/main" val="2296249050"/>
       </p:ext>
     </p:extLst>
@@ -908,7 +975,7 @@
 </p:notes>
 </file>
 
-<file path=ppt/notesSlides/notesSlide15.xml><?xml version="1.0" encoding="utf-8"?>
+<file path=ppt/notesSlides/notesSlide16.xml><?xml version="1.0" encoding="utf-8"?>
 <p:notes xmlns:a="http://schemas.openxmlformats.org/drawingml/2006/main" xmlns:r="http://schemas.openxmlformats.org/officeDocument/2006/relationships" xmlns:p="http://schemas.openxmlformats.org/presentationml/2006/main">
   <p:cSld>
     <p:spTree>
@@ -1096,7 +1163,7 @@
     </p:spTree>
     <p:extLst>
       <p:ext uri="{BB962C8B-B14F-4D97-AF65-F5344CB8AC3E}">
-        <p14:creationId xmlns:p14="http://schemas.microsoft.com/office/powerpoint/2010/main" val="4283274409"/>
+        <p14:creationId xmlns:p14="http://schemas.microsoft.com/office/powerpoint/2010/main" val="1787511129"/>
       </p:ext>
     </p:extLst>
   </p:cSld>
@@ -1162,7 +1229,7 @@
     </p:spTree>
     <p:extLst>
       <p:ext uri="{BB962C8B-B14F-4D97-AF65-F5344CB8AC3E}">
-        <p14:creationId xmlns:p14="http://schemas.microsoft.com/office/powerpoint/2010/main" val="1555173613"/>
+        <p14:creationId xmlns:p14="http://schemas.microsoft.com/office/powerpoint/2010/main" val="4283274409"/>
       </p:ext>
     </p:extLst>
   </p:cSld>
@@ -1228,7 +1295,7 @@
     </p:spTree>
     <p:extLst>
       <p:ext uri="{BB962C8B-B14F-4D97-AF65-F5344CB8AC3E}">
-        <p14:creationId xmlns:p14="http://schemas.microsoft.com/office/powerpoint/2010/main" val="2909307659"/>
+        <p14:creationId xmlns:p14="http://schemas.microsoft.com/office/powerpoint/2010/main" val="1555173613"/>
       </p:ext>
     </p:extLst>
   </p:cSld>
@@ -1294,7 +1361,7 @@
     </p:spTree>
     <p:extLst>
       <p:ext uri="{BB962C8B-B14F-4D97-AF65-F5344CB8AC3E}">
-        <p14:creationId xmlns:p14="http://schemas.microsoft.com/office/powerpoint/2010/main" val="4132287366"/>
+        <p14:creationId xmlns:p14="http://schemas.microsoft.com/office/powerpoint/2010/main" val="2909307659"/>
       </p:ext>
     </p:extLst>
   </p:cSld>
@@ -1360,7 +1427,7 @@
     </p:spTree>
     <p:extLst>
       <p:ext uri="{BB962C8B-B14F-4D97-AF65-F5344CB8AC3E}">
-        <p14:creationId xmlns:p14="http://schemas.microsoft.com/office/powerpoint/2010/main" val="3222953683"/>
+        <p14:creationId xmlns:p14="http://schemas.microsoft.com/office/powerpoint/2010/main" val="4132287366"/>
       </p:ext>
     </p:extLst>
   </p:cSld>
@@ -1426,7 +1493,7 @@
     </p:spTree>
     <p:extLst>
       <p:ext uri="{BB962C8B-B14F-4D97-AF65-F5344CB8AC3E}">
-        <p14:creationId xmlns:p14="http://schemas.microsoft.com/office/powerpoint/2010/main" val="2756824028"/>
+        <p14:creationId xmlns:p14="http://schemas.microsoft.com/office/powerpoint/2010/main" val="3222953683"/>
       </p:ext>
     </p:extLst>
   </p:cSld>
@@ -1492,7 +1559,7 @@
     </p:spTree>
     <p:extLst>
       <p:ext uri="{BB962C8B-B14F-4D97-AF65-F5344CB8AC3E}">
-        <p14:creationId xmlns:p14="http://schemas.microsoft.com/office/powerpoint/2010/main" val="305201082"/>
+        <p14:creationId xmlns:p14="http://schemas.microsoft.com/office/powerpoint/2010/main" val="2756824028"/>
       </p:ext>
     </p:extLst>
   </p:cSld>
@@ -4469,9 +4536,7 @@
           </a:xfrm>
         </p:spPr>
         <p:txBody>
-          <a:bodyPr>
-            <a:normAutofit fontScale="90000"/>
-          </a:bodyPr>
+          <a:bodyPr/>
           <a:lstStyle/>
           <a:p>
             <a:r>
@@ -4488,23 +4553,7 @@
                   <a:srgbClr val="0070C0"/>
                 </a:solidFill>
               </a:rPr>
-              <a:t> </a:t>
-            </a:r>
-            <a:r>
-              <a:rPr lang="en-US" b="1" dirty="0" err="1">
-                <a:solidFill>
-                  <a:srgbClr val="0070C0"/>
-                </a:solidFill>
-              </a:rPr>
-              <a:t>Comportamento</a:t>
-            </a:r>
-            <a:r>
-              <a:rPr lang="en-US" b="1" dirty="0">
-                <a:solidFill>
-                  <a:srgbClr val="0070C0"/>
-                </a:solidFill>
-              </a:rPr>
-              <a:t> (JS)</a:t>
+              <a:t> Style (CSS)</a:t>
             </a:r>
           </a:p>
         </p:txBody>
@@ -4521,7 +4570,7 @@
         </p:nvSpPr>
         <p:spPr>
           <a:xfrm>
-            <a:off x="142865" y="1150047"/>
+            <a:off x="142865" y="1200151"/>
             <a:ext cx="8865056" cy="3394472"/>
           </a:xfrm>
         </p:spPr>
@@ -4535,46 +4584,58 @@
               <a:buNone/>
             </a:pPr>
             <a:r>
-              <a:rPr lang="pt-BR" sz="2200" dirty="0">
-                <a:latin typeface="Times New Roman" panose="02020603050405020304" pitchFamily="18" charset="0"/>
-                <a:cs typeface="Times New Roman" panose="02020603050405020304" pitchFamily="18" charset="0"/>
-              </a:rPr>
-              <a:t>O </a:t>
-            </a:r>
-            <a:r>
-              <a:rPr lang="pt-BR" sz="2200" b="1" dirty="0">
-                <a:latin typeface="Times New Roman" panose="02020603050405020304" pitchFamily="18" charset="0"/>
-                <a:cs typeface="Times New Roman" panose="02020603050405020304" pitchFamily="18" charset="0"/>
-              </a:rPr>
-              <a:t>JS</a:t>
-            </a:r>
-            <a:r>
-              <a:rPr lang="pt-BR" sz="2200" dirty="0">
-                <a:latin typeface="Times New Roman" panose="02020603050405020304" pitchFamily="18" charset="0"/>
-                <a:cs typeface="Times New Roman" panose="02020603050405020304" pitchFamily="18" charset="0"/>
-              </a:rPr>
-              <a:t> ou </a:t>
-            </a:r>
-            <a:r>
-              <a:rPr lang="pt-BR" sz="2200" b="1" dirty="0" err="1">
-                <a:latin typeface="Times New Roman" panose="02020603050405020304" pitchFamily="18" charset="0"/>
-                <a:cs typeface="Times New Roman" panose="02020603050405020304" pitchFamily="18" charset="0"/>
-              </a:rPr>
-              <a:t>JavaScript</a:t>
-            </a:r>
-            <a:r>
-              <a:rPr lang="pt-BR" sz="2200" dirty="0">
-                <a:latin typeface="Times New Roman" panose="02020603050405020304" pitchFamily="18" charset="0"/>
-                <a:cs typeface="Times New Roman" panose="02020603050405020304" pitchFamily="18" charset="0"/>
-              </a:rPr>
-              <a:t> é uma linguagem de programação de alto-nível, interpretada, e baseada em objetos com funções de primeira classe, mais conhecida como a linguagem de script para páginas Web. </a:t>
+              <a:rPr lang="pt-BR" sz="2400" b="1" dirty="0">
+                <a:solidFill>
+                  <a:srgbClr val="FF0000"/>
+                </a:solidFill>
+                <a:latin typeface="Times New Roman" panose="02020603050405020304" pitchFamily="18" charset="0"/>
+                <a:cs typeface="Times New Roman" panose="02020603050405020304" pitchFamily="18" charset="0"/>
+              </a:rPr>
+              <a:t>Algumas </a:t>
+            </a:r>
+            <a:r>
+              <a:rPr lang="pt-BR" sz="2400" b="1" dirty="0" err="1">
+                <a:solidFill>
+                  <a:srgbClr val="FF0000"/>
+                </a:solidFill>
+                <a:latin typeface="Times New Roman" panose="02020603050405020304" pitchFamily="18" charset="0"/>
+                <a:cs typeface="Times New Roman" panose="02020603050405020304" pitchFamily="18" charset="0"/>
+              </a:rPr>
+              <a:t>Tags</a:t>
+            </a:r>
+            <a:r>
+              <a:rPr lang="pt-BR" sz="2400" b="1" dirty="0">
+                <a:solidFill>
+                  <a:srgbClr val="FF0000"/>
+                </a:solidFill>
+                <a:latin typeface="Times New Roman" panose="02020603050405020304" pitchFamily="18" charset="0"/>
+                <a:cs typeface="Times New Roman" panose="02020603050405020304" pitchFamily="18" charset="0"/>
+              </a:rPr>
+              <a:t> </a:t>
+            </a:r>
+            <a:r>
+              <a:rPr lang="pt-BR" sz="2400" b="1" dirty="0">
+                <a:latin typeface="Times New Roman" panose="02020603050405020304" pitchFamily="18" charset="0"/>
+                <a:cs typeface="Times New Roman" panose="02020603050405020304" pitchFamily="18" charset="0"/>
+              </a:rPr>
+              <a:t>(W3C)</a:t>
+            </a:r>
+            <a:r>
+              <a:rPr lang="pt-BR" sz="2400" dirty="0">
+                <a:latin typeface="Times New Roman" panose="02020603050405020304" pitchFamily="18" charset="0"/>
+                <a:cs typeface="Times New Roman" panose="02020603050405020304" pitchFamily="18" charset="0"/>
+              </a:rPr>
+              <a:t>:</a:t>
             </a:r>
           </a:p>
           <a:p>
             <a:pPr marL="0" indent="0" algn="just">
               <a:buNone/>
             </a:pPr>
-            <a:endParaRPr lang="pt-BR" sz="2200" dirty="0">
+            <a:endParaRPr lang="pt-BR" sz="2400" dirty="0">
+              <a:solidFill>
+                <a:schemeClr val="tx1"/>
+              </a:solidFill>
               <a:latin typeface="Times New Roman" panose="02020603050405020304" pitchFamily="18" charset="0"/>
               <a:cs typeface="Times New Roman" panose="02020603050405020304" pitchFamily="18" charset="0"/>
             </a:endParaRPr>
@@ -4584,97 +4645,15 @@
               <a:buNone/>
             </a:pPr>
             <a:r>
-              <a:rPr lang="pt-BR" sz="2200" dirty="0">
-                <a:latin typeface="Times New Roman" panose="02020603050405020304" pitchFamily="18" charset="0"/>
-                <a:cs typeface="Times New Roman" panose="02020603050405020304" pitchFamily="18" charset="0"/>
-              </a:rPr>
-              <a:t>Criada no meio da década de 90, mais precisamente em 1996 pelo lendário programador Brendan Eich que, além de criar o </a:t>
-            </a:r>
-            <a:r>
-              <a:rPr lang="pt-BR" sz="2200" dirty="0" err="1">
-                <a:latin typeface="Times New Roman" panose="02020603050405020304" pitchFamily="18" charset="0"/>
-                <a:cs typeface="Times New Roman" panose="02020603050405020304" pitchFamily="18" charset="0"/>
-              </a:rPr>
-              <a:t>JavaScript</a:t>
-            </a:r>
-            <a:r>
-              <a:rPr lang="pt-BR" sz="2200" dirty="0">
-                <a:latin typeface="Times New Roman" panose="02020603050405020304" pitchFamily="18" charset="0"/>
-                <a:cs typeface="Times New Roman" panose="02020603050405020304" pitchFamily="18" charset="0"/>
-              </a:rPr>
-              <a:t>, foi também um dos fundadores da Mozilla Corporation.</a:t>
-            </a:r>
-          </a:p>
-          <a:p>
-            <a:pPr marL="0" indent="0" algn="just">
-              <a:buNone/>
-            </a:pPr>
-            <a:endParaRPr lang="pt-BR" sz="2200" dirty="0">
-              <a:latin typeface="Times New Roman" panose="02020603050405020304" pitchFamily="18" charset="0"/>
-              <a:cs typeface="Times New Roman" panose="02020603050405020304" pitchFamily="18" charset="0"/>
-            </a:endParaRPr>
-          </a:p>
-          <a:p>
-            <a:pPr marL="0" indent="0" algn="just">
-              <a:buNone/>
-            </a:pPr>
-            <a:r>
-              <a:rPr lang="pt-BR" sz="2200" dirty="0">
-                <a:latin typeface="Times New Roman" panose="02020603050405020304" pitchFamily="18" charset="0"/>
-                <a:cs typeface="Times New Roman" panose="02020603050405020304" pitchFamily="18" charset="0"/>
-              </a:rPr>
-              <a:t>O padrão </a:t>
-            </a:r>
-            <a:r>
-              <a:rPr lang="pt-BR" sz="2200" dirty="0" err="1">
-                <a:latin typeface="Times New Roman" panose="02020603050405020304" pitchFamily="18" charset="0"/>
-                <a:cs typeface="Times New Roman" panose="02020603050405020304" pitchFamily="18" charset="0"/>
-              </a:rPr>
-              <a:t>JavaScript</a:t>
-            </a:r>
-            <a:r>
-              <a:rPr lang="pt-BR" sz="2200" dirty="0">
-                <a:latin typeface="Times New Roman" panose="02020603050405020304" pitchFamily="18" charset="0"/>
-                <a:cs typeface="Times New Roman" panose="02020603050405020304" pitchFamily="18" charset="0"/>
-              </a:rPr>
-              <a:t> é </a:t>
-            </a:r>
-            <a:r>
-              <a:rPr lang="pt-BR" sz="2200" dirty="0" err="1">
-                <a:solidFill>
-                  <a:srgbClr val="FF0000"/>
-                </a:solidFill>
-                <a:latin typeface="Times New Roman" panose="02020603050405020304" pitchFamily="18" charset="0"/>
-                <a:cs typeface="Times New Roman" panose="02020603050405020304" pitchFamily="18" charset="0"/>
-              </a:rPr>
-              <a:t>ECMAScript</a:t>
-            </a:r>
-            <a:r>
-              <a:rPr lang="pt-BR" sz="2200" dirty="0">
-                <a:latin typeface="Times New Roman" panose="02020603050405020304" pitchFamily="18" charset="0"/>
-                <a:cs typeface="Times New Roman" panose="02020603050405020304" pitchFamily="18" charset="0"/>
-              </a:rPr>
-              <a:t>. Desde 2012, todos os navegadores modernos possuem suporte total ao </a:t>
-            </a:r>
-            <a:r>
-              <a:rPr lang="pt-BR" sz="2200" dirty="0" err="1">
-                <a:latin typeface="Times New Roman" panose="02020603050405020304" pitchFamily="18" charset="0"/>
-                <a:cs typeface="Times New Roman" panose="02020603050405020304" pitchFamily="18" charset="0"/>
-              </a:rPr>
-              <a:t>ECMAScript</a:t>
-            </a:r>
-            <a:r>
-              <a:rPr lang="pt-BR" sz="2200" dirty="0">
-                <a:latin typeface="Times New Roman" panose="02020603050405020304" pitchFamily="18" charset="0"/>
-                <a:cs typeface="Times New Roman" panose="02020603050405020304" pitchFamily="18" charset="0"/>
-              </a:rPr>
-              <a:t> 5.1. </a:t>
-            </a:r>
-          </a:p>
-          <a:p>
-            <a:pPr marL="0" indent="0" algn="just">
-              <a:buNone/>
-            </a:pPr>
+              <a:rPr lang="fr-FR" sz="2400" dirty="0">
+                <a:solidFill>
+                  <a:schemeClr val="tx1"/>
+                </a:solidFill>
+                <a:latin typeface="Times New Roman" panose="02020603050405020304" pitchFamily="18" charset="0"/>
+                <a:cs typeface="Times New Roman" panose="02020603050405020304" pitchFamily="18" charset="0"/>
+              </a:rPr>
+              <a:t>font-family; font-style; font-size, color, text-align, padding, border, margin, width, backgroud, etc.</a:t>
+            </a:r>
             <a:endParaRPr lang="pt-BR" sz="2400" dirty="0">
               <a:latin typeface="Times New Roman" panose="02020603050405020304" pitchFamily="18" charset="0"/>
               <a:cs typeface="Times New Roman" panose="02020603050405020304" pitchFamily="18" charset="0"/>
@@ -4685,7 +4664,7 @@
     </p:spTree>
     <p:extLst>
       <p:ext uri="{BB962C8B-B14F-4D97-AF65-F5344CB8AC3E}">
-        <p14:creationId xmlns:p14="http://schemas.microsoft.com/office/powerpoint/2010/main" val="3307095565"/>
+        <p14:creationId xmlns:p14="http://schemas.microsoft.com/office/powerpoint/2010/main" val="1536760667"/>
       </p:ext>
     </p:extLst>
   </p:cSld>
@@ -4782,6 +4761,267 @@
         </p:nvSpPr>
         <p:spPr>
           <a:xfrm>
+            <a:off x="142865" y="1150047"/>
+            <a:ext cx="8865056" cy="3394472"/>
+          </a:xfrm>
+        </p:spPr>
+        <p:txBody>
+          <a:bodyPr>
+            <a:noAutofit/>
+          </a:bodyPr>
+          <a:lstStyle/>
+          <a:p>
+            <a:pPr marL="0" indent="0" algn="just">
+              <a:buNone/>
+            </a:pPr>
+            <a:r>
+              <a:rPr lang="pt-BR" sz="2200" dirty="0">
+                <a:latin typeface="Times New Roman" panose="02020603050405020304" pitchFamily="18" charset="0"/>
+                <a:cs typeface="Times New Roman" panose="02020603050405020304" pitchFamily="18" charset="0"/>
+              </a:rPr>
+              <a:t>O </a:t>
+            </a:r>
+            <a:r>
+              <a:rPr lang="pt-BR" sz="2200" b="1" dirty="0">
+                <a:latin typeface="Times New Roman" panose="02020603050405020304" pitchFamily="18" charset="0"/>
+                <a:cs typeface="Times New Roman" panose="02020603050405020304" pitchFamily="18" charset="0"/>
+              </a:rPr>
+              <a:t>JS</a:t>
+            </a:r>
+            <a:r>
+              <a:rPr lang="pt-BR" sz="2200" dirty="0">
+                <a:latin typeface="Times New Roman" panose="02020603050405020304" pitchFamily="18" charset="0"/>
+                <a:cs typeface="Times New Roman" panose="02020603050405020304" pitchFamily="18" charset="0"/>
+              </a:rPr>
+              <a:t> ou </a:t>
+            </a:r>
+            <a:r>
+              <a:rPr lang="pt-BR" sz="2200" b="1" dirty="0" err="1">
+                <a:latin typeface="Times New Roman" panose="02020603050405020304" pitchFamily="18" charset="0"/>
+                <a:cs typeface="Times New Roman" panose="02020603050405020304" pitchFamily="18" charset="0"/>
+              </a:rPr>
+              <a:t>JavaScript</a:t>
+            </a:r>
+            <a:r>
+              <a:rPr lang="pt-BR" sz="2200" dirty="0">
+                <a:latin typeface="Times New Roman" panose="02020603050405020304" pitchFamily="18" charset="0"/>
+                <a:cs typeface="Times New Roman" panose="02020603050405020304" pitchFamily="18" charset="0"/>
+              </a:rPr>
+              <a:t> é uma linguagem de programação de alto-nível, interpretada, e baseada em objetos com funções de primeira classe, mais conhecida como a linguagem de script para páginas Web. </a:t>
+            </a:r>
+          </a:p>
+          <a:p>
+            <a:pPr marL="0" indent="0" algn="just">
+              <a:buNone/>
+            </a:pPr>
+            <a:endParaRPr lang="pt-BR" sz="2200" dirty="0">
+              <a:latin typeface="Times New Roman" panose="02020603050405020304" pitchFamily="18" charset="0"/>
+              <a:cs typeface="Times New Roman" panose="02020603050405020304" pitchFamily="18" charset="0"/>
+            </a:endParaRPr>
+          </a:p>
+          <a:p>
+            <a:pPr marL="0" indent="0" algn="just">
+              <a:buNone/>
+            </a:pPr>
+            <a:r>
+              <a:rPr lang="pt-BR" sz="2200" dirty="0">
+                <a:latin typeface="Times New Roman" panose="02020603050405020304" pitchFamily="18" charset="0"/>
+                <a:cs typeface="Times New Roman" panose="02020603050405020304" pitchFamily="18" charset="0"/>
+              </a:rPr>
+              <a:t>Criada no meio da década de 90, mais precisamente em 1996 pelo lendário programador Brendan Eich que, além de criar o </a:t>
+            </a:r>
+            <a:r>
+              <a:rPr lang="pt-BR" sz="2200" dirty="0" err="1">
+                <a:latin typeface="Times New Roman" panose="02020603050405020304" pitchFamily="18" charset="0"/>
+                <a:cs typeface="Times New Roman" panose="02020603050405020304" pitchFamily="18" charset="0"/>
+              </a:rPr>
+              <a:t>JavaScript</a:t>
+            </a:r>
+            <a:r>
+              <a:rPr lang="pt-BR" sz="2200" dirty="0">
+                <a:latin typeface="Times New Roman" panose="02020603050405020304" pitchFamily="18" charset="0"/>
+                <a:cs typeface="Times New Roman" panose="02020603050405020304" pitchFamily="18" charset="0"/>
+              </a:rPr>
+              <a:t>, foi também um dos fundadores da Mozilla Corporation.</a:t>
+            </a:r>
+          </a:p>
+          <a:p>
+            <a:pPr marL="0" indent="0" algn="just">
+              <a:buNone/>
+            </a:pPr>
+            <a:endParaRPr lang="pt-BR" sz="2200" dirty="0">
+              <a:latin typeface="Times New Roman" panose="02020603050405020304" pitchFamily="18" charset="0"/>
+              <a:cs typeface="Times New Roman" panose="02020603050405020304" pitchFamily="18" charset="0"/>
+            </a:endParaRPr>
+          </a:p>
+          <a:p>
+            <a:pPr marL="0" indent="0" algn="just">
+              <a:buNone/>
+            </a:pPr>
+            <a:r>
+              <a:rPr lang="pt-BR" sz="2200" dirty="0">
+                <a:latin typeface="Times New Roman" panose="02020603050405020304" pitchFamily="18" charset="0"/>
+                <a:cs typeface="Times New Roman" panose="02020603050405020304" pitchFamily="18" charset="0"/>
+              </a:rPr>
+              <a:t>O padrão </a:t>
+            </a:r>
+            <a:r>
+              <a:rPr lang="pt-BR" sz="2200" dirty="0" err="1">
+                <a:latin typeface="Times New Roman" panose="02020603050405020304" pitchFamily="18" charset="0"/>
+                <a:cs typeface="Times New Roman" panose="02020603050405020304" pitchFamily="18" charset="0"/>
+              </a:rPr>
+              <a:t>JavaScript</a:t>
+            </a:r>
+            <a:r>
+              <a:rPr lang="pt-BR" sz="2200" dirty="0">
+                <a:latin typeface="Times New Roman" panose="02020603050405020304" pitchFamily="18" charset="0"/>
+                <a:cs typeface="Times New Roman" panose="02020603050405020304" pitchFamily="18" charset="0"/>
+              </a:rPr>
+              <a:t> é </a:t>
+            </a:r>
+            <a:r>
+              <a:rPr lang="pt-BR" sz="2200" dirty="0" err="1">
+                <a:solidFill>
+                  <a:srgbClr val="FF0000"/>
+                </a:solidFill>
+                <a:latin typeface="Times New Roman" panose="02020603050405020304" pitchFamily="18" charset="0"/>
+                <a:cs typeface="Times New Roman" panose="02020603050405020304" pitchFamily="18" charset="0"/>
+              </a:rPr>
+              <a:t>ECMAScript</a:t>
+            </a:r>
+            <a:r>
+              <a:rPr lang="pt-BR" sz="2200" dirty="0">
+                <a:latin typeface="Times New Roman" panose="02020603050405020304" pitchFamily="18" charset="0"/>
+                <a:cs typeface="Times New Roman" panose="02020603050405020304" pitchFamily="18" charset="0"/>
+              </a:rPr>
+              <a:t>. Desde 2012, todos os navegadores modernos possuem suporte total ao </a:t>
+            </a:r>
+            <a:r>
+              <a:rPr lang="pt-BR" sz="2200" dirty="0" err="1">
+                <a:latin typeface="Times New Roman" panose="02020603050405020304" pitchFamily="18" charset="0"/>
+                <a:cs typeface="Times New Roman" panose="02020603050405020304" pitchFamily="18" charset="0"/>
+              </a:rPr>
+              <a:t>ECMAScript</a:t>
+            </a:r>
+            <a:r>
+              <a:rPr lang="pt-BR" sz="2200" dirty="0">
+                <a:latin typeface="Times New Roman" panose="02020603050405020304" pitchFamily="18" charset="0"/>
+                <a:cs typeface="Times New Roman" panose="02020603050405020304" pitchFamily="18" charset="0"/>
+              </a:rPr>
+              <a:t> 5.1. </a:t>
+            </a:r>
+          </a:p>
+          <a:p>
+            <a:pPr marL="0" indent="0" algn="just">
+              <a:buNone/>
+            </a:pPr>
+            <a:endParaRPr lang="pt-BR" sz="2400" dirty="0">
+              <a:latin typeface="Times New Roman" panose="02020603050405020304" pitchFamily="18" charset="0"/>
+              <a:cs typeface="Times New Roman" panose="02020603050405020304" pitchFamily="18" charset="0"/>
+            </a:endParaRPr>
+          </a:p>
+        </p:txBody>
+      </p:sp>
+    </p:spTree>
+    <p:extLst>
+      <p:ext uri="{BB962C8B-B14F-4D97-AF65-F5344CB8AC3E}">
+        <p14:creationId xmlns:p14="http://schemas.microsoft.com/office/powerpoint/2010/main" val="3307095565"/>
+      </p:ext>
+    </p:extLst>
+  </p:cSld>
+  <p:clrMapOvr>
+    <a:masterClrMapping/>
+  </p:clrMapOvr>
+  <p:transition spd="med"/>
+</p:sld>
+</file>
+
+<file path=ppt/slides/slide12.xml><?xml version="1.0" encoding="utf-8"?>
+<p:sld xmlns:a="http://schemas.openxmlformats.org/drawingml/2006/main" xmlns:r="http://schemas.openxmlformats.org/officeDocument/2006/relationships" xmlns:p="http://schemas.openxmlformats.org/presentationml/2006/main">
+  <p:cSld>
+    <p:spTree>
+      <p:nvGrpSpPr>
+        <p:cNvPr id="1" name=""/>
+        <p:cNvGrpSpPr/>
+        <p:nvPr/>
+      </p:nvGrpSpPr>
+      <p:grpSpPr>
+        <a:xfrm>
+          <a:off x="0" y="0"/>
+          <a:ext cx="0" cy="0"/>
+          <a:chOff x="0" y="0"/>
+          <a:chExt cx="0" cy="0"/>
+        </a:xfrm>
+      </p:grpSpPr>
+      <p:sp>
+        <p:nvSpPr>
+          <p:cNvPr id="6" name="Title 1"/>
+          <p:cNvSpPr>
+            <a:spLocks noGrp="1"/>
+          </p:cNvSpPr>
+          <p:nvPr>
+            <p:ph type="title"/>
+          </p:nvPr>
+        </p:nvSpPr>
+        <p:spPr>
+          <a:xfrm>
+            <a:off x="457200" y="205980"/>
+            <a:ext cx="8229600" cy="857251"/>
+          </a:xfrm>
+        </p:spPr>
+        <p:txBody>
+          <a:bodyPr>
+            <a:normAutofit fontScale="90000"/>
+          </a:bodyPr>
+          <a:lstStyle/>
+          <a:p>
+            <a:r>
+              <a:rPr lang="en-US" b="1" dirty="0" err="1">
+                <a:solidFill>
+                  <a:srgbClr val="0070C0"/>
+                </a:solidFill>
+              </a:rPr>
+              <a:t>Caracterização</a:t>
+            </a:r>
+            <a:r>
+              <a:rPr lang="en-US" b="1" dirty="0">
+                <a:solidFill>
+                  <a:srgbClr val="0070C0"/>
+                </a:solidFill>
+              </a:rPr>
+              <a:t> </a:t>
+            </a:r>
+            <a:r>
+              <a:rPr lang="en-US" b="1" dirty="0" err="1">
+                <a:solidFill>
+                  <a:srgbClr val="0070C0"/>
+                </a:solidFill>
+              </a:rPr>
+              <a:t>Comportamento</a:t>
+            </a:r>
+            <a:r>
+              <a:rPr lang="en-US" b="1" dirty="0">
+                <a:solidFill>
+                  <a:srgbClr val="0070C0"/>
+                </a:solidFill>
+              </a:rPr>
+              <a:t> (JS)</a:t>
+            </a:r>
+          </a:p>
+        </p:txBody>
+      </p:sp>
+      <p:sp>
+        <p:nvSpPr>
+          <p:cNvPr id="8" name="Text Placeholder 2"/>
+          <p:cNvSpPr>
+            <a:spLocks noGrp="1"/>
+          </p:cNvSpPr>
+          <p:nvPr>
+            <p:ph type="body" sz="half" idx="1"/>
+          </p:nvPr>
+        </p:nvSpPr>
+        <p:spPr>
+          <a:xfrm>
             <a:off x="142865" y="1034135"/>
             <a:ext cx="8865056" cy="3903385"/>
           </a:xfrm>
@@ -4973,7 +5213,7 @@
 </p:sld>
 </file>
 
-<file path=ppt/slides/slide12.xml><?xml version="1.0" encoding="utf-8"?>
+<file path=ppt/slides/slide13.xml><?xml version="1.0" encoding="utf-8"?>
 <p:sld xmlns:a="http://schemas.openxmlformats.org/drawingml/2006/main" xmlns:r="http://schemas.openxmlformats.org/officeDocument/2006/relationships" xmlns:p="http://schemas.openxmlformats.org/presentationml/2006/main">
   <p:cSld>
     <p:spTree>
@@ -5900,192 +6140,6 @@
 </p:sld>
 </file>
 
-<file path=ppt/slides/slide13.xml><?xml version="1.0" encoding="utf-8"?>
-<p:sld xmlns:a="http://schemas.openxmlformats.org/drawingml/2006/main" xmlns:r="http://schemas.openxmlformats.org/officeDocument/2006/relationships" xmlns:p="http://schemas.openxmlformats.org/presentationml/2006/main">
-  <p:cSld>
-    <p:spTree>
-      <p:nvGrpSpPr>
-        <p:cNvPr id="1" name=""/>
-        <p:cNvGrpSpPr/>
-        <p:nvPr/>
-      </p:nvGrpSpPr>
-      <p:grpSpPr>
-        <a:xfrm>
-          <a:off x="0" y="0"/>
-          <a:ext cx="0" cy="0"/>
-          <a:chOff x="0" y="0"/>
-          <a:chExt cx="0" cy="0"/>
-        </a:xfrm>
-      </p:grpSpPr>
-      <p:sp>
-        <p:nvSpPr>
-          <p:cNvPr id="6" name="Title 1"/>
-          <p:cNvSpPr>
-            <a:spLocks noGrp="1"/>
-          </p:cNvSpPr>
-          <p:nvPr>
-            <p:ph type="title"/>
-          </p:nvPr>
-        </p:nvSpPr>
-        <p:spPr>
-          <a:xfrm>
-            <a:off x="457200" y="205980"/>
-            <a:ext cx="8229600" cy="857251"/>
-          </a:xfrm>
-        </p:spPr>
-        <p:txBody>
-          <a:bodyPr/>
-          <a:lstStyle/>
-          <a:p>
-            <a:r>
-              <a:rPr lang="en-US" b="1" dirty="0" err="1">
-                <a:solidFill>
-                  <a:srgbClr val="0070C0"/>
-                </a:solidFill>
-              </a:rPr>
-              <a:t>Vantagens</a:t>
-            </a:r>
-            <a:r>
-              <a:rPr lang="en-US" b="1" dirty="0">
-                <a:solidFill>
-                  <a:srgbClr val="0070C0"/>
-                </a:solidFill>
-              </a:rPr>
-              <a:t>/</a:t>
-            </a:r>
-            <a:r>
-              <a:rPr lang="en-US" b="1" dirty="0" err="1">
-                <a:solidFill>
-                  <a:srgbClr val="0070C0"/>
-                </a:solidFill>
-              </a:rPr>
-              <a:t>Desvantagens</a:t>
-            </a:r>
-            <a:endParaRPr lang="en-US" b="1" dirty="0">
-              <a:solidFill>
-                <a:srgbClr val="0070C0"/>
-              </a:solidFill>
-            </a:endParaRPr>
-          </a:p>
-        </p:txBody>
-      </p:sp>
-      <p:sp>
-        <p:nvSpPr>
-          <p:cNvPr id="8" name="Text Placeholder 2"/>
-          <p:cNvSpPr>
-            <a:spLocks noGrp="1"/>
-          </p:cNvSpPr>
-          <p:nvPr>
-            <p:ph type="body" sz="half" idx="1"/>
-          </p:nvPr>
-        </p:nvSpPr>
-        <p:spPr>
-          <a:xfrm>
-            <a:off x="142865" y="1200151"/>
-            <a:ext cx="8865056" cy="3394472"/>
-          </a:xfrm>
-        </p:spPr>
-        <p:txBody>
-          <a:bodyPr>
-            <a:noAutofit/>
-          </a:bodyPr>
-          <a:lstStyle/>
-          <a:p>
-            <a:pPr marL="0" indent="0" algn="just">
-              <a:buNone/>
-            </a:pPr>
-            <a:r>
-              <a:rPr lang="pt-BR" sz="2400" b="1" u="sng" dirty="0">
-                <a:solidFill>
-                  <a:srgbClr val="FF0000"/>
-                </a:solidFill>
-                <a:latin typeface="Times New Roman" panose="02020603050405020304" pitchFamily="18" charset="0"/>
-                <a:cs typeface="Times New Roman" panose="02020603050405020304" pitchFamily="18" charset="0"/>
-              </a:rPr>
-              <a:t>Algumas Vantagens</a:t>
-            </a:r>
-          </a:p>
-          <a:p>
-            <a:pPr marL="0" indent="0" algn="just">
-              <a:buNone/>
-            </a:pPr>
-            <a:r>
-              <a:rPr lang="pt-BR" sz="2400" dirty="0">
-                <a:latin typeface="Times New Roman" panose="02020603050405020304" pitchFamily="18" charset="0"/>
-                <a:cs typeface="Times New Roman" panose="02020603050405020304" pitchFamily="18" charset="0"/>
-              </a:rPr>
-              <a:t>Mobilidade, redução de custo em hardware/software,  segurança, flexibilidade, atualizações, escalabilidade/elasticidade, multiplataforma, interoperabilidade, etc.</a:t>
-            </a:r>
-          </a:p>
-          <a:p>
-            <a:pPr marL="0" indent="0" algn="just">
-              <a:buNone/>
-            </a:pPr>
-            <a:endParaRPr lang="pt-BR" sz="2400" dirty="0">
-              <a:latin typeface="Times New Roman" panose="02020603050405020304" pitchFamily="18" charset="0"/>
-              <a:cs typeface="Times New Roman" panose="02020603050405020304" pitchFamily="18" charset="0"/>
-            </a:endParaRPr>
-          </a:p>
-          <a:p>
-            <a:pPr marL="0" indent="0" algn="just">
-              <a:buNone/>
-            </a:pPr>
-            <a:r>
-              <a:rPr lang="pt-BR" sz="2400" b="1" u="sng" dirty="0">
-                <a:solidFill>
-                  <a:srgbClr val="FF0000"/>
-                </a:solidFill>
-                <a:latin typeface="Times New Roman" panose="02020603050405020304" pitchFamily="18" charset="0"/>
-                <a:cs typeface="Times New Roman" panose="02020603050405020304" pitchFamily="18" charset="0"/>
-              </a:rPr>
-              <a:t>Algumas Desvantagens</a:t>
-            </a:r>
-            <a:endParaRPr lang="pt-BR" sz="2400" dirty="0">
-              <a:latin typeface="Times New Roman" panose="02020603050405020304" pitchFamily="18" charset="0"/>
-              <a:cs typeface="Times New Roman" panose="02020603050405020304" pitchFamily="18" charset="0"/>
-            </a:endParaRPr>
-          </a:p>
-          <a:p>
-            <a:pPr marL="0" indent="0" algn="just">
-              <a:buNone/>
-            </a:pPr>
-            <a:r>
-              <a:rPr lang="pt-BR" sz="2400" dirty="0">
-                <a:latin typeface="Times New Roman" panose="02020603050405020304" pitchFamily="18" charset="0"/>
-                <a:cs typeface="Times New Roman" panose="02020603050405020304" pitchFamily="18" charset="0"/>
-              </a:rPr>
-              <a:t>Site não responde, conexão com a Internet é obrigatória.</a:t>
-            </a:r>
-          </a:p>
-          <a:p>
-            <a:pPr algn="just">
-              <a:buFont typeface="Wingdings" panose="05000000000000000000" pitchFamily="2" charset="2"/>
-              <a:buChar char="ü"/>
-            </a:pPr>
-            <a:endParaRPr lang="pt-BR" sz="2400" dirty="0">
-              <a:solidFill>
-                <a:schemeClr val="tx1"/>
-              </a:solidFill>
-              <a:latin typeface="Times New Roman" panose="02020603050405020304" pitchFamily="18" charset="0"/>
-              <a:cs typeface="Times New Roman" panose="02020603050405020304" pitchFamily="18" charset="0"/>
-            </a:endParaRPr>
-          </a:p>
-        </p:txBody>
-      </p:sp>
-    </p:spTree>
-    <p:extLst>
-      <p:ext uri="{BB962C8B-B14F-4D97-AF65-F5344CB8AC3E}">
-        <p14:creationId xmlns:p14="http://schemas.microsoft.com/office/powerpoint/2010/main" val="124425013"/>
-      </p:ext>
-    </p:extLst>
-  </p:cSld>
-  <p:clrMapOvr>
-    <a:masterClrMapping/>
-  </p:clrMapOvr>
-  <p:transition spd="med"/>
-</p:sld>
-</file>
-
 <file path=ppt/slides/slide14.xml><?xml version="1.0" encoding="utf-8"?>
 <p:sld xmlns:a="http://schemas.openxmlformats.org/drawingml/2006/main" xmlns:r="http://schemas.openxmlformats.org/officeDocument/2006/relationships" xmlns:p="http://schemas.openxmlformats.org/presentationml/2006/main">
   <p:cSld>
@@ -6129,7 +6183,7 @@
                   <a:srgbClr val="0070C0"/>
                 </a:solidFill>
               </a:rPr>
-              <a:t>Contextualização</a:t>
+              <a:t>Vantagens</a:t>
             </a:r>
             <a:r>
               <a:rPr lang="en-US" b="1" dirty="0">
@@ -6137,7 +6191,7 @@
                   <a:srgbClr val="0070C0"/>
                 </a:solidFill>
               </a:rPr>
-              <a:t> (</a:t>
+              <a:t>/</a:t>
             </a:r>
             <a:r>
               <a:rPr lang="en-US" b="1" dirty="0" err="1">
@@ -6145,16 +6199,13 @@
                   <a:srgbClr val="0070C0"/>
                 </a:solidFill>
               </a:rPr>
-              <a:t>Profissionais</a:t>
-            </a:r>
-            <a:r>
-              <a:rPr lang="en-US" b="1" dirty="0">
-                <a:solidFill>
-                  <a:srgbClr val="0070C0"/>
-                </a:solidFill>
-              </a:rPr>
-              <a:t>)</a:t>
-            </a:r>
+              <a:t>Desvantagens</a:t>
+            </a:r>
+            <a:endParaRPr lang="en-US" b="1" dirty="0">
+              <a:solidFill>
+                <a:srgbClr val="0070C0"/>
+              </a:solidFill>
+            </a:endParaRPr>
           </a:p>
         </p:txBody>
       </p:sp>
@@ -6180,234 +6231,76 @@
           </a:bodyPr>
           <a:lstStyle/>
           <a:p>
+            <a:pPr marL="0" indent="0" algn="just">
+              <a:buNone/>
+            </a:pPr>
+            <a:r>
+              <a:rPr lang="pt-BR" sz="2400" b="1" u="sng" dirty="0">
+                <a:solidFill>
+                  <a:srgbClr val="FF0000"/>
+                </a:solidFill>
+                <a:latin typeface="Times New Roman" panose="02020603050405020304" pitchFamily="18" charset="0"/>
+                <a:cs typeface="Times New Roman" panose="02020603050405020304" pitchFamily="18" charset="0"/>
+              </a:rPr>
+              <a:t>Algumas Vantagens</a:t>
+            </a:r>
+          </a:p>
+          <a:p>
+            <a:pPr marL="0" indent="0" algn="just">
+              <a:buNone/>
+            </a:pPr>
+            <a:r>
+              <a:rPr lang="pt-BR" sz="2400" dirty="0">
+                <a:latin typeface="Times New Roman" panose="02020603050405020304" pitchFamily="18" charset="0"/>
+                <a:cs typeface="Times New Roman" panose="02020603050405020304" pitchFamily="18" charset="0"/>
+              </a:rPr>
+              <a:t>Mobilidade, redução de custo em hardware/software,  segurança, flexibilidade, atualizações, escalabilidade/elasticidade, multiplataforma, interoperabilidade, etc.</a:t>
+            </a:r>
+          </a:p>
+          <a:p>
+            <a:pPr marL="0" indent="0" algn="just">
+              <a:buNone/>
+            </a:pPr>
+            <a:endParaRPr lang="pt-BR" sz="2400" dirty="0">
+              <a:latin typeface="Times New Roman" panose="02020603050405020304" pitchFamily="18" charset="0"/>
+              <a:cs typeface="Times New Roman" panose="02020603050405020304" pitchFamily="18" charset="0"/>
+            </a:endParaRPr>
+          </a:p>
+          <a:p>
+            <a:pPr marL="0" indent="0" algn="just">
+              <a:buNone/>
+            </a:pPr>
+            <a:r>
+              <a:rPr lang="pt-BR" sz="2400" b="1" u="sng" dirty="0">
+                <a:solidFill>
+                  <a:srgbClr val="FF0000"/>
+                </a:solidFill>
+                <a:latin typeface="Times New Roman" panose="02020603050405020304" pitchFamily="18" charset="0"/>
+                <a:cs typeface="Times New Roman" panose="02020603050405020304" pitchFamily="18" charset="0"/>
+              </a:rPr>
+              <a:t>Algumas Desvantagens</a:t>
+            </a:r>
+            <a:endParaRPr lang="pt-BR" sz="2400" dirty="0">
+              <a:latin typeface="Times New Roman" panose="02020603050405020304" pitchFamily="18" charset="0"/>
+              <a:cs typeface="Times New Roman" panose="02020603050405020304" pitchFamily="18" charset="0"/>
+            </a:endParaRPr>
+          </a:p>
+          <a:p>
+            <a:pPr marL="0" indent="0" algn="just">
+              <a:buNone/>
+            </a:pPr>
+            <a:r>
+              <a:rPr lang="pt-BR" sz="2400" dirty="0">
+                <a:latin typeface="Times New Roman" panose="02020603050405020304" pitchFamily="18" charset="0"/>
+                <a:cs typeface="Times New Roman" panose="02020603050405020304" pitchFamily="18" charset="0"/>
+              </a:rPr>
+              <a:t>Site não responde, conexão com a Internet é obrigatória.</a:t>
+            </a:r>
+          </a:p>
+          <a:p>
             <a:pPr algn="just">
               <a:buFont typeface="Wingdings" panose="05000000000000000000" pitchFamily="2" charset="2"/>
               <a:buChar char="ü"/>
-            </a:pPr>
-            <a:r>
-              <a:rPr lang="pt-BR" sz="2400" b="1" dirty="0" err="1">
-                <a:latin typeface="Times New Roman" panose="02020603050405020304" pitchFamily="18" charset="0"/>
-                <a:cs typeface="Times New Roman" panose="02020603050405020304" pitchFamily="18" charset="0"/>
-              </a:rPr>
-              <a:t>Frontend</a:t>
-            </a:r>
-            <a:r>
-              <a:rPr lang="pt-BR" sz="2400" dirty="0">
-                <a:latin typeface="Times New Roman" panose="02020603050405020304" pitchFamily="18" charset="0"/>
-                <a:cs typeface="Times New Roman" panose="02020603050405020304" pitchFamily="18" charset="0"/>
-              </a:rPr>
-              <a:t> - Responsável pela interface visual;</a:t>
-            </a:r>
-          </a:p>
-          <a:p>
-            <a:pPr algn="just">
-              <a:buFont typeface="Wingdings" panose="05000000000000000000" pitchFamily="2" charset="2"/>
-              <a:buChar char="ü"/>
-            </a:pPr>
-            <a:r>
-              <a:rPr lang="pt-BR" sz="2400" b="1" dirty="0" err="1">
-                <a:solidFill>
-                  <a:schemeClr val="tx1"/>
-                </a:solidFill>
-                <a:latin typeface="Times New Roman" panose="02020603050405020304" pitchFamily="18" charset="0"/>
-                <a:cs typeface="Times New Roman" panose="02020603050405020304" pitchFamily="18" charset="0"/>
-              </a:rPr>
-              <a:t>Backend</a:t>
-            </a:r>
-            <a:r>
-              <a:rPr lang="pt-BR" sz="2400" dirty="0">
-                <a:solidFill>
-                  <a:schemeClr val="tx1"/>
-                </a:solidFill>
-                <a:latin typeface="Times New Roman" panose="02020603050405020304" pitchFamily="18" charset="0"/>
-                <a:cs typeface="Times New Roman" panose="02020603050405020304" pitchFamily="18" charset="0"/>
-              </a:rPr>
-              <a:t> - Responsável pela lógica e infraestrutura;</a:t>
-            </a:r>
-          </a:p>
-          <a:p>
-            <a:pPr algn="just">
-              <a:buFont typeface="Wingdings" panose="05000000000000000000" pitchFamily="2" charset="2"/>
-              <a:buChar char="ü"/>
-            </a:pPr>
-            <a:r>
-              <a:rPr lang="pt-BR" sz="2400" b="1" dirty="0">
-                <a:solidFill>
-                  <a:schemeClr val="tx1"/>
-                </a:solidFill>
-                <a:latin typeface="Times New Roman" panose="02020603050405020304" pitchFamily="18" charset="0"/>
-                <a:cs typeface="Times New Roman" panose="02020603050405020304" pitchFamily="18" charset="0"/>
-              </a:rPr>
-              <a:t>Full </a:t>
-            </a:r>
-            <a:r>
-              <a:rPr lang="pt-BR" sz="2400" b="1" dirty="0" err="1">
-                <a:solidFill>
-                  <a:schemeClr val="tx1"/>
-                </a:solidFill>
-                <a:latin typeface="Times New Roman" panose="02020603050405020304" pitchFamily="18" charset="0"/>
-                <a:cs typeface="Times New Roman" panose="02020603050405020304" pitchFamily="18" charset="0"/>
-              </a:rPr>
-              <a:t>Stack</a:t>
-            </a:r>
-            <a:r>
-              <a:rPr lang="pt-BR" sz="2400" b="1" dirty="0">
-                <a:solidFill>
-                  <a:schemeClr val="tx1"/>
-                </a:solidFill>
-                <a:latin typeface="Times New Roman" panose="02020603050405020304" pitchFamily="18" charset="0"/>
-                <a:cs typeface="Times New Roman" panose="02020603050405020304" pitchFamily="18" charset="0"/>
-              </a:rPr>
-              <a:t> </a:t>
-            </a:r>
-            <a:r>
-              <a:rPr lang="pt-BR" sz="2400" dirty="0">
-                <a:solidFill>
-                  <a:schemeClr val="tx1"/>
-                </a:solidFill>
-                <a:latin typeface="Times New Roman" panose="02020603050405020304" pitchFamily="18" charset="0"/>
-                <a:cs typeface="Times New Roman" panose="02020603050405020304" pitchFamily="18" charset="0"/>
-              </a:rPr>
-              <a:t>- Desenvolvedor de pilha completa, alguém que trabalha com o front-</a:t>
-            </a:r>
-            <a:r>
-              <a:rPr lang="pt-BR" sz="2400" dirty="0" err="1">
-                <a:solidFill>
-                  <a:schemeClr val="tx1"/>
-                </a:solidFill>
-                <a:latin typeface="Times New Roman" panose="02020603050405020304" pitchFamily="18" charset="0"/>
-                <a:cs typeface="Times New Roman" panose="02020603050405020304" pitchFamily="18" charset="0"/>
-              </a:rPr>
-              <a:t>end</a:t>
-            </a:r>
-            <a:r>
-              <a:rPr lang="pt-BR" sz="2400" dirty="0">
-                <a:solidFill>
-                  <a:schemeClr val="tx1"/>
-                </a:solidFill>
-                <a:latin typeface="Times New Roman" panose="02020603050405020304" pitchFamily="18" charset="0"/>
-                <a:cs typeface="Times New Roman" panose="02020603050405020304" pitchFamily="18" charset="0"/>
-              </a:rPr>
-              <a:t> e o </a:t>
-            </a:r>
-            <a:r>
-              <a:rPr lang="pt-BR" sz="2400" dirty="0" err="1">
-                <a:solidFill>
-                  <a:schemeClr val="tx1"/>
-                </a:solidFill>
-                <a:latin typeface="Times New Roman" panose="02020603050405020304" pitchFamily="18" charset="0"/>
-                <a:cs typeface="Times New Roman" panose="02020603050405020304" pitchFamily="18" charset="0"/>
-              </a:rPr>
-              <a:t>back-end</a:t>
-            </a:r>
-            <a:r>
-              <a:rPr lang="pt-BR" sz="2400" dirty="0">
-                <a:solidFill>
-                  <a:schemeClr val="tx1"/>
-                </a:solidFill>
-                <a:latin typeface="Times New Roman" panose="02020603050405020304" pitchFamily="18" charset="0"/>
-                <a:cs typeface="Times New Roman" panose="02020603050405020304" pitchFamily="18" charset="0"/>
-              </a:rPr>
-              <a:t>;</a:t>
-            </a:r>
-          </a:p>
-          <a:p>
-            <a:pPr algn="just">
-              <a:buFont typeface="Wingdings" panose="05000000000000000000" pitchFamily="2" charset="2"/>
-              <a:buChar char="ü"/>
-            </a:pPr>
-            <a:r>
-              <a:rPr lang="pt-BR" sz="2400" b="1" dirty="0">
-                <a:solidFill>
-                  <a:srgbClr val="FF0000"/>
-                </a:solidFill>
-                <a:latin typeface="Times New Roman" panose="02020603050405020304" pitchFamily="18" charset="0"/>
-                <a:cs typeface="Times New Roman" panose="02020603050405020304" pitchFamily="18" charset="0"/>
-              </a:rPr>
-              <a:t>Full </a:t>
-            </a:r>
-            <a:r>
-              <a:rPr lang="pt-BR" sz="2400" b="1" dirty="0" err="1">
-                <a:solidFill>
-                  <a:srgbClr val="FF0000"/>
-                </a:solidFill>
-                <a:latin typeface="Times New Roman" panose="02020603050405020304" pitchFamily="18" charset="0"/>
-                <a:cs typeface="Times New Roman" panose="02020603050405020304" pitchFamily="18" charset="0"/>
-              </a:rPr>
-              <a:t>Cycle</a:t>
-            </a:r>
-            <a:r>
-              <a:rPr lang="pt-BR" sz="2400" b="1" dirty="0">
-                <a:solidFill>
-                  <a:srgbClr val="FF0000"/>
-                </a:solidFill>
-                <a:latin typeface="Times New Roman" panose="02020603050405020304" pitchFamily="18" charset="0"/>
-                <a:cs typeface="Times New Roman" panose="02020603050405020304" pitchFamily="18" charset="0"/>
-              </a:rPr>
-              <a:t> </a:t>
-            </a:r>
-            <a:r>
-              <a:rPr lang="pt-BR" sz="2400" dirty="0">
-                <a:solidFill>
-                  <a:srgbClr val="FF0000"/>
-                </a:solidFill>
-                <a:latin typeface="Times New Roman" panose="02020603050405020304" pitchFamily="18" charset="0"/>
-                <a:cs typeface="Times New Roman" panose="02020603050405020304" pitchFamily="18" charset="0"/>
-              </a:rPr>
-              <a:t>- Engenheiro que pode dar conta no projeto de SI.</a:t>
-            </a:r>
-          </a:p>
-          <a:p>
-            <a:pPr marL="0" indent="0" algn="just">
-              <a:buNone/>
-            </a:pPr>
-            <a:r>
-              <a:rPr lang="pt-BR" sz="2400" dirty="0">
-                <a:solidFill>
-                  <a:schemeClr val="tx1"/>
-                </a:solidFill>
-                <a:latin typeface="Times New Roman" panose="02020603050405020304" pitchFamily="18" charset="0"/>
-                <a:cs typeface="Times New Roman" panose="02020603050405020304" pitchFamily="18" charset="0"/>
-              </a:rPr>
-              <a:t>    (Requisitos, desenvolvimento, teste, implantação e operações)</a:t>
-            </a:r>
-          </a:p>
-          <a:p>
-            <a:pPr marL="0" indent="0" algn="just">
-              <a:buNone/>
-            </a:pPr>
-            <a:r>
-              <a:rPr lang="pt-BR" sz="2400" dirty="0">
-                <a:solidFill>
-                  <a:schemeClr val="tx1"/>
-                </a:solidFill>
-                <a:latin typeface="Times New Roman" panose="02020603050405020304" pitchFamily="18" charset="0"/>
-                <a:cs typeface="Times New Roman" panose="02020603050405020304" pitchFamily="18" charset="0"/>
-              </a:rPr>
-              <a:t>	</a:t>
-            </a:r>
-            <a:r>
-              <a:rPr lang="pt-BR" sz="2400" dirty="0">
-                <a:solidFill>
-                  <a:schemeClr val="tx1"/>
-                </a:solidFill>
-                <a:latin typeface="Times New Roman" panose="02020603050405020304" pitchFamily="18" charset="0"/>
-                <a:cs typeface="Times New Roman" panose="02020603050405020304" pitchFamily="18" charset="0"/>
-                <a:hlinkClick r:id="rId3"/>
-              </a:rPr>
-              <a:t>https://imasters.com.br/desenvolvimento/full-stack-vs-full-cycle-developer</a:t>
-            </a:r>
-            <a:endParaRPr lang="pt-BR" sz="2400" dirty="0">
-              <a:solidFill>
-                <a:schemeClr val="tx1"/>
-              </a:solidFill>
-              <a:latin typeface="Times New Roman" panose="02020603050405020304" pitchFamily="18" charset="0"/>
-              <a:cs typeface="Times New Roman" panose="02020603050405020304" pitchFamily="18" charset="0"/>
-            </a:endParaRPr>
-          </a:p>
-          <a:p>
-            <a:pPr marL="0" indent="0" algn="just">
-              <a:buNone/>
             </a:pPr>
             <a:endParaRPr lang="pt-BR" sz="2400" dirty="0">
               <a:solidFill>
@@ -6422,7 +6315,7 @@
     </p:spTree>
     <p:extLst>
       <p:ext uri="{BB962C8B-B14F-4D97-AF65-F5344CB8AC3E}">
-        <p14:creationId xmlns:p14="http://schemas.microsoft.com/office/powerpoint/2010/main" val="2959652164"/>
+        <p14:creationId xmlns:p14="http://schemas.microsoft.com/office/powerpoint/2010/main" val="124425013"/>
       </p:ext>
     </p:extLst>
   </p:cSld>
@@ -6467,9 +6360,7 @@
           </a:xfrm>
         </p:spPr>
         <p:txBody>
-          <a:bodyPr>
-            <a:normAutofit/>
-          </a:bodyPr>
+          <a:bodyPr/>
           <a:lstStyle/>
           <a:p>
             <a:r>
@@ -6478,7 +6369,7 @@
                   <a:srgbClr val="0070C0"/>
                 </a:solidFill>
               </a:rPr>
-              <a:t>Leitura</a:t>
+              <a:t>Contextualização</a:t>
             </a:r>
             <a:r>
               <a:rPr lang="en-US" b="1" dirty="0">
@@ -6486,7 +6377,7 @@
                   <a:srgbClr val="0070C0"/>
                 </a:solidFill>
               </a:rPr>
-              <a:t> </a:t>
+              <a:t> (</a:t>
             </a:r>
             <a:r>
               <a:rPr lang="en-US" b="1" dirty="0" err="1">
@@ -6494,13 +6385,16 @@
                   <a:srgbClr val="0070C0"/>
                 </a:solidFill>
               </a:rPr>
-              <a:t>Específica</a:t>
-            </a:r>
-            <a:endParaRPr lang="en-US" b="1" dirty="0">
-              <a:solidFill>
-                <a:srgbClr val="0070C0"/>
-              </a:solidFill>
-            </a:endParaRPr>
+              <a:t>Profissionais</a:t>
+            </a:r>
+            <a:r>
+              <a:rPr lang="en-US" b="1" dirty="0">
+                <a:solidFill>
+                  <a:srgbClr val="0070C0"/>
+                </a:solidFill>
+              </a:rPr>
+              <a:t>)</a:t>
+            </a:r>
           </a:p>
         </p:txBody>
       </p:sp>
@@ -6516,7 +6410,7 @@
         </p:nvSpPr>
         <p:spPr>
           <a:xfrm>
-            <a:off x="142865" y="1012261"/>
+            <a:off x="142865" y="1200151"/>
             <a:ext cx="8865056" cy="3394472"/>
           </a:xfrm>
         </p:spPr>
@@ -6526,29 +6420,196 @@
           </a:bodyPr>
           <a:lstStyle/>
           <a:p>
+            <a:pPr algn="just">
+              <a:buFont typeface="Wingdings" panose="05000000000000000000" pitchFamily="2" charset="2"/>
+              <a:buChar char="ü"/>
+            </a:pPr>
+            <a:r>
+              <a:rPr lang="pt-BR" sz="2400" b="1" dirty="0" err="1">
+                <a:latin typeface="Times New Roman" panose="02020603050405020304" pitchFamily="18" charset="0"/>
+                <a:cs typeface="Times New Roman" panose="02020603050405020304" pitchFamily="18" charset="0"/>
+              </a:rPr>
+              <a:t>Frontend</a:t>
+            </a:r>
+            <a:r>
+              <a:rPr lang="pt-BR" sz="2400" dirty="0">
+                <a:latin typeface="Times New Roman" panose="02020603050405020304" pitchFamily="18" charset="0"/>
+                <a:cs typeface="Times New Roman" panose="02020603050405020304" pitchFamily="18" charset="0"/>
+              </a:rPr>
+              <a:t> - Responsável pela interface visual;</a:t>
+            </a:r>
+          </a:p>
+          <a:p>
+            <a:pPr algn="just">
+              <a:buFont typeface="Wingdings" panose="05000000000000000000" pitchFamily="2" charset="2"/>
+              <a:buChar char="ü"/>
+            </a:pPr>
+            <a:r>
+              <a:rPr lang="pt-BR" sz="2400" b="1" dirty="0" err="1">
+                <a:solidFill>
+                  <a:schemeClr val="tx1"/>
+                </a:solidFill>
+                <a:latin typeface="Times New Roman" panose="02020603050405020304" pitchFamily="18" charset="0"/>
+                <a:cs typeface="Times New Roman" panose="02020603050405020304" pitchFamily="18" charset="0"/>
+              </a:rPr>
+              <a:t>Backend</a:t>
+            </a:r>
+            <a:r>
+              <a:rPr lang="pt-BR" sz="2400" dirty="0">
+                <a:solidFill>
+                  <a:schemeClr val="tx1"/>
+                </a:solidFill>
+                <a:latin typeface="Times New Roman" panose="02020603050405020304" pitchFamily="18" charset="0"/>
+                <a:cs typeface="Times New Roman" panose="02020603050405020304" pitchFamily="18" charset="0"/>
+              </a:rPr>
+              <a:t> - Responsável pela lógica e infraestrutura;</a:t>
+            </a:r>
+          </a:p>
+          <a:p>
+            <a:pPr algn="just">
+              <a:buFont typeface="Wingdings" panose="05000000000000000000" pitchFamily="2" charset="2"/>
+              <a:buChar char="ü"/>
+            </a:pPr>
+            <a:r>
+              <a:rPr lang="pt-BR" sz="2400" b="1" dirty="0">
+                <a:solidFill>
+                  <a:schemeClr val="tx1"/>
+                </a:solidFill>
+                <a:latin typeface="Times New Roman" panose="02020603050405020304" pitchFamily="18" charset="0"/>
+                <a:cs typeface="Times New Roman" panose="02020603050405020304" pitchFamily="18" charset="0"/>
+              </a:rPr>
+              <a:t>Full </a:t>
+            </a:r>
+            <a:r>
+              <a:rPr lang="pt-BR" sz="2400" b="1" dirty="0" err="1">
+                <a:solidFill>
+                  <a:schemeClr val="tx1"/>
+                </a:solidFill>
+                <a:latin typeface="Times New Roman" panose="02020603050405020304" pitchFamily="18" charset="0"/>
+                <a:cs typeface="Times New Roman" panose="02020603050405020304" pitchFamily="18" charset="0"/>
+              </a:rPr>
+              <a:t>Stack</a:t>
+            </a:r>
+            <a:r>
+              <a:rPr lang="pt-BR" sz="2400" b="1" dirty="0">
+                <a:solidFill>
+                  <a:schemeClr val="tx1"/>
+                </a:solidFill>
+                <a:latin typeface="Times New Roman" panose="02020603050405020304" pitchFamily="18" charset="0"/>
+                <a:cs typeface="Times New Roman" panose="02020603050405020304" pitchFamily="18" charset="0"/>
+              </a:rPr>
+              <a:t> </a:t>
+            </a:r>
+            <a:r>
+              <a:rPr lang="pt-BR" sz="2400" dirty="0">
+                <a:solidFill>
+                  <a:schemeClr val="tx1"/>
+                </a:solidFill>
+                <a:latin typeface="Times New Roman" panose="02020603050405020304" pitchFamily="18" charset="0"/>
+                <a:cs typeface="Times New Roman" panose="02020603050405020304" pitchFamily="18" charset="0"/>
+              </a:rPr>
+              <a:t>- Desenvolvedor de pilha completa, alguém que trabalha com o front-</a:t>
+            </a:r>
+            <a:r>
+              <a:rPr lang="pt-BR" sz="2400" dirty="0" err="1">
+                <a:solidFill>
+                  <a:schemeClr val="tx1"/>
+                </a:solidFill>
+                <a:latin typeface="Times New Roman" panose="02020603050405020304" pitchFamily="18" charset="0"/>
+                <a:cs typeface="Times New Roman" panose="02020603050405020304" pitchFamily="18" charset="0"/>
+              </a:rPr>
+              <a:t>end</a:t>
+            </a:r>
+            <a:r>
+              <a:rPr lang="pt-BR" sz="2400" dirty="0">
+                <a:solidFill>
+                  <a:schemeClr val="tx1"/>
+                </a:solidFill>
+                <a:latin typeface="Times New Roman" panose="02020603050405020304" pitchFamily="18" charset="0"/>
+                <a:cs typeface="Times New Roman" panose="02020603050405020304" pitchFamily="18" charset="0"/>
+              </a:rPr>
+              <a:t> e o </a:t>
+            </a:r>
+            <a:r>
+              <a:rPr lang="pt-BR" sz="2400" dirty="0" err="1">
+                <a:solidFill>
+                  <a:schemeClr val="tx1"/>
+                </a:solidFill>
+                <a:latin typeface="Times New Roman" panose="02020603050405020304" pitchFamily="18" charset="0"/>
+                <a:cs typeface="Times New Roman" panose="02020603050405020304" pitchFamily="18" charset="0"/>
+              </a:rPr>
+              <a:t>back-end</a:t>
+            </a:r>
+            <a:r>
+              <a:rPr lang="pt-BR" sz="2400" dirty="0">
+                <a:solidFill>
+                  <a:schemeClr val="tx1"/>
+                </a:solidFill>
+                <a:latin typeface="Times New Roman" panose="02020603050405020304" pitchFamily="18" charset="0"/>
+                <a:cs typeface="Times New Roman" panose="02020603050405020304" pitchFamily="18" charset="0"/>
+              </a:rPr>
+              <a:t>;</a:t>
+            </a:r>
+          </a:p>
+          <a:p>
+            <a:pPr algn="just">
+              <a:buFont typeface="Wingdings" panose="05000000000000000000" pitchFamily="2" charset="2"/>
+              <a:buChar char="ü"/>
+            </a:pPr>
+            <a:r>
+              <a:rPr lang="pt-BR" sz="2400" b="1" dirty="0">
+                <a:solidFill>
+                  <a:srgbClr val="FF0000"/>
+                </a:solidFill>
+                <a:latin typeface="Times New Roman" panose="02020603050405020304" pitchFamily="18" charset="0"/>
+                <a:cs typeface="Times New Roman" panose="02020603050405020304" pitchFamily="18" charset="0"/>
+              </a:rPr>
+              <a:t>Full </a:t>
+            </a:r>
+            <a:r>
+              <a:rPr lang="pt-BR" sz="2400" b="1" dirty="0" err="1">
+                <a:solidFill>
+                  <a:srgbClr val="FF0000"/>
+                </a:solidFill>
+                <a:latin typeface="Times New Roman" panose="02020603050405020304" pitchFamily="18" charset="0"/>
+                <a:cs typeface="Times New Roman" panose="02020603050405020304" pitchFamily="18" charset="0"/>
+              </a:rPr>
+              <a:t>Cycle</a:t>
+            </a:r>
+            <a:r>
+              <a:rPr lang="pt-BR" sz="2400" b="1" dirty="0">
+                <a:solidFill>
+                  <a:srgbClr val="FF0000"/>
+                </a:solidFill>
+                <a:latin typeface="Times New Roman" panose="02020603050405020304" pitchFamily="18" charset="0"/>
+                <a:cs typeface="Times New Roman" panose="02020603050405020304" pitchFamily="18" charset="0"/>
+              </a:rPr>
+              <a:t> </a:t>
+            </a:r>
+            <a:r>
+              <a:rPr lang="pt-BR" sz="2400" dirty="0">
+                <a:solidFill>
+                  <a:srgbClr val="FF0000"/>
+                </a:solidFill>
+                <a:latin typeface="Times New Roman" panose="02020603050405020304" pitchFamily="18" charset="0"/>
+                <a:cs typeface="Times New Roman" panose="02020603050405020304" pitchFamily="18" charset="0"/>
+              </a:rPr>
+              <a:t>- Engenheiro que pode dar conta no projeto de SI.</a:t>
+            </a:r>
+          </a:p>
+          <a:p>
             <a:pPr marL="0" indent="0" algn="just">
               <a:buNone/>
             </a:pPr>
             <a:r>
-              <a:rPr lang="pt-BR" sz="1800" dirty="0">
-                <a:latin typeface="Times New Roman" panose="02020603050405020304" pitchFamily="18" charset="0"/>
-                <a:cs typeface="Times New Roman" panose="02020603050405020304" pitchFamily="18" charset="0"/>
-              </a:rPr>
-              <a:t>[1] LOUDON, Kyle. Desenvolvimento de grandes aplicações Web. Revista </a:t>
-            </a:r>
-            <a:r>
-              <a:rPr lang="pt-BR" sz="1800" dirty="0" err="1">
-                <a:latin typeface="Times New Roman" panose="02020603050405020304" pitchFamily="18" charset="0"/>
-                <a:cs typeface="Times New Roman" panose="02020603050405020304" pitchFamily="18" charset="0"/>
-              </a:rPr>
-              <a:t>Telfract</a:t>
-            </a:r>
-            <a:r>
-              <a:rPr lang="pt-BR" sz="1800" dirty="0">
-                <a:latin typeface="Times New Roman" panose="02020603050405020304" pitchFamily="18" charset="0"/>
-                <a:cs typeface="Times New Roman" panose="02020603050405020304" pitchFamily="18" charset="0"/>
-              </a:rPr>
-              <a:t>, v. 1, n. 1, 2018.</a:t>
+              <a:rPr lang="pt-BR" sz="2400" dirty="0">
+                <a:solidFill>
+                  <a:schemeClr val="tx1"/>
+                </a:solidFill>
+                <a:latin typeface="Times New Roman" panose="02020603050405020304" pitchFamily="18" charset="0"/>
+                <a:cs typeface="Times New Roman" panose="02020603050405020304" pitchFamily="18" charset="0"/>
+              </a:rPr>
+              <a:t>    (Requisitos, desenvolvimento, teste, implantação e operações)</a:t>
             </a:r>
           </a:p>
           <a:p>
@@ -6556,35 +6617,30 @@
               <a:buNone/>
             </a:pPr>
             <a:r>
-              <a:rPr lang="pt-BR" sz="1800" dirty="0">
+              <a:rPr lang="pt-BR" sz="2400" dirty="0">
+                <a:solidFill>
+                  <a:schemeClr val="tx1"/>
+                </a:solidFill>
                 <a:latin typeface="Times New Roman" panose="02020603050405020304" pitchFamily="18" charset="0"/>
                 <a:cs typeface="Times New Roman" panose="02020603050405020304" pitchFamily="18" charset="0"/>
               </a:rPr>
               <a:t>	</a:t>
             </a:r>
             <a:r>
-              <a:rPr lang="pt-BR" sz="1800" b="1" dirty="0">
-                <a:latin typeface="Times New Roman" panose="02020603050405020304" pitchFamily="18" charset="0"/>
-                <a:cs typeface="Times New Roman" panose="02020603050405020304" pitchFamily="18" charset="0"/>
-              </a:rPr>
-              <a:t>Disponível em</a:t>
-            </a:r>
-            <a:r>
-              <a:rPr lang="pt-BR" sz="1800" dirty="0">
-                <a:latin typeface="Times New Roman" panose="02020603050405020304" pitchFamily="18" charset="0"/>
-                <a:cs typeface="Times New Roman" panose="02020603050405020304" pitchFamily="18" charset="0"/>
-              </a:rPr>
-              <a:t>: </a:t>
-            </a:r>
-            <a:r>
-              <a:rPr lang="pt-BR" sz="1800" dirty="0">
+              <a:rPr lang="pt-BR" sz="2400" dirty="0">
+                <a:solidFill>
+                  <a:schemeClr val="tx1"/>
+                </a:solidFill>
                 <a:latin typeface="Times New Roman" panose="02020603050405020304" pitchFamily="18" charset="0"/>
                 <a:cs typeface="Times New Roman" panose="02020603050405020304" pitchFamily="18" charset="0"/>
                 <a:hlinkClick r:id="rId3"/>
               </a:rPr>
-              <a:t>https://telematicafractal.com.br/revista/index.php/telfract/article/view/9</a:t>
-            </a:r>
-            <a:endParaRPr lang="pt-BR" sz="1800" dirty="0">
+              <a:t>https://imasters.com.br/desenvolvimento/full-stack-vs-full-cycle-developer</a:t>
+            </a:r>
+            <a:endParaRPr lang="pt-BR" sz="2400" dirty="0">
+              <a:solidFill>
+                <a:schemeClr val="tx1"/>
+              </a:solidFill>
               <a:latin typeface="Times New Roman" panose="02020603050405020304" pitchFamily="18" charset="0"/>
               <a:cs typeface="Times New Roman" panose="02020603050405020304" pitchFamily="18" charset="0"/>
             </a:endParaRPr>
@@ -6593,95 +6649,20 @@
             <a:pPr marL="0" indent="0" algn="just">
               <a:buNone/>
             </a:pPr>
-            <a:endParaRPr lang="pt-BR" sz="1800" dirty="0">
+            <a:endParaRPr lang="pt-BR" sz="2400" dirty="0">
+              <a:solidFill>
+                <a:schemeClr val="tx1"/>
+              </a:solidFill>
               <a:latin typeface="Times New Roman" panose="02020603050405020304" pitchFamily="18" charset="0"/>
               <a:cs typeface="Times New Roman" panose="02020603050405020304" pitchFamily="18" charset="0"/>
             </a:endParaRPr>
-          </a:p>
-          <a:p>
-            <a:pPr marL="0" indent="0" algn="just">
-              <a:buNone/>
-            </a:pPr>
-            <a:r>
-              <a:rPr lang="pt-BR" sz="1800" dirty="0">
-                <a:latin typeface="Times New Roman" panose="02020603050405020304" pitchFamily="18" charset="0"/>
-                <a:cs typeface="Times New Roman" panose="02020603050405020304" pitchFamily="18" charset="0"/>
-              </a:rPr>
-              <a:t>[2] MILETTO, Evandro Manara; DE CASTRO BERTAGNOLLI, Silvia. Desenvolvimento de Software II: Introdução ao Desenvolvimento Web com HTML, CSS, </a:t>
-            </a:r>
-            <a:r>
-              <a:rPr lang="pt-BR" sz="1800" dirty="0" err="1">
-                <a:latin typeface="Times New Roman" panose="02020603050405020304" pitchFamily="18" charset="0"/>
-                <a:cs typeface="Times New Roman" panose="02020603050405020304" pitchFamily="18" charset="0"/>
-              </a:rPr>
-              <a:t>JavaScript</a:t>
-            </a:r>
-            <a:r>
-              <a:rPr lang="pt-BR" sz="1800" dirty="0">
-                <a:latin typeface="Times New Roman" panose="02020603050405020304" pitchFamily="18" charset="0"/>
-                <a:cs typeface="Times New Roman" panose="02020603050405020304" pitchFamily="18" charset="0"/>
-              </a:rPr>
-              <a:t> e PHP-Eixo: Informação e Comunicação-Série </a:t>
-            </a:r>
-            <a:r>
-              <a:rPr lang="pt-BR" sz="1800" dirty="0" err="1">
-                <a:latin typeface="Times New Roman" panose="02020603050405020304" pitchFamily="18" charset="0"/>
-                <a:cs typeface="Times New Roman" panose="02020603050405020304" pitchFamily="18" charset="0"/>
-              </a:rPr>
-              <a:t>Tekne</a:t>
-            </a:r>
-            <a:r>
-              <a:rPr lang="pt-BR" sz="1800" dirty="0">
-                <a:latin typeface="Times New Roman" panose="02020603050405020304" pitchFamily="18" charset="0"/>
-                <a:cs typeface="Times New Roman" panose="02020603050405020304" pitchFamily="18" charset="0"/>
-              </a:rPr>
-              <a:t>. Bookman Editora, 2014.</a:t>
-            </a:r>
-          </a:p>
-          <a:p>
-            <a:pPr marL="0" indent="0" algn="just">
-              <a:buNone/>
-            </a:pPr>
-            <a:r>
-              <a:rPr lang="pt-BR" sz="1800" dirty="0">
-                <a:latin typeface="Times New Roman" panose="02020603050405020304" pitchFamily="18" charset="0"/>
-                <a:cs typeface="Times New Roman" panose="02020603050405020304" pitchFamily="18" charset="0"/>
-              </a:rPr>
-              <a:t>	</a:t>
-            </a:r>
-            <a:r>
-              <a:rPr lang="pt-BR" sz="1800" b="1" dirty="0">
-                <a:latin typeface="Times New Roman" panose="02020603050405020304" pitchFamily="18" charset="0"/>
-                <a:cs typeface="Times New Roman" panose="02020603050405020304" pitchFamily="18" charset="0"/>
-              </a:rPr>
-              <a:t>Disponível em</a:t>
-            </a:r>
-            <a:r>
-              <a:rPr lang="pt-BR" sz="1800" dirty="0">
-                <a:latin typeface="Times New Roman" panose="02020603050405020304" pitchFamily="18" charset="0"/>
-                <a:cs typeface="Times New Roman" panose="02020603050405020304" pitchFamily="18" charset="0"/>
-              </a:rPr>
-              <a:t>: </a:t>
-            </a:r>
-          </a:p>
-          <a:p>
-            <a:pPr marL="0" indent="0" algn="just">
-              <a:buNone/>
-            </a:pPr>
-            <a:r>
-              <a:rPr lang="pt-BR" sz="1800" dirty="0">
-                <a:latin typeface="Times New Roman" panose="02020603050405020304" pitchFamily="18" charset="0"/>
-                <a:cs typeface="Times New Roman" panose="02020603050405020304" pitchFamily="18" charset="0"/>
-              </a:rPr>
-              <a:t>		https://books.google.com.br/books?hl=pt-BR&amp;lr=&amp;id=lcLFAwAAQBAJ&amp;oi=fnd&amp;pg=PR1&amp;dq=desenvolvimento+web+HTML,+CSS,+Javascript&amp;ots=kROItA65yt&amp;sig=kgNIWnhh5BW8_BUa-CyMDsi5MeA#v=onepage&amp;q=desenvolvimento%20web%20HTML%2C%20CSS%2C%20Javascript&amp;f=false</a:t>
-            </a:r>
           </a:p>
         </p:txBody>
       </p:sp>
     </p:spTree>
     <p:extLst>
       <p:ext uri="{BB962C8B-B14F-4D97-AF65-F5344CB8AC3E}">
-        <p14:creationId xmlns:p14="http://schemas.microsoft.com/office/powerpoint/2010/main" val="3680270425"/>
+        <p14:creationId xmlns:p14="http://schemas.microsoft.com/office/powerpoint/2010/main" val="2959652164"/>
       </p:ext>
     </p:extLst>
   </p:cSld>
@@ -6737,7 +6718,7 @@
                   <a:srgbClr val="0070C0"/>
                 </a:solidFill>
               </a:rPr>
-              <a:t>Aprenda</a:t>
+              <a:t>Leitura</a:t>
             </a:r>
             <a:r>
               <a:rPr lang="en-US" b="1" dirty="0">
@@ -6745,8 +6726,21 @@
                   <a:srgbClr val="0070C0"/>
                 </a:solidFill>
               </a:rPr>
-              <a:t>+</a:t>
-            </a:r>
+              <a:t> </a:t>
+            </a:r>
+            <a:r>
+              <a:rPr lang="en-US" b="1" dirty="0" err="1">
+                <a:solidFill>
+                  <a:srgbClr val="0070C0"/>
+                </a:solidFill>
+              </a:rPr>
+              <a:t>Específica</a:t>
+            </a:r>
+            <a:endParaRPr lang="en-US" b="1" dirty="0">
+              <a:solidFill>
+                <a:srgbClr val="0070C0"/>
+              </a:solidFill>
+            </a:endParaRPr>
           </a:p>
         </p:txBody>
       </p:sp>
@@ -6762,7 +6756,7 @@
         </p:nvSpPr>
         <p:spPr>
           <a:xfrm>
-            <a:off x="142865" y="1200151"/>
+            <a:off x="142865" y="1012261"/>
             <a:ext cx="8865056" cy="3394472"/>
           </a:xfrm>
         </p:spPr>
@@ -6775,10 +6769,27 @@
             <a:pPr marL="0" indent="0" algn="just">
               <a:buNone/>
             </a:pPr>
-            <a:endParaRPr lang="pt-BR" sz="1800" dirty="0">
-              <a:latin typeface="Times New Roman" panose="02020603050405020304" pitchFamily="18" charset="0"/>
-              <a:cs typeface="Times New Roman" panose="02020603050405020304" pitchFamily="18" charset="0"/>
-            </a:endParaRPr>
+            <a:r>
+              <a:rPr lang="pt-BR" sz="1800" dirty="0">
+                <a:latin typeface="Times New Roman" panose="02020603050405020304" pitchFamily="18" charset="0"/>
+                <a:cs typeface="Times New Roman" panose="02020603050405020304" pitchFamily="18" charset="0"/>
+              </a:rPr>
+              <a:t>[1] LOUDON, Kyle. Desenvolvimento de grandes aplicações Web. Revista </a:t>
+            </a:r>
+            <a:r>
+              <a:rPr lang="pt-BR" sz="1800" dirty="0" err="1">
+                <a:latin typeface="Times New Roman" panose="02020603050405020304" pitchFamily="18" charset="0"/>
+                <a:cs typeface="Times New Roman" panose="02020603050405020304" pitchFamily="18" charset="0"/>
+              </a:rPr>
+              <a:t>Telfract</a:t>
+            </a:r>
+            <a:r>
+              <a:rPr lang="pt-BR" sz="1800" dirty="0">
+                <a:latin typeface="Times New Roman" panose="02020603050405020304" pitchFamily="18" charset="0"/>
+                <a:cs typeface="Times New Roman" panose="02020603050405020304" pitchFamily="18" charset="0"/>
+              </a:rPr>
+              <a:t>, v. 1, n. 1, 2018.</a:t>
+            </a:r>
           </a:p>
           <a:p>
             <a:pPr marL="0" indent="0" algn="just">
@@ -6789,30 +6800,29 @@
                 <a:latin typeface="Times New Roman" panose="02020603050405020304" pitchFamily="18" charset="0"/>
                 <a:cs typeface="Times New Roman" panose="02020603050405020304" pitchFamily="18" charset="0"/>
               </a:rPr>
-              <a:t>[1] </a:t>
+              <a:t>	</a:t>
+            </a:r>
+            <a:r>
+              <a:rPr lang="pt-BR" sz="1800" b="1" dirty="0">
+                <a:latin typeface="Times New Roman" panose="02020603050405020304" pitchFamily="18" charset="0"/>
+                <a:cs typeface="Times New Roman" panose="02020603050405020304" pitchFamily="18" charset="0"/>
+              </a:rPr>
+              <a:t>Disponível em</a:t>
             </a:r>
             <a:r>
               <a:rPr lang="pt-BR" sz="1800" dirty="0">
                 <a:latin typeface="Times New Roman" panose="02020603050405020304" pitchFamily="18" charset="0"/>
                 <a:cs typeface="Times New Roman" panose="02020603050405020304" pitchFamily="18" charset="0"/>
+              </a:rPr>
+              <a:t>: </a:t>
+            </a:r>
+            <a:r>
+              <a:rPr lang="pt-BR" sz="1800" dirty="0">
+                <a:latin typeface="Times New Roman" panose="02020603050405020304" pitchFamily="18" charset="0"/>
+                <a:cs typeface="Times New Roman" panose="02020603050405020304" pitchFamily="18" charset="0"/>
                 <a:hlinkClick r:id="rId3"/>
               </a:rPr>
-              <a:t>https://www.w3schools.com/tags/tag_hn</a:t>
-            </a:r>
-            <a:r>
-              <a:rPr lang="pt-BR" sz="1800">
-                <a:latin typeface="Times New Roman" panose="02020603050405020304" pitchFamily="18" charset="0"/>
-                <a:cs typeface="Times New Roman" panose="02020603050405020304" pitchFamily="18" charset="0"/>
-                <a:hlinkClick r:id="rId3"/>
-              </a:rPr>
-              <a:t>.asp</a:t>
-            </a:r>
-            <a:r>
-              <a:rPr lang="pt-BR" sz="1800">
-                <a:latin typeface="Times New Roman" panose="02020603050405020304" pitchFamily="18" charset="0"/>
-                <a:cs typeface="Times New Roman" panose="02020603050405020304" pitchFamily="18" charset="0"/>
-              </a:rPr>
-              <a:t> (HTML, CSS, JS, PHP)</a:t>
+              <a:t>https://telematicafractal.com.br/revista/index.php/telfract/article/view/9</a:t>
             </a:r>
             <a:endParaRPr lang="pt-BR" sz="1800" dirty="0">
               <a:latin typeface="Times New Roman" panose="02020603050405020304" pitchFamily="18" charset="0"/>
@@ -6837,29 +6847,62 @@
                 <a:latin typeface="Times New Roman" panose="02020603050405020304" pitchFamily="18" charset="0"/>
                 <a:cs typeface="Times New Roman" panose="02020603050405020304" pitchFamily="18" charset="0"/>
               </a:rPr>
-              <a:t>[2] </a:t>
+              <a:t>[2] MILETTO, Evandro Manara; DE CASTRO BERTAGNOLLI, Silvia. Desenvolvimento de Software II: Introdução ao Desenvolvimento Web com HTML, CSS, </a:t>
+            </a:r>
+            <a:r>
+              <a:rPr lang="pt-BR" sz="1800" dirty="0" err="1">
+                <a:latin typeface="Times New Roman" panose="02020603050405020304" pitchFamily="18" charset="0"/>
+                <a:cs typeface="Times New Roman" panose="02020603050405020304" pitchFamily="18" charset="0"/>
+              </a:rPr>
+              <a:t>JavaScript</a:t>
             </a:r>
             <a:r>
               <a:rPr lang="pt-BR" sz="1800" dirty="0">
                 <a:latin typeface="Times New Roman" panose="02020603050405020304" pitchFamily="18" charset="0"/>
                 <a:cs typeface="Times New Roman" panose="02020603050405020304" pitchFamily="18" charset="0"/>
-                <a:hlinkClick r:id="rId4"/>
-              </a:rPr>
-              <a:t>https://elephantsolutions.net/best-css-frameworks-in-2021/</a:t>
-            </a:r>
-            <a:endParaRPr lang="pt-BR" sz="1800" dirty="0">
-              <a:latin typeface="Times New Roman" panose="02020603050405020304" pitchFamily="18" charset="0"/>
-              <a:cs typeface="Times New Roman" panose="02020603050405020304" pitchFamily="18" charset="0"/>
-            </a:endParaRPr>
+              </a:rPr>
+              <a:t> e PHP-Eixo: Informação e Comunicação-Série </a:t>
+            </a:r>
+            <a:r>
+              <a:rPr lang="pt-BR" sz="1800" dirty="0" err="1">
+                <a:latin typeface="Times New Roman" panose="02020603050405020304" pitchFamily="18" charset="0"/>
+                <a:cs typeface="Times New Roman" panose="02020603050405020304" pitchFamily="18" charset="0"/>
+              </a:rPr>
+              <a:t>Tekne</a:t>
+            </a:r>
+            <a:r>
+              <a:rPr lang="pt-BR" sz="1800" dirty="0">
+                <a:latin typeface="Times New Roman" panose="02020603050405020304" pitchFamily="18" charset="0"/>
+                <a:cs typeface="Times New Roman" panose="02020603050405020304" pitchFamily="18" charset="0"/>
+              </a:rPr>
+              <a:t>. Bookman Editora, 2014.</a:t>
+            </a:r>
           </a:p>
           <a:p>
             <a:pPr marL="0" indent="0" algn="just">
               <a:buNone/>
             </a:pPr>
-            <a:endParaRPr lang="pt-BR" sz="1800" dirty="0">
-              <a:latin typeface="Times New Roman" panose="02020603050405020304" pitchFamily="18" charset="0"/>
-              <a:cs typeface="Times New Roman" panose="02020603050405020304" pitchFamily="18" charset="0"/>
-            </a:endParaRPr>
+            <a:r>
+              <a:rPr lang="pt-BR" sz="1800" dirty="0">
+                <a:latin typeface="Times New Roman" panose="02020603050405020304" pitchFamily="18" charset="0"/>
+                <a:cs typeface="Times New Roman" panose="02020603050405020304" pitchFamily="18" charset="0"/>
+              </a:rPr>
+              <a:t>	</a:t>
+            </a:r>
+            <a:r>
+              <a:rPr lang="pt-BR" sz="1800" b="1" dirty="0">
+                <a:latin typeface="Times New Roman" panose="02020603050405020304" pitchFamily="18" charset="0"/>
+                <a:cs typeface="Times New Roman" panose="02020603050405020304" pitchFamily="18" charset="0"/>
+              </a:rPr>
+              <a:t>Disponível em</a:t>
+            </a:r>
+            <a:r>
+              <a:rPr lang="pt-BR" sz="1800" dirty="0">
+                <a:latin typeface="Times New Roman" panose="02020603050405020304" pitchFamily="18" charset="0"/>
+                <a:cs typeface="Times New Roman" panose="02020603050405020304" pitchFamily="18" charset="0"/>
+              </a:rPr>
+              <a:t>: </a:t>
+            </a:r>
           </a:p>
           <a:p>
             <a:pPr marL="0" indent="0" algn="just">
@@ -6870,36 +6913,15 @@
                 <a:latin typeface="Times New Roman" panose="02020603050405020304" pitchFamily="18" charset="0"/>
                 <a:cs typeface="Times New Roman" panose="02020603050405020304" pitchFamily="18" charset="0"/>
               </a:rPr>
-              <a:t>[3] </a:t>
-            </a:r>
-            <a:r>
-              <a:rPr lang="pt-BR" sz="1800" dirty="0">
-                <a:latin typeface="Times New Roman" panose="02020603050405020304" pitchFamily="18" charset="0"/>
-                <a:cs typeface="Times New Roman" panose="02020603050405020304" pitchFamily="18" charset="0"/>
-                <a:hlinkClick r:id="rId5"/>
-              </a:rPr>
-              <a:t>https://youtu.be/CTjUpZqTJDg</a:t>
-            </a:r>
-            <a:endParaRPr lang="pt-BR" sz="1800" dirty="0">
-              <a:latin typeface="Times New Roman" panose="02020603050405020304" pitchFamily="18" charset="0"/>
-              <a:cs typeface="Times New Roman" panose="02020603050405020304" pitchFamily="18" charset="0"/>
-            </a:endParaRPr>
-          </a:p>
-          <a:p>
-            <a:pPr marL="0" indent="0" algn="just">
-              <a:buNone/>
-            </a:pPr>
-            <a:endParaRPr lang="pt-BR" sz="1800" dirty="0">
-              <a:latin typeface="Times New Roman" panose="02020603050405020304" pitchFamily="18" charset="0"/>
-              <a:cs typeface="Times New Roman" panose="02020603050405020304" pitchFamily="18" charset="0"/>
-            </a:endParaRPr>
+              <a:t>		https://books.google.com.br/books?hl=pt-BR&amp;lr=&amp;id=lcLFAwAAQBAJ&amp;oi=fnd&amp;pg=PR1&amp;dq=desenvolvimento+web+HTML,+CSS,+Javascript&amp;ots=kROItA65yt&amp;sig=kgNIWnhh5BW8_BUa-CyMDsi5MeA#v=onepage&amp;q=desenvolvimento%20web%20HTML%2C%20CSS%2C%20Javascript&amp;f=false</a:t>
+            </a:r>
           </a:p>
         </p:txBody>
       </p:sp>
     </p:spTree>
     <p:extLst>
       <p:ext uri="{BB962C8B-B14F-4D97-AF65-F5344CB8AC3E}">
-        <p14:creationId xmlns:p14="http://schemas.microsoft.com/office/powerpoint/2010/main" val="2747596967"/>
+        <p14:creationId xmlns:p14="http://schemas.microsoft.com/office/powerpoint/2010/main" val="3680270425"/>
       </p:ext>
     </p:extLst>
   </p:cSld>
@@ -6955,7 +6977,7 @@
                   <a:srgbClr val="0070C0"/>
                 </a:solidFill>
               </a:rPr>
-              <a:t>Dinâmica</a:t>
+              <a:t>Aprenda</a:t>
             </a:r>
             <a:r>
               <a:rPr lang="en-US" b="1" dirty="0">
@@ -6963,21 +6985,8 @@
                   <a:srgbClr val="0070C0"/>
                 </a:solidFill>
               </a:rPr>
-              <a:t>/</a:t>
-            </a:r>
-            <a:r>
-              <a:rPr lang="en-US" b="1" dirty="0" err="1">
-                <a:solidFill>
-                  <a:srgbClr val="0070C0"/>
-                </a:solidFill>
-              </a:rPr>
-              <a:t>Atividades</a:t>
-            </a:r>
-            <a:endParaRPr lang="en-US" b="1" dirty="0">
-              <a:solidFill>
-                <a:srgbClr val="0070C0"/>
-              </a:solidFill>
-            </a:endParaRPr>
+              <a:t>+</a:t>
+            </a:r>
           </a:p>
         </p:txBody>
       </p:sp>
@@ -6993,8 +7002,8 @@
         </p:nvSpPr>
         <p:spPr>
           <a:xfrm>
-            <a:off x="139472" y="1063230"/>
-            <a:ext cx="8865056" cy="3606305"/>
+            <a:off x="142865" y="1200151"/>
+            <a:ext cx="8865056" cy="3394472"/>
           </a:xfrm>
         </p:spPr>
         <p:txBody>
@@ -7006,17 +7015,7 @@
             <a:pPr marL="0" indent="0" algn="just">
               <a:buNone/>
             </a:pPr>
-            <a:r>
-              <a:rPr lang="pt-BR" sz="2000" dirty="0">
-                <a:latin typeface="Times New Roman" panose="02020603050405020304" pitchFamily="18" charset="0"/>
-                <a:cs typeface="Times New Roman" panose="02020603050405020304" pitchFamily="18" charset="0"/>
-              </a:rPr>
-              <a:t>- Elabore um arquivo HTML para reproduzir o texto abaixo:</a:t>
-            </a:r>
-          </a:p>
-          <a:p>
-            <a:pPr algn="just"/>
-            <a:endParaRPr lang="pt-BR" sz="2000" dirty="0">
+            <a:endParaRPr lang="pt-BR" sz="1800" dirty="0">
               <a:latin typeface="Times New Roman" panose="02020603050405020304" pitchFamily="18" charset="0"/>
               <a:cs typeface="Times New Roman" panose="02020603050405020304" pitchFamily="18" charset="0"/>
             </a:endParaRPr>
@@ -7025,60 +7024,189 @@
             <a:pPr marL="0" indent="0" algn="just">
               <a:buNone/>
             </a:pPr>
-            <a:endParaRPr lang="pt-BR" sz="2000" dirty="0">
+            <a:r>
+              <a:rPr lang="pt-BR" sz="1800" dirty="0">
+                <a:latin typeface="Times New Roman" panose="02020603050405020304" pitchFamily="18" charset="0"/>
+                <a:cs typeface="Times New Roman" panose="02020603050405020304" pitchFamily="18" charset="0"/>
+              </a:rPr>
+              <a:t>[1] </a:t>
+            </a:r>
+            <a:r>
+              <a:rPr lang="pt-BR" sz="1800" dirty="0">
+                <a:latin typeface="Times New Roman" panose="02020603050405020304" pitchFamily="18" charset="0"/>
+                <a:cs typeface="Times New Roman" panose="02020603050405020304" pitchFamily="18" charset="0"/>
+                <a:hlinkClick r:id="rId3"/>
+              </a:rPr>
+              <a:t>https://www.w3schools.com/tags/tag_hn.asp</a:t>
+            </a:r>
+            <a:r>
+              <a:rPr lang="pt-BR" sz="1800" dirty="0">
+                <a:latin typeface="Times New Roman" panose="02020603050405020304" pitchFamily="18" charset="0"/>
+                <a:cs typeface="Times New Roman" panose="02020603050405020304" pitchFamily="18" charset="0"/>
+              </a:rPr>
+              <a:t> (HTML, CSS, JS, PHP)</a:t>
+            </a:r>
+          </a:p>
+          <a:p>
+            <a:pPr marL="0" indent="0" algn="just">
+              <a:buNone/>
+            </a:pPr>
+            <a:endParaRPr lang="pt-BR" sz="1800" dirty="0">
               <a:latin typeface="Times New Roman" panose="02020603050405020304" pitchFamily="18" charset="0"/>
               <a:cs typeface="Times New Roman" panose="02020603050405020304" pitchFamily="18" charset="0"/>
             </a:endParaRPr>
           </a:p>
           <a:p>
-            <a:pPr algn="just"/>
-            <a:endParaRPr lang="pt-BR" sz="2000" dirty="0">
+            <a:pPr marL="0" indent="0" algn="just">
+              <a:buNone/>
+            </a:pPr>
+            <a:r>
+              <a:rPr lang="pt-BR" sz="1800" dirty="0">
+                <a:latin typeface="Times New Roman" panose="02020603050405020304" pitchFamily="18" charset="0"/>
+                <a:cs typeface="Times New Roman" panose="02020603050405020304" pitchFamily="18" charset="0"/>
+              </a:rPr>
+              <a:t>[2] </a:t>
+            </a:r>
+            <a:r>
+              <a:rPr lang="pt-BR" sz="1800" dirty="0">
+                <a:latin typeface="Times New Roman" panose="02020603050405020304" pitchFamily="18" charset="0"/>
+                <a:cs typeface="Times New Roman" panose="02020603050405020304" pitchFamily="18" charset="0"/>
+                <a:hlinkClick r:id="rId4"/>
+              </a:rPr>
+              <a:t>https://elephantsolutions.net/best-css-frameworks-in-2021/</a:t>
+            </a:r>
+            <a:endParaRPr lang="pt-BR" sz="1800" dirty="0">
               <a:latin typeface="Times New Roman" panose="02020603050405020304" pitchFamily="18" charset="0"/>
               <a:cs typeface="Times New Roman" panose="02020603050405020304" pitchFamily="18" charset="0"/>
             </a:endParaRPr>
           </a:p>
           <a:p>
-            <a:pPr algn="just"/>
-            <a:endParaRPr lang="pt-BR" sz="2000" dirty="0">
-              <a:latin typeface="Calibri" panose="020F0502020204030204" pitchFamily="34" charset="0"/>
+            <a:pPr marL="0" indent="0" algn="just">
+              <a:buNone/>
+            </a:pPr>
+            <a:endParaRPr lang="pt-BR" sz="1800" dirty="0">
+              <a:latin typeface="Times New Roman" panose="02020603050405020304" pitchFamily="18" charset="0"/>
+              <a:cs typeface="Times New Roman" panose="02020603050405020304" pitchFamily="18" charset="0"/>
+            </a:endParaRPr>
+          </a:p>
+          <a:p>
+            <a:pPr marL="0" indent="0" algn="just">
+              <a:buNone/>
+            </a:pPr>
+            <a:r>
+              <a:rPr lang="pt-BR" sz="1800" dirty="0">
+                <a:latin typeface="Times New Roman" panose="02020603050405020304" pitchFamily="18" charset="0"/>
+                <a:cs typeface="Times New Roman" panose="02020603050405020304" pitchFamily="18" charset="0"/>
+              </a:rPr>
+              <a:t>[3] </a:t>
+            </a:r>
+            <a:r>
+              <a:rPr lang="pt-BR" sz="1800" dirty="0">
+                <a:latin typeface="Times New Roman" panose="02020603050405020304" pitchFamily="18" charset="0"/>
+                <a:cs typeface="Times New Roman" panose="02020603050405020304" pitchFamily="18" charset="0"/>
+                <a:hlinkClick r:id="rId5"/>
+              </a:rPr>
+              <a:t>https://youtu.be/CTjUpZqTJDg</a:t>
+            </a:r>
+            <a:endParaRPr lang="pt-BR" sz="1800" dirty="0">
+              <a:latin typeface="Times New Roman" panose="02020603050405020304" pitchFamily="18" charset="0"/>
+              <a:cs typeface="Times New Roman" panose="02020603050405020304" pitchFamily="18" charset="0"/>
+            </a:endParaRPr>
+          </a:p>
+          <a:p>
+            <a:pPr marL="0" indent="0" algn="just">
+              <a:buNone/>
+            </a:pPr>
+            <a:endParaRPr lang="pt-BR" sz="1800" dirty="0">
+              <a:latin typeface="Times New Roman" panose="02020603050405020304" pitchFamily="18" charset="0"/>
+              <a:cs typeface="Times New Roman" panose="02020603050405020304" pitchFamily="18" charset="0"/>
+            </a:endParaRPr>
+          </a:p>
+          <a:p>
+            <a:pPr marL="0" indent="0" algn="just">
+              <a:buNone/>
+            </a:pPr>
+            <a:r>
+              <a:rPr lang="pt-BR" sz="1800" dirty="0">
+                <a:latin typeface="Times New Roman" panose="02020603050405020304" pitchFamily="18" charset="0"/>
+                <a:cs typeface="Times New Roman" panose="02020603050405020304" pitchFamily="18" charset="0"/>
+              </a:rPr>
+              <a:t>[4] </a:t>
+            </a:r>
+          </a:p>
+          <a:p>
+            <a:pPr marL="0" indent="0" algn="just">
+              <a:buNone/>
+            </a:pPr>
+            <a:r>
+              <a:rPr lang="pt-BR" sz="1800" dirty="0">
+                <a:latin typeface="Times New Roman" panose="02020603050405020304" pitchFamily="18" charset="0"/>
+                <a:cs typeface="Times New Roman" panose="02020603050405020304" pitchFamily="18" charset="0"/>
+              </a:rPr>
+              <a:t>     </a:t>
+            </a:r>
+            <a:r>
+              <a:rPr lang="pt-BR" sz="1800" dirty="0">
+                <a:latin typeface="Times New Roman" panose="02020603050405020304" pitchFamily="18" charset="0"/>
+                <a:cs typeface="Times New Roman" panose="02020603050405020304" pitchFamily="18" charset="0"/>
+                <a:hlinkClick r:id="rId6"/>
+              </a:rPr>
+              <a:t>https://developer.mozilla.org/pt</a:t>
+            </a:r>
+            <a:r>
+              <a:rPr lang="pt-BR" sz="1800" dirty="0">
+                <a:latin typeface="Times New Roman" panose="02020603050405020304" pitchFamily="18" charset="0"/>
+                <a:cs typeface="Times New Roman" panose="02020603050405020304" pitchFamily="18" charset="0"/>
+                <a:hlinkClick r:id="rId7"/>
+              </a:rPr>
+              <a:t>-</a:t>
+            </a:r>
+            <a:r>
+              <a:rPr lang="pt-BR" sz="1800" dirty="0">
+                <a:latin typeface="Times New Roman" panose="02020603050405020304" pitchFamily="18" charset="0"/>
+                <a:cs typeface="Times New Roman" panose="02020603050405020304" pitchFamily="18" charset="0"/>
+                <a:hlinkClick r:id="rId7"/>
+              </a:rPr>
+              <a:t>BR/docs/Learn/Getting_started_with_the_web/Installing_basic_software</a:t>
+            </a:r>
+            <a:endParaRPr lang="pt-BR" sz="1800" dirty="0">
+              <a:latin typeface="Times New Roman" panose="02020603050405020304" pitchFamily="18" charset="0"/>
+              <a:cs typeface="Times New Roman" panose="02020603050405020304" pitchFamily="18" charset="0"/>
+            </a:endParaRPr>
+          </a:p>
+          <a:p>
+            <a:pPr marL="0" indent="0" algn="just">
+              <a:buNone/>
+            </a:pPr>
+            <a:endParaRPr lang="pt-BR" sz="1800" dirty="0">
+              <a:latin typeface="Times New Roman" panose="02020603050405020304" pitchFamily="18" charset="0"/>
+              <a:cs typeface="Times New Roman" panose="02020603050405020304" pitchFamily="18" charset="0"/>
+            </a:endParaRPr>
+          </a:p>
+          <a:p>
+            <a:pPr marL="0" indent="0" algn="just">
+              <a:buNone/>
+            </a:pPr>
+            <a:endParaRPr lang="pt-BR" sz="1800" dirty="0">
+              <a:latin typeface="Times New Roman" panose="02020603050405020304" pitchFamily="18" charset="0"/>
+              <a:cs typeface="Times New Roman" panose="02020603050405020304" pitchFamily="18" charset="0"/>
+            </a:endParaRPr>
+          </a:p>
+          <a:p>
+            <a:pPr marL="0" indent="0" algn="just">
+              <a:buNone/>
+            </a:pPr>
+            <a:endParaRPr lang="pt-BR" sz="1800" dirty="0">
+              <a:latin typeface="Times New Roman" panose="02020603050405020304" pitchFamily="18" charset="0"/>
+              <a:cs typeface="Times New Roman" panose="02020603050405020304" pitchFamily="18" charset="0"/>
             </a:endParaRPr>
           </a:p>
         </p:txBody>
       </p:sp>
-      <p:pic>
-        <p:nvPicPr>
-          <p:cNvPr id="10" name="Imagem 9">
-            <a:extLst>
-              <a:ext uri="{FF2B5EF4-FFF2-40B4-BE49-F238E27FC236}">
-                <a16:creationId xmlns:a16="http://schemas.microsoft.com/office/drawing/2014/main" id="{B439B967-8D77-49B2-B05C-F4BE15CC78DF}"/>
-              </a:ext>
-            </a:extLst>
-          </p:cNvPr>
-          <p:cNvPicPr>
-            <a:picLocks noChangeAspect="1"/>
-          </p:cNvPicPr>
-          <p:nvPr/>
-        </p:nvPicPr>
-        <p:blipFill>
-          <a:blip r:embed="rId3"/>
-          <a:stretch>
-            <a:fillRect/>
-          </a:stretch>
-        </p:blipFill>
-        <p:spPr>
-          <a:xfrm>
-            <a:off x="574317" y="1961105"/>
-            <a:ext cx="6550908" cy="1979830"/>
-          </a:xfrm>
-          <a:prstGeom prst="rect">
-            <a:avLst/>
-          </a:prstGeom>
-        </p:spPr>
-      </p:pic>
     </p:spTree>
     <p:extLst>
       <p:ext uri="{BB962C8B-B14F-4D97-AF65-F5344CB8AC3E}">
-        <p14:creationId xmlns:p14="http://schemas.microsoft.com/office/powerpoint/2010/main" val="2470652989"/>
+        <p14:creationId xmlns:p14="http://schemas.microsoft.com/office/powerpoint/2010/main" val="2747596967"/>
       </p:ext>
     </p:extLst>
   </p:cSld>
@@ -7134,7 +7262,7 @@
                   <a:srgbClr val="0070C0"/>
                 </a:solidFill>
               </a:rPr>
-              <a:t>Referências</a:t>
+              <a:t>Dinâmica</a:t>
             </a:r>
             <a:r>
               <a:rPr lang="en-US" b="1" dirty="0">
@@ -7142,7 +7270,7 @@
                   <a:srgbClr val="0070C0"/>
                 </a:solidFill>
               </a:rPr>
-              <a:t> </a:t>
+              <a:t>/</a:t>
             </a:r>
             <a:r>
               <a:rPr lang="en-US" b="1" dirty="0" err="1">
@@ -7150,7 +7278,7 @@
                   <a:srgbClr val="0070C0"/>
                 </a:solidFill>
               </a:rPr>
-              <a:t>Bibliográficas</a:t>
+              <a:t>Atividades</a:t>
             </a:r>
             <a:endParaRPr lang="en-US" b="1" dirty="0">
               <a:solidFill>
@@ -7172,8 +7300,8 @@
         </p:nvSpPr>
         <p:spPr>
           <a:xfrm>
-            <a:off x="142865" y="1200151"/>
-            <a:ext cx="8865056" cy="3394472"/>
+            <a:off x="139472" y="1063230"/>
+            <a:ext cx="8865056" cy="3606305"/>
           </a:xfrm>
         </p:spPr>
         <p:txBody>
@@ -7185,7 +7313,17 @@
             <a:pPr marL="0" indent="0" algn="just">
               <a:buNone/>
             </a:pPr>
-            <a:endParaRPr lang="pt-BR" sz="1800" dirty="0">
+            <a:r>
+              <a:rPr lang="pt-BR" sz="2000" dirty="0">
+                <a:latin typeface="Times New Roman" panose="02020603050405020304" pitchFamily="18" charset="0"/>
+                <a:cs typeface="Times New Roman" panose="02020603050405020304" pitchFamily="18" charset="0"/>
+              </a:rPr>
+              <a:t>- Elabore um arquivo HTML para reproduzir o texto abaixo:</a:t>
+            </a:r>
+          </a:p>
+          <a:p>
+            <a:pPr algn="just"/>
+            <a:endParaRPr lang="pt-BR" sz="2000" dirty="0">
               <a:latin typeface="Times New Roman" panose="02020603050405020304" pitchFamily="18" charset="0"/>
               <a:cs typeface="Times New Roman" panose="02020603050405020304" pitchFamily="18" charset="0"/>
             </a:endParaRPr>
@@ -7194,83 +7332,60 @@
             <a:pPr marL="0" indent="0" algn="just">
               <a:buNone/>
             </a:pPr>
-            <a:r>
-              <a:rPr lang="pt-BR" sz="1800" dirty="0">
-                <a:latin typeface="Times New Roman" panose="02020603050405020304" pitchFamily="18" charset="0"/>
-                <a:cs typeface="Times New Roman" panose="02020603050405020304" pitchFamily="18" charset="0"/>
-              </a:rPr>
-              <a:t>[1] </a:t>
-            </a:r>
-            <a:r>
-              <a:rPr lang="pt-BR" sz="1800" b="1" dirty="0">
-                <a:latin typeface="Times New Roman" panose="02020603050405020304" pitchFamily="18" charset="0"/>
-                <a:cs typeface="Times New Roman" panose="02020603050405020304" pitchFamily="18" charset="0"/>
-              </a:rPr>
-              <a:t>BENTO</a:t>
-            </a:r>
-            <a:r>
-              <a:rPr lang="pt-BR" sz="1800" dirty="0">
-                <a:latin typeface="Times New Roman" panose="02020603050405020304" pitchFamily="18" charset="0"/>
-                <a:cs typeface="Times New Roman" panose="02020603050405020304" pitchFamily="18" charset="0"/>
-              </a:rPr>
-              <a:t>, Evaldo Junior. Desenvolvimento web com PHP e MySQL. Editora Casa do Código, 2021.</a:t>
-            </a:r>
-          </a:p>
-          <a:p>
-            <a:pPr marL="0" indent="0" algn="just">
-              <a:buNone/>
-            </a:pPr>
-            <a:endParaRPr lang="pt-BR" sz="1800" dirty="0">
+            <a:endParaRPr lang="pt-BR" sz="2000" dirty="0">
               <a:latin typeface="Times New Roman" panose="02020603050405020304" pitchFamily="18" charset="0"/>
               <a:cs typeface="Times New Roman" panose="02020603050405020304" pitchFamily="18" charset="0"/>
             </a:endParaRPr>
           </a:p>
           <a:p>
-            <a:pPr marL="0" indent="0" algn="just">
-              <a:buNone/>
-            </a:pPr>
-            <a:r>
-              <a:rPr lang="pt-BR" sz="1800" dirty="0">
-                <a:latin typeface="Times New Roman" panose="02020603050405020304" pitchFamily="18" charset="0"/>
-                <a:cs typeface="Times New Roman" panose="02020603050405020304" pitchFamily="18" charset="0"/>
-              </a:rPr>
-              <a:t>[2] </a:t>
-            </a:r>
-            <a:r>
-              <a:rPr lang="pt-BR" sz="1800" b="1" dirty="0">
-                <a:latin typeface="Times New Roman" panose="02020603050405020304" pitchFamily="18" charset="0"/>
-                <a:cs typeface="Times New Roman" panose="02020603050405020304" pitchFamily="18" charset="0"/>
-              </a:rPr>
-              <a:t>LOUDON</a:t>
-            </a:r>
-            <a:r>
-              <a:rPr lang="pt-BR" sz="1800" dirty="0">
-                <a:latin typeface="Times New Roman" panose="02020603050405020304" pitchFamily="18" charset="0"/>
-                <a:cs typeface="Times New Roman" panose="02020603050405020304" pitchFamily="18" charset="0"/>
-              </a:rPr>
-              <a:t>, Kyle. Desenvolvimento de grandes aplicações Web. Revista </a:t>
-            </a:r>
-            <a:r>
-              <a:rPr lang="pt-BR" sz="1800" dirty="0" err="1">
-                <a:latin typeface="Times New Roman" panose="02020603050405020304" pitchFamily="18" charset="0"/>
-                <a:cs typeface="Times New Roman" panose="02020603050405020304" pitchFamily="18" charset="0"/>
-              </a:rPr>
-              <a:t>Telfract</a:t>
-            </a:r>
-            <a:r>
-              <a:rPr lang="pt-BR" sz="1800" dirty="0">
-                <a:latin typeface="Times New Roman" panose="02020603050405020304" pitchFamily="18" charset="0"/>
-                <a:cs typeface="Times New Roman" panose="02020603050405020304" pitchFamily="18" charset="0"/>
-              </a:rPr>
-              <a:t>, v. 1, n. 1, 2018.</a:t>
-            </a:r>
+            <a:pPr algn="just"/>
+            <a:endParaRPr lang="pt-BR" sz="2000" dirty="0">
+              <a:latin typeface="Times New Roman" panose="02020603050405020304" pitchFamily="18" charset="0"/>
+              <a:cs typeface="Times New Roman" panose="02020603050405020304" pitchFamily="18" charset="0"/>
+            </a:endParaRPr>
+          </a:p>
+          <a:p>
+            <a:pPr algn="just"/>
+            <a:endParaRPr lang="pt-BR" sz="2000" dirty="0">
+              <a:latin typeface="Calibri" panose="020F0502020204030204" pitchFamily="34" charset="0"/>
+            </a:endParaRPr>
           </a:p>
         </p:txBody>
       </p:sp>
+      <p:pic>
+        <p:nvPicPr>
+          <p:cNvPr id="10" name="Imagem 9">
+            <a:extLst>
+              <a:ext uri="{FF2B5EF4-FFF2-40B4-BE49-F238E27FC236}">
+                <a16:creationId xmlns:a16="http://schemas.microsoft.com/office/drawing/2014/main" id="{B439B967-8D77-49B2-B05C-F4BE15CC78DF}"/>
+              </a:ext>
+            </a:extLst>
+          </p:cNvPr>
+          <p:cNvPicPr>
+            <a:picLocks noChangeAspect="1"/>
+          </p:cNvPicPr>
+          <p:nvPr/>
+        </p:nvPicPr>
+        <p:blipFill>
+          <a:blip r:embed="rId3"/>
+          <a:stretch>
+            <a:fillRect/>
+          </a:stretch>
+        </p:blipFill>
+        <p:spPr>
+          <a:xfrm>
+            <a:off x="574317" y="1961105"/>
+            <a:ext cx="6550908" cy="1979830"/>
+          </a:xfrm>
+          <a:prstGeom prst="rect">
+            <a:avLst/>
+          </a:prstGeom>
+        </p:spPr>
+      </p:pic>
     </p:spTree>
     <p:extLst>
       <p:ext uri="{BB962C8B-B14F-4D97-AF65-F5344CB8AC3E}">
-        <p14:creationId xmlns:p14="http://schemas.microsoft.com/office/powerpoint/2010/main" val="1115311843"/>
+        <p14:creationId xmlns:p14="http://schemas.microsoft.com/office/powerpoint/2010/main" val="2470652989"/>
       </p:ext>
     </p:extLst>
   </p:cSld>
@@ -7298,96 +7413,9 @@
           <a:chExt cx="0" cy="0"/>
         </a:xfrm>
       </p:grpSpPr>
-      <p:pic>
-        <p:nvPicPr>
-          <p:cNvPr id="112" name="Picture 6" descr="Picture 6"/>
-          <p:cNvPicPr>
-            <a:picLocks noChangeAspect="1"/>
-          </p:cNvPicPr>
-          <p:nvPr/>
-        </p:nvPicPr>
-        <p:blipFill>
-          <a:blip r:embed="rId2"/>
-          <a:stretch>
-            <a:fillRect/>
-          </a:stretch>
-        </p:blipFill>
-        <p:spPr>
-          <a:xfrm>
-            <a:off x="0" y="0"/>
-            <a:ext cx="9144000" cy="5143500"/>
-          </a:xfrm>
-          <a:prstGeom prst="rect">
-            <a:avLst/>
-          </a:prstGeom>
-          <a:ln w="12700">
-            <a:miter lim="400000"/>
-            <a:headEnd/>
-            <a:tailEnd/>
-          </a:ln>
-        </p:spPr>
-      </p:pic>
-      <p:pic>
-        <p:nvPicPr>
-          <p:cNvPr id="114" name="Picture 5" descr="Picture 5"/>
-          <p:cNvPicPr>
-            <a:picLocks noChangeAspect="1"/>
-          </p:cNvPicPr>
-          <p:nvPr/>
-        </p:nvPicPr>
-        <p:blipFill>
-          <a:blip r:embed="rId3"/>
-          <a:stretch>
-            <a:fillRect/>
-          </a:stretch>
-        </p:blipFill>
-        <p:spPr>
-          <a:xfrm>
-            <a:off x="469900" y="0"/>
-            <a:ext cx="4391984" cy="171450"/>
-          </a:xfrm>
-          <a:prstGeom prst="rect">
-            <a:avLst/>
-          </a:prstGeom>
-          <a:ln w="12700">
-            <a:miter lim="400000"/>
-            <a:headEnd/>
-            <a:tailEnd/>
-          </a:ln>
-        </p:spPr>
-      </p:pic>
-      <p:pic>
-        <p:nvPicPr>
-          <p:cNvPr id="115" name="Imagem" descr="Imagem"/>
-          <p:cNvPicPr>
-            <a:picLocks noChangeAspect="1"/>
-          </p:cNvPicPr>
-          <p:nvPr/>
-        </p:nvPicPr>
-        <p:blipFill>
-          <a:blip r:embed="rId4"/>
-          <a:stretch>
-            <a:fillRect/>
-          </a:stretch>
-        </p:blipFill>
-        <p:spPr>
-          <a:xfrm>
-            <a:off x="823046" y="300823"/>
-            <a:ext cx="3685692" cy="1189055"/>
-          </a:xfrm>
-          <a:prstGeom prst="rect">
-            <a:avLst/>
-          </a:prstGeom>
-          <a:ln w="12700">
-            <a:miter lim="400000"/>
-            <a:headEnd/>
-            <a:tailEnd/>
-          </a:ln>
-        </p:spPr>
-      </p:pic>
       <p:sp>
         <p:nvSpPr>
-          <p:cNvPr id="3" name="Título 2"/>
+          <p:cNvPr id="6" name="Title 1"/>
           <p:cNvSpPr>
             <a:spLocks noGrp="1"/>
           </p:cNvSpPr>
@@ -7397,8 +7425,62 @@
         </p:nvSpPr>
         <p:spPr>
           <a:xfrm>
-            <a:off x="285751" y="2386770"/>
-            <a:ext cx="8615364" cy="1102519"/>
+            <a:off x="457200" y="205980"/>
+            <a:ext cx="8229600" cy="857251"/>
+          </a:xfrm>
+        </p:spPr>
+        <p:txBody>
+          <a:bodyPr>
+            <a:normAutofit/>
+          </a:bodyPr>
+          <a:lstStyle/>
+          <a:p>
+            <a:r>
+              <a:rPr lang="en-US" b="1" dirty="0" err="1">
+                <a:solidFill>
+                  <a:srgbClr val="0070C0"/>
+                </a:solidFill>
+              </a:rPr>
+              <a:t>Referências</a:t>
+            </a:r>
+            <a:r>
+              <a:rPr lang="en-US" b="1" dirty="0">
+                <a:solidFill>
+                  <a:srgbClr val="0070C0"/>
+                </a:solidFill>
+              </a:rPr>
+              <a:t> </a:t>
+            </a:r>
+            <a:r>
+              <a:rPr lang="en-US" b="1" dirty="0" err="1">
+                <a:solidFill>
+                  <a:srgbClr val="0070C0"/>
+                </a:solidFill>
+              </a:rPr>
+              <a:t>Bibliográficas</a:t>
+            </a:r>
+            <a:endParaRPr lang="en-US" b="1" dirty="0">
+              <a:solidFill>
+                <a:srgbClr val="0070C0"/>
+              </a:solidFill>
+            </a:endParaRPr>
+          </a:p>
+        </p:txBody>
+      </p:sp>
+      <p:sp>
+        <p:nvSpPr>
+          <p:cNvPr id="8" name="Text Placeholder 2"/>
+          <p:cNvSpPr>
+            <a:spLocks noGrp="1"/>
+          </p:cNvSpPr>
+          <p:nvPr>
+            <p:ph type="body" sz="half" idx="1"/>
+          </p:nvPr>
+        </p:nvSpPr>
+        <p:spPr>
+          <a:xfrm>
+            <a:off x="142865" y="1200151"/>
+            <a:ext cx="8865056" cy="3394472"/>
           </a:xfrm>
         </p:spPr>
         <p:txBody>
@@ -7407,323 +7489,97 @@
           </a:bodyPr>
           <a:lstStyle/>
           <a:p>
-            <a:r>
-              <a:rPr lang="pt-BR" sz="4800" b="1" dirty="0">
-                <a:solidFill>
-                  <a:schemeClr val="bg1"/>
-                </a:solidFill>
-              </a:rPr>
-              <a:t>Desenvolvimento Web HTML, CSS, JS  e PHP</a:t>
-            </a:r>
-          </a:p>
-        </p:txBody>
-      </p:sp>
-      <p:sp>
-        <p:nvSpPr>
-          <p:cNvPr id="6" name="Título 2"/>
-          <p:cNvSpPr txBox="1"/>
-          <p:nvPr/>
-        </p:nvSpPr>
-        <p:spPr>
-          <a:xfrm>
-            <a:off x="975683" y="3866663"/>
-            <a:ext cx="7772400" cy="1102519"/>
-          </a:xfrm>
-          <a:prstGeom prst="rect">
-            <a:avLst/>
-          </a:prstGeom>
-          <a:ln w="12700">
-            <a:miter lim="400000"/>
-          </a:ln>
-        </p:spPr>
-        <p:txBody>
-          <a:bodyPr lIns="45718" tIns="45718" rIns="45718" bIns="45718" anchor="ctr">
-            <a:noAutofit/>
-          </a:bodyPr>
-          <a:lstStyle>
-            <a:lvl1pPr marL="0" marR="0" indent="0" algn="ctr" defTabSz="457200" rtl="0" latinLnBrk="0">
-              <a:lnSpc>
-                <a:spcPct val="100000"/>
-              </a:lnSpc>
-              <a:spcBef>
-                <a:spcPts val="0"/>
-              </a:spcBef>
-              <a:spcAft>
-                <a:spcPts val="0"/>
-              </a:spcAft>
-              <a:buClrTx/>
-              <a:buSzTx/>
-              <a:buFontTx/>
-              <a:buNone/>
-              <a:defRPr sz="4400" b="0" i="0" u="none" strike="noStrike" cap="none" spc="0" baseline="0">
-                <a:ln>
-                  <a:noFill/>
-                </a:ln>
-                <a:solidFill>
-                  <a:srgbClr val="000000"/>
-                </a:solidFill>
-                <a:uFillTx/>
-                <a:latin typeface="+mj-lt"/>
-                <a:ea typeface="+mj-ea"/>
-                <a:cs typeface="+mj-cs"/>
-                <a:sym typeface="Calibri"/>
-              </a:defRPr>
-            </a:lvl1pPr>
-            <a:lvl2pPr marL="0" marR="0" indent="0" algn="ctr" defTabSz="457200" rtl="0" latinLnBrk="0">
-              <a:lnSpc>
-                <a:spcPct val="100000"/>
-              </a:lnSpc>
-              <a:spcBef>
-                <a:spcPts val="0"/>
-              </a:spcBef>
-              <a:spcAft>
-                <a:spcPts val="0"/>
-              </a:spcAft>
-              <a:buClrTx/>
-              <a:buSzTx/>
-              <a:buFontTx/>
-              <a:buNone/>
-              <a:defRPr sz="4400" b="0" i="0" u="none" strike="noStrike" cap="none" spc="0" baseline="0">
-                <a:ln>
-                  <a:noFill/>
-                </a:ln>
-                <a:solidFill>
-                  <a:srgbClr val="000000"/>
-                </a:solidFill>
-                <a:uFillTx/>
-                <a:latin typeface="+mj-lt"/>
-                <a:ea typeface="+mj-ea"/>
-                <a:cs typeface="+mj-cs"/>
-                <a:sym typeface="Calibri"/>
-              </a:defRPr>
-            </a:lvl2pPr>
-            <a:lvl3pPr marL="0" marR="0" indent="0" algn="ctr" defTabSz="457200" rtl="0" latinLnBrk="0">
-              <a:lnSpc>
-                <a:spcPct val="100000"/>
-              </a:lnSpc>
-              <a:spcBef>
-                <a:spcPts val="0"/>
-              </a:spcBef>
-              <a:spcAft>
-                <a:spcPts val="0"/>
-              </a:spcAft>
-              <a:buClrTx/>
-              <a:buSzTx/>
-              <a:buFontTx/>
-              <a:buNone/>
-              <a:defRPr sz="4400" b="0" i="0" u="none" strike="noStrike" cap="none" spc="0" baseline="0">
-                <a:ln>
-                  <a:noFill/>
-                </a:ln>
-                <a:solidFill>
-                  <a:srgbClr val="000000"/>
-                </a:solidFill>
-                <a:uFillTx/>
-                <a:latin typeface="+mj-lt"/>
-                <a:ea typeface="+mj-ea"/>
-                <a:cs typeface="+mj-cs"/>
-                <a:sym typeface="Calibri"/>
-              </a:defRPr>
-            </a:lvl3pPr>
-            <a:lvl4pPr marL="0" marR="0" indent="0" algn="ctr" defTabSz="457200" rtl="0" latinLnBrk="0">
-              <a:lnSpc>
-                <a:spcPct val="100000"/>
-              </a:lnSpc>
-              <a:spcBef>
-                <a:spcPts val="0"/>
-              </a:spcBef>
-              <a:spcAft>
-                <a:spcPts val="0"/>
-              </a:spcAft>
-              <a:buClrTx/>
-              <a:buSzTx/>
-              <a:buFontTx/>
-              <a:buNone/>
-              <a:defRPr sz="4400" b="0" i="0" u="none" strike="noStrike" cap="none" spc="0" baseline="0">
-                <a:ln>
-                  <a:noFill/>
-                </a:ln>
-                <a:solidFill>
-                  <a:srgbClr val="000000"/>
-                </a:solidFill>
-                <a:uFillTx/>
-                <a:latin typeface="+mj-lt"/>
-                <a:ea typeface="+mj-ea"/>
-                <a:cs typeface="+mj-cs"/>
-                <a:sym typeface="Calibri"/>
-              </a:defRPr>
-            </a:lvl4pPr>
-            <a:lvl5pPr marL="0" marR="0" indent="0" algn="ctr" defTabSz="457200" rtl="0" latinLnBrk="0">
-              <a:lnSpc>
-                <a:spcPct val="100000"/>
-              </a:lnSpc>
-              <a:spcBef>
-                <a:spcPts val="0"/>
-              </a:spcBef>
-              <a:spcAft>
-                <a:spcPts val="0"/>
-              </a:spcAft>
-              <a:buClrTx/>
-              <a:buSzTx/>
-              <a:buFontTx/>
-              <a:buNone/>
-              <a:defRPr sz="4400" b="0" i="0" u="none" strike="noStrike" cap="none" spc="0" baseline="0">
-                <a:ln>
-                  <a:noFill/>
-                </a:ln>
-                <a:solidFill>
-                  <a:srgbClr val="000000"/>
-                </a:solidFill>
-                <a:uFillTx/>
-                <a:latin typeface="+mj-lt"/>
-                <a:ea typeface="+mj-ea"/>
-                <a:cs typeface="+mj-cs"/>
-                <a:sym typeface="Calibri"/>
-              </a:defRPr>
-            </a:lvl5pPr>
-            <a:lvl6pPr marL="0" marR="0" indent="0" algn="ctr" defTabSz="457200" rtl="0" latinLnBrk="0">
-              <a:lnSpc>
-                <a:spcPct val="100000"/>
-              </a:lnSpc>
-              <a:spcBef>
-                <a:spcPts val="0"/>
-              </a:spcBef>
-              <a:spcAft>
-                <a:spcPts val="0"/>
-              </a:spcAft>
-              <a:buClrTx/>
-              <a:buSzTx/>
-              <a:buFontTx/>
-              <a:buNone/>
-              <a:defRPr sz="4400" b="0" i="0" u="none" strike="noStrike" cap="none" spc="0" baseline="0">
-                <a:ln>
-                  <a:noFill/>
-                </a:ln>
-                <a:solidFill>
-                  <a:srgbClr val="000000"/>
-                </a:solidFill>
-                <a:uFillTx/>
-                <a:latin typeface="+mj-lt"/>
-                <a:ea typeface="+mj-ea"/>
-                <a:cs typeface="+mj-cs"/>
-                <a:sym typeface="Calibri"/>
-              </a:defRPr>
-            </a:lvl6pPr>
-            <a:lvl7pPr marL="0" marR="0" indent="0" algn="ctr" defTabSz="457200" rtl="0" latinLnBrk="0">
-              <a:lnSpc>
-                <a:spcPct val="100000"/>
-              </a:lnSpc>
-              <a:spcBef>
-                <a:spcPts val="0"/>
-              </a:spcBef>
-              <a:spcAft>
-                <a:spcPts val="0"/>
-              </a:spcAft>
-              <a:buClrTx/>
-              <a:buSzTx/>
-              <a:buFontTx/>
-              <a:buNone/>
-              <a:defRPr sz="4400" b="0" i="0" u="none" strike="noStrike" cap="none" spc="0" baseline="0">
-                <a:ln>
-                  <a:noFill/>
-                </a:ln>
-                <a:solidFill>
-                  <a:srgbClr val="000000"/>
-                </a:solidFill>
-                <a:uFillTx/>
-                <a:latin typeface="+mj-lt"/>
-                <a:ea typeface="+mj-ea"/>
-                <a:cs typeface="+mj-cs"/>
-                <a:sym typeface="Calibri"/>
-              </a:defRPr>
-            </a:lvl7pPr>
-            <a:lvl8pPr marL="0" marR="0" indent="0" algn="ctr" defTabSz="457200" rtl="0" latinLnBrk="0">
-              <a:lnSpc>
-                <a:spcPct val="100000"/>
-              </a:lnSpc>
-              <a:spcBef>
-                <a:spcPts val="0"/>
-              </a:spcBef>
-              <a:spcAft>
-                <a:spcPts val="0"/>
-              </a:spcAft>
-              <a:buClrTx/>
-              <a:buSzTx/>
-              <a:buFontTx/>
-              <a:buNone/>
-              <a:defRPr sz="4400" b="0" i="0" u="none" strike="noStrike" cap="none" spc="0" baseline="0">
-                <a:ln>
-                  <a:noFill/>
-                </a:ln>
-                <a:solidFill>
-                  <a:srgbClr val="000000"/>
-                </a:solidFill>
-                <a:uFillTx/>
-                <a:latin typeface="+mj-lt"/>
-                <a:ea typeface="+mj-ea"/>
-                <a:cs typeface="+mj-cs"/>
-                <a:sym typeface="Calibri"/>
-              </a:defRPr>
-            </a:lvl8pPr>
-            <a:lvl9pPr marL="0" marR="0" indent="0" algn="ctr" defTabSz="457200" rtl="0" latinLnBrk="0">
-              <a:lnSpc>
-                <a:spcPct val="100000"/>
-              </a:lnSpc>
-              <a:spcBef>
-                <a:spcPts val="0"/>
-              </a:spcBef>
-              <a:spcAft>
-                <a:spcPts val="0"/>
-              </a:spcAft>
-              <a:buClrTx/>
-              <a:buSzTx/>
-              <a:buFontTx/>
-              <a:buNone/>
-              <a:defRPr sz="4400" b="0" i="0" u="none" strike="noStrike" cap="none" spc="0" baseline="0">
-                <a:ln>
-                  <a:noFill/>
-                </a:ln>
-                <a:solidFill>
-                  <a:srgbClr val="000000"/>
-                </a:solidFill>
-                <a:uFillTx/>
-                <a:latin typeface="+mj-lt"/>
-                <a:ea typeface="+mj-ea"/>
-                <a:cs typeface="+mj-cs"/>
-                <a:sym typeface="Calibri"/>
-              </a:defRPr>
-            </a:lvl9pPr>
-          </a:lstStyle>
-          <a:p>
-            <a:pPr algn="r" hangingPunct="1"/>
-            <a:r>
-              <a:rPr lang="pt-BR" sz="2000" b="1" dirty="0">
-                <a:solidFill>
-                  <a:schemeClr val="bg1"/>
-                </a:solidFill>
-              </a:rPr>
-              <a:t>Professor </a:t>
-            </a:r>
-            <a:r>
-              <a:rPr lang="pt-BR" sz="2000" b="1">
-                <a:solidFill>
-                  <a:schemeClr val="bg1"/>
-                </a:solidFill>
-              </a:rPr>
-              <a:t>M.Sc</a:t>
-            </a:r>
-            <a:r>
-              <a:rPr lang="pt-BR" sz="2000" b="1" dirty="0">
-                <a:solidFill>
-                  <a:schemeClr val="bg1"/>
-                </a:solidFill>
-              </a:rPr>
-              <a:t>. Heleno Cardoso</a:t>
+            <a:pPr marL="0" indent="0" algn="just">
+              <a:buNone/>
+            </a:pPr>
+            <a:endParaRPr lang="pt-BR" sz="1800" dirty="0">
+              <a:latin typeface="Times New Roman" panose="02020603050405020304" pitchFamily="18" charset="0"/>
+              <a:cs typeface="Times New Roman" panose="02020603050405020304" pitchFamily="18" charset="0"/>
+            </a:endParaRPr>
+          </a:p>
+          <a:p>
+            <a:pPr marL="0" indent="0" algn="just">
+              <a:buNone/>
+            </a:pPr>
+            <a:r>
+              <a:rPr lang="pt-BR" sz="1800" dirty="0">
+                <a:latin typeface="Times New Roman" panose="02020603050405020304" pitchFamily="18" charset="0"/>
+                <a:cs typeface="Times New Roman" panose="02020603050405020304" pitchFamily="18" charset="0"/>
+              </a:rPr>
+              <a:t>[1] </a:t>
+            </a:r>
+            <a:r>
+              <a:rPr lang="pt-BR" sz="1800" b="1" dirty="0">
+                <a:latin typeface="Times New Roman" panose="02020603050405020304" pitchFamily="18" charset="0"/>
+                <a:cs typeface="Times New Roman" panose="02020603050405020304" pitchFamily="18" charset="0"/>
+              </a:rPr>
+              <a:t>BENTO</a:t>
+            </a:r>
+            <a:r>
+              <a:rPr lang="pt-BR" sz="1800" dirty="0">
+                <a:latin typeface="Times New Roman" panose="02020603050405020304" pitchFamily="18" charset="0"/>
+                <a:cs typeface="Times New Roman" panose="02020603050405020304" pitchFamily="18" charset="0"/>
+              </a:rPr>
+              <a:t>, Evaldo Junior. Desenvolvimento web com PHP e MySQL. Editora Casa do Código, 2021.</a:t>
+            </a:r>
+          </a:p>
+          <a:p>
+            <a:pPr marL="0" indent="0" algn="just">
+              <a:buNone/>
+            </a:pPr>
+            <a:endParaRPr lang="pt-BR" sz="1800" dirty="0">
+              <a:latin typeface="Times New Roman" panose="02020603050405020304" pitchFamily="18" charset="0"/>
+              <a:cs typeface="Times New Roman" panose="02020603050405020304" pitchFamily="18" charset="0"/>
+            </a:endParaRPr>
+          </a:p>
+          <a:p>
+            <a:pPr marL="0" indent="0" algn="just">
+              <a:buNone/>
+            </a:pPr>
+            <a:r>
+              <a:rPr lang="pt-BR" sz="1800" dirty="0">
+                <a:latin typeface="Times New Roman" panose="02020603050405020304" pitchFamily="18" charset="0"/>
+                <a:cs typeface="Times New Roman" panose="02020603050405020304" pitchFamily="18" charset="0"/>
+              </a:rPr>
+              <a:t>[2] </a:t>
+            </a:r>
+            <a:r>
+              <a:rPr lang="pt-BR" sz="1800" b="1" dirty="0">
+                <a:latin typeface="Times New Roman" panose="02020603050405020304" pitchFamily="18" charset="0"/>
+                <a:cs typeface="Times New Roman" panose="02020603050405020304" pitchFamily="18" charset="0"/>
+              </a:rPr>
+              <a:t>LOUDON</a:t>
+            </a:r>
+            <a:r>
+              <a:rPr lang="pt-BR" sz="1800" dirty="0">
+                <a:latin typeface="Times New Roman" panose="02020603050405020304" pitchFamily="18" charset="0"/>
+                <a:cs typeface="Times New Roman" panose="02020603050405020304" pitchFamily="18" charset="0"/>
+              </a:rPr>
+              <a:t>, Kyle. Desenvolvimento de grandes aplicações Web. Revista </a:t>
+            </a:r>
+            <a:r>
+              <a:rPr lang="pt-BR" sz="1800" dirty="0" err="1">
+                <a:latin typeface="Times New Roman" panose="02020603050405020304" pitchFamily="18" charset="0"/>
+                <a:cs typeface="Times New Roman" panose="02020603050405020304" pitchFamily="18" charset="0"/>
+              </a:rPr>
+              <a:t>Telfract</a:t>
+            </a:r>
+            <a:r>
+              <a:rPr lang="pt-BR" sz="1800" dirty="0">
+                <a:latin typeface="Times New Roman" panose="02020603050405020304" pitchFamily="18" charset="0"/>
+                <a:cs typeface="Times New Roman" panose="02020603050405020304" pitchFamily="18" charset="0"/>
+              </a:rPr>
+              <a:t>, v. 1, n. 1, 2018.</a:t>
             </a:r>
           </a:p>
         </p:txBody>
       </p:sp>
     </p:spTree>
+    <p:extLst>
+      <p:ext uri="{BB962C8B-B14F-4D97-AF65-F5344CB8AC3E}">
+        <p14:creationId xmlns:p14="http://schemas.microsoft.com/office/powerpoint/2010/main" val="1115311843"/>
+      </p:ext>
+    </p:extLst>
   </p:cSld>
   <p:clrMapOvr>
     <a:masterClrMapping/>
@@ -8204,6 +8060,457 @@
 </p:sld>
 </file>
 
+<file path=ppt/slides/slide20.xml><?xml version="1.0" encoding="utf-8"?>
+<p:sld xmlns:a="http://schemas.openxmlformats.org/drawingml/2006/main" xmlns:r="http://schemas.openxmlformats.org/officeDocument/2006/relationships" xmlns:p="http://schemas.openxmlformats.org/presentationml/2006/main">
+  <p:cSld>
+    <p:spTree>
+      <p:nvGrpSpPr>
+        <p:cNvPr id="1" name=""/>
+        <p:cNvGrpSpPr/>
+        <p:nvPr/>
+      </p:nvGrpSpPr>
+      <p:grpSpPr>
+        <a:xfrm>
+          <a:off x="0" y="0"/>
+          <a:ext cx="0" cy="0"/>
+          <a:chOff x="0" y="0"/>
+          <a:chExt cx="0" cy="0"/>
+        </a:xfrm>
+      </p:grpSpPr>
+      <p:pic>
+        <p:nvPicPr>
+          <p:cNvPr id="112" name="Picture 6" descr="Picture 6"/>
+          <p:cNvPicPr>
+            <a:picLocks noChangeAspect="1"/>
+          </p:cNvPicPr>
+          <p:nvPr/>
+        </p:nvPicPr>
+        <p:blipFill>
+          <a:blip r:embed="rId2"/>
+          <a:stretch>
+            <a:fillRect/>
+          </a:stretch>
+        </p:blipFill>
+        <p:spPr>
+          <a:xfrm>
+            <a:off x="0" y="0"/>
+            <a:ext cx="9144000" cy="5143500"/>
+          </a:xfrm>
+          <a:prstGeom prst="rect">
+            <a:avLst/>
+          </a:prstGeom>
+          <a:ln w="12700">
+            <a:miter lim="400000"/>
+            <a:headEnd/>
+            <a:tailEnd/>
+          </a:ln>
+        </p:spPr>
+      </p:pic>
+      <p:pic>
+        <p:nvPicPr>
+          <p:cNvPr id="114" name="Picture 5" descr="Picture 5"/>
+          <p:cNvPicPr>
+            <a:picLocks noChangeAspect="1"/>
+          </p:cNvPicPr>
+          <p:nvPr/>
+        </p:nvPicPr>
+        <p:blipFill>
+          <a:blip r:embed="rId3"/>
+          <a:stretch>
+            <a:fillRect/>
+          </a:stretch>
+        </p:blipFill>
+        <p:spPr>
+          <a:xfrm>
+            <a:off x="469900" y="0"/>
+            <a:ext cx="4391984" cy="171450"/>
+          </a:xfrm>
+          <a:prstGeom prst="rect">
+            <a:avLst/>
+          </a:prstGeom>
+          <a:ln w="12700">
+            <a:miter lim="400000"/>
+            <a:headEnd/>
+            <a:tailEnd/>
+          </a:ln>
+        </p:spPr>
+      </p:pic>
+      <p:pic>
+        <p:nvPicPr>
+          <p:cNvPr id="115" name="Imagem" descr="Imagem"/>
+          <p:cNvPicPr>
+            <a:picLocks noChangeAspect="1"/>
+          </p:cNvPicPr>
+          <p:nvPr/>
+        </p:nvPicPr>
+        <p:blipFill>
+          <a:blip r:embed="rId4"/>
+          <a:stretch>
+            <a:fillRect/>
+          </a:stretch>
+        </p:blipFill>
+        <p:spPr>
+          <a:xfrm>
+            <a:off x="823046" y="300823"/>
+            <a:ext cx="3685692" cy="1189055"/>
+          </a:xfrm>
+          <a:prstGeom prst="rect">
+            <a:avLst/>
+          </a:prstGeom>
+          <a:ln w="12700">
+            <a:miter lim="400000"/>
+            <a:headEnd/>
+            <a:tailEnd/>
+          </a:ln>
+        </p:spPr>
+      </p:pic>
+      <p:sp>
+        <p:nvSpPr>
+          <p:cNvPr id="3" name="Título 2"/>
+          <p:cNvSpPr>
+            <a:spLocks noGrp="1"/>
+          </p:cNvSpPr>
+          <p:nvPr>
+            <p:ph type="title"/>
+          </p:nvPr>
+        </p:nvSpPr>
+        <p:spPr>
+          <a:xfrm>
+            <a:off x="285751" y="2386770"/>
+            <a:ext cx="8615364" cy="1102519"/>
+          </a:xfrm>
+        </p:spPr>
+        <p:txBody>
+          <a:bodyPr>
+            <a:noAutofit/>
+          </a:bodyPr>
+          <a:lstStyle/>
+          <a:p>
+            <a:r>
+              <a:rPr lang="pt-BR" sz="4800" b="1" dirty="0">
+                <a:solidFill>
+                  <a:schemeClr val="bg1"/>
+                </a:solidFill>
+              </a:rPr>
+              <a:t>Desenvolvimento Web HTML, CSS, JS  e PHP</a:t>
+            </a:r>
+          </a:p>
+        </p:txBody>
+      </p:sp>
+      <p:sp>
+        <p:nvSpPr>
+          <p:cNvPr id="6" name="Título 2"/>
+          <p:cNvSpPr txBox="1"/>
+          <p:nvPr/>
+        </p:nvSpPr>
+        <p:spPr>
+          <a:xfrm>
+            <a:off x="975683" y="3866663"/>
+            <a:ext cx="7772400" cy="1102519"/>
+          </a:xfrm>
+          <a:prstGeom prst="rect">
+            <a:avLst/>
+          </a:prstGeom>
+          <a:ln w="12700">
+            <a:miter lim="400000"/>
+          </a:ln>
+        </p:spPr>
+        <p:txBody>
+          <a:bodyPr lIns="45718" tIns="45718" rIns="45718" bIns="45718" anchor="ctr">
+            <a:noAutofit/>
+          </a:bodyPr>
+          <a:lstStyle>
+            <a:lvl1pPr marL="0" marR="0" indent="0" algn="ctr" defTabSz="457200" rtl="0" latinLnBrk="0">
+              <a:lnSpc>
+                <a:spcPct val="100000"/>
+              </a:lnSpc>
+              <a:spcBef>
+                <a:spcPts val="0"/>
+              </a:spcBef>
+              <a:spcAft>
+                <a:spcPts val="0"/>
+              </a:spcAft>
+              <a:buClrTx/>
+              <a:buSzTx/>
+              <a:buFontTx/>
+              <a:buNone/>
+              <a:defRPr sz="4400" b="0" i="0" u="none" strike="noStrike" cap="none" spc="0" baseline="0">
+                <a:ln>
+                  <a:noFill/>
+                </a:ln>
+                <a:solidFill>
+                  <a:srgbClr val="000000"/>
+                </a:solidFill>
+                <a:uFillTx/>
+                <a:latin typeface="+mj-lt"/>
+                <a:ea typeface="+mj-ea"/>
+                <a:cs typeface="+mj-cs"/>
+                <a:sym typeface="Calibri"/>
+              </a:defRPr>
+            </a:lvl1pPr>
+            <a:lvl2pPr marL="0" marR="0" indent="0" algn="ctr" defTabSz="457200" rtl="0" latinLnBrk="0">
+              <a:lnSpc>
+                <a:spcPct val="100000"/>
+              </a:lnSpc>
+              <a:spcBef>
+                <a:spcPts val="0"/>
+              </a:spcBef>
+              <a:spcAft>
+                <a:spcPts val="0"/>
+              </a:spcAft>
+              <a:buClrTx/>
+              <a:buSzTx/>
+              <a:buFontTx/>
+              <a:buNone/>
+              <a:defRPr sz="4400" b="0" i="0" u="none" strike="noStrike" cap="none" spc="0" baseline="0">
+                <a:ln>
+                  <a:noFill/>
+                </a:ln>
+                <a:solidFill>
+                  <a:srgbClr val="000000"/>
+                </a:solidFill>
+                <a:uFillTx/>
+                <a:latin typeface="+mj-lt"/>
+                <a:ea typeface="+mj-ea"/>
+                <a:cs typeface="+mj-cs"/>
+                <a:sym typeface="Calibri"/>
+              </a:defRPr>
+            </a:lvl2pPr>
+            <a:lvl3pPr marL="0" marR="0" indent="0" algn="ctr" defTabSz="457200" rtl="0" latinLnBrk="0">
+              <a:lnSpc>
+                <a:spcPct val="100000"/>
+              </a:lnSpc>
+              <a:spcBef>
+                <a:spcPts val="0"/>
+              </a:spcBef>
+              <a:spcAft>
+                <a:spcPts val="0"/>
+              </a:spcAft>
+              <a:buClrTx/>
+              <a:buSzTx/>
+              <a:buFontTx/>
+              <a:buNone/>
+              <a:defRPr sz="4400" b="0" i="0" u="none" strike="noStrike" cap="none" spc="0" baseline="0">
+                <a:ln>
+                  <a:noFill/>
+                </a:ln>
+                <a:solidFill>
+                  <a:srgbClr val="000000"/>
+                </a:solidFill>
+                <a:uFillTx/>
+                <a:latin typeface="+mj-lt"/>
+                <a:ea typeface="+mj-ea"/>
+                <a:cs typeface="+mj-cs"/>
+                <a:sym typeface="Calibri"/>
+              </a:defRPr>
+            </a:lvl3pPr>
+            <a:lvl4pPr marL="0" marR="0" indent="0" algn="ctr" defTabSz="457200" rtl="0" latinLnBrk="0">
+              <a:lnSpc>
+                <a:spcPct val="100000"/>
+              </a:lnSpc>
+              <a:spcBef>
+                <a:spcPts val="0"/>
+              </a:spcBef>
+              <a:spcAft>
+                <a:spcPts val="0"/>
+              </a:spcAft>
+              <a:buClrTx/>
+              <a:buSzTx/>
+              <a:buFontTx/>
+              <a:buNone/>
+              <a:defRPr sz="4400" b="0" i="0" u="none" strike="noStrike" cap="none" spc="0" baseline="0">
+                <a:ln>
+                  <a:noFill/>
+                </a:ln>
+                <a:solidFill>
+                  <a:srgbClr val="000000"/>
+                </a:solidFill>
+                <a:uFillTx/>
+                <a:latin typeface="+mj-lt"/>
+                <a:ea typeface="+mj-ea"/>
+                <a:cs typeface="+mj-cs"/>
+                <a:sym typeface="Calibri"/>
+              </a:defRPr>
+            </a:lvl4pPr>
+            <a:lvl5pPr marL="0" marR="0" indent="0" algn="ctr" defTabSz="457200" rtl="0" latinLnBrk="0">
+              <a:lnSpc>
+                <a:spcPct val="100000"/>
+              </a:lnSpc>
+              <a:spcBef>
+                <a:spcPts val="0"/>
+              </a:spcBef>
+              <a:spcAft>
+                <a:spcPts val="0"/>
+              </a:spcAft>
+              <a:buClrTx/>
+              <a:buSzTx/>
+              <a:buFontTx/>
+              <a:buNone/>
+              <a:defRPr sz="4400" b="0" i="0" u="none" strike="noStrike" cap="none" spc="0" baseline="0">
+                <a:ln>
+                  <a:noFill/>
+                </a:ln>
+                <a:solidFill>
+                  <a:srgbClr val="000000"/>
+                </a:solidFill>
+                <a:uFillTx/>
+                <a:latin typeface="+mj-lt"/>
+                <a:ea typeface="+mj-ea"/>
+                <a:cs typeface="+mj-cs"/>
+                <a:sym typeface="Calibri"/>
+              </a:defRPr>
+            </a:lvl5pPr>
+            <a:lvl6pPr marL="0" marR="0" indent="0" algn="ctr" defTabSz="457200" rtl="0" latinLnBrk="0">
+              <a:lnSpc>
+                <a:spcPct val="100000"/>
+              </a:lnSpc>
+              <a:spcBef>
+                <a:spcPts val="0"/>
+              </a:spcBef>
+              <a:spcAft>
+                <a:spcPts val="0"/>
+              </a:spcAft>
+              <a:buClrTx/>
+              <a:buSzTx/>
+              <a:buFontTx/>
+              <a:buNone/>
+              <a:defRPr sz="4400" b="0" i="0" u="none" strike="noStrike" cap="none" spc="0" baseline="0">
+                <a:ln>
+                  <a:noFill/>
+                </a:ln>
+                <a:solidFill>
+                  <a:srgbClr val="000000"/>
+                </a:solidFill>
+                <a:uFillTx/>
+                <a:latin typeface="+mj-lt"/>
+                <a:ea typeface="+mj-ea"/>
+                <a:cs typeface="+mj-cs"/>
+                <a:sym typeface="Calibri"/>
+              </a:defRPr>
+            </a:lvl6pPr>
+            <a:lvl7pPr marL="0" marR="0" indent="0" algn="ctr" defTabSz="457200" rtl="0" latinLnBrk="0">
+              <a:lnSpc>
+                <a:spcPct val="100000"/>
+              </a:lnSpc>
+              <a:spcBef>
+                <a:spcPts val="0"/>
+              </a:spcBef>
+              <a:spcAft>
+                <a:spcPts val="0"/>
+              </a:spcAft>
+              <a:buClrTx/>
+              <a:buSzTx/>
+              <a:buFontTx/>
+              <a:buNone/>
+              <a:defRPr sz="4400" b="0" i="0" u="none" strike="noStrike" cap="none" spc="0" baseline="0">
+                <a:ln>
+                  <a:noFill/>
+                </a:ln>
+                <a:solidFill>
+                  <a:srgbClr val="000000"/>
+                </a:solidFill>
+                <a:uFillTx/>
+                <a:latin typeface="+mj-lt"/>
+                <a:ea typeface="+mj-ea"/>
+                <a:cs typeface="+mj-cs"/>
+                <a:sym typeface="Calibri"/>
+              </a:defRPr>
+            </a:lvl7pPr>
+            <a:lvl8pPr marL="0" marR="0" indent="0" algn="ctr" defTabSz="457200" rtl="0" latinLnBrk="0">
+              <a:lnSpc>
+                <a:spcPct val="100000"/>
+              </a:lnSpc>
+              <a:spcBef>
+                <a:spcPts val="0"/>
+              </a:spcBef>
+              <a:spcAft>
+                <a:spcPts val="0"/>
+              </a:spcAft>
+              <a:buClrTx/>
+              <a:buSzTx/>
+              <a:buFontTx/>
+              <a:buNone/>
+              <a:defRPr sz="4400" b="0" i="0" u="none" strike="noStrike" cap="none" spc="0" baseline="0">
+                <a:ln>
+                  <a:noFill/>
+                </a:ln>
+                <a:solidFill>
+                  <a:srgbClr val="000000"/>
+                </a:solidFill>
+                <a:uFillTx/>
+                <a:latin typeface="+mj-lt"/>
+                <a:ea typeface="+mj-ea"/>
+                <a:cs typeface="+mj-cs"/>
+                <a:sym typeface="Calibri"/>
+              </a:defRPr>
+            </a:lvl8pPr>
+            <a:lvl9pPr marL="0" marR="0" indent="0" algn="ctr" defTabSz="457200" rtl="0" latinLnBrk="0">
+              <a:lnSpc>
+                <a:spcPct val="100000"/>
+              </a:lnSpc>
+              <a:spcBef>
+                <a:spcPts val="0"/>
+              </a:spcBef>
+              <a:spcAft>
+                <a:spcPts val="0"/>
+              </a:spcAft>
+              <a:buClrTx/>
+              <a:buSzTx/>
+              <a:buFontTx/>
+              <a:buNone/>
+              <a:defRPr sz="4400" b="0" i="0" u="none" strike="noStrike" cap="none" spc="0" baseline="0">
+                <a:ln>
+                  <a:noFill/>
+                </a:ln>
+                <a:solidFill>
+                  <a:srgbClr val="000000"/>
+                </a:solidFill>
+                <a:uFillTx/>
+                <a:latin typeface="+mj-lt"/>
+                <a:ea typeface="+mj-ea"/>
+                <a:cs typeface="+mj-cs"/>
+                <a:sym typeface="Calibri"/>
+              </a:defRPr>
+            </a:lvl9pPr>
+          </a:lstStyle>
+          <a:p>
+            <a:pPr algn="r" hangingPunct="1"/>
+            <a:r>
+              <a:rPr lang="pt-BR" sz="2000" b="1" dirty="0">
+                <a:solidFill>
+                  <a:schemeClr val="bg1"/>
+                </a:solidFill>
+              </a:rPr>
+              <a:t>Professor </a:t>
+            </a:r>
+            <a:r>
+              <a:rPr lang="pt-BR" sz="2000" b="1">
+                <a:solidFill>
+                  <a:schemeClr val="bg1"/>
+                </a:solidFill>
+              </a:rPr>
+              <a:t>M.Sc</a:t>
+            </a:r>
+            <a:r>
+              <a:rPr lang="pt-BR" sz="2000" b="1" dirty="0">
+                <a:solidFill>
+                  <a:schemeClr val="bg1"/>
+                </a:solidFill>
+              </a:rPr>
+              <a:t>. Heleno Cardoso</a:t>
+            </a:r>
+          </a:p>
+        </p:txBody>
+      </p:sp>
+    </p:spTree>
+  </p:cSld>
+  <p:clrMapOvr>
+    <a:masterClrMapping/>
+  </p:clrMapOvr>
+  <p:transition spd="med"/>
+</p:sld>
+</file>
+
 <file path=ppt/slides/slide3.xml><?xml version="1.0" encoding="utf-8"?>
 <p:sld xmlns:a="http://schemas.openxmlformats.org/drawingml/2006/main" xmlns:r="http://schemas.openxmlformats.org/officeDocument/2006/relationships" xmlns:p="http://schemas.openxmlformats.org/presentationml/2006/main">
   <p:cSld>
@@ -8249,6 +8556,22 @@
               </a:rPr>
               <a:t>Contextualização</a:t>
             </a:r>
+            <a:r>
+              <a:rPr lang="en-US" b="1" dirty="0">
+                <a:solidFill>
+                  <a:srgbClr val="0070C0"/>
+                </a:solidFill>
+              </a:rPr>
+              <a:t> – </a:t>
+            </a:r>
+            <a:r>
+              <a:rPr lang="en-US" b="1" dirty="0" err="1">
+                <a:solidFill>
+                  <a:srgbClr val="0070C0"/>
+                </a:solidFill>
+              </a:rPr>
+              <a:t>Conceito</a:t>
+            </a:r>
             <a:endParaRPr lang="en-US" b="1" dirty="0">
               <a:solidFill>
                 <a:srgbClr val="0070C0"/>
@@ -8291,94 +8614,38 @@
             <a:pPr marL="0" indent="0" algn="just">
               <a:buNone/>
             </a:pPr>
+            <a:endParaRPr lang="pt-BR" sz="2400" dirty="0">
+              <a:latin typeface="Times New Roman" panose="02020603050405020304" pitchFamily="18" charset="0"/>
+              <a:cs typeface="Times New Roman" panose="02020603050405020304" pitchFamily="18" charset="0"/>
+            </a:endParaRPr>
+          </a:p>
+          <a:p>
+            <a:pPr marL="0" indent="0" algn="just">
+              <a:buNone/>
+            </a:pPr>
             <a:r>
               <a:rPr lang="pt-BR" sz="2400" dirty="0">
                 <a:latin typeface="Times New Roman" panose="02020603050405020304" pitchFamily="18" charset="0"/>
                 <a:cs typeface="Times New Roman" panose="02020603050405020304" pitchFamily="18" charset="0"/>
               </a:rPr>
-              <a:t>Criada pelo </a:t>
+              <a:t>O </a:t>
             </a:r>
             <a:r>
               <a:rPr lang="pt-BR" sz="2400" b="1" dirty="0">
-                <a:latin typeface="Times New Roman" panose="02020603050405020304" pitchFamily="18" charset="0"/>
-                <a:cs typeface="Times New Roman" panose="02020603050405020304" pitchFamily="18" charset="0"/>
-              </a:rPr>
-              <a:t>britânico Tim Berners-Lee</a:t>
+                <a:solidFill>
+                  <a:srgbClr val="FF0000"/>
+                </a:solidFill>
+                <a:latin typeface="Times New Roman" panose="02020603050405020304" pitchFamily="18" charset="0"/>
+                <a:cs typeface="Times New Roman" panose="02020603050405020304" pitchFamily="18" charset="0"/>
+              </a:rPr>
+              <a:t>desenvolvimento web </a:t>
             </a:r>
             <a:r>
               <a:rPr lang="pt-BR" sz="2400" dirty="0">
                 <a:latin typeface="Times New Roman" panose="02020603050405020304" pitchFamily="18" charset="0"/>
                 <a:cs typeface="Times New Roman" panose="02020603050405020304" pitchFamily="18" charset="0"/>
               </a:rPr>
-              <a:t>, o </a:t>
-            </a:r>
-            <a:r>
-              <a:rPr lang="pt-BR" sz="2400" b="1" dirty="0">
-                <a:solidFill>
-                  <a:srgbClr val="FF0000"/>
-                </a:solidFill>
-                <a:latin typeface="Times New Roman" panose="02020603050405020304" pitchFamily="18" charset="0"/>
-                <a:cs typeface="Times New Roman" panose="02020603050405020304" pitchFamily="18" charset="0"/>
-              </a:rPr>
-              <a:t>acrônimo</a:t>
-            </a:r>
-            <a:r>
-              <a:rPr lang="pt-BR" sz="2400" dirty="0">
-                <a:latin typeface="Times New Roman" panose="02020603050405020304" pitchFamily="18" charset="0"/>
-                <a:cs typeface="Times New Roman" panose="02020603050405020304" pitchFamily="18" charset="0"/>
-              </a:rPr>
-              <a:t> </a:t>
-            </a:r>
-            <a:r>
-              <a:rPr lang="pt-BR" sz="2400" b="1" dirty="0">
-                <a:latin typeface="Times New Roman" panose="02020603050405020304" pitchFamily="18" charset="0"/>
-                <a:cs typeface="Times New Roman" panose="02020603050405020304" pitchFamily="18" charset="0"/>
-              </a:rPr>
-              <a:t>HTML</a:t>
-            </a:r>
-            <a:r>
-              <a:rPr lang="pt-BR" sz="2400" dirty="0">
-                <a:latin typeface="Times New Roman" panose="02020603050405020304" pitchFamily="18" charset="0"/>
-                <a:cs typeface="Times New Roman" panose="02020603050405020304" pitchFamily="18" charset="0"/>
-              </a:rPr>
-              <a:t> significa </a:t>
-            </a:r>
-            <a:r>
-              <a:rPr lang="pt-BR" sz="2400" b="1" dirty="0" err="1">
-                <a:solidFill>
-                  <a:srgbClr val="FF0000"/>
-                </a:solidFill>
-                <a:latin typeface="Times New Roman" panose="02020603050405020304" pitchFamily="18" charset="0"/>
-                <a:cs typeface="Times New Roman" panose="02020603050405020304" pitchFamily="18" charset="0"/>
-              </a:rPr>
-              <a:t>HiperText</a:t>
-            </a:r>
-            <a:r>
-              <a:rPr lang="pt-BR" sz="2400" b="1" dirty="0">
-                <a:solidFill>
-                  <a:srgbClr val="FF0000"/>
-                </a:solidFill>
-                <a:latin typeface="Times New Roman" panose="02020603050405020304" pitchFamily="18" charset="0"/>
-                <a:cs typeface="Times New Roman" panose="02020603050405020304" pitchFamily="18" charset="0"/>
-              </a:rPr>
-              <a:t> Markup </a:t>
-            </a:r>
-            <a:r>
-              <a:rPr lang="pt-BR" sz="2400" b="1" dirty="0" err="1">
-                <a:solidFill>
-                  <a:srgbClr val="FF0000"/>
-                </a:solidFill>
-                <a:latin typeface="Times New Roman" panose="02020603050405020304" pitchFamily="18" charset="0"/>
-                <a:cs typeface="Times New Roman" panose="02020603050405020304" pitchFamily="18" charset="0"/>
-              </a:rPr>
-              <a:t>Language</a:t>
-            </a:r>
-            <a:r>
-              <a:rPr lang="pt-BR" sz="2400" dirty="0">
-                <a:latin typeface="Times New Roman" panose="02020603050405020304" pitchFamily="18" charset="0"/>
-                <a:cs typeface="Times New Roman" panose="02020603050405020304" pitchFamily="18" charset="0"/>
-              </a:rPr>
-              <a:t>, traduzindo ao português: Linguagem de Marcação de Hipertexto.</a:t>
+              <a:t>se trata da criação de um software, seja ele um sistema, um app, um portal ou um site, que está conectado a uma rede, podendo ser internet ou intranet (uma rede interna). </a:t>
             </a:r>
           </a:p>
           <a:p>
@@ -8460,11 +8727,14 @@
               </a:rPr>
               <a:t>Contextualização</a:t>
             </a:r>
-            <a:endParaRPr lang="en-US" b="1" dirty="0">
-              <a:solidFill>
-                <a:srgbClr val="0070C0"/>
-              </a:solidFill>
-            </a:endParaRPr>
+            <a:r>
+              <a:rPr lang="en-US" b="1" dirty="0">
+                <a:solidFill>
+                  <a:srgbClr val="0070C0"/>
+                </a:solidFill>
+              </a:rPr>
+              <a:t> – App Web</a:t>
+            </a:r>
           </a:p>
         </p:txBody>
       </p:sp>
@@ -8494,11 +8764,21 @@
               <a:buNone/>
             </a:pPr>
             <a:r>
+              <a:rPr lang="pt-BR" sz="2400" b="1" dirty="0">
+                <a:solidFill>
+                  <a:srgbClr val="FF0000"/>
+                </a:solidFill>
+                <a:latin typeface="Times New Roman" panose="02020603050405020304" pitchFamily="18" charset="0"/>
+                <a:cs typeface="Times New Roman" panose="02020603050405020304" pitchFamily="18" charset="0"/>
+              </a:rPr>
+              <a:t>Desenvolvimento de aplicativos da Web</a:t>
+            </a:r>
+            <a:r>
               <a:rPr lang="pt-BR" sz="2400" dirty="0">
                 <a:latin typeface="Times New Roman" panose="02020603050405020304" pitchFamily="18" charset="0"/>
                 <a:cs typeface="Times New Roman" panose="02020603050405020304" pitchFamily="18" charset="0"/>
               </a:rPr>
-              <a:t>Desenvolvimento de aplicativos da Web: </a:t>
+              <a:t>: </a:t>
             </a:r>
           </a:p>
           <a:p>
@@ -8569,16 +8849,6 @@
               </a:rPr>
               <a:t>: Construindo o aplicativo do zero.</a:t>
             </a:r>
-          </a:p>
-          <a:p>
-            <a:pPr algn="just">
-              <a:buFont typeface="Wingdings" panose="05000000000000000000" pitchFamily="2" charset="2"/>
-              <a:buChar char="ü"/>
-            </a:pPr>
-            <a:endParaRPr lang="pt-BR" sz="2400" dirty="0">
-              <a:latin typeface="Times New Roman" panose="02020603050405020304" pitchFamily="18" charset="0"/>
-              <a:cs typeface="Times New Roman" panose="02020603050405020304" pitchFamily="18" charset="0"/>
-            </a:endParaRPr>
           </a:p>
         </p:txBody>
       </p:sp>
@@ -8639,7 +8909,7 @@
                   <a:srgbClr val="0070C0"/>
                 </a:solidFill>
               </a:rPr>
-              <a:t>Caracterização</a:t>
+              <a:t>Contextualização</a:t>
             </a:r>
             <a:r>
               <a:rPr lang="en-US" b="1" dirty="0">
@@ -8647,7 +8917,7 @@
                   <a:srgbClr val="0070C0"/>
                 </a:solidFill>
               </a:rPr>
-              <a:t> </a:t>
+              <a:t> - </a:t>
             </a:r>
             <a:r>
               <a:rPr lang="en-US" b="1" dirty="0" err="1">
@@ -8655,16 +8925,13 @@
                   <a:srgbClr val="0070C0"/>
                 </a:solidFill>
               </a:rPr>
-              <a:t>Marcação</a:t>
-            </a:r>
-            <a:r>
-              <a:rPr lang="en-US" b="1" dirty="0">
-                <a:solidFill>
-                  <a:srgbClr val="0070C0"/>
-                </a:solidFill>
-              </a:rPr>
-              <a:t> (HTML)</a:t>
-            </a:r>
+              <a:t>Ambiente</a:t>
+            </a:r>
+            <a:endParaRPr lang="en-US" b="1" dirty="0">
+              <a:solidFill>
+                <a:srgbClr val="0070C0"/>
+              </a:solidFill>
+            </a:endParaRPr>
           </a:p>
         </p:txBody>
       </p:sp>
@@ -8681,7 +8948,7 @@
         <p:spPr>
           <a:xfrm>
             <a:off x="142865" y="1200151"/>
-            <a:ext cx="8865056" cy="3394472"/>
+            <a:ext cx="8865056" cy="3609844"/>
           </a:xfrm>
         </p:spPr>
         <p:txBody>
@@ -8690,132 +8957,483 @@
           </a:bodyPr>
           <a:lstStyle/>
           <a:p>
-            <a:pPr marL="0" indent="0" algn="just">
-              <a:buNone/>
+            <a:pPr algn="just">
+              <a:buFont typeface="Wingdings" panose="05000000000000000000" pitchFamily="2" charset="2"/>
+              <a:buChar char="ü"/>
             </a:pPr>
             <a:r>
+              <a:rPr lang="pt-BR" sz="2400" b="1" dirty="0">
+                <a:solidFill>
+                  <a:srgbClr val="FF0000"/>
+                </a:solidFill>
+                <a:latin typeface="Times New Roman" panose="02020603050405020304" pitchFamily="18" charset="0"/>
+                <a:cs typeface="Times New Roman" panose="02020603050405020304" pitchFamily="18" charset="0"/>
+              </a:rPr>
+              <a:t>IDE</a:t>
+            </a:r>
+            <a:r>
               <a:rPr lang="pt-BR" sz="2400" dirty="0">
                 <a:latin typeface="Times New Roman" panose="02020603050405020304" pitchFamily="18" charset="0"/>
                 <a:cs typeface="Times New Roman" panose="02020603050405020304" pitchFamily="18" charset="0"/>
               </a:rPr>
-              <a:t>Criada pelo </a:t>
-            </a:r>
+              <a:t>: </a:t>
+            </a:r>
+            <a:r>
+              <a:rPr lang="pt-BR" sz="2400" b="1" dirty="0" err="1">
+                <a:solidFill>
+                  <a:srgbClr val="0070C0"/>
+                </a:solidFill>
+                <a:latin typeface="Times New Roman" panose="02020603050405020304" pitchFamily="18" charset="0"/>
+                <a:cs typeface="Times New Roman" panose="02020603050405020304" pitchFamily="18" charset="0"/>
+              </a:rPr>
+              <a:t>VSCode</a:t>
+            </a:r>
+            <a:r>
+              <a:rPr lang="pt-BR" sz="2400" dirty="0">
+                <a:latin typeface="Times New Roman" panose="02020603050405020304" pitchFamily="18" charset="0"/>
+                <a:cs typeface="Times New Roman" panose="02020603050405020304" pitchFamily="18" charset="0"/>
+              </a:rPr>
+              <a:t>, </a:t>
+            </a:r>
+            <a:r>
+              <a:rPr lang="pt-BR" sz="2400" dirty="0" err="1">
+                <a:latin typeface="Times New Roman" panose="02020603050405020304" pitchFamily="18" charset="0"/>
+                <a:cs typeface="Times New Roman" panose="02020603050405020304" pitchFamily="18" charset="0"/>
+              </a:rPr>
+              <a:t>SublimeText</a:t>
+            </a:r>
+            <a:r>
+              <a:rPr lang="pt-BR" sz="2400" dirty="0">
+                <a:latin typeface="Times New Roman" panose="02020603050405020304" pitchFamily="18" charset="0"/>
+                <a:cs typeface="Times New Roman" panose="02020603050405020304" pitchFamily="18" charset="0"/>
+              </a:rPr>
+              <a:t>, </a:t>
+            </a:r>
+            <a:r>
+              <a:rPr lang="pt-BR" sz="2400" dirty="0" err="1">
+                <a:latin typeface="Times New Roman" panose="02020603050405020304" pitchFamily="18" charset="0"/>
+                <a:cs typeface="Times New Roman" panose="02020603050405020304" pitchFamily="18" charset="0"/>
+              </a:rPr>
+              <a:t>Notepad</a:t>
+            </a:r>
+            <a:r>
+              <a:rPr lang="pt-BR" sz="2400" dirty="0">
+                <a:latin typeface="Times New Roman" panose="02020603050405020304" pitchFamily="18" charset="0"/>
+                <a:cs typeface="Times New Roman" panose="02020603050405020304" pitchFamily="18" charset="0"/>
+              </a:rPr>
+              <a:t>++, </a:t>
+            </a:r>
+            <a:r>
+              <a:rPr lang="pt-BR" sz="2400" dirty="0" err="1">
+                <a:latin typeface="Times New Roman" panose="02020603050405020304" pitchFamily="18" charset="0"/>
+                <a:cs typeface="Times New Roman" panose="02020603050405020304" pitchFamily="18" charset="0"/>
+              </a:rPr>
+              <a:t>Atom</a:t>
+            </a:r>
+            <a:r>
+              <a:rPr lang="pt-BR" sz="2400" dirty="0">
+                <a:latin typeface="Times New Roman" panose="02020603050405020304" pitchFamily="18" charset="0"/>
+                <a:cs typeface="Times New Roman" panose="02020603050405020304" pitchFamily="18" charset="0"/>
+              </a:rPr>
+              <a:t>, Vim, etc.</a:t>
+            </a:r>
+          </a:p>
+          <a:p>
+            <a:pPr algn="just">
+              <a:buFont typeface="Wingdings" panose="05000000000000000000" pitchFamily="2" charset="2"/>
+              <a:buChar char="ü"/>
+            </a:pPr>
             <a:r>
               <a:rPr lang="pt-BR" sz="2400" b="1" dirty="0">
-                <a:latin typeface="Times New Roman" panose="02020603050405020304" pitchFamily="18" charset="0"/>
-                <a:cs typeface="Times New Roman" panose="02020603050405020304" pitchFamily="18" charset="0"/>
-              </a:rPr>
-              <a:t>britânico Tim Berners-Lee</a:t>
+                <a:solidFill>
+                  <a:srgbClr val="FF0000"/>
+                </a:solidFill>
+                <a:latin typeface="Times New Roman" panose="02020603050405020304" pitchFamily="18" charset="0"/>
+                <a:cs typeface="Times New Roman" panose="02020603050405020304" pitchFamily="18" charset="0"/>
+              </a:rPr>
+              <a:t>Navegador</a:t>
             </a:r>
             <a:r>
               <a:rPr lang="pt-BR" sz="2400" dirty="0">
                 <a:latin typeface="Times New Roman" panose="02020603050405020304" pitchFamily="18" charset="0"/>
                 <a:cs typeface="Times New Roman" panose="02020603050405020304" pitchFamily="18" charset="0"/>
               </a:rPr>
-              <a:t>, o </a:t>
+              <a:t>: </a:t>
             </a:r>
             <a:r>
               <a:rPr lang="pt-BR" sz="2400" b="1" dirty="0">
                 <a:solidFill>
+                  <a:srgbClr val="0070C0"/>
+                </a:solidFill>
+                <a:latin typeface="Times New Roman" panose="02020603050405020304" pitchFamily="18" charset="0"/>
+                <a:cs typeface="Times New Roman" panose="02020603050405020304" pitchFamily="18" charset="0"/>
+              </a:rPr>
+              <a:t>Chrome</a:t>
+            </a:r>
+            <a:r>
+              <a:rPr lang="pt-BR" sz="2400" dirty="0">
+                <a:latin typeface="Times New Roman" panose="02020603050405020304" pitchFamily="18" charset="0"/>
+                <a:cs typeface="Times New Roman" panose="02020603050405020304" pitchFamily="18" charset="0"/>
+              </a:rPr>
+              <a:t>, Firefox, </a:t>
+            </a:r>
+            <a:r>
+              <a:rPr lang="pt-BR" sz="2400" b="1" dirty="0">
+                <a:solidFill>
+                  <a:srgbClr val="0070C0"/>
+                </a:solidFill>
+                <a:latin typeface="Times New Roman" panose="02020603050405020304" pitchFamily="18" charset="0"/>
+                <a:cs typeface="Times New Roman" panose="02020603050405020304" pitchFamily="18" charset="0"/>
+              </a:rPr>
+              <a:t>Microsoft Edge</a:t>
+            </a:r>
+            <a:r>
+              <a:rPr lang="pt-BR" sz="2400" dirty="0">
+                <a:latin typeface="Times New Roman" panose="02020603050405020304" pitchFamily="18" charset="0"/>
+                <a:cs typeface="Times New Roman" panose="02020603050405020304" pitchFamily="18" charset="0"/>
+              </a:rPr>
+              <a:t>, </a:t>
+            </a:r>
+            <a:r>
+              <a:rPr lang="pt-BR" sz="2400" dirty="0" err="1">
+                <a:latin typeface="Times New Roman" panose="02020603050405020304" pitchFamily="18" charset="0"/>
+                <a:cs typeface="Times New Roman" panose="02020603050405020304" pitchFamily="18" charset="0"/>
+              </a:rPr>
+              <a:t>Brave</a:t>
+            </a:r>
+            <a:r>
+              <a:rPr lang="pt-BR" sz="2400" dirty="0">
+                <a:latin typeface="Times New Roman" panose="02020603050405020304" pitchFamily="18" charset="0"/>
+                <a:cs typeface="Times New Roman" panose="02020603050405020304" pitchFamily="18" charset="0"/>
+              </a:rPr>
+              <a:t>, etc.</a:t>
+            </a:r>
+          </a:p>
+          <a:p>
+            <a:pPr algn="just">
+              <a:buFont typeface="Wingdings" panose="05000000000000000000" pitchFamily="2" charset="2"/>
+              <a:buChar char="ü"/>
+            </a:pPr>
+            <a:r>
+              <a:rPr lang="pt-BR" sz="2400" b="1" dirty="0">
+                <a:solidFill>
                   <a:srgbClr val="FF0000"/>
                 </a:solidFill>
                 <a:latin typeface="Times New Roman" panose="02020603050405020304" pitchFamily="18" charset="0"/>
                 <a:cs typeface="Times New Roman" panose="02020603050405020304" pitchFamily="18" charset="0"/>
               </a:rPr>
-              <a:t>acrônimo</a:t>
+              <a:t>Editor Gráfico</a:t>
             </a:r>
             <a:r>
               <a:rPr lang="pt-BR" sz="2400" dirty="0">
                 <a:latin typeface="Times New Roman" panose="02020603050405020304" pitchFamily="18" charset="0"/>
                 <a:cs typeface="Times New Roman" panose="02020603050405020304" pitchFamily="18" charset="0"/>
               </a:rPr>
-              <a:t> </a:t>
-            </a:r>
+              <a:t>: Photoshop, Paint.NET, XD, GIMP, Corel, etc.</a:t>
+            </a:r>
+          </a:p>
+          <a:p>
+            <a:pPr algn="just">
+              <a:buFont typeface="Wingdings" panose="05000000000000000000" pitchFamily="2" charset="2"/>
+              <a:buChar char="ü"/>
+            </a:pPr>
             <a:r>
               <a:rPr lang="pt-BR" sz="2400" b="1" dirty="0">
-                <a:latin typeface="Times New Roman" panose="02020603050405020304" pitchFamily="18" charset="0"/>
-                <a:cs typeface="Times New Roman" panose="02020603050405020304" pitchFamily="18" charset="0"/>
-              </a:rPr>
-              <a:t>HTML</a:t>
+                <a:solidFill>
+                  <a:srgbClr val="FF0000"/>
+                </a:solidFill>
+                <a:latin typeface="Times New Roman" panose="02020603050405020304" pitchFamily="18" charset="0"/>
+                <a:cs typeface="Times New Roman" panose="02020603050405020304" pitchFamily="18" charset="0"/>
+              </a:rPr>
+              <a:t>Sistema de Controle de Versão</a:t>
             </a:r>
             <a:r>
               <a:rPr lang="pt-BR" sz="2400" dirty="0">
                 <a:latin typeface="Times New Roman" panose="02020603050405020304" pitchFamily="18" charset="0"/>
                 <a:cs typeface="Times New Roman" panose="02020603050405020304" pitchFamily="18" charset="0"/>
               </a:rPr>
-              <a:t> significa </a:t>
+              <a:t>: </a:t>
+            </a:r>
+            <a:r>
+              <a:rPr lang="pt-BR" sz="2400" b="1" dirty="0">
+                <a:solidFill>
+                  <a:srgbClr val="0070C0"/>
+                </a:solidFill>
+                <a:latin typeface="Times New Roman" panose="02020603050405020304" pitchFamily="18" charset="0"/>
+                <a:cs typeface="Times New Roman" panose="02020603050405020304" pitchFamily="18" charset="0"/>
+              </a:rPr>
+              <a:t>GitHub</a:t>
+            </a:r>
+            <a:r>
+              <a:rPr lang="pt-BR" sz="2400" dirty="0">
+                <a:latin typeface="Times New Roman" panose="02020603050405020304" pitchFamily="18" charset="0"/>
+                <a:cs typeface="Times New Roman" panose="02020603050405020304" pitchFamily="18" charset="0"/>
+              </a:rPr>
+              <a:t>, </a:t>
+            </a:r>
+            <a:r>
+              <a:rPr lang="pt-BR" sz="2400" dirty="0" err="1">
+                <a:latin typeface="Times New Roman" panose="02020603050405020304" pitchFamily="18" charset="0"/>
+                <a:cs typeface="Times New Roman" panose="02020603050405020304" pitchFamily="18" charset="0"/>
+              </a:rPr>
+              <a:t>GitLab</a:t>
+            </a:r>
+            <a:r>
+              <a:rPr lang="pt-BR" sz="2400" dirty="0">
+                <a:latin typeface="Times New Roman" panose="02020603050405020304" pitchFamily="18" charset="0"/>
+                <a:cs typeface="Times New Roman" panose="02020603050405020304" pitchFamily="18" charset="0"/>
+              </a:rPr>
+              <a:t>, </a:t>
+            </a:r>
+            <a:r>
+              <a:rPr lang="pt-BR" sz="2400" dirty="0" err="1">
+                <a:latin typeface="Times New Roman" panose="02020603050405020304" pitchFamily="18" charset="0"/>
+                <a:cs typeface="Times New Roman" panose="02020603050405020304" pitchFamily="18" charset="0"/>
+              </a:rPr>
+              <a:t>Git</a:t>
+            </a:r>
+            <a:r>
+              <a:rPr lang="pt-BR" sz="2400" dirty="0">
+                <a:latin typeface="Times New Roman" panose="02020603050405020304" pitchFamily="18" charset="0"/>
+                <a:cs typeface="Times New Roman" panose="02020603050405020304" pitchFamily="18" charset="0"/>
+              </a:rPr>
+              <a:t>, etc.</a:t>
+            </a:r>
+          </a:p>
+          <a:p>
+            <a:pPr algn="just">
+              <a:buFont typeface="Wingdings" panose="05000000000000000000" pitchFamily="2" charset="2"/>
+              <a:buChar char="ü"/>
+            </a:pPr>
+            <a:r>
+              <a:rPr lang="pt-BR" sz="2400" b="1" dirty="0">
+                <a:solidFill>
+                  <a:srgbClr val="FF0000"/>
+                </a:solidFill>
+                <a:latin typeface="Times New Roman" panose="02020603050405020304" pitchFamily="18" charset="0"/>
+                <a:cs typeface="Times New Roman" panose="02020603050405020304" pitchFamily="18" charset="0"/>
+              </a:rPr>
+              <a:t>Hospedagem Web</a:t>
+            </a:r>
+            <a:r>
+              <a:rPr lang="pt-BR" sz="2400" dirty="0">
+                <a:latin typeface="Times New Roman" panose="02020603050405020304" pitchFamily="18" charset="0"/>
+                <a:cs typeface="Times New Roman" panose="02020603050405020304" pitchFamily="18" charset="0"/>
+              </a:rPr>
+              <a:t>: FTP, </a:t>
+            </a:r>
+            <a:r>
+              <a:rPr lang="pt-BR" sz="2400" dirty="0" err="1">
+                <a:latin typeface="Times New Roman" panose="02020603050405020304" pitchFamily="18" charset="0"/>
+                <a:cs typeface="Times New Roman" panose="02020603050405020304" pitchFamily="18" charset="0"/>
+              </a:rPr>
+              <a:t>Git</a:t>
+            </a:r>
+            <a:r>
+              <a:rPr lang="pt-BR" sz="2400" dirty="0">
+                <a:latin typeface="Times New Roman" panose="02020603050405020304" pitchFamily="18" charset="0"/>
+                <a:cs typeface="Times New Roman" panose="02020603050405020304" pitchFamily="18" charset="0"/>
+              </a:rPr>
+              <a:t>, </a:t>
+            </a:r>
+            <a:r>
+              <a:rPr lang="pt-BR" sz="2400" dirty="0" err="1">
+                <a:latin typeface="Times New Roman" panose="02020603050405020304" pitchFamily="18" charset="0"/>
+                <a:cs typeface="Times New Roman" panose="02020603050405020304" pitchFamily="18" charset="0"/>
+              </a:rPr>
+              <a:t>Cyberduck</a:t>
+            </a:r>
+            <a:r>
+              <a:rPr lang="pt-BR" sz="2400" dirty="0">
+                <a:latin typeface="Times New Roman" panose="02020603050405020304" pitchFamily="18" charset="0"/>
+                <a:cs typeface="Times New Roman" panose="02020603050405020304" pitchFamily="18" charset="0"/>
+              </a:rPr>
+              <a:t>, </a:t>
+            </a:r>
+            <a:r>
+              <a:rPr lang="pt-BR" sz="2400" dirty="0" err="1">
+                <a:latin typeface="Times New Roman" panose="02020603050405020304" pitchFamily="18" charset="0"/>
+                <a:cs typeface="Times New Roman" panose="02020603050405020304" pitchFamily="18" charset="0"/>
+              </a:rPr>
+              <a:t>Fetch</a:t>
+            </a:r>
+            <a:r>
+              <a:rPr lang="pt-BR" sz="2400" dirty="0">
+                <a:latin typeface="Times New Roman" panose="02020603050405020304" pitchFamily="18" charset="0"/>
+                <a:cs typeface="Times New Roman" panose="02020603050405020304" pitchFamily="18" charset="0"/>
+              </a:rPr>
+              <a:t>, </a:t>
+            </a:r>
+            <a:r>
+              <a:rPr lang="pt-BR" sz="2400" dirty="0" err="1">
+                <a:latin typeface="Times New Roman" panose="02020603050405020304" pitchFamily="18" charset="0"/>
+                <a:cs typeface="Times New Roman" panose="02020603050405020304" pitchFamily="18" charset="0"/>
+              </a:rPr>
+              <a:t>FileZilla</a:t>
+            </a:r>
+            <a:r>
+              <a:rPr lang="pt-BR" sz="2400" dirty="0">
+                <a:latin typeface="Times New Roman" panose="02020603050405020304" pitchFamily="18" charset="0"/>
+                <a:cs typeface="Times New Roman" panose="02020603050405020304" pitchFamily="18" charset="0"/>
+              </a:rPr>
+              <a:t>, etc.</a:t>
+            </a:r>
+          </a:p>
+          <a:p>
+            <a:pPr algn="just">
+              <a:buFont typeface="Wingdings" panose="05000000000000000000" pitchFamily="2" charset="2"/>
+              <a:buChar char="ü"/>
+            </a:pPr>
+            <a:r>
+              <a:rPr lang="pt-BR" sz="2400" b="1" dirty="0">
+                <a:solidFill>
+                  <a:srgbClr val="FF0000"/>
+                </a:solidFill>
+                <a:latin typeface="Times New Roman" panose="02020603050405020304" pitchFamily="18" charset="0"/>
+                <a:cs typeface="Times New Roman" panose="02020603050405020304" pitchFamily="18" charset="0"/>
+              </a:rPr>
+              <a:t>Sistema de Automação (testes)</a:t>
+            </a:r>
+            <a:r>
+              <a:rPr lang="pt-BR" sz="2400" dirty="0">
+                <a:latin typeface="Times New Roman" panose="02020603050405020304" pitchFamily="18" charset="0"/>
+                <a:cs typeface="Times New Roman" panose="02020603050405020304" pitchFamily="18" charset="0"/>
+              </a:rPr>
+              <a:t>: </a:t>
+            </a:r>
+            <a:r>
+              <a:rPr lang="pt-BR" sz="2400" dirty="0" err="1">
+                <a:latin typeface="Times New Roman" panose="02020603050405020304" pitchFamily="18" charset="0"/>
+                <a:cs typeface="Times New Roman" panose="02020603050405020304" pitchFamily="18" charset="0"/>
+              </a:rPr>
+              <a:t>Grunt</a:t>
+            </a:r>
+            <a:r>
+              <a:rPr lang="pt-BR" sz="2400" dirty="0">
+                <a:latin typeface="Times New Roman" panose="02020603050405020304" pitchFamily="18" charset="0"/>
+                <a:cs typeface="Times New Roman" panose="02020603050405020304" pitchFamily="18" charset="0"/>
+              </a:rPr>
+              <a:t>, Jenkins, etc.</a:t>
+            </a:r>
+          </a:p>
+          <a:p>
+            <a:pPr algn="just">
+              <a:buFont typeface="Wingdings" panose="05000000000000000000" pitchFamily="2" charset="2"/>
+              <a:buChar char="ü"/>
+            </a:pPr>
+            <a:r>
+              <a:rPr lang="pt-BR" sz="2400" b="1" dirty="0">
+                <a:solidFill>
+                  <a:srgbClr val="FF0000"/>
+                </a:solidFill>
+                <a:latin typeface="Times New Roman" panose="02020603050405020304" pitchFamily="18" charset="0"/>
+                <a:cs typeface="Times New Roman" panose="02020603050405020304" pitchFamily="18" charset="0"/>
+              </a:rPr>
+              <a:t>Acelerar Escrita</a:t>
+            </a:r>
+            <a:r>
+              <a:rPr lang="pt-BR" sz="2400" dirty="0">
+                <a:latin typeface="Times New Roman" panose="02020603050405020304" pitchFamily="18" charset="0"/>
+                <a:cs typeface="Times New Roman" panose="02020603050405020304" pitchFamily="18" charset="0"/>
+              </a:rPr>
+              <a:t>: </a:t>
             </a:r>
             <a:r>
               <a:rPr lang="pt-BR" sz="2400" b="1" dirty="0" err="1">
                 <a:solidFill>
+                  <a:srgbClr val="0070C0"/>
+                </a:solidFill>
+                <a:latin typeface="Times New Roman" panose="02020603050405020304" pitchFamily="18" charset="0"/>
+                <a:cs typeface="Times New Roman" panose="02020603050405020304" pitchFamily="18" charset="0"/>
+              </a:rPr>
+              <a:t>Templates</a:t>
+            </a:r>
+            <a:r>
+              <a:rPr lang="pt-BR" sz="2400" b="1" dirty="0">
+                <a:solidFill>
+                  <a:srgbClr val="0070C0"/>
+                </a:solidFill>
+                <a:latin typeface="Times New Roman" panose="02020603050405020304" pitchFamily="18" charset="0"/>
+                <a:cs typeface="Times New Roman" panose="02020603050405020304" pitchFamily="18" charset="0"/>
+              </a:rPr>
+              <a:t>, Bibliotecas, Frameworks</a:t>
+            </a:r>
+            <a:r>
+              <a:rPr lang="pt-BR" sz="2400" dirty="0">
+                <a:latin typeface="Times New Roman" panose="02020603050405020304" pitchFamily="18" charset="0"/>
+                <a:cs typeface="Times New Roman" panose="02020603050405020304" pitchFamily="18" charset="0"/>
+              </a:rPr>
+              <a:t>, etc.</a:t>
+            </a:r>
+          </a:p>
+          <a:p>
+            <a:pPr algn="just">
+              <a:buFont typeface="Wingdings" panose="05000000000000000000" pitchFamily="2" charset="2"/>
+              <a:buChar char="ü"/>
+            </a:pPr>
+            <a:r>
+              <a:rPr lang="pt-BR" sz="2400" b="1" dirty="0">
+                <a:solidFill>
                   <a:srgbClr val="FF0000"/>
                 </a:solidFill>
                 <a:latin typeface="Times New Roman" panose="02020603050405020304" pitchFamily="18" charset="0"/>
                 <a:cs typeface="Times New Roman" panose="02020603050405020304" pitchFamily="18" charset="0"/>
               </a:rPr>
-              <a:t>HiperText</a:t>
-            </a:r>
-            <a:r>
-              <a:rPr lang="pt-BR" sz="2400" b="1" dirty="0">
-                <a:solidFill>
-                  <a:srgbClr val="FF0000"/>
-                </a:solidFill>
-                <a:latin typeface="Times New Roman" panose="02020603050405020304" pitchFamily="18" charset="0"/>
-                <a:cs typeface="Times New Roman" panose="02020603050405020304" pitchFamily="18" charset="0"/>
-              </a:rPr>
-              <a:t> Markup </a:t>
-            </a:r>
-            <a:r>
-              <a:rPr lang="pt-BR" sz="2400" b="1" dirty="0" err="1">
-                <a:solidFill>
-                  <a:srgbClr val="FF0000"/>
-                </a:solidFill>
-                <a:latin typeface="Times New Roman" panose="02020603050405020304" pitchFamily="18" charset="0"/>
-                <a:cs typeface="Times New Roman" panose="02020603050405020304" pitchFamily="18" charset="0"/>
-              </a:rPr>
-              <a:t>Language</a:t>
+              <a:t>Servidor Web Local</a:t>
             </a:r>
             <a:r>
               <a:rPr lang="pt-BR" sz="2400" dirty="0">
                 <a:latin typeface="Times New Roman" panose="02020603050405020304" pitchFamily="18" charset="0"/>
                 <a:cs typeface="Times New Roman" panose="02020603050405020304" pitchFamily="18" charset="0"/>
               </a:rPr>
-              <a:t>, traduzindo ao português: Linguagem de Marcação de Hipertexto.</a:t>
-            </a:r>
-          </a:p>
-          <a:p>
-            <a:pPr marL="0" indent="0" algn="just">
-              <a:buNone/>
-            </a:pPr>
+              <a:t>: </a:t>
+            </a:r>
+            <a:r>
+              <a:rPr lang="pt-BR" sz="2400" dirty="0" err="1">
+                <a:latin typeface="Times New Roman" panose="02020603050405020304" pitchFamily="18" charset="0"/>
+                <a:cs typeface="Times New Roman" panose="02020603050405020304" pitchFamily="18" charset="0"/>
+              </a:rPr>
+              <a:t>VSCode</a:t>
+            </a:r>
+            <a:r>
+              <a:rPr lang="pt-BR" sz="2400" dirty="0">
+                <a:latin typeface="Times New Roman" panose="02020603050405020304" pitchFamily="18" charset="0"/>
+                <a:cs typeface="Times New Roman" panose="02020603050405020304" pitchFamily="18" charset="0"/>
+              </a:rPr>
+              <a:t>(</a:t>
+            </a:r>
+            <a:r>
+              <a:rPr lang="pt-BR" sz="2400" dirty="0" err="1">
+                <a:latin typeface="Times New Roman" panose="02020603050405020304" pitchFamily="18" charset="0"/>
+                <a:cs typeface="Times New Roman" panose="02020603050405020304" pitchFamily="18" charset="0"/>
+              </a:rPr>
+              <a:t>Imbutido</a:t>
+            </a:r>
+            <a:r>
+              <a:rPr lang="pt-BR" sz="2400" dirty="0">
+                <a:latin typeface="Times New Roman" panose="02020603050405020304" pitchFamily="18" charset="0"/>
+                <a:cs typeface="Times New Roman" panose="02020603050405020304" pitchFamily="18" charset="0"/>
+              </a:rPr>
+              <a:t>), Apache</a:t>
+            </a:r>
+            <a:r>
+              <a:rPr lang="pt-BR" sz="2400">
+                <a:latin typeface="Times New Roman" panose="02020603050405020304" pitchFamily="18" charset="0"/>
+                <a:cs typeface="Times New Roman" panose="02020603050405020304" pitchFamily="18" charset="0"/>
+              </a:rPr>
+              <a:t>, etc.</a:t>
+            </a:r>
             <a:endParaRPr lang="pt-BR" sz="2400" dirty="0">
-              <a:solidFill>
-                <a:schemeClr val="tx1"/>
-              </a:solidFill>
               <a:latin typeface="Times New Roman" panose="02020603050405020304" pitchFamily="18" charset="0"/>
               <a:cs typeface="Times New Roman" panose="02020603050405020304" pitchFamily="18" charset="0"/>
             </a:endParaRPr>
-          </a:p>
-          <a:p>
-            <a:pPr marL="0" indent="0" algn="just">
-              <a:buNone/>
-            </a:pPr>
-            <a:r>
-              <a:rPr lang="pt-BR" sz="2400" dirty="0">
-                <a:solidFill>
-                  <a:schemeClr val="tx1"/>
-                </a:solidFill>
-                <a:latin typeface="Times New Roman" panose="02020603050405020304" pitchFamily="18" charset="0"/>
-                <a:cs typeface="Times New Roman" panose="02020603050405020304" pitchFamily="18" charset="0"/>
-              </a:rPr>
-              <a:t>Permite inserir o conteúdo e estabelecer a estrutura básica de um website. Portanto, ele serve para dar significado e organizar as informações de uma página na web. </a:t>
-            </a:r>
           </a:p>
         </p:txBody>
       </p:sp>
     </p:spTree>
     <p:extLst>
       <p:ext uri="{BB962C8B-B14F-4D97-AF65-F5344CB8AC3E}">
-        <p14:creationId xmlns:p14="http://schemas.microsoft.com/office/powerpoint/2010/main" val="2106685335"/>
+        <p14:creationId xmlns:p14="http://schemas.microsoft.com/office/powerpoint/2010/main" val="1357665908"/>
       </p:ext>
     </p:extLst>
   </p:cSld>
@@ -8928,7 +9546,52 @@
                 <a:latin typeface="Times New Roman" panose="02020603050405020304" pitchFamily="18" charset="0"/>
                 <a:cs typeface="Times New Roman" panose="02020603050405020304" pitchFamily="18" charset="0"/>
               </a:rPr>
-              <a:t>Através de um documento HTML, ou seja, um documento com a extensão .</a:t>
+              <a:t>Criada pelo </a:t>
+            </a:r>
+            <a:r>
+              <a:rPr lang="pt-BR" sz="2400" b="1" dirty="0">
+                <a:latin typeface="Times New Roman" panose="02020603050405020304" pitchFamily="18" charset="0"/>
+                <a:cs typeface="Times New Roman" panose="02020603050405020304" pitchFamily="18" charset="0"/>
+              </a:rPr>
+              <a:t>britânico Tim Berners-Lee</a:t>
+            </a:r>
+            <a:r>
+              <a:rPr lang="pt-BR" sz="2400" dirty="0">
+                <a:latin typeface="Times New Roman" panose="02020603050405020304" pitchFamily="18" charset="0"/>
+                <a:cs typeface="Times New Roman" panose="02020603050405020304" pitchFamily="18" charset="0"/>
+              </a:rPr>
+              <a:t>, o </a:t>
+            </a:r>
+            <a:r>
+              <a:rPr lang="pt-BR" sz="2400" b="1" dirty="0">
+                <a:solidFill>
+                  <a:srgbClr val="FF0000"/>
+                </a:solidFill>
+                <a:latin typeface="Times New Roman" panose="02020603050405020304" pitchFamily="18" charset="0"/>
+                <a:cs typeface="Times New Roman" panose="02020603050405020304" pitchFamily="18" charset="0"/>
+              </a:rPr>
+              <a:t>acrônimo</a:t>
+            </a:r>
+            <a:r>
+              <a:rPr lang="pt-BR" sz="2400" dirty="0">
+                <a:latin typeface="Times New Roman" panose="02020603050405020304" pitchFamily="18" charset="0"/>
+                <a:cs typeface="Times New Roman" panose="02020603050405020304" pitchFamily="18" charset="0"/>
+              </a:rPr>
+              <a:t> </a:t>
+            </a:r>
+            <a:r>
+              <a:rPr lang="pt-BR" sz="2400" b="1" dirty="0">
+                <a:latin typeface="Times New Roman" panose="02020603050405020304" pitchFamily="18" charset="0"/>
+                <a:cs typeface="Times New Roman" panose="02020603050405020304" pitchFamily="18" charset="0"/>
+              </a:rPr>
+              <a:t>HTML</a:t>
+            </a:r>
+            <a:r>
+              <a:rPr lang="pt-BR" sz="2400" dirty="0">
+                <a:latin typeface="Times New Roman" panose="02020603050405020304" pitchFamily="18" charset="0"/>
+                <a:cs typeface="Times New Roman" panose="02020603050405020304" pitchFamily="18" charset="0"/>
+              </a:rPr>
+              <a:t> significa </a:t>
             </a:r>
             <a:r>
               <a:rPr lang="pt-BR" sz="2400" b="1" dirty="0" err="1">
@@ -8938,31 +9601,34 @@
                 <a:latin typeface="Times New Roman" panose="02020603050405020304" pitchFamily="18" charset="0"/>
                 <a:cs typeface="Times New Roman" panose="02020603050405020304" pitchFamily="18" charset="0"/>
               </a:rPr>
-              <a:t>html</a:t>
+              <a:t>HiperText</a:t>
+            </a:r>
+            <a:r>
+              <a:rPr lang="pt-BR" sz="2400" b="1" dirty="0">
+                <a:solidFill>
+                  <a:srgbClr val="FF0000"/>
+                </a:solidFill>
+                <a:latin typeface="Times New Roman" panose="02020603050405020304" pitchFamily="18" charset="0"/>
+                <a:cs typeface="Times New Roman" panose="02020603050405020304" pitchFamily="18" charset="0"/>
+              </a:rPr>
+              <a:t> Markup </a:t>
+            </a:r>
+            <a:r>
+              <a:rPr lang="pt-BR" sz="2400" b="1" dirty="0" err="1">
+                <a:solidFill>
+                  <a:srgbClr val="FF0000"/>
+                </a:solidFill>
+                <a:latin typeface="Times New Roman" panose="02020603050405020304" pitchFamily="18" charset="0"/>
+                <a:cs typeface="Times New Roman" panose="02020603050405020304" pitchFamily="18" charset="0"/>
+              </a:rPr>
+              <a:t>Language</a:t>
             </a:r>
             <a:r>
               <a:rPr lang="pt-BR" sz="2400" dirty="0">
                 <a:latin typeface="Times New Roman" panose="02020603050405020304" pitchFamily="18" charset="0"/>
                 <a:cs typeface="Times New Roman" panose="02020603050405020304" pitchFamily="18" charset="0"/>
               </a:rPr>
-              <a:t> ou .</a:t>
-            </a:r>
-            <a:r>
-              <a:rPr lang="pt-BR" sz="2400" b="1" dirty="0" err="1">
-                <a:solidFill>
-                  <a:srgbClr val="FF0000"/>
-                </a:solidFill>
-                <a:latin typeface="Times New Roman" panose="02020603050405020304" pitchFamily="18" charset="0"/>
-                <a:cs typeface="Times New Roman" panose="02020603050405020304" pitchFamily="18" charset="0"/>
-              </a:rPr>
-              <a:t>htm</a:t>
-            </a:r>
-            <a:r>
-              <a:rPr lang="pt-BR" sz="2400" dirty="0">
-                <a:latin typeface="Times New Roman" panose="02020603050405020304" pitchFamily="18" charset="0"/>
-                <a:cs typeface="Times New Roman" panose="02020603050405020304" pitchFamily="18" charset="0"/>
-              </a:rPr>
-              <a:t>., o navegador faz a leitura do arquivo e renderiza o seu conteúdo para que o usuário final possa visualizá-lo.</a:t>
+              <a:t>, traduzindo ao português: Linguagem de Marcação de Hipertexto.</a:t>
             </a:r>
           </a:p>
           <a:p>
@@ -8970,6 +9636,9 @@
               <a:buNone/>
             </a:pPr>
             <a:endParaRPr lang="pt-BR" sz="2400" dirty="0">
+              <a:solidFill>
+                <a:schemeClr val="tx1"/>
+              </a:solidFill>
               <a:latin typeface="Times New Roman" panose="02020603050405020304" pitchFamily="18" charset="0"/>
               <a:cs typeface="Times New Roman" panose="02020603050405020304" pitchFamily="18" charset="0"/>
             </a:endParaRPr>
@@ -8979,142 +9648,22 @@
               <a:buNone/>
             </a:pPr>
             <a:r>
-              <a:rPr lang="pt-BR" sz="2400" b="1" dirty="0">
-                <a:solidFill>
-                  <a:srgbClr val="FF0000"/>
-                </a:solidFill>
-                <a:latin typeface="Times New Roman" panose="02020603050405020304" pitchFamily="18" charset="0"/>
-                <a:cs typeface="Times New Roman" panose="02020603050405020304" pitchFamily="18" charset="0"/>
-              </a:rPr>
-              <a:t>IDE</a:t>
-            </a:r>
-            <a:r>
               <a:rPr lang="pt-BR" sz="2400" dirty="0">
-                <a:latin typeface="Times New Roman" panose="02020603050405020304" pitchFamily="18" charset="0"/>
-                <a:cs typeface="Times New Roman" panose="02020603050405020304" pitchFamily="18" charset="0"/>
-              </a:rPr>
-              <a:t>: Sublime </a:t>
-            </a:r>
-            <a:r>
-              <a:rPr lang="pt-BR" sz="2400" dirty="0" err="1">
-                <a:latin typeface="Times New Roman" panose="02020603050405020304" pitchFamily="18" charset="0"/>
-                <a:cs typeface="Times New Roman" panose="02020603050405020304" pitchFamily="18" charset="0"/>
-              </a:rPr>
-              <a:t>Text</a:t>
-            </a:r>
-            <a:r>
-              <a:rPr lang="pt-BR" sz="2400" dirty="0">
-                <a:latin typeface="Times New Roman" panose="02020603050405020304" pitchFamily="18" charset="0"/>
-                <a:cs typeface="Times New Roman" panose="02020603050405020304" pitchFamily="18" charset="0"/>
-              </a:rPr>
-              <a:t>, </a:t>
-            </a:r>
-            <a:r>
-              <a:rPr lang="pt-BR" sz="2400" dirty="0" err="1">
-                <a:latin typeface="Times New Roman" panose="02020603050405020304" pitchFamily="18" charset="0"/>
-                <a:cs typeface="Times New Roman" panose="02020603050405020304" pitchFamily="18" charset="0"/>
-              </a:rPr>
-              <a:t>NotePad</a:t>
-            </a:r>
-            <a:r>
-              <a:rPr lang="pt-BR" sz="2400" dirty="0">
-                <a:latin typeface="Times New Roman" panose="02020603050405020304" pitchFamily="18" charset="0"/>
-                <a:cs typeface="Times New Roman" panose="02020603050405020304" pitchFamily="18" charset="0"/>
-              </a:rPr>
-              <a:t>++, VS </a:t>
-            </a:r>
-            <a:r>
-              <a:rPr lang="pt-BR" sz="2400" dirty="0" err="1">
-                <a:latin typeface="Times New Roman" panose="02020603050405020304" pitchFamily="18" charset="0"/>
-                <a:cs typeface="Times New Roman" panose="02020603050405020304" pitchFamily="18" charset="0"/>
-              </a:rPr>
-              <a:t>Code</a:t>
-            </a:r>
-            <a:r>
-              <a:rPr lang="pt-BR" sz="2400" dirty="0">
-                <a:latin typeface="Times New Roman" panose="02020603050405020304" pitchFamily="18" charset="0"/>
-                <a:cs typeface="Times New Roman" panose="02020603050405020304" pitchFamily="18" charset="0"/>
-              </a:rPr>
-              <a:t>, </a:t>
-            </a:r>
-            <a:r>
-              <a:rPr lang="pt-BR" sz="2400" dirty="0" err="1">
-                <a:latin typeface="Times New Roman" panose="02020603050405020304" pitchFamily="18" charset="0"/>
-                <a:cs typeface="Times New Roman" panose="02020603050405020304" pitchFamily="18" charset="0"/>
-              </a:rPr>
-              <a:t>Notepad</a:t>
-            </a:r>
-            <a:r>
-              <a:rPr lang="pt-BR" sz="2400" dirty="0">
-                <a:latin typeface="Times New Roman" panose="02020603050405020304" pitchFamily="18" charset="0"/>
-                <a:cs typeface="Times New Roman" panose="02020603050405020304" pitchFamily="18" charset="0"/>
-              </a:rPr>
-              <a:t>, Vim, </a:t>
-            </a:r>
-            <a:r>
-              <a:rPr lang="pt-BR" sz="2400" dirty="0" err="1">
-                <a:latin typeface="Times New Roman" panose="02020603050405020304" pitchFamily="18" charset="0"/>
-                <a:cs typeface="Times New Roman" panose="02020603050405020304" pitchFamily="18" charset="0"/>
-              </a:rPr>
-              <a:t>etc</a:t>
-            </a:r>
-            <a:endParaRPr lang="pt-BR" sz="2400" dirty="0">
-              <a:latin typeface="Times New Roman" panose="02020603050405020304" pitchFamily="18" charset="0"/>
-              <a:cs typeface="Times New Roman" panose="02020603050405020304" pitchFamily="18" charset="0"/>
-            </a:endParaRPr>
-          </a:p>
-          <a:p>
-            <a:pPr marL="0" indent="0" algn="just">
-              <a:buNone/>
-            </a:pPr>
-            <a:endParaRPr lang="pt-BR" sz="2400" dirty="0">
-              <a:latin typeface="Times New Roman" panose="02020603050405020304" pitchFamily="18" charset="0"/>
-              <a:cs typeface="Times New Roman" panose="02020603050405020304" pitchFamily="18" charset="0"/>
-            </a:endParaRPr>
-          </a:p>
-          <a:p>
-            <a:pPr marL="0" indent="0" algn="just">
-              <a:buNone/>
-            </a:pPr>
-            <a:r>
-              <a:rPr lang="pt-BR" sz="2400" dirty="0">
-                <a:latin typeface="Times New Roman" panose="02020603050405020304" pitchFamily="18" charset="0"/>
-                <a:cs typeface="Times New Roman" panose="02020603050405020304" pitchFamily="18" charset="0"/>
-              </a:rPr>
-              <a:t>Navegadores: Google Chrome, Safari, ou Mozilla Firefox, Opera, </a:t>
-            </a:r>
-            <a:r>
-              <a:rPr lang="pt-BR" sz="2400" dirty="0" err="1">
-                <a:latin typeface="Times New Roman" panose="02020603050405020304" pitchFamily="18" charset="0"/>
-                <a:cs typeface="Times New Roman" panose="02020603050405020304" pitchFamily="18" charset="0"/>
-              </a:rPr>
-              <a:t>Brave</a:t>
-            </a:r>
-            <a:r>
-              <a:rPr lang="pt-BR" sz="2400" dirty="0">
-                <a:latin typeface="Times New Roman" panose="02020603050405020304" pitchFamily="18" charset="0"/>
-                <a:cs typeface="Times New Roman" panose="02020603050405020304" pitchFamily="18" charset="0"/>
-              </a:rPr>
-              <a:t>, Internet Explore, Microsoft Edge, </a:t>
-            </a:r>
-            <a:r>
-              <a:rPr lang="pt-BR" sz="2400" dirty="0" err="1">
-                <a:latin typeface="Times New Roman" panose="02020603050405020304" pitchFamily="18" charset="0"/>
-                <a:cs typeface="Times New Roman" panose="02020603050405020304" pitchFamily="18" charset="0"/>
-              </a:rPr>
-              <a:t>etc</a:t>
-            </a:r>
-            <a:endParaRPr lang="pt-BR" sz="2400" dirty="0">
-              <a:latin typeface="Times New Roman" panose="02020603050405020304" pitchFamily="18" charset="0"/>
-              <a:cs typeface="Times New Roman" panose="02020603050405020304" pitchFamily="18" charset="0"/>
-            </a:endParaRPr>
+                <a:solidFill>
+                  <a:schemeClr val="tx1"/>
+                </a:solidFill>
+                <a:latin typeface="Times New Roman" panose="02020603050405020304" pitchFamily="18" charset="0"/>
+                <a:cs typeface="Times New Roman" panose="02020603050405020304" pitchFamily="18" charset="0"/>
+              </a:rPr>
+              <a:t>Permite inserir o conteúdo e estabelecer a estrutura básica de um website. Portanto, ele serve para dar significado e organizar as informações de uma página na web. </a:t>
+            </a:r>
           </a:p>
         </p:txBody>
       </p:sp>
     </p:spTree>
     <p:extLst>
       <p:ext uri="{BB962C8B-B14F-4D97-AF65-F5344CB8AC3E}">
-        <p14:creationId xmlns:p14="http://schemas.microsoft.com/office/powerpoint/2010/main" val="2564018350"/>
+        <p14:creationId xmlns:p14="http://schemas.microsoft.com/office/powerpoint/2010/main" val="2106685335"/>
       </p:ext>
     </p:extLst>
   </p:cSld>
@@ -9223,14 +9772,28 @@
               <a:buNone/>
             </a:pPr>
             <a:r>
-              <a:rPr lang="pt-BR" sz="2400" b="1" dirty="0">
+              <a:rPr lang="pt-BR" sz="2400" dirty="0">
+                <a:latin typeface="Times New Roman" panose="02020603050405020304" pitchFamily="18" charset="0"/>
+                <a:cs typeface="Times New Roman" panose="02020603050405020304" pitchFamily="18" charset="0"/>
+              </a:rPr>
+              <a:t>Através de um documento HTML, ou seja, um documento com a extensão .</a:t>
+            </a:r>
+            <a:r>
+              <a:rPr lang="pt-BR" sz="2400" b="1" dirty="0" err="1">
                 <a:solidFill>
                   <a:srgbClr val="FF0000"/>
                 </a:solidFill>
                 <a:latin typeface="Times New Roman" panose="02020603050405020304" pitchFamily="18" charset="0"/>
                 <a:cs typeface="Times New Roman" panose="02020603050405020304" pitchFamily="18" charset="0"/>
               </a:rPr>
-              <a:t>Algumas </a:t>
+              <a:t>html</a:t>
+            </a:r>
+            <a:r>
+              <a:rPr lang="pt-BR" sz="2400" dirty="0">
+                <a:latin typeface="Times New Roman" panose="02020603050405020304" pitchFamily="18" charset="0"/>
+                <a:cs typeface="Times New Roman" panose="02020603050405020304" pitchFamily="18" charset="0"/>
+              </a:rPr>
+              <a:t> ou .</a:t>
             </a:r>
             <a:r>
               <a:rPr lang="pt-BR" sz="2400" b="1" dirty="0" err="1">
@@ -9240,31 +9803,14 @@
                 <a:latin typeface="Times New Roman" panose="02020603050405020304" pitchFamily="18" charset="0"/>
                 <a:cs typeface="Times New Roman" panose="02020603050405020304" pitchFamily="18" charset="0"/>
               </a:rPr>
-              <a:t>Tags</a:t>
-            </a:r>
-            <a:r>
-              <a:rPr lang="pt-BR" sz="2400" b="1" dirty="0">
-                <a:solidFill>
-                  <a:srgbClr val="FF0000"/>
-                </a:solidFill>
-                <a:latin typeface="Times New Roman" panose="02020603050405020304" pitchFamily="18" charset="0"/>
-                <a:cs typeface="Times New Roman" panose="02020603050405020304" pitchFamily="18" charset="0"/>
-              </a:rPr>
-              <a:t> </a:t>
-            </a:r>
-            <a:r>
-              <a:rPr lang="pt-BR" sz="2400" b="1" dirty="0">
-                <a:latin typeface="Times New Roman" panose="02020603050405020304" pitchFamily="18" charset="0"/>
-                <a:cs typeface="Times New Roman" panose="02020603050405020304" pitchFamily="18" charset="0"/>
-              </a:rPr>
-              <a:t>(W3C)</a:t>
+              <a:t>htm</a:t>
             </a:r>
             <a:r>
               <a:rPr lang="pt-BR" sz="2400" dirty="0">
                 <a:latin typeface="Times New Roman" panose="02020603050405020304" pitchFamily="18" charset="0"/>
                 <a:cs typeface="Times New Roman" panose="02020603050405020304" pitchFamily="18" charset="0"/>
               </a:rPr>
-              <a:t>:</a:t>
+              <a:t>., o navegador faz a leitura do arquivo e renderiza o seu conteúdo para que o usuário final possa visualizá-lo.</a:t>
             </a:r>
           </a:p>
           <a:p>
@@ -9281,77 +9827,110 @@
               <a:buNone/>
             </a:pPr>
             <a:r>
+              <a:rPr lang="pt-BR" sz="2400" b="1" dirty="0">
+                <a:solidFill>
+                  <a:srgbClr val="FF0000"/>
+                </a:solidFill>
+                <a:latin typeface="Times New Roman" panose="02020603050405020304" pitchFamily="18" charset="0"/>
+                <a:cs typeface="Times New Roman" panose="02020603050405020304" pitchFamily="18" charset="0"/>
+              </a:rPr>
+              <a:t>IDE</a:t>
+            </a:r>
+            <a:r>
               <a:rPr lang="pt-BR" sz="2400" dirty="0">
                 <a:latin typeface="Times New Roman" panose="02020603050405020304" pitchFamily="18" charset="0"/>
                 <a:cs typeface="Times New Roman" panose="02020603050405020304" pitchFamily="18" charset="0"/>
               </a:rPr>
-              <a:t>HTML, b, Strong, </a:t>
+              <a:t>: Sublime </a:t>
             </a:r>
             <a:r>
               <a:rPr lang="pt-BR" sz="2400" dirty="0" err="1">
                 <a:latin typeface="Times New Roman" panose="02020603050405020304" pitchFamily="18" charset="0"/>
                 <a:cs typeface="Times New Roman" panose="02020603050405020304" pitchFamily="18" charset="0"/>
               </a:rPr>
-              <a:t>ul</a:t>
+              <a:t>Text</a:t>
             </a:r>
             <a:r>
               <a:rPr lang="pt-BR" sz="2400" dirty="0">
                 <a:latin typeface="Times New Roman" panose="02020603050405020304" pitchFamily="18" charset="0"/>
                 <a:cs typeface="Times New Roman" panose="02020603050405020304" pitchFamily="18" charset="0"/>
               </a:rPr>
-              <a:t>/li, </a:t>
+              <a:t>, </a:t>
             </a:r>
             <a:r>
               <a:rPr lang="pt-BR" sz="2400" dirty="0" err="1">
                 <a:latin typeface="Times New Roman" panose="02020603050405020304" pitchFamily="18" charset="0"/>
                 <a:cs typeface="Times New Roman" panose="02020603050405020304" pitchFamily="18" charset="0"/>
               </a:rPr>
-              <a:t>ol</a:t>
+              <a:t>NotePad</a:t>
             </a:r>
             <a:r>
               <a:rPr lang="pt-BR" sz="2400" dirty="0">
                 <a:latin typeface="Times New Roman" panose="02020603050405020304" pitchFamily="18" charset="0"/>
                 <a:cs typeface="Times New Roman" panose="02020603050405020304" pitchFamily="18" charset="0"/>
               </a:rPr>
-              <a:t>/li, </a:t>
+              <a:t>++, VS </a:t>
             </a:r>
             <a:r>
               <a:rPr lang="pt-BR" sz="2400" dirty="0" err="1">
                 <a:latin typeface="Times New Roman" panose="02020603050405020304" pitchFamily="18" charset="0"/>
                 <a:cs typeface="Times New Roman" panose="02020603050405020304" pitchFamily="18" charset="0"/>
               </a:rPr>
-              <a:t>br</a:t>
+              <a:t>Code</a:t>
             </a:r>
             <a:r>
               <a:rPr lang="pt-BR" sz="2400" dirty="0">
                 <a:latin typeface="Times New Roman" panose="02020603050405020304" pitchFamily="18" charset="0"/>
                 <a:cs typeface="Times New Roman" panose="02020603050405020304" pitchFamily="18" charset="0"/>
               </a:rPr>
-              <a:t>, p, h1...h6, </a:t>
+              <a:t>, </a:t>
             </a:r>
             <a:r>
               <a:rPr lang="pt-BR" sz="2400" dirty="0" err="1">
                 <a:latin typeface="Times New Roman" panose="02020603050405020304" pitchFamily="18" charset="0"/>
                 <a:cs typeface="Times New Roman" panose="02020603050405020304" pitchFamily="18" charset="0"/>
               </a:rPr>
-              <a:t>hr</a:t>
+              <a:t>Notepad</a:t>
             </a:r>
             <a:r>
               <a:rPr lang="pt-BR" sz="2400" dirty="0">
                 <a:latin typeface="Times New Roman" panose="02020603050405020304" pitchFamily="18" charset="0"/>
                 <a:cs typeface="Times New Roman" panose="02020603050405020304" pitchFamily="18" charset="0"/>
               </a:rPr>
-              <a:t>, a, </a:t>
+              <a:t>, </a:t>
+            </a:r>
+            <a:r>
+              <a:rPr lang="pt-BR" sz="2400" dirty="0">
+                <a:solidFill>
+                  <a:srgbClr val="FF0000"/>
+                </a:solidFill>
+                <a:latin typeface="Times New Roman" panose="02020603050405020304" pitchFamily="18" charset="0"/>
+                <a:cs typeface="Times New Roman" panose="02020603050405020304" pitchFamily="18" charset="0"/>
+              </a:rPr>
+              <a:t>Vim (Linux), </a:t>
             </a:r>
             <a:r>
               <a:rPr lang="pt-BR" sz="2400" dirty="0" err="1">
-                <a:latin typeface="Times New Roman" panose="02020603050405020304" pitchFamily="18" charset="0"/>
-                <a:cs typeface="Times New Roman" panose="02020603050405020304" pitchFamily="18" charset="0"/>
-              </a:rPr>
-              <a:t>img</a:t>
+                <a:solidFill>
+                  <a:srgbClr val="FF0000"/>
+                </a:solidFill>
+                <a:latin typeface="Times New Roman" panose="02020603050405020304" pitchFamily="18" charset="0"/>
+                <a:cs typeface="Times New Roman" panose="02020603050405020304" pitchFamily="18" charset="0"/>
+              </a:rPr>
+              <a:t>Atom</a:t>
             </a:r>
             <a:r>
               <a:rPr lang="pt-BR" sz="2400" dirty="0">
+                <a:solidFill>
+                  <a:srgbClr val="FF0000"/>
+                </a:solidFill>
+                <a:latin typeface="Times New Roman" panose="02020603050405020304" pitchFamily="18" charset="0"/>
+                <a:cs typeface="Times New Roman" panose="02020603050405020304" pitchFamily="18" charset="0"/>
+              </a:rPr>
+              <a:t> (Linux)</a:t>
+            </a:r>
+            <a:r>
+              <a:rPr lang="pt-BR" sz="2400" dirty="0">
                 <a:latin typeface="Times New Roman" panose="02020603050405020304" pitchFamily="18" charset="0"/>
                 <a:cs typeface="Times New Roman" panose="02020603050405020304" pitchFamily="18" charset="0"/>
               </a:rPr>
@@ -9362,113 +9941,40 @@
                 <a:latin typeface="Times New Roman" panose="02020603050405020304" pitchFamily="18" charset="0"/>
                 <a:cs typeface="Times New Roman" panose="02020603050405020304" pitchFamily="18" charset="0"/>
               </a:rPr>
-              <a:t>button</a:t>
+              <a:t>Backets</a:t>
             </a:r>
             <a:r>
               <a:rPr lang="pt-BR" sz="2400" dirty="0">
                 <a:latin typeface="Times New Roman" panose="02020603050405020304" pitchFamily="18" charset="0"/>
                 <a:cs typeface="Times New Roman" panose="02020603050405020304" pitchFamily="18" charset="0"/>
               </a:rPr>
-              <a:t>, </a:t>
+              <a:t> (GNU </a:t>
             </a:r>
             <a:r>
               <a:rPr lang="pt-BR" sz="2400" dirty="0" err="1">
                 <a:latin typeface="Times New Roman" panose="02020603050405020304" pitchFamily="18" charset="0"/>
                 <a:cs typeface="Times New Roman" panose="02020603050405020304" pitchFamily="18" charset="0"/>
               </a:rPr>
-              <a:t>head</a:t>
+              <a:t>Emacs</a:t>
             </a:r>
             <a:r>
               <a:rPr lang="pt-BR" sz="2400" dirty="0">
                 <a:latin typeface="Times New Roman" panose="02020603050405020304" pitchFamily="18" charset="0"/>
                 <a:cs typeface="Times New Roman" panose="02020603050405020304" pitchFamily="18" charset="0"/>
               </a:rPr>
-              <a:t>, link, header, </a:t>
+              <a:t>), </a:t>
             </a:r>
             <a:r>
               <a:rPr lang="pt-BR" sz="2400" dirty="0" err="1">
                 <a:latin typeface="Times New Roman" panose="02020603050405020304" pitchFamily="18" charset="0"/>
                 <a:cs typeface="Times New Roman" panose="02020603050405020304" pitchFamily="18" charset="0"/>
               </a:rPr>
-              <a:t>footer</a:t>
-            </a:r>
-            <a:r>
-              <a:rPr lang="pt-BR" sz="2400" dirty="0">
-                <a:latin typeface="Times New Roman" panose="02020603050405020304" pitchFamily="18" charset="0"/>
-                <a:cs typeface="Times New Roman" panose="02020603050405020304" pitchFamily="18" charset="0"/>
-              </a:rPr>
-              <a:t>, body, </a:t>
-            </a:r>
-            <a:r>
-              <a:rPr lang="pt-BR" sz="2400" dirty="0" err="1">
-                <a:latin typeface="Times New Roman" panose="02020603050405020304" pitchFamily="18" charset="0"/>
-                <a:cs typeface="Times New Roman" panose="02020603050405020304" pitchFamily="18" charset="0"/>
-              </a:rPr>
-              <a:t>form</a:t>
-            </a:r>
-            <a:r>
-              <a:rPr lang="pt-BR" sz="2400" dirty="0">
-                <a:latin typeface="Times New Roman" panose="02020603050405020304" pitchFamily="18" charset="0"/>
-                <a:cs typeface="Times New Roman" panose="02020603050405020304" pitchFamily="18" charset="0"/>
-              </a:rPr>
-              <a:t>, input, </a:t>
-            </a:r>
-            <a:r>
-              <a:rPr lang="pt-BR" sz="2400" dirty="0" err="1">
-                <a:latin typeface="Times New Roman" panose="02020603050405020304" pitchFamily="18" charset="0"/>
-                <a:cs typeface="Times New Roman" panose="02020603050405020304" pitchFamily="18" charset="0"/>
-              </a:rPr>
-              <a:t>label</a:t>
-            </a:r>
-            <a:r>
-              <a:rPr lang="pt-BR" sz="2400" dirty="0">
-                <a:latin typeface="Times New Roman" panose="02020603050405020304" pitchFamily="18" charset="0"/>
-                <a:cs typeface="Times New Roman" panose="02020603050405020304" pitchFamily="18" charset="0"/>
-              </a:rPr>
-              <a:t>, </a:t>
-            </a:r>
-            <a:r>
-              <a:rPr lang="pt-BR" sz="2400" dirty="0" err="1">
-                <a:latin typeface="Times New Roman" panose="02020603050405020304" pitchFamily="18" charset="0"/>
-                <a:cs typeface="Times New Roman" panose="02020603050405020304" pitchFamily="18" charset="0"/>
-              </a:rPr>
-              <a:t>textarea</a:t>
-            </a:r>
-            <a:r>
-              <a:rPr lang="pt-BR" sz="2400" dirty="0">
-                <a:latin typeface="Times New Roman" panose="02020603050405020304" pitchFamily="18" charset="0"/>
-                <a:cs typeface="Times New Roman" panose="02020603050405020304" pitchFamily="18" charset="0"/>
-              </a:rPr>
-              <a:t>, script, </a:t>
-            </a:r>
-            <a:r>
-              <a:rPr lang="pt-BR" sz="2400" dirty="0" err="1">
-                <a:latin typeface="Times New Roman" panose="02020603050405020304" pitchFamily="18" charset="0"/>
-                <a:cs typeface="Times New Roman" panose="02020603050405020304" pitchFamily="18" charset="0"/>
-              </a:rPr>
-              <a:t>title</a:t>
-            </a:r>
-            <a:r>
-              <a:rPr lang="pt-BR" sz="2400" dirty="0">
-                <a:latin typeface="Times New Roman" panose="02020603050405020304" pitchFamily="18" charset="0"/>
-                <a:cs typeface="Times New Roman" panose="02020603050405020304" pitchFamily="18" charset="0"/>
-              </a:rPr>
-              <a:t>, meta, </a:t>
-            </a:r>
-            <a:r>
-              <a:rPr lang="pt-BR" sz="2400" dirty="0" err="1">
-                <a:latin typeface="Times New Roman" panose="02020603050405020304" pitchFamily="18" charset="0"/>
-                <a:cs typeface="Times New Roman" panose="02020603050405020304" pitchFamily="18" charset="0"/>
-              </a:rPr>
-              <a:t>style</a:t>
-            </a:r>
-            <a:r>
-              <a:rPr lang="pt-BR" sz="2400" dirty="0">
-                <a:latin typeface="Times New Roman" panose="02020603050405020304" pitchFamily="18" charset="0"/>
-                <a:cs typeface="Times New Roman" panose="02020603050405020304" pitchFamily="18" charset="0"/>
-              </a:rPr>
-              <a:t>, etc.</a:t>
-            </a:r>
+              <a:t>etc</a:t>
+            </a:r>
+            <a:endParaRPr lang="pt-BR" sz="2400" dirty="0">
+              <a:latin typeface="Times New Roman" panose="02020603050405020304" pitchFamily="18" charset="0"/>
+              <a:cs typeface="Times New Roman" panose="02020603050405020304" pitchFamily="18" charset="0"/>
+            </a:endParaRPr>
           </a:p>
           <a:p>
             <a:pPr marL="0" indent="0" algn="just">
@@ -9484,22 +9990,67 @@
               <a:buNone/>
             </a:pPr>
             <a:r>
-              <a:rPr lang="pt-BR" sz="1800" dirty="0">
-                <a:latin typeface="Times New Roman" panose="02020603050405020304" pitchFamily="18" charset="0"/>
-                <a:cs typeface="Times New Roman" panose="02020603050405020304" pitchFamily="18" charset="0"/>
-                <a:hlinkClick r:id="rId3"/>
-              </a:rPr>
-              <a:t>https://developer.mozilla.org/pt-BR/docs/Web/HTML/Element</a:t>
-            </a:r>
-            <a:endParaRPr lang="pt-BR" sz="1800" dirty="0">
-              <a:latin typeface="Times New Roman" panose="02020603050405020304" pitchFamily="18" charset="0"/>
-              <a:cs typeface="Times New Roman" panose="02020603050405020304" pitchFamily="18" charset="0"/>
-            </a:endParaRPr>
-          </a:p>
-          <a:p>
-            <a:pPr marL="0" indent="0" algn="just">
-              <a:buNone/>
-            </a:pPr>
+              <a:rPr lang="pt-BR" sz="2400" dirty="0">
+                <a:latin typeface="Times New Roman" panose="02020603050405020304" pitchFamily="18" charset="0"/>
+                <a:cs typeface="Times New Roman" panose="02020603050405020304" pitchFamily="18" charset="0"/>
+              </a:rPr>
+              <a:t>Navegadores: Google Chrome, </a:t>
+            </a:r>
+            <a:r>
+              <a:rPr lang="pt-BR" sz="2400" b="1" dirty="0">
+                <a:solidFill>
+                  <a:srgbClr val="FF0000"/>
+                </a:solidFill>
+                <a:latin typeface="Times New Roman" panose="02020603050405020304" pitchFamily="18" charset="0"/>
+                <a:cs typeface="Times New Roman" panose="02020603050405020304" pitchFamily="18" charset="0"/>
+              </a:rPr>
+              <a:t>Safari</a:t>
+            </a:r>
+            <a:r>
+              <a:rPr lang="pt-BR" sz="2400" dirty="0">
+                <a:latin typeface="Times New Roman" panose="02020603050405020304" pitchFamily="18" charset="0"/>
+                <a:cs typeface="Times New Roman" panose="02020603050405020304" pitchFamily="18" charset="0"/>
+              </a:rPr>
+              <a:t>, ou Mozilla Firefox, Opera, </a:t>
+            </a:r>
+            <a:r>
+              <a:rPr lang="pt-BR" sz="2400" dirty="0" err="1">
+                <a:latin typeface="Times New Roman" panose="02020603050405020304" pitchFamily="18" charset="0"/>
+                <a:cs typeface="Times New Roman" panose="02020603050405020304" pitchFamily="18" charset="0"/>
+              </a:rPr>
+              <a:t>Brave</a:t>
+            </a:r>
+            <a:r>
+              <a:rPr lang="pt-BR" sz="2400" dirty="0">
+                <a:latin typeface="Times New Roman" panose="02020603050405020304" pitchFamily="18" charset="0"/>
+                <a:cs typeface="Times New Roman" panose="02020603050405020304" pitchFamily="18" charset="0"/>
+              </a:rPr>
+              <a:t>, </a:t>
+            </a:r>
+            <a:r>
+              <a:rPr lang="pt-BR" sz="2400" b="1" dirty="0">
+                <a:solidFill>
+                  <a:srgbClr val="FF0000"/>
+                </a:solidFill>
+                <a:latin typeface="Times New Roman" panose="02020603050405020304" pitchFamily="18" charset="0"/>
+                <a:cs typeface="Times New Roman" panose="02020603050405020304" pitchFamily="18" charset="0"/>
+              </a:rPr>
+              <a:t>Internet Explore 11, Microsoft Edge</a:t>
+            </a:r>
+            <a:r>
+              <a:rPr lang="pt-BR" sz="2400" dirty="0">
+                <a:latin typeface="Times New Roman" panose="02020603050405020304" pitchFamily="18" charset="0"/>
+                <a:cs typeface="Times New Roman" panose="02020603050405020304" pitchFamily="18" charset="0"/>
+              </a:rPr>
+              <a:t>, </a:t>
+            </a:r>
+            <a:r>
+              <a:rPr lang="pt-BR" sz="2400" dirty="0" err="1">
+                <a:latin typeface="Times New Roman" panose="02020603050405020304" pitchFamily="18" charset="0"/>
+                <a:cs typeface="Times New Roman" panose="02020603050405020304" pitchFamily="18" charset="0"/>
+              </a:rPr>
+              <a:t>etc</a:t>
+            </a:r>
             <a:endParaRPr lang="pt-BR" sz="2400" dirty="0">
               <a:latin typeface="Times New Roman" panose="02020603050405020304" pitchFamily="18" charset="0"/>
               <a:cs typeface="Times New Roman" panose="02020603050405020304" pitchFamily="18" charset="0"/>
@@ -9510,7 +10061,7 @@
     </p:spTree>
     <p:extLst>
       <p:ext uri="{BB962C8B-B14F-4D97-AF65-F5344CB8AC3E}">
-        <p14:creationId xmlns:p14="http://schemas.microsoft.com/office/powerpoint/2010/main" val="3624253472"/>
+        <p14:creationId xmlns:p14="http://schemas.microsoft.com/office/powerpoint/2010/main" val="2564018350"/>
       </p:ext>
     </p:extLst>
   </p:cSld>
@@ -9572,7 +10123,23 @@
                   <a:srgbClr val="0070C0"/>
                 </a:solidFill>
               </a:rPr>
-              <a:t> Style (CSS)</a:t>
+              <a:t> </a:t>
+            </a:r>
+            <a:r>
+              <a:rPr lang="en-US" b="1" dirty="0" err="1">
+                <a:solidFill>
+                  <a:srgbClr val="0070C0"/>
+                </a:solidFill>
+              </a:rPr>
+              <a:t>Marcação</a:t>
+            </a:r>
+            <a:r>
+              <a:rPr lang="en-US" b="1" dirty="0">
+                <a:solidFill>
+                  <a:srgbClr val="0070C0"/>
+                </a:solidFill>
+              </a:rPr>
+              <a:t> (HTML)</a:t>
             </a:r>
           </a:p>
         </p:txBody>
@@ -9605,129 +10172,46 @@
             <a:r>
               <a:rPr lang="pt-BR" sz="2400" b="1" dirty="0">
                 <a:solidFill>
-                  <a:schemeClr val="tx1"/>
-                </a:solidFill>
-                <a:latin typeface="Times New Roman" panose="02020603050405020304" pitchFamily="18" charset="0"/>
-                <a:cs typeface="Times New Roman" panose="02020603050405020304" pitchFamily="18" charset="0"/>
-              </a:rPr>
-              <a:t>CSS</a:t>
+                  <a:srgbClr val="FF0000"/>
+                </a:solidFill>
+                <a:latin typeface="Times New Roman" panose="02020603050405020304" pitchFamily="18" charset="0"/>
+                <a:cs typeface="Times New Roman" panose="02020603050405020304" pitchFamily="18" charset="0"/>
+              </a:rPr>
+              <a:t>Algumas </a:t>
+            </a:r>
+            <a:r>
+              <a:rPr lang="pt-BR" sz="2400" b="1" dirty="0" err="1">
+                <a:solidFill>
+                  <a:srgbClr val="FF0000"/>
+                </a:solidFill>
+                <a:latin typeface="Times New Roman" panose="02020603050405020304" pitchFamily="18" charset="0"/>
+                <a:cs typeface="Times New Roman" panose="02020603050405020304" pitchFamily="18" charset="0"/>
+              </a:rPr>
+              <a:t>Tags</a:t>
+            </a:r>
+            <a:r>
+              <a:rPr lang="pt-BR" sz="2400" b="1" dirty="0">
+                <a:solidFill>
+                  <a:srgbClr val="FF0000"/>
+                </a:solidFill>
+                <a:latin typeface="Times New Roman" panose="02020603050405020304" pitchFamily="18" charset="0"/>
+                <a:cs typeface="Times New Roman" panose="02020603050405020304" pitchFamily="18" charset="0"/>
+              </a:rPr>
+              <a:t> </a:t>
+            </a:r>
+            <a:r>
+              <a:rPr lang="pt-BR" sz="2400" b="1" dirty="0">
+                <a:latin typeface="Times New Roman" panose="02020603050405020304" pitchFamily="18" charset="0"/>
+                <a:cs typeface="Times New Roman" panose="02020603050405020304" pitchFamily="18" charset="0"/>
+              </a:rPr>
+              <a:t>(W3C)</a:t>
             </a:r>
             <a:r>
               <a:rPr lang="pt-BR" sz="2400" dirty="0">
-                <a:solidFill>
-                  <a:schemeClr val="tx1"/>
-                </a:solidFill>
-                <a:latin typeface="Times New Roman" panose="02020603050405020304" pitchFamily="18" charset="0"/>
-                <a:cs typeface="Times New Roman" panose="02020603050405020304" pitchFamily="18" charset="0"/>
-              </a:rPr>
-              <a:t> é a sigla para o termo em inglês </a:t>
-            </a:r>
-            <a:r>
-              <a:rPr lang="pt-BR" sz="2400" dirty="0" err="1">
-                <a:solidFill>
-                  <a:schemeClr val="tx1"/>
-                </a:solidFill>
-                <a:latin typeface="Times New Roman" panose="02020603050405020304" pitchFamily="18" charset="0"/>
-                <a:cs typeface="Times New Roman" panose="02020603050405020304" pitchFamily="18" charset="0"/>
-              </a:rPr>
-              <a:t>Cascading</a:t>
-            </a:r>
-            <a:r>
-              <a:rPr lang="pt-BR" sz="2400" dirty="0">
-                <a:solidFill>
-                  <a:schemeClr val="tx1"/>
-                </a:solidFill>
-                <a:latin typeface="Times New Roman" panose="02020603050405020304" pitchFamily="18" charset="0"/>
-                <a:cs typeface="Times New Roman" panose="02020603050405020304" pitchFamily="18" charset="0"/>
-              </a:rPr>
-              <a:t> </a:t>
-            </a:r>
-            <a:r>
-              <a:rPr lang="pt-BR" sz="2400" dirty="0" err="1">
-                <a:solidFill>
-                  <a:schemeClr val="tx1"/>
-                </a:solidFill>
-                <a:latin typeface="Times New Roman" panose="02020603050405020304" pitchFamily="18" charset="0"/>
-                <a:cs typeface="Times New Roman" panose="02020603050405020304" pitchFamily="18" charset="0"/>
-              </a:rPr>
-              <a:t>Style</a:t>
-            </a:r>
-            <a:r>
-              <a:rPr lang="pt-BR" sz="2400" dirty="0">
-                <a:solidFill>
-                  <a:schemeClr val="tx1"/>
-                </a:solidFill>
-                <a:latin typeface="Times New Roman" panose="02020603050405020304" pitchFamily="18" charset="0"/>
-                <a:cs typeface="Times New Roman" panose="02020603050405020304" pitchFamily="18" charset="0"/>
-              </a:rPr>
-              <a:t> </a:t>
-            </a:r>
-            <a:r>
-              <a:rPr lang="pt-BR" sz="2400" dirty="0" err="1">
-                <a:solidFill>
-                  <a:schemeClr val="tx1"/>
-                </a:solidFill>
-                <a:latin typeface="Times New Roman" panose="02020603050405020304" pitchFamily="18" charset="0"/>
-                <a:cs typeface="Times New Roman" panose="02020603050405020304" pitchFamily="18" charset="0"/>
-              </a:rPr>
-              <a:t>Sheets</a:t>
-            </a:r>
-            <a:r>
-              <a:rPr lang="pt-BR" sz="2400" dirty="0">
-                <a:solidFill>
-                  <a:schemeClr val="tx1"/>
-                </a:solidFill>
-                <a:latin typeface="Times New Roman" panose="02020603050405020304" pitchFamily="18" charset="0"/>
-                <a:cs typeface="Times New Roman" panose="02020603050405020304" pitchFamily="18" charset="0"/>
-              </a:rPr>
-              <a:t> que, traduzido para o português, significa Folha de Estilo em Cascatas. O CSS é fácil de aprender e entender e é facilmente utilizado com as </a:t>
-            </a:r>
-            <a:r>
-              <a:rPr lang="pt-BR" sz="2400" b="1" dirty="0">
-                <a:solidFill>
-                  <a:srgbClr val="FF0000"/>
-                </a:solidFill>
-                <a:latin typeface="Times New Roman" panose="02020603050405020304" pitchFamily="18" charset="0"/>
-                <a:cs typeface="Times New Roman" panose="02020603050405020304" pitchFamily="18" charset="0"/>
-                <a:hlinkClick r:id="rId3">
-                  <a:extLst>
-                    <a:ext uri="{A12FA001-AC4F-418D-AE19-62706E023703}">
-                      <ahyp:hlinkClr xmlns:ahyp="http://schemas.microsoft.com/office/drawing/2018/hyperlinkcolor" val="tx"/>
-                    </a:ext>
-                  </a:extLst>
-                </a:hlinkClick>
-              </a:rPr>
-              <a:t>linguagens de marcação HTML</a:t>
-            </a:r>
-            <a:r>
-              <a:rPr lang="pt-BR" sz="2400" dirty="0">
-                <a:solidFill>
-                  <a:schemeClr val="tx1"/>
-                </a:solidFill>
-                <a:latin typeface="Times New Roman" panose="02020603050405020304" pitchFamily="18" charset="0"/>
-                <a:cs typeface="Times New Roman" panose="02020603050405020304" pitchFamily="18" charset="0"/>
-              </a:rPr>
-              <a:t> ou </a:t>
-            </a:r>
-            <a:r>
-              <a:rPr lang="pt-BR" sz="2400" b="1" dirty="0">
-                <a:solidFill>
-                  <a:schemeClr val="tx1"/>
-                </a:solidFill>
-                <a:latin typeface="Times New Roman" panose="02020603050405020304" pitchFamily="18" charset="0"/>
-                <a:cs typeface="Times New Roman" panose="02020603050405020304" pitchFamily="18" charset="0"/>
-              </a:rPr>
-              <a:t>XHTML</a:t>
-            </a:r>
-            <a:r>
-              <a:rPr lang="pt-BR" sz="2400" dirty="0">
-                <a:solidFill>
-                  <a:schemeClr val="tx1"/>
-                </a:solidFill>
-                <a:latin typeface="Times New Roman" panose="02020603050405020304" pitchFamily="18" charset="0"/>
-                <a:cs typeface="Times New Roman" panose="02020603050405020304" pitchFamily="18" charset="0"/>
-              </a:rPr>
-              <a:t>. </a:t>
+                <a:latin typeface="Times New Roman" panose="02020603050405020304" pitchFamily="18" charset="0"/>
+                <a:cs typeface="Times New Roman" panose="02020603050405020304" pitchFamily="18" charset="0"/>
+              </a:rPr>
+              <a:t>:</a:t>
             </a:r>
           </a:p>
           <a:p>
@@ -9735,9 +10219,6 @@
               <a:buNone/>
             </a:pPr>
             <a:endParaRPr lang="pt-BR" sz="2400" dirty="0">
-              <a:solidFill>
-                <a:schemeClr val="tx1"/>
-              </a:solidFill>
               <a:latin typeface="Times New Roman" panose="02020603050405020304" pitchFamily="18" charset="0"/>
               <a:cs typeface="Times New Roman" panose="02020603050405020304" pitchFamily="18" charset="0"/>
             </a:endParaRPr>
@@ -9747,14 +10228,200 @@
               <a:buNone/>
             </a:pPr>
             <a:r>
-              <a:rPr lang="pt-BR" sz="1600" dirty="0">
-                <a:latin typeface="Times New Roman" panose="02020603050405020304" pitchFamily="18" charset="0"/>
-                <a:cs typeface="Times New Roman" panose="02020603050405020304" pitchFamily="18" charset="0"/>
-                <a:hlinkClick r:id="rId4"/>
-              </a:rPr>
-              <a:t>https://www.devmedia.com.br/estilizando-fontes-com-css/24226</a:t>
-            </a:r>
-            <a:endParaRPr lang="pt-BR" sz="1600" dirty="0">
+              <a:rPr lang="pt-BR" sz="2400" dirty="0">
+                <a:latin typeface="Times New Roman" panose="02020603050405020304" pitchFamily="18" charset="0"/>
+                <a:cs typeface="Times New Roman" panose="02020603050405020304" pitchFamily="18" charset="0"/>
+              </a:rPr>
+              <a:t>HTML, b, Strong, </a:t>
+            </a:r>
+            <a:r>
+              <a:rPr lang="pt-BR" sz="2400" dirty="0" err="1">
+                <a:latin typeface="Times New Roman" panose="02020603050405020304" pitchFamily="18" charset="0"/>
+                <a:cs typeface="Times New Roman" panose="02020603050405020304" pitchFamily="18" charset="0"/>
+              </a:rPr>
+              <a:t>ul</a:t>
+            </a:r>
+            <a:r>
+              <a:rPr lang="pt-BR" sz="2400" dirty="0">
+                <a:latin typeface="Times New Roman" panose="02020603050405020304" pitchFamily="18" charset="0"/>
+                <a:cs typeface="Times New Roman" panose="02020603050405020304" pitchFamily="18" charset="0"/>
+              </a:rPr>
+              <a:t>/li, </a:t>
+            </a:r>
+            <a:r>
+              <a:rPr lang="pt-BR" sz="2400" dirty="0" err="1">
+                <a:latin typeface="Times New Roman" panose="02020603050405020304" pitchFamily="18" charset="0"/>
+                <a:cs typeface="Times New Roman" panose="02020603050405020304" pitchFamily="18" charset="0"/>
+              </a:rPr>
+              <a:t>ol</a:t>
+            </a:r>
+            <a:r>
+              <a:rPr lang="pt-BR" sz="2400" dirty="0">
+                <a:latin typeface="Times New Roman" panose="02020603050405020304" pitchFamily="18" charset="0"/>
+                <a:cs typeface="Times New Roman" panose="02020603050405020304" pitchFamily="18" charset="0"/>
+              </a:rPr>
+              <a:t>/li, </a:t>
+            </a:r>
+            <a:r>
+              <a:rPr lang="pt-BR" sz="2400" dirty="0" err="1">
+                <a:latin typeface="Times New Roman" panose="02020603050405020304" pitchFamily="18" charset="0"/>
+                <a:cs typeface="Times New Roman" panose="02020603050405020304" pitchFamily="18" charset="0"/>
+              </a:rPr>
+              <a:t>br</a:t>
+            </a:r>
+            <a:r>
+              <a:rPr lang="pt-BR" sz="2400" dirty="0">
+                <a:latin typeface="Times New Roman" panose="02020603050405020304" pitchFamily="18" charset="0"/>
+                <a:cs typeface="Times New Roman" panose="02020603050405020304" pitchFamily="18" charset="0"/>
+              </a:rPr>
+              <a:t>, p, h1...h6, </a:t>
+            </a:r>
+            <a:r>
+              <a:rPr lang="pt-BR" sz="2400" dirty="0" err="1">
+                <a:latin typeface="Times New Roman" panose="02020603050405020304" pitchFamily="18" charset="0"/>
+                <a:cs typeface="Times New Roman" panose="02020603050405020304" pitchFamily="18" charset="0"/>
+              </a:rPr>
+              <a:t>hr</a:t>
+            </a:r>
+            <a:r>
+              <a:rPr lang="pt-BR" sz="2400" dirty="0">
+                <a:latin typeface="Times New Roman" panose="02020603050405020304" pitchFamily="18" charset="0"/>
+                <a:cs typeface="Times New Roman" panose="02020603050405020304" pitchFamily="18" charset="0"/>
+              </a:rPr>
+              <a:t>, a, </a:t>
+            </a:r>
+            <a:r>
+              <a:rPr lang="pt-BR" sz="2400" dirty="0" err="1">
+                <a:latin typeface="Times New Roman" panose="02020603050405020304" pitchFamily="18" charset="0"/>
+                <a:cs typeface="Times New Roman" panose="02020603050405020304" pitchFamily="18" charset="0"/>
+              </a:rPr>
+              <a:t>img</a:t>
+            </a:r>
+            <a:r>
+              <a:rPr lang="pt-BR" sz="2400" dirty="0">
+                <a:latin typeface="Times New Roman" panose="02020603050405020304" pitchFamily="18" charset="0"/>
+                <a:cs typeface="Times New Roman" panose="02020603050405020304" pitchFamily="18" charset="0"/>
+              </a:rPr>
+              <a:t>, </a:t>
+            </a:r>
+            <a:r>
+              <a:rPr lang="pt-BR" sz="2400" dirty="0" err="1">
+                <a:latin typeface="Times New Roman" panose="02020603050405020304" pitchFamily="18" charset="0"/>
+                <a:cs typeface="Times New Roman" panose="02020603050405020304" pitchFamily="18" charset="0"/>
+              </a:rPr>
+              <a:t>button</a:t>
+            </a:r>
+            <a:r>
+              <a:rPr lang="pt-BR" sz="2400" dirty="0">
+                <a:latin typeface="Times New Roman" panose="02020603050405020304" pitchFamily="18" charset="0"/>
+                <a:cs typeface="Times New Roman" panose="02020603050405020304" pitchFamily="18" charset="0"/>
+              </a:rPr>
+              <a:t>, </a:t>
+            </a:r>
+            <a:r>
+              <a:rPr lang="pt-BR" sz="2400" dirty="0" err="1">
+                <a:latin typeface="Times New Roman" panose="02020603050405020304" pitchFamily="18" charset="0"/>
+                <a:cs typeface="Times New Roman" panose="02020603050405020304" pitchFamily="18" charset="0"/>
+              </a:rPr>
+              <a:t>head</a:t>
+            </a:r>
+            <a:r>
+              <a:rPr lang="pt-BR" sz="2400" dirty="0">
+                <a:latin typeface="Times New Roman" panose="02020603050405020304" pitchFamily="18" charset="0"/>
+                <a:cs typeface="Times New Roman" panose="02020603050405020304" pitchFamily="18" charset="0"/>
+              </a:rPr>
+              <a:t>, link, header, </a:t>
+            </a:r>
+            <a:r>
+              <a:rPr lang="pt-BR" sz="2400" dirty="0" err="1">
+                <a:latin typeface="Times New Roman" panose="02020603050405020304" pitchFamily="18" charset="0"/>
+                <a:cs typeface="Times New Roman" panose="02020603050405020304" pitchFamily="18" charset="0"/>
+              </a:rPr>
+              <a:t>footer</a:t>
+            </a:r>
+            <a:r>
+              <a:rPr lang="pt-BR" sz="2400" dirty="0">
+                <a:latin typeface="Times New Roman" panose="02020603050405020304" pitchFamily="18" charset="0"/>
+                <a:cs typeface="Times New Roman" panose="02020603050405020304" pitchFamily="18" charset="0"/>
+              </a:rPr>
+              <a:t>, body, </a:t>
+            </a:r>
+            <a:r>
+              <a:rPr lang="pt-BR" sz="2400" dirty="0" err="1">
+                <a:latin typeface="Times New Roman" panose="02020603050405020304" pitchFamily="18" charset="0"/>
+                <a:cs typeface="Times New Roman" panose="02020603050405020304" pitchFamily="18" charset="0"/>
+              </a:rPr>
+              <a:t>form</a:t>
+            </a:r>
+            <a:r>
+              <a:rPr lang="pt-BR" sz="2400" dirty="0">
+                <a:latin typeface="Times New Roman" panose="02020603050405020304" pitchFamily="18" charset="0"/>
+                <a:cs typeface="Times New Roman" panose="02020603050405020304" pitchFamily="18" charset="0"/>
+              </a:rPr>
+              <a:t>, input, </a:t>
+            </a:r>
+            <a:r>
+              <a:rPr lang="pt-BR" sz="2400" dirty="0" err="1">
+                <a:latin typeface="Times New Roman" panose="02020603050405020304" pitchFamily="18" charset="0"/>
+                <a:cs typeface="Times New Roman" panose="02020603050405020304" pitchFamily="18" charset="0"/>
+              </a:rPr>
+              <a:t>label</a:t>
+            </a:r>
+            <a:r>
+              <a:rPr lang="pt-BR" sz="2400" dirty="0">
+                <a:latin typeface="Times New Roman" panose="02020603050405020304" pitchFamily="18" charset="0"/>
+                <a:cs typeface="Times New Roman" panose="02020603050405020304" pitchFamily="18" charset="0"/>
+              </a:rPr>
+              <a:t>, </a:t>
+            </a:r>
+            <a:r>
+              <a:rPr lang="pt-BR" sz="2400" dirty="0" err="1">
+                <a:latin typeface="Times New Roman" panose="02020603050405020304" pitchFamily="18" charset="0"/>
+                <a:cs typeface="Times New Roman" panose="02020603050405020304" pitchFamily="18" charset="0"/>
+              </a:rPr>
+              <a:t>textarea</a:t>
+            </a:r>
+            <a:r>
+              <a:rPr lang="pt-BR" sz="2400" dirty="0">
+                <a:latin typeface="Times New Roman" panose="02020603050405020304" pitchFamily="18" charset="0"/>
+                <a:cs typeface="Times New Roman" panose="02020603050405020304" pitchFamily="18" charset="0"/>
+              </a:rPr>
+              <a:t>, script, </a:t>
+            </a:r>
+            <a:r>
+              <a:rPr lang="pt-BR" sz="2400" dirty="0" err="1">
+                <a:latin typeface="Times New Roman" panose="02020603050405020304" pitchFamily="18" charset="0"/>
+                <a:cs typeface="Times New Roman" panose="02020603050405020304" pitchFamily="18" charset="0"/>
+              </a:rPr>
+              <a:t>title</a:t>
+            </a:r>
+            <a:r>
+              <a:rPr lang="pt-BR" sz="2400" dirty="0">
+                <a:latin typeface="Times New Roman" panose="02020603050405020304" pitchFamily="18" charset="0"/>
+                <a:cs typeface="Times New Roman" panose="02020603050405020304" pitchFamily="18" charset="0"/>
+              </a:rPr>
+              <a:t>, meta, </a:t>
+            </a:r>
+            <a:r>
+              <a:rPr lang="pt-BR" sz="2400" dirty="0" err="1">
+                <a:latin typeface="Times New Roman" panose="02020603050405020304" pitchFamily="18" charset="0"/>
+                <a:cs typeface="Times New Roman" panose="02020603050405020304" pitchFamily="18" charset="0"/>
+              </a:rPr>
+              <a:t>style</a:t>
+            </a:r>
+            <a:r>
+              <a:rPr lang="pt-BR" sz="2400" dirty="0">
+                <a:latin typeface="Times New Roman" panose="02020603050405020304" pitchFamily="18" charset="0"/>
+                <a:cs typeface="Times New Roman" panose="02020603050405020304" pitchFamily="18" charset="0"/>
+              </a:rPr>
+              <a:t>, etc.</a:t>
+            </a:r>
+          </a:p>
+          <a:p>
+            <a:pPr marL="0" indent="0" algn="just">
+              <a:buNone/>
+            </a:pPr>
+            <a:endParaRPr lang="pt-BR" sz="2400" dirty="0">
               <a:latin typeface="Times New Roman" panose="02020603050405020304" pitchFamily="18" charset="0"/>
               <a:cs typeface="Times New Roman" panose="02020603050405020304" pitchFamily="18" charset="0"/>
             </a:endParaRPr>
@@ -9764,14 +10431,14 @@
               <a:buNone/>
             </a:pPr>
             <a:r>
-              <a:rPr lang="pt-BR" sz="1600" dirty="0">
-                <a:latin typeface="Times New Roman" panose="02020603050405020304" pitchFamily="18" charset="0"/>
-                <a:cs typeface="Times New Roman" panose="02020603050405020304" pitchFamily="18" charset="0"/>
-                <a:hlinkClick r:id="rId5"/>
-              </a:rPr>
-              <a:t>https://developer.mozilla.org/pt-BR/docs/Learn/Getting_started_with_the_web/CSS_basics</a:t>
-            </a:r>
-            <a:endParaRPr lang="pt-BR" sz="1600" dirty="0">
+              <a:rPr lang="pt-BR" sz="1800" dirty="0">
+                <a:latin typeface="Times New Roman" panose="02020603050405020304" pitchFamily="18" charset="0"/>
+                <a:cs typeface="Times New Roman" panose="02020603050405020304" pitchFamily="18" charset="0"/>
+                <a:hlinkClick r:id="rId3"/>
+              </a:rPr>
+              <a:t>https://developer.mozilla.org/pt-BR/docs/Web/HTML/Element</a:t>
+            </a:r>
+            <a:endParaRPr lang="pt-BR" sz="1800" dirty="0">
               <a:latin typeface="Times New Roman" panose="02020603050405020304" pitchFamily="18" charset="0"/>
               <a:cs typeface="Times New Roman" panose="02020603050405020304" pitchFamily="18" charset="0"/>
             </a:endParaRPr>
@@ -9780,24 +10447,7 @@
             <a:pPr marL="0" indent="0" algn="just">
               <a:buNone/>
             </a:pPr>
-            <a:r>
-              <a:rPr lang="pt-BR" sz="1600" dirty="0">
-                <a:latin typeface="Times New Roman" panose="02020603050405020304" pitchFamily="18" charset="0"/>
-                <a:cs typeface="Times New Roman" panose="02020603050405020304" pitchFamily="18" charset="0"/>
-                <a:hlinkClick r:id="rId6"/>
-              </a:rPr>
-              <a:t>https://www.hostinger.com.br/tutoriais/o-que-e-css-guia-basico-de-css#Como_CSS_Funciona</a:t>
-            </a:r>
-            <a:endParaRPr lang="pt-BR" sz="1600" dirty="0">
-              <a:latin typeface="Times New Roman" panose="02020603050405020304" pitchFamily="18" charset="0"/>
-              <a:cs typeface="Times New Roman" panose="02020603050405020304" pitchFamily="18" charset="0"/>
-            </a:endParaRPr>
-          </a:p>
-          <a:p>
-            <a:pPr marL="0" indent="0" algn="just">
-              <a:buNone/>
-            </a:pPr>
-            <a:endParaRPr lang="pt-BR" sz="1600" dirty="0">
+            <a:endParaRPr lang="pt-BR" sz="2400" dirty="0">
               <a:latin typeface="Times New Roman" panose="02020603050405020304" pitchFamily="18" charset="0"/>
               <a:cs typeface="Times New Roman" panose="02020603050405020304" pitchFamily="18" charset="0"/>
             </a:endParaRPr>
@@ -9807,7 +10457,7 @@
     </p:spTree>
     <p:extLst>
       <p:ext uri="{BB962C8B-B14F-4D97-AF65-F5344CB8AC3E}">
-        <p14:creationId xmlns:p14="http://schemas.microsoft.com/office/powerpoint/2010/main" val="910174333"/>
+        <p14:creationId xmlns:p14="http://schemas.microsoft.com/office/powerpoint/2010/main" val="3624253472"/>
       </p:ext>
     </p:extLst>
   </p:cSld>
@@ -9902,46 +10552,129 @@
             <a:r>
               <a:rPr lang="pt-BR" sz="2400" b="1" dirty="0">
                 <a:solidFill>
+                  <a:schemeClr val="tx1"/>
+                </a:solidFill>
+                <a:latin typeface="Times New Roman" panose="02020603050405020304" pitchFamily="18" charset="0"/>
+                <a:cs typeface="Times New Roman" panose="02020603050405020304" pitchFamily="18" charset="0"/>
+              </a:rPr>
+              <a:t>CSS</a:t>
+            </a:r>
+            <a:r>
+              <a:rPr lang="pt-BR" sz="2400" dirty="0">
+                <a:solidFill>
+                  <a:schemeClr val="tx1"/>
+                </a:solidFill>
+                <a:latin typeface="Times New Roman" panose="02020603050405020304" pitchFamily="18" charset="0"/>
+                <a:cs typeface="Times New Roman" panose="02020603050405020304" pitchFamily="18" charset="0"/>
+              </a:rPr>
+              <a:t> é a sigla para o termo em inglês </a:t>
+            </a:r>
+            <a:r>
+              <a:rPr lang="pt-BR" sz="2400" dirty="0" err="1">
+                <a:solidFill>
+                  <a:schemeClr val="tx1"/>
+                </a:solidFill>
+                <a:latin typeface="Times New Roman" panose="02020603050405020304" pitchFamily="18" charset="0"/>
+                <a:cs typeface="Times New Roman" panose="02020603050405020304" pitchFamily="18" charset="0"/>
+              </a:rPr>
+              <a:t>Cascading</a:t>
+            </a:r>
+            <a:r>
+              <a:rPr lang="pt-BR" sz="2400" dirty="0">
+                <a:solidFill>
+                  <a:schemeClr val="tx1"/>
+                </a:solidFill>
+                <a:latin typeface="Times New Roman" panose="02020603050405020304" pitchFamily="18" charset="0"/>
+                <a:cs typeface="Times New Roman" panose="02020603050405020304" pitchFamily="18" charset="0"/>
+              </a:rPr>
+              <a:t> </a:t>
+            </a:r>
+            <a:r>
+              <a:rPr lang="pt-BR" sz="2400" dirty="0" err="1">
+                <a:solidFill>
+                  <a:schemeClr val="tx1"/>
+                </a:solidFill>
+                <a:latin typeface="Times New Roman" panose="02020603050405020304" pitchFamily="18" charset="0"/>
+                <a:cs typeface="Times New Roman" panose="02020603050405020304" pitchFamily="18" charset="0"/>
+              </a:rPr>
+              <a:t>Style</a:t>
+            </a:r>
+            <a:r>
+              <a:rPr lang="pt-BR" sz="2400" dirty="0">
+                <a:solidFill>
+                  <a:schemeClr val="tx1"/>
+                </a:solidFill>
+                <a:latin typeface="Times New Roman" panose="02020603050405020304" pitchFamily="18" charset="0"/>
+                <a:cs typeface="Times New Roman" panose="02020603050405020304" pitchFamily="18" charset="0"/>
+              </a:rPr>
+              <a:t> </a:t>
+            </a:r>
+            <a:r>
+              <a:rPr lang="pt-BR" sz="2400" dirty="0" err="1">
+                <a:solidFill>
+                  <a:schemeClr val="tx1"/>
+                </a:solidFill>
+                <a:latin typeface="Times New Roman" panose="02020603050405020304" pitchFamily="18" charset="0"/>
+                <a:cs typeface="Times New Roman" panose="02020603050405020304" pitchFamily="18" charset="0"/>
+              </a:rPr>
+              <a:t>Sheets</a:t>
+            </a:r>
+            <a:r>
+              <a:rPr lang="pt-BR" sz="2400" dirty="0">
+                <a:solidFill>
+                  <a:schemeClr val="tx1"/>
+                </a:solidFill>
+                <a:latin typeface="Times New Roman" panose="02020603050405020304" pitchFamily="18" charset="0"/>
+                <a:cs typeface="Times New Roman" panose="02020603050405020304" pitchFamily="18" charset="0"/>
+              </a:rPr>
+              <a:t> que, traduzido para o português, significa Folha de Estilo em Cascatas. O CSS é fácil de aprender e entender e é facilmente utilizado com as </a:t>
+            </a:r>
+            <a:r>
+              <a:rPr lang="pt-BR" sz="2400" b="1" dirty="0">
+                <a:solidFill>
                   <a:srgbClr val="FF0000"/>
                 </a:solidFill>
                 <a:latin typeface="Times New Roman" panose="02020603050405020304" pitchFamily="18" charset="0"/>
                 <a:cs typeface="Times New Roman" panose="02020603050405020304" pitchFamily="18" charset="0"/>
-              </a:rPr>
-              <a:t>Algumas </a:t>
-            </a:r>
-            <a:r>
-              <a:rPr lang="pt-BR" sz="2400" b="1" dirty="0" err="1">
-                <a:solidFill>
-                  <a:srgbClr val="FF0000"/>
-                </a:solidFill>
-                <a:latin typeface="Times New Roman" panose="02020603050405020304" pitchFamily="18" charset="0"/>
-                <a:cs typeface="Times New Roman" panose="02020603050405020304" pitchFamily="18" charset="0"/>
-              </a:rPr>
-              <a:t>Tags</a:t>
+                <a:hlinkClick r:id="rId3">
+                  <a:extLst>
+                    <a:ext uri="{A12FA001-AC4F-418D-AE19-62706E023703}">
+                      <ahyp:hlinkClr xmlns:ahyp="http://schemas.microsoft.com/office/drawing/2018/hyperlinkcolor" val="tx"/>
+                    </a:ext>
+                  </a:extLst>
+                </a:hlinkClick>
+              </a:rPr>
+              <a:t>linguagens de marcação HTML</a:t>
+            </a:r>
+            <a:r>
+              <a:rPr lang="pt-BR" sz="2400" dirty="0">
+                <a:solidFill>
+                  <a:schemeClr val="tx1"/>
+                </a:solidFill>
+                <a:latin typeface="Times New Roman" panose="02020603050405020304" pitchFamily="18" charset="0"/>
+                <a:cs typeface="Times New Roman" panose="02020603050405020304" pitchFamily="18" charset="0"/>
+              </a:rPr>
+              <a:t> ou </a:t>
             </a:r>
             <a:r>
               <a:rPr lang="pt-BR" sz="2400" b="1" dirty="0">
                 <a:solidFill>
-                  <a:srgbClr val="FF0000"/>
-                </a:solidFill>
-                <a:latin typeface="Times New Roman" panose="02020603050405020304" pitchFamily="18" charset="0"/>
-                <a:cs typeface="Times New Roman" panose="02020603050405020304" pitchFamily="18" charset="0"/>
-              </a:rPr>
-              <a:t> </a:t>
-            </a:r>
-            <a:r>
-              <a:rPr lang="pt-BR" sz="2400" b="1" dirty="0">
-                <a:latin typeface="Times New Roman" panose="02020603050405020304" pitchFamily="18" charset="0"/>
-                <a:cs typeface="Times New Roman" panose="02020603050405020304" pitchFamily="18" charset="0"/>
-              </a:rPr>
-              <a:t>(W3C)</a:t>
+                  <a:schemeClr val="tx1"/>
+                </a:solidFill>
+                <a:latin typeface="Times New Roman" panose="02020603050405020304" pitchFamily="18" charset="0"/>
+                <a:cs typeface="Times New Roman" panose="02020603050405020304" pitchFamily="18" charset="0"/>
+              </a:rPr>
+              <a:t>XHTML</a:t>
             </a:r>
             <a:r>
               <a:rPr lang="pt-BR" sz="2400" dirty="0">
-                <a:latin typeface="Times New Roman" panose="02020603050405020304" pitchFamily="18" charset="0"/>
-                <a:cs typeface="Times New Roman" panose="02020603050405020304" pitchFamily="18" charset="0"/>
-              </a:rPr>
-              <a:t>:</a:t>
+                <a:solidFill>
+                  <a:schemeClr val="tx1"/>
+                </a:solidFill>
+                <a:latin typeface="Times New Roman" panose="02020603050405020304" pitchFamily="18" charset="0"/>
+                <a:cs typeface="Times New Roman" panose="02020603050405020304" pitchFamily="18" charset="0"/>
+              </a:rPr>
+              <a:t>. </a:t>
             </a:r>
           </a:p>
           <a:p>
@@ -9961,16 +10694,57 @@
               <a:buNone/>
             </a:pPr>
             <a:r>
-              <a:rPr lang="fr-FR" sz="2400" dirty="0">
-                <a:solidFill>
-                  <a:schemeClr val="tx1"/>
-                </a:solidFill>
-                <a:latin typeface="Times New Roman" panose="02020603050405020304" pitchFamily="18" charset="0"/>
-                <a:cs typeface="Times New Roman" panose="02020603050405020304" pitchFamily="18" charset="0"/>
-              </a:rPr>
-              <a:t>font-family; font-style; font-size, color, text-align, padding, border, margin, width, backgroud, etc.</a:t>
-            </a:r>
-            <a:endParaRPr lang="pt-BR" sz="2400" dirty="0">
+              <a:rPr lang="pt-BR" sz="1600" dirty="0">
+                <a:latin typeface="Times New Roman" panose="02020603050405020304" pitchFamily="18" charset="0"/>
+                <a:cs typeface="Times New Roman" panose="02020603050405020304" pitchFamily="18" charset="0"/>
+                <a:hlinkClick r:id="rId4"/>
+              </a:rPr>
+              <a:t>https://www.devmedia.com.br/estilizando-fontes-com-css/24226</a:t>
+            </a:r>
+            <a:endParaRPr lang="pt-BR" sz="1600" dirty="0">
+              <a:latin typeface="Times New Roman" panose="02020603050405020304" pitchFamily="18" charset="0"/>
+              <a:cs typeface="Times New Roman" panose="02020603050405020304" pitchFamily="18" charset="0"/>
+            </a:endParaRPr>
+          </a:p>
+          <a:p>
+            <a:pPr marL="0" indent="0" algn="just">
+              <a:buNone/>
+            </a:pPr>
+            <a:r>
+              <a:rPr lang="pt-BR" sz="1600" dirty="0">
+                <a:latin typeface="Times New Roman" panose="02020603050405020304" pitchFamily="18" charset="0"/>
+                <a:cs typeface="Times New Roman" panose="02020603050405020304" pitchFamily="18" charset="0"/>
+                <a:hlinkClick r:id="rId5"/>
+              </a:rPr>
+              <a:t>https://developer.mozilla.org/pt-BR/docs/Learn/Getting_started_with_the_web/CSS_basics</a:t>
+            </a:r>
+            <a:endParaRPr lang="pt-BR" sz="1600" dirty="0">
+              <a:latin typeface="Times New Roman" panose="02020603050405020304" pitchFamily="18" charset="0"/>
+              <a:cs typeface="Times New Roman" panose="02020603050405020304" pitchFamily="18" charset="0"/>
+            </a:endParaRPr>
+          </a:p>
+          <a:p>
+            <a:pPr marL="0" indent="0" algn="just">
+              <a:buNone/>
+            </a:pPr>
+            <a:r>
+              <a:rPr lang="pt-BR" sz="1600" dirty="0">
+                <a:latin typeface="Times New Roman" panose="02020603050405020304" pitchFamily="18" charset="0"/>
+                <a:cs typeface="Times New Roman" panose="02020603050405020304" pitchFamily="18" charset="0"/>
+                <a:hlinkClick r:id="rId6"/>
+              </a:rPr>
+              <a:t>https://www.hostinger.com.br/tutoriais/o-que-e-css-guia-basico-de-css#Como_CSS_Funciona</a:t>
+            </a:r>
+            <a:endParaRPr lang="pt-BR" sz="1600" dirty="0">
+              <a:latin typeface="Times New Roman" panose="02020603050405020304" pitchFamily="18" charset="0"/>
+              <a:cs typeface="Times New Roman" panose="02020603050405020304" pitchFamily="18" charset="0"/>
+            </a:endParaRPr>
+          </a:p>
+          <a:p>
+            <a:pPr marL="0" indent="0" algn="just">
+              <a:buNone/>
+            </a:pPr>
+            <a:endParaRPr lang="pt-BR" sz="1600" dirty="0">
               <a:latin typeface="Times New Roman" panose="02020603050405020304" pitchFamily="18" charset="0"/>
               <a:cs typeface="Times New Roman" panose="02020603050405020304" pitchFamily="18" charset="0"/>
             </a:endParaRPr>
@@ -9980,7 +10754,7 @@
     </p:spTree>
     <p:extLst>
       <p:ext uri="{BB962C8B-B14F-4D97-AF65-F5344CB8AC3E}">
-        <p14:creationId xmlns:p14="http://schemas.microsoft.com/office/powerpoint/2010/main" val="1536760667"/>
+        <p14:creationId xmlns:p14="http://schemas.microsoft.com/office/powerpoint/2010/main" val="910174333"/>
       </p:ext>
     </p:extLst>
   </p:cSld>

--- a/01 Classes/Aula 01 Desenvolvimento Web Caracterização.pptx
+++ b/01 Classes/Aula 01 Desenvolvimento Web Caracterização.pptx
@@ -5,7 +5,7 @@
     <p:sldMasterId id="2147483648" r:id="rId1"/>
   </p:sldMasterIdLst>
   <p:notesMasterIdLst>
-    <p:notesMasterId r:id="rId22"/>
+    <p:notesMasterId r:id="rId23"/>
   </p:notesMasterIdLst>
   <p:sldIdLst>
     <p:sldId id="256" r:id="rId2"/>
@@ -13,21 +13,22 @@
     <p:sldId id="332" r:id="rId4"/>
     <p:sldId id="343" r:id="rId5"/>
     <p:sldId id="349" r:id="rId6"/>
-    <p:sldId id="335" r:id="rId7"/>
-    <p:sldId id="344" r:id="rId8"/>
-    <p:sldId id="345" r:id="rId9"/>
-    <p:sldId id="340" r:id="rId10"/>
-    <p:sldId id="346" r:id="rId11"/>
-    <p:sldId id="347" r:id="rId12"/>
-    <p:sldId id="348" r:id="rId13"/>
-    <p:sldId id="339" r:id="rId14"/>
-    <p:sldId id="336" r:id="rId15"/>
-    <p:sldId id="342" r:id="rId16"/>
-    <p:sldId id="333" r:id="rId17"/>
-    <p:sldId id="323" r:id="rId18"/>
-    <p:sldId id="334" r:id="rId19"/>
-    <p:sldId id="337" r:id="rId20"/>
-    <p:sldId id="309" r:id="rId21"/>
+    <p:sldId id="350" r:id="rId7"/>
+    <p:sldId id="335" r:id="rId8"/>
+    <p:sldId id="344" r:id="rId9"/>
+    <p:sldId id="345" r:id="rId10"/>
+    <p:sldId id="340" r:id="rId11"/>
+    <p:sldId id="346" r:id="rId12"/>
+    <p:sldId id="347" r:id="rId13"/>
+    <p:sldId id="348" r:id="rId14"/>
+    <p:sldId id="339" r:id="rId15"/>
+    <p:sldId id="336" r:id="rId16"/>
+    <p:sldId id="342" r:id="rId17"/>
+    <p:sldId id="333" r:id="rId18"/>
+    <p:sldId id="323" r:id="rId19"/>
+    <p:sldId id="334" r:id="rId20"/>
+    <p:sldId id="337" r:id="rId21"/>
+    <p:sldId id="309" r:id="rId22"/>
   </p:sldIdLst>
   <p:sldSz cx="9144000" cy="5143500" type="screen16x9"/>
   <p:notesSz cx="6858000" cy="9144000"/>
@@ -635,7 +636,7 @@
     </p:spTree>
     <p:extLst>
       <p:ext uri="{BB962C8B-B14F-4D97-AF65-F5344CB8AC3E}">
-        <p14:creationId xmlns:p14="http://schemas.microsoft.com/office/powerpoint/2010/main" val="305201082"/>
+        <p14:creationId xmlns:p14="http://schemas.microsoft.com/office/powerpoint/2010/main" val="2756824028"/>
       </p:ext>
     </p:extLst>
   </p:cSld>
@@ -701,7 +702,7 @@
     </p:spTree>
     <p:extLst>
       <p:ext uri="{BB962C8B-B14F-4D97-AF65-F5344CB8AC3E}">
-        <p14:creationId xmlns:p14="http://schemas.microsoft.com/office/powerpoint/2010/main" val="3441660781"/>
+        <p14:creationId xmlns:p14="http://schemas.microsoft.com/office/powerpoint/2010/main" val="305201082"/>
       </p:ext>
     </p:extLst>
   </p:cSld>
@@ -767,7 +768,7 @@
     </p:spTree>
     <p:extLst>
       <p:ext uri="{BB962C8B-B14F-4D97-AF65-F5344CB8AC3E}">
-        <p14:creationId xmlns:p14="http://schemas.microsoft.com/office/powerpoint/2010/main" val="3079433743"/>
+        <p14:creationId xmlns:p14="http://schemas.microsoft.com/office/powerpoint/2010/main" val="3441660781"/>
       </p:ext>
     </p:extLst>
   </p:cSld>
@@ -833,7 +834,7 @@
     </p:spTree>
     <p:extLst>
       <p:ext uri="{BB962C8B-B14F-4D97-AF65-F5344CB8AC3E}">
-        <p14:creationId xmlns:p14="http://schemas.microsoft.com/office/powerpoint/2010/main" val="585304384"/>
+        <p14:creationId xmlns:p14="http://schemas.microsoft.com/office/powerpoint/2010/main" val="3079433743"/>
       </p:ext>
     </p:extLst>
   </p:cSld>
@@ -899,7 +900,7 @@
     </p:spTree>
     <p:extLst>
       <p:ext uri="{BB962C8B-B14F-4D97-AF65-F5344CB8AC3E}">
-        <p14:creationId xmlns:p14="http://schemas.microsoft.com/office/powerpoint/2010/main" val="2709569597"/>
+        <p14:creationId xmlns:p14="http://schemas.microsoft.com/office/powerpoint/2010/main" val="585304384"/>
       </p:ext>
     </p:extLst>
   </p:cSld>
@@ -965,6 +966,72 @@
     </p:spTree>
     <p:extLst>
       <p:ext uri="{BB962C8B-B14F-4D97-AF65-F5344CB8AC3E}">
+        <p14:creationId xmlns:p14="http://schemas.microsoft.com/office/powerpoint/2010/main" val="2709569597"/>
+      </p:ext>
+    </p:extLst>
+  </p:cSld>
+  <p:clrMapOvr>
+    <a:masterClrMapping/>
+  </p:clrMapOvr>
+</p:notes>
+</file>
+
+<file path=ppt/notesSlides/notesSlide16.xml><?xml version="1.0" encoding="utf-8"?>
+<p:notes xmlns:a="http://schemas.openxmlformats.org/drawingml/2006/main" xmlns:r="http://schemas.openxmlformats.org/officeDocument/2006/relationships" xmlns:p="http://schemas.openxmlformats.org/presentationml/2006/main">
+  <p:cSld>
+    <p:spTree>
+      <p:nvGrpSpPr>
+        <p:cNvPr id="1" name=""/>
+        <p:cNvGrpSpPr/>
+        <p:nvPr/>
+      </p:nvGrpSpPr>
+      <p:grpSpPr>
+        <a:xfrm>
+          <a:off x="0" y="0"/>
+          <a:ext cx="0" cy="0"/>
+          <a:chOff x="0" y="0"/>
+          <a:chExt cx="0" cy="0"/>
+        </a:xfrm>
+      </p:grpSpPr>
+      <p:sp>
+        <p:nvSpPr>
+          <p:cNvPr id="2" name="Espaço Reservado para Imagem de Slide 1"/>
+          <p:cNvSpPr>
+            <a:spLocks noGrp="1" noRot="1" noChangeAspect="1"/>
+          </p:cNvSpPr>
+          <p:nvPr>
+            <p:ph type="sldImg"/>
+          </p:nvPr>
+        </p:nvSpPr>
+        <p:spPr>
+          <a:xfrm>
+            <a:off x="381000" y="685800"/>
+            <a:ext cx="6096000" cy="3429000"/>
+          </a:xfrm>
+        </p:spPr>
+      </p:sp>
+      <p:sp>
+        <p:nvSpPr>
+          <p:cNvPr id="3" name="Espaço Reservado para Anotações 2"/>
+          <p:cNvSpPr>
+            <a:spLocks noGrp="1"/>
+          </p:cNvSpPr>
+          <p:nvPr>
+            <p:ph type="body" idx="1"/>
+          </p:nvPr>
+        </p:nvSpPr>
+        <p:spPr/>
+        <p:txBody>
+          <a:bodyPr/>
+          <a:lstStyle/>
+          <a:p>
+            <a:endParaRPr lang="pt-BR" dirty="0"/>
+          </a:p>
+        </p:txBody>
+      </p:sp>
+    </p:spTree>
+    <p:extLst>
+      <p:ext uri="{BB962C8B-B14F-4D97-AF65-F5344CB8AC3E}">
         <p14:creationId xmlns:p14="http://schemas.microsoft.com/office/powerpoint/2010/main" val="2296249050"/>
       </p:ext>
     </p:extLst>
@@ -975,7 +1042,7 @@
 </p:notes>
 </file>
 
-<file path=ppt/notesSlides/notesSlide16.xml><?xml version="1.0" encoding="utf-8"?>
+<file path=ppt/notesSlides/notesSlide17.xml><?xml version="1.0" encoding="utf-8"?>
 <p:notes xmlns:a="http://schemas.openxmlformats.org/drawingml/2006/main" xmlns:r="http://schemas.openxmlformats.org/officeDocument/2006/relationships" xmlns:p="http://schemas.openxmlformats.org/presentationml/2006/main">
   <p:cSld>
     <p:spTree>
@@ -1229,7 +1296,7 @@
     </p:spTree>
     <p:extLst>
       <p:ext uri="{BB962C8B-B14F-4D97-AF65-F5344CB8AC3E}">
-        <p14:creationId xmlns:p14="http://schemas.microsoft.com/office/powerpoint/2010/main" val="4283274409"/>
+        <p14:creationId xmlns:p14="http://schemas.microsoft.com/office/powerpoint/2010/main" val="1275853181"/>
       </p:ext>
     </p:extLst>
   </p:cSld>
@@ -1295,7 +1362,7 @@
     </p:spTree>
     <p:extLst>
       <p:ext uri="{BB962C8B-B14F-4D97-AF65-F5344CB8AC3E}">
-        <p14:creationId xmlns:p14="http://schemas.microsoft.com/office/powerpoint/2010/main" val="1555173613"/>
+        <p14:creationId xmlns:p14="http://schemas.microsoft.com/office/powerpoint/2010/main" val="4283274409"/>
       </p:ext>
     </p:extLst>
   </p:cSld>
@@ -1361,7 +1428,7 @@
     </p:spTree>
     <p:extLst>
       <p:ext uri="{BB962C8B-B14F-4D97-AF65-F5344CB8AC3E}">
-        <p14:creationId xmlns:p14="http://schemas.microsoft.com/office/powerpoint/2010/main" val="2909307659"/>
+        <p14:creationId xmlns:p14="http://schemas.microsoft.com/office/powerpoint/2010/main" val="1555173613"/>
       </p:ext>
     </p:extLst>
   </p:cSld>
@@ -1427,7 +1494,7 @@
     </p:spTree>
     <p:extLst>
       <p:ext uri="{BB962C8B-B14F-4D97-AF65-F5344CB8AC3E}">
-        <p14:creationId xmlns:p14="http://schemas.microsoft.com/office/powerpoint/2010/main" val="4132287366"/>
+        <p14:creationId xmlns:p14="http://schemas.microsoft.com/office/powerpoint/2010/main" val="2909307659"/>
       </p:ext>
     </p:extLst>
   </p:cSld>
@@ -1493,7 +1560,7 @@
     </p:spTree>
     <p:extLst>
       <p:ext uri="{BB962C8B-B14F-4D97-AF65-F5344CB8AC3E}">
-        <p14:creationId xmlns:p14="http://schemas.microsoft.com/office/powerpoint/2010/main" val="3222953683"/>
+        <p14:creationId xmlns:p14="http://schemas.microsoft.com/office/powerpoint/2010/main" val="4132287366"/>
       </p:ext>
     </p:extLst>
   </p:cSld>
@@ -1559,7 +1626,7 @@
     </p:spTree>
     <p:extLst>
       <p:ext uri="{BB962C8B-B14F-4D97-AF65-F5344CB8AC3E}">
-        <p14:creationId xmlns:p14="http://schemas.microsoft.com/office/powerpoint/2010/main" val="2756824028"/>
+        <p14:creationId xmlns:p14="http://schemas.microsoft.com/office/powerpoint/2010/main" val="3222953683"/>
       </p:ext>
     </p:extLst>
   </p:cSld>
@@ -4586,46 +4653,129 @@
             <a:r>
               <a:rPr lang="pt-BR" sz="2400" b="1" dirty="0">
                 <a:solidFill>
+                  <a:schemeClr val="tx1"/>
+                </a:solidFill>
+                <a:latin typeface="Times New Roman" panose="02020603050405020304" pitchFamily="18" charset="0"/>
+                <a:cs typeface="Times New Roman" panose="02020603050405020304" pitchFamily="18" charset="0"/>
+              </a:rPr>
+              <a:t>CSS</a:t>
+            </a:r>
+            <a:r>
+              <a:rPr lang="pt-BR" sz="2400" dirty="0">
+                <a:solidFill>
+                  <a:schemeClr val="tx1"/>
+                </a:solidFill>
+                <a:latin typeface="Times New Roman" panose="02020603050405020304" pitchFamily="18" charset="0"/>
+                <a:cs typeface="Times New Roman" panose="02020603050405020304" pitchFamily="18" charset="0"/>
+              </a:rPr>
+              <a:t> é a sigla para o termo em inglês </a:t>
+            </a:r>
+            <a:r>
+              <a:rPr lang="pt-BR" sz="2400" dirty="0" err="1">
+                <a:solidFill>
+                  <a:schemeClr val="tx1"/>
+                </a:solidFill>
+                <a:latin typeface="Times New Roman" panose="02020603050405020304" pitchFamily="18" charset="0"/>
+                <a:cs typeface="Times New Roman" panose="02020603050405020304" pitchFamily="18" charset="0"/>
+              </a:rPr>
+              <a:t>Cascading</a:t>
+            </a:r>
+            <a:r>
+              <a:rPr lang="pt-BR" sz="2400" dirty="0">
+                <a:solidFill>
+                  <a:schemeClr val="tx1"/>
+                </a:solidFill>
+                <a:latin typeface="Times New Roman" panose="02020603050405020304" pitchFamily="18" charset="0"/>
+                <a:cs typeface="Times New Roman" panose="02020603050405020304" pitchFamily="18" charset="0"/>
+              </a:rPr>
+              <a:t> </a:t>
+            </a:r>
+            <a:r>
+              <a:rPr lang="pt-BR" sz="2400" dirty="0" err="1">
+                <a:solidFill>
+                  <a:schemeClr val="tx1"/>
+                </a:solidFill>
+                <a:latin typeface="Times New Roman" panose="02020603050405020304" pitchFamily="18" charset="0"/>
+                <a:cs typeface="Times New Roman" panose="02020603050405020304" pitchFamily="18" charset="0"/>
+              </a:rPr>
+              <a:t>Style</a:t>
+            </a:r>
+            <a:r>
+              <a:rPr lang="pt-BR" sz="2400" dirty="0">
+                <a:solidFill>
+                  <a:schemeClr val="tx1"/>
+                </a:solidFill>
+                <a:latin typeface="Times New Roman" panose="02020603050405020304" pitchFamily="18" charset="0"/>
+                <a:cs typeface="Times New Roman" panose="02020603050405020304" pitchFamily="18" charset="0"/>
+              </a:rPr>
+              <a:t> </a:t>
+            </a:r>
+            <a:r>
+              <a:rPr lang="pt-BR" sz="2400" dirty="0" err="1">
+                <a:solidFill>
+                  <a:schemeClr val="tx1"/>
+                </a:solidFill>
+                <a:latin typeface="Times New Roman" panose="02020603050405020304" pitchFamily="18" charset="0"/>
+                <a:cs typeface="Times New Roman" panose="02020603050405020304" pitchFamily="18" charset="0"/>
+              </a:rPr>
+              <a:t>Sheets</a:t>
+            </a:r>
+            <a:r>
+              <a:rPr lang="pt-BR" sz="2400" dirty="0">
+                <a:solidFill>
+                  <a:schemeClr val="tx1"/>
+                </a:solidFill>
+                <a:latin typeface="Times New Roman" panose="02020603050405020304" pitchFamily="18" charset="0"/>
+                <a:cs typeface="Times New Roman" panose="02020603050405020304" pitchFamily="18" charset="0"/>
+              </a:rPr>
+              <a:t> que, traduzido para o português, significa Folha de Estilo em Cascatas. O CSS é fácil de aprender e entender e é facilmente utilizado com as </a:t>
+            </a:r>
+            <a:r>
+              <a:rPr lang="pt-BR" sz="2400" b="1" dirty="0">
+                <a:solidFill>
                   <a:srgbClr val="FF0000"/>
                 </a:solidFill>
                 <a:latin typeface="Times New Roman" panose="02020603050405020304" pitchFamily="18" charset="0"/>
                 <a:cs typeface="Times New Roman" panose="02020603050405020304" pitchFamily="18" charset="0"/>
-              </a:rPr>
-              <a:t>Algumas </a:t>
-            </a:r>
-            <a:r>
-              <a:rPr lang="pt-BR" sz="2400" b="1" dirty="0" err="1">
-                <a:solidFill>
-                  <a:srgbClr val="FF0000"/>
-                </a:solidFill>
-                <a:latin typeface="Times New Roman" panose="02020603050405020304" pitchFamily="18" charset="0"/>
-                <a:cs typeface="Times New Roman" panose="02020603050405020304" pitchFamily="18" charset="0"/>
-              </a:rPr>
-              <a:t>Tags</a:t>
+                <a:hlinkClick r:id="rId3">
+                  <a:extLst>
+                    <a:ext uri="{A12FA001-AC4F-418D-AE19-62706E023703}">
+                      <ahyp:hlinkClr xmlns:ahyp="http://schemas.microsoft.com/office/drawing/2018/hyperlinkcolor" val="tx"/>
+                    </a:ext>
+                  </a:extLst>
+                </a:hlinkClick>
+              </a:rPr>
+              <a:t>linguagens de marcação HTML</a:t>
+            </a:r>
+            <a:r>
+              <a:rPr lang="pt-BR" sz="2400" dirty="0">
+                <a:solidFill>
+                  <a:schemeClr val="tx1"/>
+                </a:solidFill>
+                <a:latin typeface="Times New Roman" panose="02020603050405020304" pitchFamily="18" charset="0"/>
+                <a:cs typeface="Times New Roman" panose="02020603050405020304" pitchFamily="18" charset="0"/>
+              </a:rPr>
+              <a:t> ou </a:t>
             </a:r>
             <a:r>
               <a:rPr lang="pt-BR" sz="2400" b="1" dirty="0">
                 <a:solidFill>
-                  <a:srgbClr val="FF0000"/>
-                </a:solidFill>
-                <a:latin typeface="Times New Roman" panose="02020603050405020304" pitchFamily="18" charset="0"/>
-                <a:cs typeface="Times New Roman" panose="02020603050405020304" pitchFamily="18" charset="0"/>
-              </a:rPr>
-              <a:t> </a:t>
-            </a:r>
-            <a:r>
-              <a:rPr lang="pt-BR" sz="2400" b="1" dirty="0">
-                <a:latin typeface="Times New Roman" panose="02020603050405020304" pitchFamily="18" charset="0"/>
-                <a:cs typeface="Times New Roman" panose="02020603050405020304" pitchFamily="18" charset="0"/>
-              </a:rPr>
-              <a:t>(W3C)</a:t>
+                  <a:schemeClr val="tx1"/>
+                </a:solidFill>
+                <a:latin typeface="Times New Roman" panose="02020603050405020304" pitchFamily="18" charset="0"/>
+                <a:cs typeface="Times New Roman" panose="02020603050405020304" pitchFamily="18" charset="0"/>
+              </a:rPr>
+              <a:t>XHTML</a:t>
             </a:r>
             <a:r>
               <a:rPr lang="pt-BR" sz="2400" dirty="0">
-                <a:latin typeface="Times New Roman" panose="02020603050405020304" pitchFamily="18" charset="0"/>
-                <a:cs typeface="Times New Roman" panose="02020603050405020304" pitchFamily="18" charset="0"/>
-              </a:rPr>
-              <a:t>:</a:t>
+                <a:solidFill>
+                  <a:schemeClr val="tx1"/>
+                </a:solidFill>
+                <a:latin typeface="Times New Roman" panose="02020603050405020304" pitchFamily="18" charset="0"/>
+                <a:cs typeface="Times New Roman" panose="02020603050405020304" pitchFamily="18" charset="0"/>
+              </a:rPr>
+              <a:t>. </a:t>
             </a:r>
           </a:p>
           <a:p>
@@ -4645,16 +4795,57 @@
               <a:buNone/>
             </a:pPr>
             <a:r>
-              <a:rPr lang="fr-FR" sz="2400" dirty="0">
-                <a:solidFill>
-                  <a:schemeClr val="tx1"/>
-                </a:solidFill>
-                <a:latin typeface="Times New Roman" panose="02020603050405020304" pitchFamily="18" charset="0"/>
-                <a:cs typeface="Times New Roman" panose="02020603050405020304" pitchFamily="18" charset="0"/>
-              </a:rPr>
-              <a:t>font-family; font-style; font-size, color, text-align, padding, border, margin, width, backgroud, etc.</a:t>
-            </a:r>
-            <a:endParaRPr lang="pt-BR" sz="2400" dirty="0">
+              <a:rPr lang="pt-BR" sz="1600" dirty="0">
+                <a:latin typeface="Times New Roman" panose="02020603050405020304" pitchFamily="18" charset="0"/>
+                <a:cs typeface="Times New Roman" panose="02020603050405020304" pitchFamily="18" charset="0"/>
+                <a:hlinkClick r:id="rId4"/>
+              </a:rPr>
+              <a:t>https://www.devmedia.com.br/estilizando-fontes-com-css/24226</a:t>
+            </a:r>
+            <a:endParaRPr lang="pt-BR" sz="1600" dirty="0">
+              <a:latin typeface="Times New Roman" panose="02020603050405020304" pitchFamily="18" charset="0"/>
+              <a:cs typeface="Times New Roman" panose="02020603050405020304" pitchFamily="18" charset="0"/>
+            </a:endParaRPr>
+          </a:p>
+          <a:p>
+            <a:pPr marL="0" indent="0" algn="just">
+              <a:buNone/>
+            </a:pPr>
+            <a:r>
+              <a:rPr lang="pt-BR" sz="1600" dirty="0">
+                <a:latin typeface="Times New Roman" panose="02020603050405020304" pitchFamily="18" charset="0"/>
+                <a:cs typeface="Times New Roman" panose="02020603050405020304" pitchFamily="18" charset="0"/>
+                <a:hlinkClick r:id="rId5"/>
+              </a:rPr>
+              <a:t>https://developer.mozilla.org/pt-BR/docs/Learn/Getting_started_with_the_web/CSS_basics</a:t>
+            </a:r>
+            <a:endParaRPr lang="pt-BR" sz="1600" dirty="0">
+              <a:latin typeface="Times New Roman" panose="02020603050405020304" pitchFamily="18" charset="0"/>
+              <a:cs typeface="Times New Roman" panose="02020603050405020304" pitchFamily="18" charset="0"/>
+            </a:endParaRPr>
+          </a:p>
+          <a:p>
+            <a:pPr marL="0" indent="0" algn="just">
+              <a:buNone/>
+            </a:pPr>
+            <a:r>
+              <a:rPr lang="pt-BR" sz="1600" dirty="0">
+                <a:latin typeface="Times New Roman" panose="02020603050405020304" pitchFamily="18" charset="0"/>
+                <a:cs typeface="Times New Roman" panose="02020603050405020304" pitchFamily="18" charset="0"/>
+                <a:hlinkClick r:id="rId6"/>
+              </a:rPr>
+              <a:t>https://www.hostinger.com.br/tutoriais/o-que-e-css-guia-basico-de-css#Como_CSS_Funciona</a:t>
+            </a:r>
+            <a:endParaRPr lang="pt-BR" sz="1600" dirty="0">
+              <a:latin typeface="Times New Roman" panose="02020603050405020304" pitchFamily="18" charset="0"/>
+              <a:cs typeface="Times New Roman" panose="02020603050405020304" pitchFamily="18" charset="0"/>
+            </a:endParaRPr>
+          </a:p>
+          <a:p>
+            <a:pPr marL="0" indent="0" algn="just">
+              <a:buNone/>
+            </a:pPr>
+            <a:endParaRPr lang="pt-BR" sz="1600" dirty="0">
               <a:latin typeface="Times New Roman" panose="02020603050405020304" pitchFamily="18" charset="0"/>
               <a:cs typeface="Times New Roman" panose="02020603050405020304" pitchFamily="18" charset="0"/>
             </a:endParaRPr>
@@ -4664,7 +4855,7 @@
     </p:spTree>
     <p:extLst>
       <p:ext uri="{BB962C8B-B14F-4D97-AF65-F5344CB8AC3E}">
-        <p14:creationId xmlns:p14="http://schemas.microsoft.com/office/powerpoint/2010/main" val="1536760667"/>
+        <p14:creationId xmlns:p14="http://schemas.microsoft.com/office/powerpoint/2010/main" val="910174333"/>
       </p:ext>
     </p:extLst>
   </p:cSld>
@@ -4709,9 +4900,7 @@
           </a:xfrm>
         </p:spPr>
         <p:txBody>
-          <a:bodyPr>
-            <a:normAutofit fontScale="90000"/>
-          </a:bodyPr>
+          <a:bodyPr/>
           <a:lstStyle/>
           <a:p>
             <a:r>
@@ -4728,23 +4917,7 @@
                   <a:srgbClr val="0070C0"/>
                 </a:solidFill>
               </a:rPr>
-              <a:t> </a:t>
-            </a:r>
-            <a:r>
-              <a:rPr lang="en-US" b="1" dirty="0" err="1">
-                <a:solidFill>
-                  <a:srgbClr val="0070C0"/>
-                </a:solidFill>
-              </a:rPr>
-              <a:t>Comportamento</a:t>
-            </a:r>
-            <a:r>
-              <a:rPr lang="en-US" b="1" dirty="0">
-                <a:solidFill>
-                  <a:srgbClr val="0070C0"/>
-                </a:solidFill>
-              </a:rPr>
-              <a:t> (JS)</a:t>
+              <a:t> Style (CSS)</a:t>
             </a:r>
           </a:p>
         </p:txBody>
@@ -4761,7 +4934,7 @@
         </p:nvSpPr>
         <p:spPr>
           <a:xfrm>
-            <a:off x="142865" y="1150047"/>
+            <a:off x="142865" y="1200151"/>
             <a:ext cx="8865056" cy="3394472"/>
           </a:xfrm>
         </p:spPr>
@@ -4775,46 +4948,58 @@
               <a:buNone/>
             </a:pPr>
             <a:r>
-              <a:rPr lang="pt-BR" sz="2200" dirty="0">
-                <a:latin typeface="Times New Roman" panose="02020603050405020304" pitchFamily="18" charset="0"/>
-                <a:cs typeface="Times New Roman" panose="02020603050405020304" pitchFamily="18" charset="0"/>
-              </a:rPr>
-              <a:t>O </a:t>
-            </a:r>
-            <a:r>
-              <a:rPr lang="pt-BR" sz="2200" b="1" dirty="0">
-                <a:latin typeface="Times New Roman" panose="02020603050405020304" pitchFamily="18" charset="0"/>
-                <a:cs typeface="Times New Roman" panose="02020603050405020304" pitchFamily="18" charset="0"/>
-              </a:rPr>
-              <a:t>JS</a:t>
-            </a:r>
-            <a:r>
-              <a:rPr lang="pt-BR" sz="2200" dirty="0">
-                <a:latin typeface="Times New Roman" panose="02020603050405020304" pitchFamily="18" charset="0"/>
-                <a:cs typeface="Times New Roman" panose="02020603050405020304" pitchFamily="18" charset="0"/>
-              </a:rPr>
-              <a:t> ou </a:t>
-            </a:r>
-            <a:r>
-              <a:rPr lang="pt-BR" sz="2200" b="1" dirty="0" err="1">
-                <a:latin typeface="Times New Roman" panose="02020603050405020304" pitchFamily="18" charset="0"/>
-                <a:cs typeface="Times New Roman" panose="02020603050405020304" pitchFamily="18" charset="0"/>
-              </a:rPr>
-              <a:t>JavaScript</a:t>
-            </a:r>
-            <a:r>
-              <a:rPr lang="pt-BR" sz="2200" dirty="0">
-                <a:latin typeface="Times New Roman" panose="02020603050405020304" pitchFamily="18" charset="0"/>
-                <a:cs typeface="Times New Roman" panose="02020603050405020304" pitchFamily="18" charset="0"/>
-              </a:rPr>
-              <a:t> é uma linguagem de programação de alto-nível, interpretada, e baseada em objetos com funções de primeira classe, mais conhecida como a linguagem de script para páginas Web. </a:t>
+              <a:rPr lang="pt-BR" sz="2400" b="1" dirty="0">
+                <a:solidFill>
+                  <a:srgbClr val="FF0000"/>
+                </a:solidFill>
+                <a:latin typeface="Times New Roman" panose="02020603050405020304" pitchFamily="18" charset="0"/>
+                <a:cs typeface="Times New Roman" panose="02020603050405020304" pitchFamily="18" charset="0"/>
+              </a:rPr>
+              <a:t>Algumas </a:t>
+            </a:r>
+            <a:r>
+              <a:rPr lang="pt-BR" sz="2400" b="1" dirty="0" err="1">
+                <a:solidFill>
+                  <a:srgbClr val="FF0000"/>
+                </a:solidFill>
+                <a:latin typeface="Times New Roman" panose="02020603050405020304" pitchFamily="18" charset="0"/>
+                <a:cs typeface="Times New Roman" panose="02020603050405020304" pitchFamily="18" charset="0"/>
+              </a:rPr>
+              <a:t>Tags</a:t>
+            </a:r>
+            <a:r>
+              <a:rPr lang="pt-BR" sz="2400" b="1" dirty="0">
+                <a:solidFill>
+                  <a:srgbClr val="FF0000"/>
+                </a:solidFill>
+                <a:latin typeface="Times New Roman" panose="02020603050405020304" pitchFamily="18" charset="0"/>
+                <a:cs typeface="Times New Roman" panose="02020603050405020304" pitchFamily="18" charset="0"/>
+              </a:rPr>
+              <a:t> </a:t>
+            </a:r>
+            <a:r>
+              <a:rPr lang="pt-BR" sz="2400" b="1" dirty="0">
+                <a:latin typeface="Times New Roman" panose="02020603050405020304" pitchFamily="18" charset="0"/>
+                <a:cs typeface="Times New Roman" panose="02020603050405020304" pitchFamily="18" charset="0"/>
+              </a:rPr>
+              <a:t>(W3C)</a:t>
+            </a:r>
+            <a:r>
+              <a:rPr lang="pt-BR" sz="2400" dirty="0">
+                <a:latin typeface="Times New Roman" panose="02020603050405020304" pitchFamily="18" charset="0"/>
+                <a:cs typeface="Times New Roman" panose="02020603050405020304" pitchFamily="18" charset="0"/>
+              </a:rPr>
+              <a:t>:</a:t>
             </a:r>
           </a:p>
           <a:p>
             <a:pPr marL="0" indent="0" algn="just">
               <a:buNone/>
             </a:pPr>
-            <a:endParaRPr lang="pt-BR" sz="2200" dirty="0">
+            <a:endParaRPr lang="pt-BR" sz="2400" dirty="0">
+              <a:solidFill>
+                <a:schemeClr val="tx1"/>
+              </a:solidFill>
               <a:latin typeface="Times New Roman" panose="02020603050405020304" pitchFamily="18" charset="0"/>
               <a:cs typeface="Times New Roman" panose="02020603050405020304" pitchFamily="18" charset="0"/>
             </a:endParaRPr>
@@ -4824,97 +5009,15 @@
               <a:buNone/>
             </a:pPr>
             <a:r>
-              <a:rPr lang="pt-BR" sz="2200" dirty="0">
-                <a:latin typeface="Times New Roman" panose="02020603050405020304" pitchFamily="18" charset="0"/>
-                <a:cs typeface="Times New Roman" panose="02020603050405020304" pitchFamily="18" charset="0"/>
-              </a:rPr>
-              <a:t>Criada no meio da década de 90, mais precisamente em 1996 pelo lendário programador Brendan Eich que, além de criar o </a:t>
-            </a:r>
-            <a:r>
-              <a:rPr lang="pt-BR" sz="2200" dirty="0" err="1">
-                <a:latin typeface="Times New Roman" panose="02020603050405020304" pitchFamily="18" charset="0"/>
-                <a:cs typeface="Times New Roman" panose="02020603050405020304" pitchFamily="18" charset="0"/>
-              </a:rPr>
-              <a:t>JavaScript</a:t>
-            </a:r>
-            <a:r>
-              <a:rPr lang="pt-BR" sz="2200" dirty="0">
-                <a:latin typeface="Times New Roman" panose="02020603050405020304" pitchFamily="18" charset="0"/>
-                <a:cs typeface="Times New Roman" panose="02020603050405020304" pitchFamily="18" charset="0"/>
-              </a:rPr>
-              <a:t>, foi também um dos fundadores da Mozilla Corporation.</a:t>
-            </a:r>
-          </a:p>
-          <a:p>
-            <a:pPr marL="0" indent="0" algn="just">
-              <a:buNone/>
-            </a:pPr>
-            <a:endParaRPr lang="pt-BR" sz="2200" dirty="0">
-              <a:latin typeface="Times New Roman" panose="02020603050405020304" pitchFamily="18" charset="0"/>
-              <a:cs typeface="Times New Roman" panose="02020603050405020304" pitchFamily="18" charset="0"/>
-            </a:endParaRPr>
-          </a:p>
-          <a:p>
-            <a:pPr marL="0" indent="0" algn="just">
-              <a:buNone/>
-            </a:pPr>
-            <a:r>
-              <a:rPr lang="pt-BR" sz="2200" dirty="0">
-                <a:latin typeface="Times New Roman" panose="02020603050405020304" pitchFamily="18" charset="0"/>
-                <a:cs typeface="Times New Roman" panose="02020603050405020304" pitchFamily="18" charset="0"/>
-              </a:rPr>
-              <a:t>O padrão </a:t>
-            </a:r>
-            <a:r>
-              <a:rPr lang="pt-BR" sz="2200" dirty="0" err="1">
-                <a:latin typeface="Times New Roman" panose="02020603050405020304" pitchFamily="18" charset="0"/>
-                <a:cs typeface="Times New Roman" panose="02020603050405020304" pitchFamily="18" charset="0"/>
-              </a:rPr>
-              <a:t>JavaScript</a:t>
-            </a:r>
-            <a:r>
-              <a:rPr lang="pt-BR" sz="2200" dirty="0">
-                <a:latin typeface="Times New Roman" panose="02020603050405020304" pitchFamily="18" charset="0"/>
-                <a:cs typeface="Times New Roman" panose="02020603050405020304" pitchFamily="18" charset="0"/>
-              </a:rPr>
-              <a:t> é </a:t>
-            </a:r>
-            <a:r>
-              <a:rPr lang="pt-BR" sz="2200" dirty="0" err="1">
-                <a:solidFill>
-                  <a:srgbClr val="FF0000"/>
-                </a:solidFill>
-                <a:latin typeface="Times New Roman" panose="02020603050405020304" pitchFamily="18" charset="0"/>
-                <a:cs typeface="Times New Roman" panose="02020603050405020304" pitchFamily="18" charset="0"/>
-              </a:rPr>
-              <a:t>ECMAScript</a:t>
-            </a:r>
-            <a:r>
-              <a:rPr lang="pt-BR" sz="2200" dirty="0">
-                <a:latin typeface="Times New Roman" panose="02020603050405020304" pitchFamily="18" charset="0"/>
-                <a:cs typeface="Times New Roman" panose="02020603050405020304" pitchFamily="18" charset="0"/>
-              </a:rPr>
-              <a:t>. Desde 2012, todos os navegadores modernos possuem suporte total ao </a:t>
-            </a:r>
-            <a:r>
-              <a:rPr lang="pt-BR" sz="2200" dirty="0" err="1">
-                <a:latin typeface="Times New Roman" panose="02020603050405020304" pitchFamily="18" charset="0"/>
-                <a:cs typeface="Times New Roman" panose="02020603050405020304" pitchFamily="18" charset="0"/>
-              </a:rPr>
-              <a:t>ECMAScript</a:t>
-            </a:r>
-            <a:r>
-              <a:rPr lang="pt-BR" sz="2200" dirty="0">
-                <a:latin typeface="Times New Roman" panose="02020603050405020304" pitchFamily="18" charset="0"/>
-                <a:cs typeface="Times New Roman" panose="02020603050405020304" pitchFamily="18" charset="0"/>
-              </a:rPr>
-              <a:t> 5.1. </a:t>
-            </a:r>
-          </a:p>
-          <a:p>
-            <a:pPr marL="0" indent="0" algn="just">
-              <a:buNone/>
-            </a:pPr>
+              <a:rPr lang="fr-FR" sz="2400" dirty="0">
+                <a:solidFill>
+                  <a:schemeClr val="tx1"/>
+                </a:solidFill>
+                <a:latin typeface="Times New Roman" panose="02020603050405020304" pitchFamily="18" charset="0"/>
+                <a:cs typeface="Times New Roman" panose="02020603050405020304" pitchFamily="18" charset="0"/>
+              </a:rPr>
+              <a:t>font-family; font-style; font-size, color, text-align, padding, border, margin, width, backgroud, etc.</a:t>
+            </a:r>
             <a:endParaRPr lang="pt-BR" sz="2400" dirty="0">
               <a:latin typeface="Times New Roman" panose="02020603050405020304" pitchFamily="18" charset="0"/>
               <a:cs typeface="Times New Roman" panose="02020603050405020304" pitchFamily="18" charset="0"/>
@@ -4925,7 +5028,7 @@
     </p:spTree>
     <p:extLst>
       <p:ext uri="{BB962C8B-B14F-4D97-AF65-F5344CB8AC3E}">
-        <p14:creationId xmlns:p14="http://schemas.microsoft.com/office/powerpoint/2010/main" val="3307095565"/>
+        <p14:creationId xmlns:p14="http://schemas.microsoft.com/office/powerpoint/2010/main" val="1536760667"/>
       </p:ext>
     </p:extLst>
   </p:cSld>
@@ -5022,6 +5125,267 @@
         </p:nvSpPr>
         <p:spPr>
           <a:xfrm>
+            <a:off x="142865" y="1150047"/>
+            <a:ext cx="8865056" cy="3394472"/>
+          </a:xfrm>
+        </p:spPr>
+        <p:txBody>
+          <a:bodyPr>
+            <a:noAutofit/>
+          </a:bodyPr>
+          <a:lstStyle/>
+          <a:p>
+            <a:pPr marL="0" indent="0" algn="just">
+              <a:buNone/>
+            </a:pPr>
+            <a:r>
+              <a:rPr lang="pt-BR" sz="2200" dirty="0">
+                <a:latin typeface="Times New Roman" panose="02020603050405020304" pitchFamily="18" charset="0"/>
+                <a:cs typeface="Times New Roman" panose="02020603050405020304" pitchFamily="18" charset="0"/>
+              </a:rPr>
+              <a:t>O </a:t>
+            </a:r>
+            <a:r>
+              <a:rPr lang="pt-BR" sz="2200" b="1" dirty="0">
+                <a:latin typeface="Times New Roman" panose="02020603050405020304" pitchFamily="18" charset="0"/>
+                <a:cs typeface="Times New Roman" panose="02020603050405020304" pitchFamily="18" charset="0"/>
+              </a:rPr>
+              <a:t>JS</a:t>
+            </a:r>
+            <a:r>
+              <a:rPr lang="pt-BR" sz="2200" dirty="0">
+                <a:latin typeface="Times New Roman" panose="02020603050405020304" pitchFamily="18" charset="0"/>
+                <a:cs typeface="Times New Roman" panose="02020603050405020304" pitchFamily="18" charset="0"/>
+              </a:rPr>
+              <a:t> ou </a:t>
+            </a:r>
+            <a:r>
+              <a:rPr lang="pt-BR" sz="2200" b="1" dirty="0" err="1">
+                <a:latin typeface="Times New Roman" panose="02020603050405020304" pitchFamily="18" charset="0"/>
+                <a:cs typeface="Times New Roman" panose="02020603050405020304" pitchFamily="18" charset="0"/>
+              </a:rPr>
+              <a:t>JavaScript</a:t>
+            </a:r>
+            <a:r>
+              <a:rPr lang="pt-BR" sz="2200" dirty="0">
+                <a:latin typeface="Times New Roman" panose="02020603050405020304" pitchFamily="18" charset="0"/>
+                <a:cs typeface="Times New Roman" panose="02020603050405020304" pitchFamily="18" charset="0"/>
+              </a:rPr>
+              <a:t> é uma linguagem de programação de alto-nível, interpretada, e baseada em objetos com funções de primeira classe, mais conhecida como a linguagem de script para páginas Web. </a:t>
+            </a:r>
+          </a:p>
+          <a:p>
+            <a:pPr marL="0" indent="0" algn="just">
+              <a:buNone/>
+            </a:pPr>
+            <a:endParaRPr lang="pt-BR" sz="2200" dirty="0">
+              <a:latin typeface="Times New Roman" panose="02020603050405020304" pitchFamily="18" charset="0"/>
+              <a:cs typeface="Times New Roman" panose="02020603050405020304" pitchFamily="18" charset="0"/>
+            </a:endParaRPr>
+          </a:p>
+          <a:p>
+            <a:pPr marL="0" indent="0" algn="just">
+              <a:buNone/>
+            </a:pPr>
+            <a:r>
+              <a:rPr lang="pt-BR" sz="2200" dirty="0">
+                <a:latin typeface="Times New Roman" panose="02020603050405020304" pitchFamily="18" charset="0"/>
+                <a:cs typeface="Times New Roman" panose="02020603050405020304" pitchFamily="18" charset="0"/>
+              </a:rPr>
+              <a:t>Criada no meio da década de 90, mais precisamente em 1996 pelo lendário programador Brendan Eich que, além de criar o </a:t>
+            </a:r>
+            <a:r>
+              <a:rPr lang="pt-BR" sz="2200" dirty="0" err="1">
+                <a:latin typeface="Times New Roman" panose="02020603050405020304" pitchFamily="18" charset="0"/>
+                <a:cs typeface="Times New Roman" panose="02020603050405020304" pitchFamily="18" charset="0"/>
+              </a:rPr>
+              <a:t>JavaScript</a:t>
+            </a:r>
+            <a:r>
+              <a:rPr lang="pt-BR" sz="2200" dirty="0">
+                <a:latin typeface="Times New Roman" panose="02020603050405020304" pitchFamily="18" charset="0"/>
+                <a:cs typeface="Times New Roman" panose="02020603050405020304" pitchFamily="18" charset="0"/>
+              </a:rPr>
+              <a:t>, foi também um dos fundadores da Mozilla Corporation.</a:t>
+            </a:r>
+          </a:p>
+          <a:p>
+            <a:pPr marL="0" indent="0" algn="just">
+              <a:buNone/>
+            </a:pPr>
+            <a:endParaRPr lang="pt-BR" sz="2200" dirty="0">
+              <a:latin typeface="Times New Roman" panose="02020603050405020304" pitchFamily="18" charset="0"/>
+              <a:cs typeface="Times New Roman" panose="02020603050405020304" pitchFamily="18" charset="0"/>
+            </a:endParaRPr>
+          </a:p>
+          <a:p>
+            <a:pPr marL="0" indent="0" algn="just">
+              <a:buNone/>
+            </a:pPr>
+            <a:r>
+              <a:rPr lang="pt-BR" sz="2200" dirty="0">
+                <a:latin typeface="Times New Roman" panose="02020603050405020304" pitchFamily="18" charset="0"/>
+                <a:cs typeface="Times New Roman" panose="02020603050405020304" pitchFamily="18" charset="0"/>
+              </a:rPr>
+              <a:t>O padrão </a:t>
+            </a:r>
+            <a:r>
+              <a:rPr lang="pt-BR" sz="2200" dirty="0" err="1">
+                <a:latin typeface="Times New Roman" panose="02020603050405020304" pitchFamily="18" charset="0"/>
+                <a:cs typeface="Times New Roman" panose="02020603050405020304" pitchFamily="18" charset="0"/>
+              </a:rPr>
+              <a:t>JavaScript</a:t>
+            </a:r>
+            <a:r>
+              <a:rPr lang="pt-BR" sz="2200" dirty="0">
+                <a:latin typeface="Times New Roman" panose="02020603050405020304" pitchFamily="18" charset="0"/>
+                <a:cs typeface="Times New Roman" panose="02020603050405020304" pitchFamily="18" charset="0"/>
+              </a:rPr>
+              <a:t> é </a:t>
+            </a:r>
+            <a:r>
+              <a:rPr lang="pt-BR" sz="2200" b="1" dirty="0" err="1">
+                <a:solidFill>
+                  <a:srgbClr val="FF0000"/>
+                </a:solidFill>
+                <a:latin typeface="Times New Roman" panose="02020603050405020304" pitchFamily="18" charset="0"/>
+                <a:cs typeface="Times New Roman" panose="02020603050405020304" pitchFamily="18" charset="0"/>
+              </a:rPr>
+              <a:t>ECMAScript</a:t>
+            </a:r>
+            <a:r>
+              <a:rPr lang="pt-BR" sz="2200" dirty="0">
+                <a:latin typeface="Times New Roman" panose="02020603050405020304" pitchFamily="18" charset="0"/>
+                <a:cs typeface="Times New Roman" panose="02020603050405020304" pitchFamily="18" charset="0"/>
+              </a:rPr>
+              <a:t>. Desde 2012, todos os navegadores modernos possuem suporte total ao </a:t>
+            </a:r>
+            <a:r>
+              <a:rPr lang="pt-BR" sz="2200" dirty="0" err="1">
+                <a:latin typeface="Times New Roman" panose="02020603050405020304" pitchFamily="18" charset="0"/>
+                <a:cs typeface="Times New Roman" panose="02020603050405020304" pitchFamily="18" charset="0"/>
+              </a:rPr>
+              <a:t>ECMAScript</a:t>
+            </a:r>
+            <a:r>
+              <a:rPr lang="pt-BR" sz="2200" dirty="0">
+                <a:latin typeface="Times New Roman" panose="02020603050405020304" pitchFamily="18" charset="0"/>
+                <a:cs typeface="Times New Roman" panose="02020603050405020304" pitchFamily="18" charset="0"/>
+              </a:rPr>
+              <a:t> 5.1. </a:t>
+            </a:r>
+          </a:p>
+          <a:p>
+            <a:pPr marL="0" indent="0" algn="just">
+              <a:buNone/>
+            </a:pPr>
+            <a:endParaRPr lang="pt-BR" sz="2400" dirty="0">
+              <a:latin typeface="Times New Roman" panose="02020603050405020304" pitchFamily="18" charset="0"/>
+              <a:cs typeface="Times New Roman" panose="02020603050405020304" pitchFamily="18" charset="0"/>
+            </a:endParaRPr>
+          </a:p>
+        </p:txBody>
+      </p:sp>
+    </p:spTree>
+    <p:extLst>
+      <p:ext uri="{BB962C8B-B14F-4D97-AF65-F5344CB8AC3E}">
+        <p14:creationId xmlns:p14="http://schemas.microsoft.com/office/powerpoint/2010/main" val="3307095565"/>
+      </p:ext>
+    </p:extLst>
+  </p:cSld>
+  <p:clrMapOvr>
+    <a:masterClrMapping/>
+  </p:clrMapOvr>
+  <p:transition spd="med"/>
+</p:sld>
+</file>
+
+<file path=ppt/slides/slide13.xml><?xml version="1.0" encoding="utf-8"?>
+<p:sld xmlns:a="http://schemas.openxmlformats.org/drawingml/2006/main" xmlns:r="http://schemas.openxmlformats.org/officeDocument/2006/relationships" xmlns:p="http://schemas.openxmlformats.org/presentationml/2006/main">
+  <p:cSld>
+    <p:spTree>
+      <p:nvGrpSpPr>
+        <p:cNvPr id="1" name=""/>
+        <p:cNvGrpSpPr/>
+        <p:nvPr/>
+      </p:nvGrpSpPr>
+      <p:grpSpPr>
+        <a:xfrm>
+          <a:off x="0" y="0"/>
+          <a:ext cx="0" cy="0"/>
+          <a:chOff x="0" y="0"/>
+          <a:chExt cx="0" cy="0"/>
+        </a:xfrm>
+      </p:grpSpPr>
+      <p:sp>
+        <p:nvSpPr>
+          <p:cNvPr id="6" name="Title 1"/>
+          <p:cNvSpPr>
+            <a:spLocks noGrp="1"/>
+          </p:cNvSpPr>
+          <p:nvPr>
+            <p:ph type="title"/>
+          </p:nvPr>
+        </p:nvSpPr>
+        <p:spPr>
+          <a:xfrm>
+            <a:off x="457200" y="205980"/>
+            <a:ext cx="8229600" cy="857251"/>
+          </a:xfrm>
+        </p:spPr>
+        <p:txBody>
+          <a:bodyPr>
+            <a:normAutofit fontScale="90000"/>
+          </a:bodyPr>
+          <a:lstStyle/>
+          <a:p>
+            <a:r>
+              <a:rPr lang="en-US" b="1" dirty="0" err="1">
+                <a:solidFill>
+                  <a:srgbClr val="0070C0"/>
+                </a:solidFill>
+              </a:rPr>
+              <a:t>Caracterização</a:t>
+            </a:r>
+            <a:r>
+              <a:rPr lang="en-US" b="1" dirty="0">
+                <a:solidFill>
+                  <a:srgbClr val="0070C0"/>
+                </a:solidFill>
+              </a:rPr>
+              <a:t> </a:t>
+            </a:r>
+            <a:r>
+              <a:rPr lang="en-US" b="1" dirty="0" err="1">
+                <a:solidFill>
+                  <a:srgbClr val="0070C0"/>
+                </a:solidFill>
+              </a:rPr>
+              <a:t>Comportamento</a:t>
+            </a:r>
+            <a:r>
+              <a:rPr lang="en-US" b="1" dirty="0">
+                <a:solidFill>
+                  <a:srgbClr val="0070C0"/>
+                </a:solidFill>
+              </a:rPr>
+              <a:t> (JS)</a:t>
+            </a:r>
+          </a:p>
+        </p:txBody>
+      </p:sp>
+      <p:sp>
+        <p:nvSpPr>
+          <p:cNvPr id="8" name="Text Placeholder 2"/>
+          <p:cNvSpPr>
+            <a:spLocks noGrp="1"/>
+          </p:cNvSpPr>
+          <p:nvPr>
+            <p:ph type="body" sz="half" idx="1"/>
+          </p:nvPr>
+        </p:nvSpPr>
+        <p:spPr>
+          <a:xfrm>
             <a:off x="142865" y="1034135"/>
             <a:ext cx="8865056" cy="3903385"/>
           </a:xfrm>
@@ -5213,7 +5577,7 @@
 </p:sld>
 </file>
 
-<file path=ppt/slides/slide13.xml><?xml version="1.0" encoding="utf-8"?>
+<file path=ppt/slides/slide14.xml><?xml version="1.0" encoding="utf-8"?>
 <p:sld xmlns:a="http://schemas.openxmlformats.org/drawingml/2006/main" xmlns:r="http://schemas.openxmlformats.org/officeDocument/2006/relationships" xmlns:p="http://schemas.openxmlformats.org/presentationml/2006/main">
   <p:cSld>
     <p:spTree>
@@ -6140,192 +6504,6 @@
 </p:sld>
 </file>
 
-<file path=ppt/slides/slide14.xml><?xml version="1.0" encoding="utf-8"?>
-<p:sld xmlns:a="http://schemas.openxmlformats.org/drawingml/2006/main" xmlns:r="http://schemas.openxmlformats.org/officeDocument/2006/relationships" xmlns:p="http://schemas.openxmlformats.org/presentationml/2006/main">
-  <p:cSld>
-    <p:spTree>
-      <p:nvGrpSpPr>
-        <p:cNvPr id="1" name=""/>
-        <p:cNvGrpSpPr/>
-        <p:nvPr/>
-      </p:nvGrpSpPr>
-      <p:grpSpPr>
-        <a:xfrm>
-          <a:off x="0" y="0"/>
-          <a:ext cx="0" cy="0"/>
-          <a:chOff x="0" y="0"/>
-          <a:chExt cx="0" cy="0"/>
-        </a:xfrm>
-      </p:grpSpPr>
-      <p:sp>
-        <p:nvSpPr>
-          <p:cNvPr id="6" name="Title 1"/>
-          <p:cNvSpPr>
-            <a:spLocks noGrp="1"/>
-          </p:cNvSpPr>
-          <p:nvPr>
-            <p:ph type="title"/>
-          </p:nvPr>
-        </p:nvSpPr>
-        <p:spPr>
-          <a:xfrm>
-            <a:off x="457200" y="205980"/>
-            <a:ext cx="8229600" cy="857251"/>
-          </a:xfrm>
-        </p:spPr>
-        <p:txBody>
-          <a:bodyPr/>
-          <a:lstStyle/>
-          <a:p>
-            <a:r>
-              <a:rPr lang="en-US" b="1" dirty="0" err="1">
-                <a:solidFill>
-                  <a:srgbClr val="0070C0"/>
-                </a:solidFill>
-              </a:rPr>
-              <a:t>Vantagens</a:t>
-            </a:r>
-            <a:r>
-              <a:rPr lang="en-US" b="1" dirty="0">
-                <a:solidFill>
-                  <a:srgbClr val="0070C0"/>
-                </a:solidFill>
-              </a:rPr>
-              <a:t>/</a:t>
-            </a:r>
-            <a:r>
-              <a:rPr lang="en-US" b="1" dirty="0" err="1">
-                <a:solidFill>
-                  <a:srgbClr val="0070C0"/>
-                </a:solidFill>
-              </a:rPr>
-              <a:t>Desvantagens</a:t>
-            </a:r>
-            <a:endParaRPr lang="en-US" b="1" dirty="0">
-              <a:solidFill>
-                <a:srgbClr val="0070C0"/>
-              </a:solidFill>
-            </a:endParaRPr>
-          </a:p>
-        </p:txBody>
-      </p:sp>
-      <p:sp>
-        <p:nvSpPr>
-          <p:cNvPr id="8" name="Text Placeholder 2"/>
-          <p:cNvSpPr>
-            <a:spLocks noGrp="1"/>
-          </p:cNvSpPr>
-          <p:nvPr>
-            <p:ph type="body" sz="half" idx="1"/>
-          </p:nvPr>
-        </p:nvSpPr>
-        <p:spPr>
-          <a:xfrm>
-            <a:off x="142865" y="1200151"/>
-            <a:ext cx="8865056" cy="3394472"/>
-          </a:xfrm>
-        </p:spPr>
-        <p:txBody>
-          <a:bodyPr>
-            <a:noAutofit/>
-          </a:bodyPr>
-          <a:lstStyle/>
-          <a:p>
-            <a:pPr marL="0" indent="0" algn="just">
-              <a:buNone/>
-            </a:pPr>
-            <a:r>
-              <a:rPr lang="pt-BR" sz="2400" b="1" u="sng" dirty="0">
-                <a:solidFill>
-                  <a:srgbClr val="FF0000"/>
-                </a:solidFill>
-                <a:latin typeface="Times New Roman" panose="02020603050405020304" pitchFamily="18" charset="0"/>
-                <a:cs typeface="Times New Roman" panose="02020603050405020304" pitchFamily="18" charset="0"/>
-              </a:rPr>
-              <a:t>Algumas Vantagens</a:t>
-            </a:r>
-          </a:p>
-          <a:p>
-            <a:pPr marL="0" indent="0" algn="just">
-              <a:buNone/>
-            </a:pPr>
-            <a:r>
-              <a:rPr lang="pt-BR" sz="2400" dirty="0">
-                <a:latin typeface="Times New Roman" panose="02020603050405020304" pitchFamily="18" charset="0"/>
-                <a:cs typeface="Times New Roman" panose="02020603050405020304" pitchFamily="18" charset="0"/>
-              </a:rPr>
-              <a:t>Mobilidade, redução de custo em hardware/software,  segurança, flexibilidade, atualizações, escalabilidade/elasticidade, multiplataforma, interoperabilidade, etc.</a:t>
-            </a:r>
-          </a:p>
-          <a:p>
-            <a:pPr marL="0" indent="0" algn="just">
-              <a:buNone/>
-            </a:pPr>
-            <a:endParaRPr lang="pt-BR" sz="2400" dirty="0">
-              <a:latin typeface="Times New Roman" panose="02020603050405020304" pitchFamily="18" charset="0"/>
-              <a:cs typeface="Times New Roman" panose="02020603050405020304" pitchFamily="18" charset="0"/>
-            </a:endParaRPr>
-          </a:p>
-          <a:p>
-            <a:pPr marL="0" indent="0" algn="just">
-              <a:buNone/>
-            </a:pPr>
-            <a:r>
-              <a:rPr lang="pt-BR" sz="2400" b="1" u="sng" dirty="0">
-                <a:solidFill>
-                  <a:srgbClr val="FF0000"/>
-                </a:solidFill>
-                <a:latin typeface="Times New Roman" panose="02020603050405020304" pitchFamily="18" charset="0"/>
-                <a:cs typeface="Times New Roman" panose="02020603050405020304" pitchFamily="18" charset="0"/>
-              </a:rPr>
-              <a:t>Algumas Desvantagens</a:t>
-            </a:r>
-            <a:endParaRPr lang="pt-BR" sz="2400" dirty="0">
-              <a:latin typeface="Times New Roman" panose="02020603050405020304" pitchFamily="18" charset="0"/>
-              <a:cs typeface="Times New Roman" panose="02020603050405020304" pitchFamily="18" charset="0"/>
-            </a:endParaRPr>
-          </a:p>
-          <a:p>
-            <a:pPr marL="0" indent="0" algn="just">
-              <a:buNone/>
-            </a:pPr>
-            <a:r>
-              <a:rPr lang="pt-BR" sz="2400" dirty="0">
-                <a:latin typeface="Times New Roman" panose="02020603050405020304" pitchFamily="18" charset="0"/>
-                <a:cs typeface="Times New Roman" panose="02020603050405020304" pitchFamily="18" charset="0"/>
-              </a:rPr>
-              <a:t>Site não responde, conexão com a Internet é obrigatória.</a:t>
-            </a:r>
-          </a:p>
-          <a:p>
-            <a:pPr algn="just">
-              <a:buFont typeface="Wingdings" panose="05000000000000000000" pitchFamily="2" charset="2"/>
-              <a:buChar char="ü"/>
-            </a:pPr>
-            <a:endParaRPr lang="pt-BR" sz="2400" dirty="0">
-              <a:solidFill>
-                <a:schemeClr val="tx1"/>
-              </a:solidFill>
-              <a:latin typeface="Times New Roman" panose="02020603050405020304" pitchFamily="18" charset="0"/>
-              <a:cs typeface="Times New Roman" panose="02020603050405020304" pitchFamily="18" charset="0"/>
-            </a:endParaRPr>
-          </a:p>
-        </p:txBody>
-      </p:sp>
-    </p:spTree>
-    <p:extLst>
-      <p:ext uri="{BB962C8B-B14F-4D97-AF65-F5344CB8AC3E}">
-        <p14:creationId xmlns:p14="http://schemas.microsoft.com/office/powerpoint/2010/main" val="124425013"/>
-      </p:ext>
-    </p:extLst>
-  </p:cSld>
-  <p:clrMapOvr>
-    <a:masterClrMapping/>
-  </p:clrMapOvr>
-  <p:transition spd="med"/>
-</p:sld>
-</file>
-
 <file path=ppt/slides/slide15.xml><?xml version="1.0" encoding="utf-8"?>
 <p:sld xmlns:a="http://schemas.openxmlformats.org/drawingml/2006/main" xmlns:r="http://schemas.openxmlformats.org/officeDocument/2006/relationships" xmlns:p="http://schemas.openxmlformats.org/presentationml/2006/main">
   <p:cSld>
@@ -6369,7 +6547,7 @@
                   <a:srgbClr val="0070C0"/>
                 </a:solidFill>
               </a:rPr>
-              <a:t>Contextualização</a:t>
+              <a:t>Vantagens</a:t>
             </a:r>
             <a:r>
               <a:rPr lang="en-US" b="1" dirty="0">
@@ -6377,7 +6555,7 @@
                   <a:srgbClr val="0070C0"/>
                 </a:solidFill>
               </a:rPr>
-              <a:t> (</a:t>
+              <a:t>/</a:t>
             </a:r>
             <a:r>
               <a:rPr lang="en-US" b="1" dirty="0" err="1">
@@ -6385,16 +6563,13 @@
                   <a:srgbClr val="0070C0"/>
                 </a:solidFill>
               </a:rPr>
-              <a:t>Profissionais</a:t>
-            </a:r>
-            <a:r>
-              <a:rPr lang="en-US" b="1" dirty="0">
-                <a:solidFill>
-                  <a:srgbClr val="0070C0"/>
-                </a:solidFill>
-              </a:rPr>
-              <a:t>)</a:t>
-            </a:r>
+              <a:t>Desvantagens</a:t>
+            </a:r>
+            <a:endParaRPr lang="en-US" b="1" dirty="0">
+              <a:solidFill>
+                <a:srgbClr val="0070C0"/>
+              </a:solidFill>
+            </a:endParaRPr>
           </a:p>
         </p:txBody>
       </p:sp>
@@ -6420,234 +6595,76 @@
           </a:bodyPr>
           <a:lstStyle/>
           <a:p>
+            <a:pPr marL="0" indent="0" algn="just">
+              <a:buNone/>
+            </a:pPr>
+            <a:r>
+              <a:rPr lang="pt-BR" sz="2400" b="1" u="sng" dirty="0">
+                <a:solidFill>
+                  <a:srgbClr val="FF0000"/>
+                </a:solidFill>
+                <a:latin typeface="Times New Roman" panose="02020603050405020304" pitchFamily="18" charset="0"/>
+                <a:cs typeface="Times New Roman" panose="02020603050405020304" pitchFamily="18" charset="0"/>
+              </a:rPr>
+              <a:t>Algumas Vantagens</a:t>
+            </a:r>
+          </a:p>
+          <a:p>
+            <a:pPr marL="0" indent="0" algn="just">
+              <a:buNone/>
+            </a:pPr>
+            <a:r>
+              <a:rPr lang="pt-BR" sz="2400" dirty="0">
+                <a:latin typeface="Times New Roman" panose="02020603050405020304" pitchFamily="18" charset="0"/>
+                <a:cs typeface="Times New Roman" panose="02020603050405020304" pitchFamily="18" charset="0"/>
+              </a:rPr>
+              <a:t>Mobilidade, redução de custo em hardware/software,  segurança, flexibilidade, atualizações, escalabilidade/elasticidade, multiplataforma, interoperabilidade, etc.</a:t>
+            </a:r>
+          </a:p>
+          <a:p>
+            <a:pPr marL="0" indent="0" algn="just">
+              <a:buNone/>
+            </a:pPr>
+            <a:endParaRPr lang="pt-BR" sz="2400" dirty="0">
+              <a:latin typeface="Times New Roman" panose="02020603050405020304" pitchFamily="18" charset="0"/>
+              <a:cs typeface="Times New Roman" panose="02020603050405020304" pitchFamily="18" charset="0"/>
+            </a:endParaRPr>
+          </a:p>
+          <a:p>
+            <a:pPr marL="0" indent="0" algn="just">
+              <a:buNone/>
+            </a:pPr>
+            <a:r>
+              <a:rPr lang="pt-BR" sz="2400" b="1" u="sng" dirty="0">
+                <a:solidFill>
+                  <a:srgbClr val="FF0000"/>
+                </a:solidFill>
+                <a:latin typeface="Times New Roman" panose="02020603050405020304" pitchFamily="18" charset="0"/>
+                <a:cs typeface="Times New Roman" panose="02020603050405020304" pitchFamily="18" charset="0"/>
+              </a:rPr>
+              <a:t>Algumas Desvantagens</a:t>
+            </a:r>
+            <a:endParaRPr lang="pt-BR" sz="2400" dirty="0">
+              <a:latin typeface="Times New Roman" panose="02020603050405020304" pitchFamily="18" charset="0"/>
+              <a:cs typeface="Times New Roman" panose="02020603050405020304" pitchFamily="18" charset="0"/>
+            </a:endParaRPr>
+          </a:p>
+          <a:p>
+            <a:pPr marL="0" indent="0" algn="just">
+              <a:buNone/>
+            </a:pPr>
+            <a:r>
+              <a:rPr lang="pt-BR" sz="2400" dirty="0">
+                <a:latin typeface="Times New Roman" panose="02020603050405020304" pitchFamily="18" charset="0"/>
+                <a:cs typeface="Times New Roman" panose="02020603050405020304" pitchFamily="18" charset="0"/>
+              </a:rPr>
+              <a:t>Site não responde, conexão com a Internet é obrigatória.</a:t>
+            </a:r>
+          </a:p>
+          <a:p>
             <a:pPr algn="just">
               <a:buFont typeface="Wingdings" panose="05000000000000000000" pitchFamily="2" charset="2"/>
               <a:buChar char="ü"/>
-            </a:pPr>
-            <a:r>
-              <a:rPr lang="pt-BR" sz="2400" b="1" dirty="0" err="1">
-                <a:latin typeface="Times New Roman" panose="02020603050405020304" pitchFamily="18" charset="0"/>
-                <a:cs typeface="Times New Roman" panose="02020603050405020304" pitchFamily="18" charset="0"/>
-              </a:rPr>
-              <a:t>Frontend</a:t>
-            </a:r>
-            <a:r>
-              <a:rPr lang="pt-BR" sz="2400" dirty="0">
-                <a:latin typeface="Times New Roman" panose="02020603050405020304" pitchFamily="18" charset="0"/>
-                <a:cs typeface="Times New Roman" panose="02020603050405020304" pitchFamily="18" charset="0"/>
-              </a:rPr>
-              <a:t> - Responsável pela interface visual;</a:t>
-            </a:r>
-          </a:p>
-          <a:p>
-            <a:pPr algn="just">
-              <a:buFont typeface="Wingdings" panose="05000000000000000000" pitchFamily="2" charset="2"/>
-              <a:buChar char="ü"/>
-            </a:pPr>
-            <a:r>
-              <a:rPr lang="pt-BR" sz="2400" b="1" dirty="0" err="1">
-                <a:solidFill>
-                  <a:schemeClr val="tx1"/>
-                </a:solidFill>
-                <a:latin typeface="Times New Roman" panose="02020603050405020304" pitchFamily="18" charset="0"/>
-                <a:cs typeface="Times New Roman" panose="02020603050405020304" pitchFamily="18" charset="0"/>
-              </a:rPr>
-              <a:t>Backend</a:t>
-            </a:r>
-            <a:r>
-              <a:rPr lang="pt-BR" sz="2400" dirty="0">
-                <a:solidFill>
-                  <a:schemeClr val="tx1"/>
-                </a:solidFill>
-                <a:latin typeface="Times New Roman" panose="02020603050405020304" pitchFamily="18" charset="0"/>
-                <a:cs typeface="Times New Roman" panose="02020603050405020304" pitchFamily="18" charset="0"/>
-              </a:rPr>
-              <a:t> - Responsável pela lógica e infraestrutura;</a:t>
-            </a:r>
-          </a:p>
-          <a:p>
-            <a:pPr algn="just">
-              <a:buFont typeface="Wingdings" panose="05000000000000000000" pitchFamily="2" charset="2"/>
-              <a:buChar char="ü"/>
-            </a:pPr>
-            <a:r>
-              <a:rPr lang="pt-BR" sz="2400" b="1" dirty="0">
-                <a:solidFill>
-                  <a:schemeClr val="tx1"/>
-                </a:solidFill>
-                <a:latin typeface="Times New Roman" panose="02020603050405020304" pitchFamily="18" charset="0"/>
-                <a:cs typeface="Times New Roman" panose="02020603050405020304" pitchFamily="18" charset="0"/>
-              </a:rPr>
-              <a:t>Full </a:t>
-            </a:r>
-            <a:r>
-              <a:rPr lang="pt-BR" sz="2400" b="1" dirty="0" err="1">
-                <a:solidFill>
-                  <a:schemeClr val="tx1"/>
-                </a:solidFill>
-                <a:latin typeface="Times New Roman" panose="02020603050405020304" pitchFamily="18" charset="0"/>
-                <a:cs typeface="Times New Roman" panose="02020603050405020304" pitchFamily="18" charset="0"/>
-              </a:rPr>
-              <a:t>Stack</a:t>
-            </a:r>
-            <a:r>
-              <a:rPr lang="pt-BR" sz="2400" b="1" dirty="0">
-                <a:solidFill>
-                  <a:schemeClr val="tx1"/>
-                </a:solidFill>
-                <a:latin typeface="Times New Roman" panose="02020603050405020304" pitchFamily="18" charset="0"/>
-                <a:cs typeface="Times New Roman" panose="02020603050405020304" pitchFamily="18" charset="0"/>
-              </a:rPr>
-              <a:t> </a:t>
-            </a:r>
-            <a:r>
-              <a:rPr lang="pt-BR" sz="2400" dirty="0">
-                <a:solidFill>
-                  <a:schemeClr val="tx1"/>
-                </a:solidFill>
-                <a:latin typeface="Times New Roman" panose="02020603050405020304" pitchFamily="18" charset="0"/>
-                <a:cs typeface="Times New Roman" panose="02020603050405020304" pitchFamily="18" charset="0"/>
-              </a:rPr>
-              <a:t>- Desenvolvedor de pilha completa, alguém que trabalha com o front-</a:t>
-            </a:r>
-            <a:r>
-              <a:rPr lang="pt-BR" sz="2400" dirty="0" err="1">
-                <a:solidFill>
-                  <a:schemeClr val="tx1"/>
-                </a:solidFill>
-                <a:latin typeface="Times New Roman" panose="02020603050405020304" pitchFamily="18" charset="0"/>
-                <a:cs typeface="Times New Roman" panose="02020603050405020304" pitchFamily="18" charset="0"/>
-              </a:rPr>
-              <a:t>end</a:t>
-            </a:r>
-            <a:r>
-              <a:rPr lang="pt-BR" sz="2400" dirty="0">
-                <a:solidFill>
-                  <a:schemeClr val="tx1"/>
-                </a:solidFill>
-                <a:latin typeface="Times New Roman" panose="02020603050405020304" pitchFamily="18" charset="0"/>
-                <a:cs typeface="Times New Roman" panose="02020603050405020304" pitchFamily="18" charset="0"/>
-              </a:rPr>
-              <a:t> e o </a:t>
-            </a:r>
-            <a:r>
-              <a:rPr lang="pt-BR" sz="2400" dirty="0" err="1">
-                <a:solidFill>
-                  <a:schemeClr val="tx1"/>
-                </a:solidFill>
-                <a:latin typeface="Times New Roman" panose="02020603050405020304" pitchFamily="18" charset="0"/>
-                <a:cs typeface="Times New Roman" panose="02020603050405020304" pitchFamily="18" charset="0"/>
-              </a:rPr>
-              <a:t>back-end</a:t>
-            </a:r>
-            <a:r>
-              <a:rPr lang="pt-BR" sz="2400" dirty="0">
-                <a:solidFill>
-                  <a:schemeClr val="tx1"/>
-                </a:solidFill>
-                <a:latin typeface="Times New Roman" panose="02020603050405020304" pitchFamily="18" charset="0"/>
-                <a:cs typeface="Times New Roman" panose="02020603050405020304" pitchFamily="18" charset="0"/>
-              </a:rPr>
-              <a:t>;</a:t>
-            </a:r>
-          </a:p>
-          <a:p>
-            <a:pPr algn="just">
-              <a:buFont typeface="Wingdings" panose="05000000000000000000" pitchFamily="2" charset="2"/>
-              <a:buChar char="ü"/>
-            </a:pPr>
-            <a:r>
-              <a:rPr lang="pt-BR" sz="2400" b="1" dirty="0">
-                <a:solidFill>
-                  <a:srgbClr val="FF0000"/>
-                </a:solidFill>
-                <a:latin typeface="Times New Roman" panose="02020603050405020304" pitchFamily="18" charset="0"/>
-                <a:cs typeface="Times New Roman" panose="02020603050405020304" pitchFamily="18" charset="0"/>
-              </a:rPr>
-              <a:t>Full </a:t>
-            </a:r>
-            <a:r>
-              <a:rPr lang="pt-BR" sz="2400" b="1" dirty="0" err="1">
-                <a:solidFill>
-                  <a:srgbClr val="FF0000"/>
-                </a:solidFill>
-                <a:latin typeface="Times New Roman" panose="02020603050405020304" pitchFamily="18" charset="0"/>
-                <a:cs typeface="Times New Roman" panose="02020603050405020304" pitchFamily="18" charset="0"/>
-              </a:rPr>
-              <a:t>Cycle</a:t>
-            </a:r>
-            <a:r>
-              <a:rPr lang="pt-BR" sz="2400" b="1" dirty="0">
-                <a:solidFill>
-                  <a:srgbClr val="FF0000"/>
-                </a:solidFill>
-                <a:latin typeface="Times New Roman" panose="02020603050405020304" pitchFamily="18" charset="0"/>
-                <a:cs typeface="Times New Roman" panose="02020603050405020304" pitchFamily="18" charset="0"/>
-              </a:rPr>
-              <a:t> </a:t>
-            </a:r>
-            <a:r>
-              <a:rPr lang="pt-BR" sz="2400" dirty="0">
-                <a:solidFill>
-                  <a:srgbClr val="FF0000"/>
-                </a:solidFill>
-                <a:latin typeface="Times New Roman" panose="02020603050405020304" pitchFamily="18" charset="0"/>
-                <a:cs typeface="Times New Roman" panose="02020603050405020304" pitchFamily="18" charset="0"/>
-              </a:rPr>
-              <a:t>- Engenheiro que pode dar conta no projeto de SI.</a:t>
-            </a:r>
-          </a:p>
-          <a:p>
-            <a:pPr marL="0" indent="0" algn="just">
-              <a:buNone/>
-            </a:pPr>
-            <a:r>
-              <a:rPr lang="pt-BR" sz="2400" dirty="0">
-                <a:solidFill>
-                  <a:schemeClr val="tx1"/>
-                </a:solidFill>
-                <a:latin typeface="Times New Roman" panose="02020603050405020304" pitchFamily="18" charset="0"/>
-                <a:cs typeface="Times New Roman" panose="02020603050405020304" pitchFamily="18" charset="0"/>
-              </a:rPr>
-              <a:t>    (Requisitos, desenvolvimento, teste, implantação e operações)</a:t>
-            </a:r>
-          </a:p>
-          <a:p>
-            <a:pPr marL="0" indent="0" algn="just">
-              <a:buNone/>
-            </a:pPr>
-            <a:r>
-              <a:rPr lang="pt-BR" sz="2400" dirty="0">
-                <a:solidFill>
-                  <a:schemeClr val="tx1"/>
-                </a:solidFill>
-                <a:latin typeface="Times New Roman" panose="02020603050405020304" pitchFamily="18" charset="0"/>
-                <a:cs typeface="Times New Roman" panose="02020603050405020304" pitchFamily="18" charset="0"/>
-              </a:rPr>
-              <a:t>	</a:t>
-            </a:r>
-            <a:r>
-              <a:rPr lang="pt-BR" sz="2400" dirty="0">
-                <a:solidFill>
-                  <a:schemeClr val="tx1"/>
-                </a:solidFill>
-                <a:latin typeface="Times New Roman" panose="02020603050405020304" pitchFamily="18" charset="0"/>
-                <a:cs typeface="Times New Roman" panose="02020603050405020304" pitchFamily="18" charset="0"/>
-                <a:hlinkClick r:id="rId3"/>
-              </a:rPr>
-              <a:t>https://imasters.com.br/desenvolvimento/full-stack-vs-full-cycle-developer</a:t>
-            </a:r>
-            <a:endParaRPr lang="pt-BR" sz="2400" dirty="0">
-              <a:solidFill>
-                <a:schemeClr val="tx1"/>
-              </a:solidFill>
-              <a:latin typeface="Times New Roman" panose="02020603050405020304" pitchFamily="18" charset="0"/>
-              <a:cs typeface="Times New Roman" panose="02020603050405020304" pitchFamily="18" charset="0"/>
-            </a:endParaRPr>
-          </a:p>
-          <a:p>
-            <a:pPr marL="0" indent="0" algn="just">
-              <a:buNone/>
             </a:pPr>
             <a:endParaRPr lang="pt-BR" sz="2400" dirty="0">
               <a:solidFill>
@@ -6662,7 +6679,7 @@
     </p:spTree>
     <p:extLst>
       <p:ext uri="{BB962C8B-B14F-4D97-AF65-F5344CB8AC3E}">
-        <p14:creationId xmlns:p14="http://schemas.microsoft.com/office/powerpoint/2010/main" val="2959652164"/>
+        <p14:creationId xmlns:p14="http://schemas.microsoft.com/office/powerpoint/2010/main" val="124425013"/>
       </p:ext>
     </p:extLst>
   </p:cSld>
@@ -6707,9 +6724,7 @@
           </a:xfrm>
         </p:spPr>
         <p:txBody>
-          <a:bodyPr>
-            <a:normAutofit/>
-          </a:bodyPr>
+          <a:bodyPr/>
           <a:lstStyle/>
           <a:p>
             <a:r>
@@ -6718,7 +6733,7 @@
                   <a:srgbClr val="0070C0"/>
                 </a:solidFill>
               </a:rPr>
-              <a:t>Leitura</a:t>
+              <a:t>Contextualização</a:t>
             </a:r>
             <a:r>
               <a:rPr lang="en-US" b="1" dirty="0">
@@ -6726,7 +6741,7 @@
                   <a:srgbClr val="0070C0"/>
                 </a:solidFill>
               </a:rPr>
-              <a:t> </a:t>
+              <a:t> (</a:t>
             </a:r>
             <a:r>
               <a:rPr lang="en-US" b="1" dirty="0" err="1">
@@ -6734,13 +6749,16 @@
                   <a:srgbClr val="0070C0"/>
                 </a:solidFill>
               </a:rPr>
-              <a:t>Específica</a:t>
-            </a:r>
-            <a:endParaRPr lang="en-US" b="1" dirty="0">
-              <a:solidFill>
-                <a:srgbClr val="0070C0"/>
-              </a:solidFill>
-            </a:endParaRPr>
+              <a:t>Profissionais</a:t>
+            </a:r>
+            <a:r>
+              <a:rPr lang="en-US" b="1" dirty="0">
+                <a:solidFill>
+                  <a:srgbClr val="0070C0"/>
+                </a:solidFill>
+              </a:rPr>
+              <a:t>)</a:t>
+            </a:r>
           </a:p>
         </p:txBody>
       </p:sp>
@@ -6756,7 +6774,7 @@
         </p:nvSpPr>
         <p:spPr>
           <a:xfrm>
-            <a:off x="142865" y="1012261"/>
+            <a:off x="142865" y="1200151"/>
             <a:ext cx="8865056" cy="3394472"/>
           </a:xfrm>
         </p:spPr>
@@ -6766,29 +6784,196 @@
           </a:bodyPr>
           <a:lstStyle/>
           <a:p>
+            <a:pPr algn="just">
+              <a:buFont typeface="Wingdings" panose="05000000000000000000" pitchFamily="2" charset="2"/>
+              <a:buChar char="ü"/>
+            </a:pPr>
+            <a:r>
+              <a:rPr lang="pt-BR" sz="2400" b="1" dirty="0" err="1">
+                <a:latin typeface="Times New Roman" panose="02020603050405020304" pitchFamily="18" charset="0"/>
+                <a:cs typeface="Times New Roman" panose="02020603050405020304" pitchFamily="18" charset="0"/>
+              </a:rPr>
+              <a:t>Frontend</a:t>
+            </a:r>
+            <a:r>
+              <a:rPr lang="pt-BR" sz="2400" dirty="0">
+                <a:latin typeface="Times New Roman" panose="02020603050405020304" pitchFamily="18" charset="0"/>
+                <a:cs typeface="Times New Roman" panose="02020603050405020304" pitchFamily="18" charset="0"/>
+              </a:rPr>
+              <a:t> - Responsável pela interface visual;</a:t>
+            </a:r>
+          </a:p>
+          <a:p>
+            <a:pPr algn="just">
+              <a:buFont typeface="Wingdings" panose="05000000000000000000" pitchFamily="2" charset="2"/>
+              <a:buChar char="ü"/>
+            </a:pPr>
+            <a:r>
+              <a:rPr lang="pt-BR" sz="2400" b="1" dirty="0" err="1">
+                <a:solidFill>
+                  <a:schemeClr val="tx1"/>
+                </a:solidFill>
+                <a:latin typeface="Times New Roman" panose="02020603050405020304" pitchFamily="18" charset="0"/>
+                <a:cs typeface="Times New Roman" panose="02020603050405020304" pitchFamily="18" charset="0"/>
+              </a:rPr>
+              <a:t>Backend</a:t>
+            </a:r>
+            <a:r>
+              <a:rPr lang="pt-BR" sz="2400" dirty="0">
+                <a:solidFill>
+                  <a:schemeClr val="tx1"/>
+                </a:solidFill>
+                <a:latin typeface="Times New Roman" panose="02020603050405020304" pitchFamily="18" charset="0"/>
+                <a:cs typeface="Times New Roman" panose="02020603050405020304" pitchFamily="18" charset="0"/>
+              </a:rPr>
+              <a:t> - Responsável pela lógica e infraestrutura;</a:t>
+            </a:r>
+          </a:p>
+          <a:p>
+            <a:pPr algn="just">
+              <a:buFont typeface="Wingdings" panose="05000000000000000000" pitchFamily="2" charset="2"/>
+              <a:buChar char="ü"/>
+            </a:pPr>
+            <a:r>
+              <a:rPr lang="pt-BR" sz="2400" b="1" dirty="0">
+                <a:solidFill>
+                  <a:schemeClr val="tx1"/>
+                </a:solidFill>
+                <a:latin typeface="Times New Roman" panose="02020603050405020304" pitchFamily="18" charset="0"/>
+                <a:cs typeface="Times New Roman" panose="02020603050405020304" pitchFamily="18" charset="0"/>
+              </a:rPr>
+              <a:t>Full </a:t>
+            </a:r>
+            <a:r>
+              <a:rPr lang="pt-BR" sz="2400" b="1" dirty="0" err="1">
+                <a:solidFill>
+                  <a:schemeClr val="tx1"/>
+                </a:solidFill>
+                <a:latin typeface="Times New Roman" panose="02020603050405020304" pitchFamily="18" charset="0"/>
+                <a:cs typeface="Times New Roman" panose="02020603050405020304" pitchFamily="18" charset="0"/>
+              </a:rPr>
+              <a:t>Stack</a:t>
+            </a:r>
+            <a:r>
+              <a:rPr lang="pt-BR" sz="2400" b="1" dirty="0">
+                <a:solidFill>
+                  <a:schemeClr val="tx1"/>
+                </a:solidFill>
+                <a:latin typeface="Times New Roman" panose="02020603050405020304" pitchFamily="18" charset="0"/>
+                <a:cs typeface="Times New Roman" panose="02020603050405020304" pitchFamily="18" charset="0"/>
+              </a:rPr>
+              <a:t> </a:t>
+            </a:r>
+            <a:r>
+              <a:rPr lang="pt-BR" sz="2400" dirty="0">
+                <a:solidFill>
+                  <a:schemeClr val="tx1"/>
+                </a:solidFill>
+                <a:latin typeface="Times New Roman" panose="02020603050405020304" pitchFamily="18" charset="0"/>
+                <a:cs typeface="Times New Roman" panose="02020603050405020304" pitchFamily="18" charset="0"/>
+              </a:rPr>
+              <a:t>- Desenvolvedor de pilha completa, alguém que trabalha com o front-</a:t>
+            </a:r>
+            <a:r>
+              <a:rPr lang="pt-BR" sz="2400" dirty="0" err="1">
+                <a:solidFill>
+                  <a:schemeClr val="tx1"/>
+                </a:solidFill>
+                <a:latin typeface="Times New Roman" panose="02020603050405020304" pitchFamily="18" charset="0"/>
+                <a:cs typeface="Times New Roman" panose="02020603050405020304" pitchFamily="18" charset="0"/>
+              </a:rPr>
+              <a:t>end</a:t>
+            </a:r>
+            <a:r>
+              <a:rPr lang="pt-BR" sz="2400" dirty="0">
+                <a:solidFill>
+                  <a:schemeClr val="tx1"/>
+                </a:solidFill>
+                <a:latin typeface="Times New Roman" panose="02020603050405020304" pitchFamily="18" charset="0"/>
+                <a:cs typeface="Times New Roman" panose="02020603050405020304" pitchFamily="18" charset="0"/>
+              </a:rPr>
+              <a:t> e o </a:t>
+            </a:r>
+            <a:r>
+              <a:rPr lang="pt-BR" sz="2400" dirty="0" err="1">
+                <a:solidFill>
+                  <a:schemeClr val="tx1"/>
+                </a:solidFill>
+                <a:latin typeface="Times New Roman" panose="02020603050405020304" pitchFamily="18" charset="0"/>
+                <a:cs typeface="Times New Roman" panose="02020603050405020304" pitchFamily="18" charset="0"/>
+              </a:rPr>
+              <a:t>back-end</a:t>
+            </a:r>
+            <a:r>
+              <a:rPr lang="pt-BR" sz="2400" dirty="0">
+                <a:solidFill>
+                  <a:schemeClr val="tx1"/>
+                </a:solidFill>
+                <a:latin typeface="Times New Roman" panose="02020603050405020304" pitchFamily="18" charset="0"/>
+                <a:cs typeface="Times New Roman" panose="02020603050405020304" pitchFamily="18" charset="0"/>
+              </a:rPr>
+              <a:t>;</a:t>
+            </a:r>
+          </a:p>
+          <a:p>
+            <a:pPr algn="just">
+              <a:buFont typeface="Wingdings" panose="05000000000000000000" pitchFamily="2" charset="2"/>
+              <a:buChar char="ü"/>
+            </a:pPr>
+            <a:r>
+              <a:rPr lang="pt-BR" sz="2400" b="1" dirty="0">
+                <a:solidFill>
+                  <a:srgbClr val="FF0000"/>
+                </a:solidFill>
+                <a:latin typeface="Times New Roman" panose="02020603050405020304" pitchFamily="18" charset="0"/>
+                <a:cs typeface="Times New Roman" panose="02020603050405020304" pitchFamily="18" charset="0"/>
+              </a:rPr>
+              <a:t>Full </a:t>
+            </a:r>
+            <a:r>
+              <a:rPr lang="pt-BR" sz="2400" b="1" dirty="0" err="1">
+                <a:solidFill>
+                  <a:srgbClr val="FF0000"/>
+                </a:solidFill>
+                <a:latin typeface="Times New Roman" panose="02020603050405020304" pitchFamily="18" charset="0"/>
+                <a:cs typeface="Times New Roman" panose="02020603050405020304" pitchFamily="18" charset="0"/>
+              </a:rPr>
+              <a:t>Cycle</a:t>
+            </a:r>
+            <a:r>
+              <a:rPr lang="pt-BR" sz="2400" b="1" dirty="0">
+                <a:solidFill>
+                  <a:srgbClr val="FF0000"/>
+                </a:solidFill>
+                <a:latin typeface="Times New Roman" panose="02020603050405020304" pitchFamily="18" charset="0"/>
+                <a:cs typeface="Times New Roman" panose="02020603050405020304" pitchFamily="18" charset="0"/>
+              </a:rPr>
+              <a:t> </a:t>
+            </a:r>
+            <a:r>
+              <a:rPr lang="pt-BR" sz="2400" dirty="0">
+                <a:solidFill>
+                  <a:srgbClr val="FF0000"/>
+                </a:solidFill>
+                <a:latin typeface="Times New Roman" panose="02020603050405020304" pitchFamily="18" charset="0"/>
+                <a:cs typeface="Times New Roman" panose="02020603050405020304" pitchFamily="18" charset="0"/>
+              </a:rPr>
+              <a:t>- Engenheiro que pode dar conta no projeto de SI.</a:t>
+            </a:r>
+          </a:p>
+          <a:p>
             <a:pPr marL="0" indent="0" algn="just">
               <a:buNone/>
             </a:pPr>
             <a:r>
-              <a:rPr lang="pt-BR" sz="1800" dirty="0">
-                <a:latin typeface="Times New Roman" panose="02020603050405020304" pitchFamily="18" charset="0"/>
-                <a:cs typeface="Times New Roman" panose="02020603050405020304" pitchFamily="18" charset="0"/>
-              </a:rPr>
-              <a:t>[1] LOUDON, Kyle. Desenvolvimento de grandes aplicações Web. Revista </a:t>
-            </a:r>
-            <a:r>
-              <a:rPr lang="pt-BR" sz="1800" dirty="0" err="1">
-                <a:latin typeface="Times New Roman" panose="02020603050405020304" pitchFamily="18" charset="0"/>
-                <a:cs typeface="Times New Roman" panose="02020603050405020304" pitchFamily="18" charset="0"/>
-              </a:rPr>
-              <a:t>Telfract</a:t>
-            </a:r>
-            <a:r>
-              <a:rPr lang="pt-BR" sz="1800" dirty="0">
-                <a:latin typeface="Times New Roman" panose="02020603050405020304" pitchFamily="18" charset="0"/>
-                <a:cs typeface="Times New Roman" panose="02020603050405020304" pitchFamily="18" charset="0"/>
-              </a:rPr>
-              <a:t>, v. 1, n. 1, 2018.</a:t>
+              <a:rPr lang="pt-BR" sz="2400" dirty="0">
+                <a:solidFill>
+                  <a:schemeClr val="tx1"/>
+                </a:solidFill>
+                <a:latin typeface="Times New Roman" panose="02020603050405020304" pitchFamily="18" charset="0"/>
+                <a:cs typeface="Times New Roman" panose="02020603050405020304" pitchFamily="18" charset="0"/>
+              </a:rPr>
+              <a:t>    (Requisitos, desenvolvimento, teste, implantação e operações)</a:t>
             </a:r>
           </a:p>
           <a:p>
@@ -6796,35 +6981,30 @@
               <a:buNone/>
             </a:pPr>
             <a:r>
-              <a:rPr lang="pt-BR" sz="1800" dirty="0">
+              <a:rPr lang="pt-BR" sz="2400" dirty="0">
+                <a:solidFill>
+                  <a:schemeClr val="tx1"/>
+                </a:solidFill>
                 <a:latin typeface="Times New Roman" panose="02020603050405020304" pitchFamily="18" charset="0"/>
                 <a:cs typeface="Times New Roman" panose="02020603050405020304" pitchFamily="18" charset="0"/>
               </a:rPr>
               <a:t>	</a:t>
             </a:r>
             <a:r>
-              <a:rPr lang="pt-BR" sz="1800" b="1" dirty="0">
-                <a:latin typeface="Times New Roman" panose="02020603050405020304" pitchFamily="18" charset="0"/>
-                <a:cs typeface="Times New Roman" panose="02020603050405020304" pitchFamily="18" charset="0"/>
-              </a:rPr>
-              <a:t>Disponível em</a:t>
-            </a:r>
-            <a:r>
-              <a:rPr lang="pt-BR" sz="1800" dirty="0">
-                <a:latin typeface="Times New Roman" panose="02020603050405020304" pitchFamily="18" charset="0"/>
-                <a:cs typeface="Times New Roman" panose="02020603050405020304" pitchFamily="18" charset="0"/>
-              </a:rPr>
-              <a:t>: </a:t>
-            </a:r>
-            <a:r>
-              <a:rPr lang="pt-BR" sz="1800" dirty="0">
+              <a:rPr lang="pt-BR" sz="2400" dirty="0">
+                <a:solidFill>
+                  <a:schemeClr val="tx1"/>
+                </a:solidFill>
                 <a:latin typeface="Times New Roman" panose="02020603050405020304" pitchFamily="18" charset="0"/>
                 <a:cs typeface="Times New Roman" panose="02020603050405020304" pitchFamily="18" charset="0"/>
                 <a:hlinkClick r:id="rId3"/>
               </a:rPr>
-              <a:t>https://telematicafractal.com.br/revista/index.php/telfract/article/view/9</a:t>
-            </a:r>
-            <a:endParaRPr lang="pt-BR" sz="1800" dirty="0">
+              <a:t>https://imasters.com.br/desenvolvimento/full-stack-vs-full-cycle-developer</a:t>
+            </a:r>
+            <a:endParaRPr lang="pt-BR" sz="2400" dirty="0">
+              <a:solidFill>
+                <a:schemeClr val="tx1"/>
+              </a:solidFill>
               <a:latin typeface="Times New Roman" panose="02020603050405020304" pitchFamily="18" charset="0"/>
               <a:cs typeface="Times New Roman" panose="02020603050405020304" pitchFamily="18" charset="0"/>
             </a:endParaRPr>
@@ -6833,95 +7013,20 @@
             <a:pPr marL="0" indent="0" algn="just">
               <a:buNone/>
             </a:pPr>
-            <a:endParaRPr lang="pt-BR" sz="1800" dirty="0">
+            <a:endParaRPr lang="pt-BR" sz="2400" dirty="0">
+              <a:solidFill>
+                <a:schemeClr val="tx1"/>
+              </a:solidFill>
               <a:latin typeface="Times New Roman" panose="02020603050405020304" pitchFamily="18" charset="0"/>
               <a:cs typeface="Times New Roman" panose="02020603050405020304" pitchFamily="18" charset="0"/>
             </a:endParaRPr>
-          </a:p>
-          <a:p>
-            <a:pPr marL="0" indent="0" algn="just">
-              <a:buNone/>
-            </a:pPr>
-            <a:r>
-              <a:rPr lang="pt-BR" sz="1800" dirty="0">
-                <a:latin typeface="Times New Roman" panose="02020603050405020304" pitchFamily="18" charset="0"/>
-                <a:cs typeface="Times New Roman" panose="02020603050405020304" pitchFamily="18" charset="0"/>
-              </a:rPr>
-              <a:t>[2] MILETTO, Evandro Manara; DE CASTRO BERTAGNOLLI, Silvia. Desenvolvimento de Software II: Introdução ao Desenvolvimento Web com HTML, CSS, </a:t>
-            </a:r>
-            <a:r>
-              <a:rPr lang="pt-BR" sz="1800" dirty="0" err="1">
-                <a:latin typeface="Times New Roman" panose="02020603050405020304" pitchFamily="18" charset="0"/>
-                <a:cs typeface="Times New Roman" panose="02020603050405020304" pitchFamily="18" charset="0"/>
-              </a:rPr>
-              <a:t>JavaScript</a:t>
-            </a:r>
-            <a:r>
-              <a:rPr lang="pt-BR" sz="1800" dirty="0">
-                <a:latin typeface="Times New Roman" panose="02020603050405020304" pitchFamily="18" charset="0"/>
-                <a:cs typeface="Times New Roman" panose="02020603050405020304" pitchFamily="18" charset="0"/>
-              </a:rPr>
-              <a:t> e PHP-Eixo: Informação e Comunicação-Série </a:t>
-            </a:r>
-            <a:r>
-              <a:rPr lang="pt-BR" sz="1800" dirty="0" err="1">
-                <a:latin typeface="Times New Roman" panose="02020603050405020304" pitchFamily="18" charset="0"/>
-                <a:cs typeface="Times New Roman" panose="02020603050405020304" pitchFamily="18" charset="0"/>
-              </a:rPr>
-              <a:t>Tekne</a:t>
-            </a:r>
-            <a:r>
-              <a:rPr lang="pt-BR" sz="1800" dirty="0">
-                <a:latin typeface="Times New Roman" panose="02020603050405020304" pitchFamily="18" charset="0"/>
-                <a:cs typeface="Times New Roman" panose="02020603050405020304" pitchFamily="18" charset="0"/>
-              </a:rPr>
-              <a:t>. Bookman Editora, 2014.</a:t>
-            </a:r>
-          </a:p>
-          <a:p>
-            <a:pPr marL="0" indent="0" algn="just">
-              <a:buNone/>
-            </a:pPr>
-            <a:r>
-              <a:rPr lang="pt-BR" sz="1800" dirty="0">
-                <a:latin typeface="Times New Roman" panose="02020603050405020304" pitchFamily="18" charset="0"/>
-                <a:cs typeface="Times New Roman" panose="02020603050405020304" pitchFamily="18" charset="0"/>
-              </a:rPr>
-              <a:t>	</a:t>
-            </a:r>
-            <a:r>
-              <a:rPr lang="pt-BR" sz="1800" b="1" dirty="0">
-                <a:latin typeface="Times New Roman" panose="02020603050405020304" pitchFamily="18" charset="0"/>
-                <a:cs typeface="Times New Roman" panose="02020603050405020304" pitchFamily="18" charset="0"/>
-              </a:rPr>
-              <a:t>Disponível em</a:t>
-            </a:r>
-            <a:r>
-              <a:rPr lang="pt-BR" sz="1800" dirty="0">
-                <a:latin typeface="Times New Roman" panose="02020603050405020304" pitchFamily="18" charset="0"/>
-                <a:cs typeface="Times New Roman" panose="02020603050405020304" pitchFamily="18" charset="0"/>
-              </a:rPr>
-              <a:t>: </a:t>
-            </a:r>
-          </a:p>
-          <a:p>
-            <a:pPr marL="0" indent="0" algn="just">
-              <a:buNone/>
-            </a:pPr>
-            <a:r>
-              <a:rPr lang="pt-BR" sz="1800" dirty="0">
-                <a:latin typeface="Times New Roman" panose="02020603050405020304" pitchFamily="18" charset="0"/>
-                <a:cs typeface="Times New Roman" panose="02020603050405020304" pitchFamily="18" charset="0"/>
-              </a:rPr>
-              <a:t>		https://books.google.com.br/books?hl=pt-BR&amp;lr=&amp;id=lcLFAwAAQBAJ&amp;oi=fnd&amp;pg=PR1&amp;dq=desenvolvimento+web+HTML,+CSS,+Javascript&amp;ots=kROItA65yt&amp;sig=kgNIWnhh5BW8_BUa-CyMDsi5MeA#v=onepage&amp;q=desenvolvimento%20web%20HTML%2C%20CSS%2C%20Javascript&amp;f=false</a:t>
-            </a:r>
           </a:p>
         </p:txBody>
       </p:sp>
     </p:spTree>
     <p:extLst>
       <p:ext uri="{BB962C8B-B14F-4D97-AF65-F5344CB8AC3E}">
-        <p14:creationId xmlns:p14="http://schemas.microsoft.com/office/powerpoint/2010/main" val="3680270425"/>
+        <p14:creationId xmlns:p14="http://schemas.microsoft.com/office/powerpoint/2010/main" val="2959652164"/>
       </p:ext>
     </p:extLst>
   </p:cSld>
@@ -6977,7 +7082,7 @@
                   <a:srgbClr val="0070C0"/>
                 </a:solidFill>
               </a:rPr>
-              <a:t>Aprenda</a:t>
+              <a:t>Leitura</a:t>
             </a:r>
             <a:r>
               <a:rPr lang="en-US" b="1" dirty="0">
@@ -6985,8 +7090,21 @@
                   <a:srgbClr val="0070C0"/>
                 </a:solidFill>
               </a:rPr>
-              <a:t>+</a:t>
-            </a:r>
+              <a:t> </a:t>
+            </a:r>
+            <a:r>
+              <a:rPr lang="en-US" b="1" dirty="0" err="1">
+                <a:solidFill>
+                  <a:srgbClr val="0070C0"/>
+                </a:solidFill>
+              </a:rPr>
+              <a:t>Específica</a:t>
+            </a:r>
+            <a:endParaRPr lang="en-US" b="1" dirty="0">
+              <a:solidFill>
+                <a:srgbClr val="0070C0"/>
+              </a:solidFill>
+            </a:endParaRPr>
           </a:p>
         </p:txBody>
       </p:sp>
@@ -7002,7 +7120,7 @@
         </p:nvSpPr>
         <p:spPr>
           <a:xfrm>
-            <a:off x="142865" y="1200151"/>
+            <a:off x="142865" y="1012261"/>
             <a:ext cx="8865056" cy="3394472"/>
           </a:xfrm>
         </p:spPr>
@@ -7015,37 +7133,65 @@
             <a:pPr marL="0" indent="0" algn="just">
               <a:buNone/>
             </a:pPr>
+            <a:r>
+              <a:rPr lang="pt-BR" sz="1800" dirty="0">
+                <a:latin typeface="Times New Roman" panose="02020603050405020304" pitchFamily="18" charset="0"/>
+                <a:cs typeface="Times New Roman" panose="02020603050405020304" pitchFamily="18" charset="0"/>
+              </a:rPr>
+              <a:t>[1] LOUDON, Kyle. Desenvolvimento de grandes aplicações Web. Revista </a:t>
+            </a:r>
+            <a:r>
+              <a:rPr lang="pt-BR" sz="1800" dirty="0" err="1">
+                <a:latin typeface="Times New Roman" panose="02020603050405020304" pitchFamily="18" charset="0"/>
+                <a:cs typeface="Times New Roman" panose="02020603050405020304" pitchFamily="18" charset="0"/>
+              </a:rPr>
+              <a:t>Telfract</a:t>
+            </a:r>
+            <a:r>
+              <a:rPr lang="pt-BR" sz="1800" dirty="0">
+                <a:latin typeface="Times New Roman" panose="02020603050405020304" pitchFamily="18" charset="0"/>
+                <a:cs typeface="Times New Roman" panose="02020603050405020304" pitchFamily="18" charset="0"/>
+              </a:rPr>
+              <a:t>, v. 1, n. 1, 2018.</a:t>
+            </a:r>
+          </a:p>
+          <a:p>
+            <a:pPr marL="0" indent="0" algn="just">
+              <a:buNone/>
+            </a:pPr>
+            <a:r>
+              <a:rPr lang="pt-BR" sz="1800" dirty="0">
+                <a:latin typeface="Times New Roman" panose="02020603050405020304" pitchFamily="18" charset="0"/>
+                <a:cs typeface="Times New Roman" panose="02020603050405020304" pitchFamily="18" charset="0"/>
+              </a:rPr>
+              <a:t>	</a:t>
+            </a:r>
+            <a:r>
+              <a:rPr lang="pt-BR" sz="1800" b="1" dirty="0">
+                <a:latin typeface="Times New Roman" panose="02020603050405020304" pitchFamily="18" charset="0"/>
+                <a:cs typeface="Times New Roman" panose="02020603050405020304" pitchFamily="18" charset="0"/>
+              </a:rPr>
+              <a:t>Disponível em</a:t>
+            </a:r>
+            <a:r>
+              <a:rPr lang="pt-BR" sz="1800" dirty="0">
+                <a:latin typeface="Times New Roman" panose="02020603050405020304" pitchFamily="18" charset="0"/>
+                <a:cs typeface="Times New Roman" panose="02020603050405020304" pitchFamily="18" charset="0"/>
+              </a:rPr>
+              <a:t>: </a:t>
+            </a:r>
+            <a:r>
+              <a:rPr lang="pt-BR" sz="1800" dirty="0">
+                <a:latin typeface="Times New Roman" panose="02020603050405020304" pitchFamily="18" charset="0"/>
+                <a:cs typeface="Times New Roman" panose="02020603050405020304" pitchFamily="18" charset="0"/>
+                <a:hlinkClick r:id="rId3"/>
+              </a:rPr>
+              <a:t>https://telematicafractal.com.br/revista/index.php/telfract/article/view/9</a:t>
+            </a:r>
             <a:endParaRPr lang="pt-BR" sz="1800" dirty="0">
               <a:latin typeface="Times New Roman" panose="02020603050405020304" pitchFamily="18" charset="0"/>
               <a:cs typeface="Times New Roman" panose="02020603050405020304" pitchFamily="18" charset="0"/>
             </a:endParaRPr>
-          </a:p>
-          <a:p>
-            <a:pPr marL="0" indent="0" algn="just">
-              <a:buNone/>
-            </a:pPr>
-            <a:r>
-              <a:rPr lang="pt-BR" sz="1800" dirty="0">
-                <a:latin typeface="Times New Roman" panose="02020603050405020304" pitchFamily="18" charset="0"/>
-                <a:cs typeface="Times New Roman" panose="02020603050405020304" pitchFamily="18" charset="0"/>
-              </a:rPr>
-              <a:t>[1] </a:t>
-            </a:r>
-            <a:r>
-              <a:rPr lang="pt-BR" sz="1800" dirty="0">
-                <a:latin typeface="Times New Roman" panose="02020603050405020304" pitchFamily="18" charset="0"/>
-                <a:cs typeface="Times New Roman" panose="02020603050405020304" pitchFamily="18" charset="0"/>
-                <a:hlinkClick r:id="rId3"/>
-              </a:rPr>
-              <a:t>https://www.w3schools.com/tags/tag_hn.asp</a:t>
-            </a:r>
-            <a:r>
-              <a:rPr lang="pt-BR" sz="1800" dirty="0">
-                <a:latin typeface="Times New Roman" panose="02020603050405020304" pitchFamily="18" charset="0"/>
-                <a:cs typeface="Times New Roman" panose="02020603050405020304" pitchFamily="18" charset="0"/>
-              </a:rPr>
-              <a:t> (HTML, CSS, JS, PHP)</a:t>
-            </a:r>
           </a:p>
           <a:p>
             <a:pPr marL="0" indent="0" algn="just">
@@ -7065,29 +7211,62 @@
                 <a:latin typeface="Times New Roman" panose="02020603050405020304" pitchFamily="18" charset="0"/>
                 <a:cs typeface="Times New Roman" panose="02020603050405020304" pitchFamily="18" charset="0"/>
               </a:rPr>
-              <a:t>[2] </a:t>
+              <a:t>[2] MILETTO, Evandro Manara; DE CASTRO BERTAGNOLLI, Silvia. Desenvolvimento de Software II: Introdução ao Desenvolvimento Web com HTML, CSS, </a:t>
+            </a:r>
+            <a:r>
+              <a:rPr lang="pt-BR" sz="1800" dirty="0" err="1">
+                <a:latin typeface="Times New Roman" panose="02020603050405020304" pitchFamily="18" charset="0"/>
+                <a:cs typeface="Times New Roman" panose="02020603050405020304" pitchFamily="18" charset="0"/>
+              </a:rPr>
+              <a:t>JavaScript</a:t>
             </a:r>
             <a:r>
               <a:rPr lang="pt-BR" sz="1800" dirty="0">
                 <a:latin typeface="Times New Roman" panose="02020603050405020304" pitchFamily="18" charset="0"/>
                 <a:cs typeface="Times New Roman" panose="02020603050405020304" pitchFamily="18" charset="0"/>
-                <a:hlinkClick r:id="rId4"/>
-              </a:rPr>
-              <a:t>https://elephantsolutions.net/best-css-frameworks-in-2021/</a:t>
-            </a:r>
-            <a:endParaRPr lang="pt-BR" sz="1800" dirty="0">
-              <a:latin typeface="Times New Roman" panose="02020603050405020304" pitchFamily="18" charset="0"/>
-              <a:cs typeface="Times New Roman" panose="02020603050405020304" pitchFamily="18" charset="0"/>
-            </a:endParaRPr>
+              </a:rPr>
+              <a:t> e PHP-Eixo: Informação e Comunicação-Série </a:t>
+            </a:r>
+            <a:r>
+              <a:rPr lang="pt-BR" sz="1800" dirty="0" err="1">
+                <a:latin typeface="Times New Roman" panose="02020603050405020304" pitchFamily="18" charset="0"/>
+                <a:cs typeface="Times New Roman" panose="02020603050405020304" pitchFamily="18" charset="0"/>
+              </a:rPr>
+              <a:t>Tekne</a:t>
+            </a:r>
+            <a:r>
+              <a:rPr lang="pt-BR" sz="1800" dirty="0">
+                <a:latin typeface="Times New Roman" panose="02020603050405020304" pitchFamily="18" charset="0"/>
+                <a:cs typeface="Times New Roman" panose="02020603050405020304" pitchFamily="18" charset="0"/>
+              </a:rPr>
+              <a:t>. Bookman Editora, 2014.</a:t>
+            </a:r>
           </a:p>
           <a:p>
             <a:pPr marL="0" indent="0" algn="just">
               <a:buNone/>
             </a:pPr>
-            <a:endParaRPr lang="pt-BR" sz="1800" dirty="0">
-              <a:latin typeface="Times New Roman" panose="02020603050405020304" pitchFamily="18" charset="0"/>
-              <a:cs typeface="Times New Roman" panose="02020603050405020304" pitchFamily="18" charset="0"/>
-            </a:endParaRPr>
+            <a:r>
+              <a:rPr lang="pt-BR" sz="1800" dirty="0">
+                <a:latin typeface="Times New Roman" panose="02020603050405020304" pitchFamily="18" charset="0"/>
+                <a:cs typeface="Times New Roman" panose="02020603050405020304" pitchFamily="18" charset="0"/>
+              </a:rPr>
+              <a:t>	</a:t>
+            </a:r>
+            <a:r>
+              <a:rPr lang="pt-BR" sz="1800" b="1" dirty="0">
+                <a:latin typeface="Times New Roman" panose="02020603050405020304" pitchFamily="18" charset="0"/>
+                <a:cs typeface="Times New Roman" panose="02020603050405020304" pitchFamily="18" charset="0"/>
+              </a:rPr>
+              <a:t>Disponível em</a:t>
+            </a:r>
+            <a:r>
+              <a:rPr lang="pt-BR" sz="1800" dirty="0">
+                <a:latin typeface="Times New Roman" panose="02020603050405020304" pitchFamily="18" charset="0"/>
+                <a:cs typeface="Times New Roman" panose="02020603050405020304" pitchFamily="18" charset="0"/>
+              </a:rPr>
+              <a:t>: </a:t>
+            </a:r>
           </a:p>
           <a:p>
             <a:pPr marL="0" indent="0" algn="just">
@@ -7098,115 +7277,15 @@
                 <a:latin typeface="Times New Roman" panose="02020603050405020304" pitchFamily="18" charset="0"/>
                 <a:cs typeface="Times New Roman" panose="02020603050405020304" pitchFamily="18" charset="0"/>
               </a:rPr>
-              <a:t>[3] </a:t>
-            </a:r>
-            <a:r>
-              <a:rPr lang="pt-BR" sz="1800" dirty="0">
-                <a:latin typeface="Times New Roman" panose="02020603050405020304" pitchFamily="18" charset="0"/>
-                <a:cs typeface="Times New Roman" panose="02020603050405020304" pitchFamily="18" charset="0"/>
-                <a:hlinkClick r:id="rId5"/>
-              </a:rPr>
-              <a:t>https://youtu.be/CTjUpZqTJDg</a:t>
-            </a:r>
-            <a:endParaRPr lang="pt-BR" sz="1800" dirty="0">
-              <a:latin typeface="Times New Roman" panose="02020603050405020304" pitchFamily="18" charset="0"/>
-              <a:cs typeface="Times New Roman" panose="02020603050405020304" pitchFamily="18" charset="0"/>
-            </a:endParaRPr>
-          </a:p>
-          <a:p>
-            <a:pPr marL="0" indent="0" algn="just">
-              <a:buNone/>
-            </a:pPr>
-            <a:endParaRPr lang="pt-BR" sz="1800" dirty="0">
-              <a:latin typeface="Times New Roman" panose="02020603050405020304" pitchFamily="18" charset="0"/>
-              <a:cs typeface="Times New Roman" panose="02020603050405020304" pitchFamily="18" charset="0"/>
-            </a:endParaRPr>
-          </a:p>
-          <a:p>
-            <a:pPr marL="0" indent="0" algn="just">
-              <a:buNone/>
-            </a:pPr>
-            <a:r>
-              <a:rPr lang="pt-BR" sz="1800" dirty="0">
-                <a:latin typeface="Times New Roman" panose="02020603050405020304" pitchFamily="18" charset="0"/>
-                <a:cs typeface="Times New Roman" panose="02020603050405020304" pitchFamily="18" charset="0"/>
-              </a:rPr>
-              <a:t>[4] </a:t>
-            </a:r>
-          </a:p>
-          <a:p>
-            <a:pPr marL="0" indent="0" algn="just">
-              <a:buNone/>
-            </a:pPr>
-            <a:r>
-              <a:rPr lang="pt-BR" sz="1800" dirty="0">
-                <a:latin typeface="Times New Roman" panose="02020603050405020304" pitchFamily="18" charset="0"/>
-                <a:cs typeface="Times New Roman" panose="02020603050405020304" pitchFamily="18" charset="0"/>
-              </a:rPr>
-              <a:t>     </a:t>
-            </a:r>
-            <a:r>
-              <a:rPr lang="pt-BR" sz="1800" dirty="0">
-                <a:latin typeface="Times New Roman" panose="02020603050405020304" pitchFamily="18" charset="0"/>
-                <a:cs typeface="Times New Roman" panose="02020603050405020304" pitchFamily="18" charset="0"/>
-                <a:hlinkClick r:id="rId6"/>
-              </a:rPr>
-              <a:t>https://developer.mozilla.org/pt</a:t>
-            </a:r>
-            <a:r>
-              <a:rPr lang="pt-BR" sz="1800" dirty="0">
-                <a:latin typeface="Times New Roman" panose="02020603050405020304" pitchFamily="18" charset="0"/>
-                <a:cs typeface="Times New Roman" panose="02020603050405020304" pitchFamily="18" charset="0"/>
-                <a:hlinkClick r:id="rId7"/>
-              </a:rPr>
-              <a:t>-</a:t>
-            </a:r>
-            <a:r>
-              <a:rPr lang="pt-BR" sz="1800" dirty="0">
-                <a:latin typeface="Times New Roman" panose="02020603050405020304" pitchFamily="18" charset="0"/>
-                <a:cs typeface="Times New Roman" panose="02020603050405020304" pitchFamily="18" charset="0"/>
-                <a:hlinkClick r:id="rId7"/>
-              </a:rPr>
-              <a:t>BR/docs/Learn/Getting_started_with_the_web/Installing_basic_software</a:t>
-            </a:r>
-            <a:endParaRPr lang="pt-BR" sz="1800" dirty="0">
-              <a:latin typeface="Times New Roman" panose="02020603050405020304" pitchFamily="18" charset="0"/>
-              <a:cs typeface="Times New Roman" panose="02020603050405020304" pitchFamily="18" charset="0"/>
-            </a:endParaRPr>
-          </a:p>
-          <a:p>
-            <a:pPr marL="0" indent="0" algn="just">
-              <a:buNone/>
-            </a:pPr>
-            <a:endParaRPr lang="pt-BR" sz="1800" dirty="0">
-              <a:latin typeface="Times New Roman" panose="02020603050405020304" pitchFamily="18" charset="0"/>
-              <a:cs typeface="Times New Roman" panose="02020603050405020304" pitchFamily="18" charset="0"/>
-            </a:endParaRPr>
-          </a:p>
-          <a:p>
-            <a:pPr marL="0" indent="0" algn="just">
-              <a:buNone/>
-            </a:pPr>
-            <a:endParaRPr lang="pt-BR" sz="1800" dirty="0">
-              <a:latin typeface="Times New Roman" panose="02020603050405020304" pitchFamily="18" charset="0"/>
-              <a:cs typeface="Times New Roman" panose="02020603050405020304" pitchFamily="18" charset="0"/>
-            </a:endParaRPr>
-          </a:p>
-          <a:p>
-            <a:pPr marL="0" indent="0" algn="just">
-              <a:buNone/>
-            </a:pPr>
-            <a:endParaRPr lang="pt-BR" sz="1800" dirty="0">
-              <a:latin typeface="Times New Roman" panose="02020603050405020304" pitchFamily="18" charset="0"/>
-              <a:cs typeface="Times New Roman" panose="02020603050405020304" pitchFamily="18" charset="0"/>
-            </a:endParaRPr>
+              <a:t>		https://books.google.com.br/books?hl=pt-BR&amp;lr=&amp;id=lcLFAwAAQBAJ&amp;oi=fnd&amp;pg=PR1&amp;dq=desenvolvimento+web+HTML,+CSS,+Javascript&amp;ots=kROItA65yt&amp;sig=kgNIWnhh5BW8_BUa-CyMDsi5MeA#v=onepage&amp;q=desenvolvimento%20web%20HTML%2C%20CSS%2C%20Javascript&amp;f=false</a:t>
+            </a:r>
           </a:p>
         </p:txBody>
       </p:sp>
     </p:spTree>
     <p:extLst>
       <p:ext uri="{BB962C8B-B14F-4D97-AF65-F5344CB8AC3E}">
-        <p14:creationId xmlns:p14="http://schemas.microsoft.com/office/powerpoint/2010/main" val="2747596967"/>
+        <p14:creationId xmlns:p14="http://schemas.microsoft.com/office/powerpoint/2010/main" val="3680270425"/>
       </p:ext>
     </p:extLst>
   </p:cSld>
@@ -7262,7 +7341,7 @@
                   <a:srgbClr val="0070C0"/>
                 </a:solidFill>
               </a:rPr>
-              <a:t>Dinâmica</a:t>
+              <a:t>Aprenda</a:t>
             </a:r>
             <a:r>
               <a:rPr lang="en-US" b="1" dirty="0">
@@ -7270,21 +7349,8 @@
                   <a:srgbClr val="0070C0"/>
                 </a:solidFill>
               </a:rPr>
-              <a:t>/</a:t>
-            </a:r>
-            <a:r>
-              <a:rPr lang="en-US" b="1" dirty="0" err="1">
-                <a:solidFill>
-                  <a:srgbClr val="0070C0"/>
-                </a:solidFill>
-              </a:rPr>
-              <a:t>Atividades</a:t>
-            </a:r>
-            <a:endParaRPr lang="en-US" b="1" dirty="0">
-              <a:solidFill>
-                <a:srgbClr val="0070C0"/>
-              </a:solidFill>
-            </a:endParaRPr>
+              <a:t>+</a:t>
+            </a:r>
           </a:p>
         </p:txBody>
       </p:sp>
@@ -7300,8 +7366,8 @@
         </p:nvSpPr>
         <p:spPr>
           <a:xfrm>
-            <a:off x="139472" y="1063230"/>
-            <a:ext cx="8865056" cy="3606305"/>
+            <a:off x="142865" y="1200151"/>
+            <a:ext cx="8865056" cy="3394472"/>
           </a:xfrm>
         </p:spPr>
         <p:txBody>
@@ -7313,17 +7379,7 @@
             <a:pPr marL="0" indent="0" algn="just">
               <a:buNone/>
             </a:pPr>
-            <a:r>
-              <a:rPr lang="pt-BR" sz="2000" dirty="0">
-                <a:latin typeface="Times New Roman" panose="02020603050405020304" pitchFamily="18" charset="0"/>
-                <a:cs typeface="Times New Roman" panose="02020603050405020304" pitchFamily="18" charset="0"/>
-              </a:rPr>
-              <a:t>- Elabore um arquivo HTML para reproduzir o texto abaixo:</a:t>
-            </a:r>
-          </a:p>
-          <a:p>
-            <a:pPr algn="just"/>
-            <a:endParaRPr lang="pt-BR" sz="2000" dirty="0">
+            <a:endParaRPr lang="pt-BR" sz="1800" dirty="0">
               <a:latin typeface="Times New Roman" panose="02020603050405020304" pitchFamily="18" charset="0"/>
               <a:cs typeface="Times New Roman" panose="02020603050405020304" pitchFamily="18" charset="0"/>
             </a:endParaRPr>
@@ -7332,60 +7388,181 @@
             <a:pPr marL="0" indent="0" algn="just">
               <a:buNone/>
             </a:pPr>
-            <a:endParaRPr lang="pt-BR" sz="2000" dirty="0">
+            <a:r>
+              <a:rPr lang="pt-BR" sz="1800" dirty="0">
+                <a:latin typeface="Times New Roman" panose="02020603050405020304" pitchFamily="18" charset="0"/>
+                <a:cs typeface="Times New Roman" panose="02020603050405020304" pitchFamily="18" charset="0"/>
+              </a:rPr>
+              <a:t>[1] </a:t>
+            </a:r>
+            <a:r>
+              <a:rPr lang="pt-BR" sz="1800" dirty="0">
+                <a:latin typeface="Times New Roman" panose="02020603050405020304" pitchFamily="18" charset="0"/>
+                <a:cs typeface="Times New Roman" panose="02020603050405020304" pitchFamily="18" charset="0"/>
+                <a:hlinkClick r:id="rId3"/>
+              </a:rPr>
+              <a:t>https://www.w3schools.com/tags/tag_hn.asp</a:t>
+            </a:r>
+            <a:r>
+              <a:rPr lang="pt-BR" sz="1800" dirty="0">
+                <a:latin typeface="Times New Roman" panose="02020603050405020304" pitchFamily="18" charset="0"/>
+                <a:cs typeface="Times New Roman" panose="02020603050405020304" pitchFamily="18" charset="0"/>
+              </a:rPr>
+              <a:t> (HTML, CSS, JS, PHP)</a:t>
+            </a:r>
+          </a:p>
+          <a:p>
+            <a:pPr marL="0" indent="0" algn="just">
+              <a:buNone/>
+            </a:pPr>
+            <a:endParaRPr lang="pt-BR" sz="1800" dirty="0">
               <a:latin typeface="Times New Roman" panose="02020603050405020304" pitchFamily="18" charset="0"/>
               <a:cs typeface="Times New Roman" panose="02020603050405020304" pitchFamily="18" charset="0"/>
             </a:endParaRPr>
           </a:p>
           <a:p>
-            <a:pPr algn="just"/>
-            <a:endParaRPr lang="pt-BR" sz="2000" dirty="0">
+            <a:pPr marL="0" indent="0" algn="just">
+              <a:buNone/>
+            </a:pPr>
+            <a:r>
+              <a:rPr lang="pt-BR" sz="1800" dirty="0">
+                <a:latin typeface="Times New Roman" panose="02020603050405020304" pitchFamily="18" charset="0"/>
+                <a:cs typeface="Times New Roman" panose="02020603050405020304" pitchFamily="18" charset="0"/>
+              </a:rPr>
+              <a:t>[2] </a:t>
+            </a:r>
+            <a:r>
+              <a:rPr lang="pt-BR" sz="1800" dirty="0">
+                <a:latin typeface="Times New Roman" panose="02020603050405020304" pitchFamily="18" charset="0"/>
+                <a:cs typeface="Times New Roman" panose="02020603050405020304" pitchFamily="18" charset="0"/>
+                <a:hlinkClick r:id="rId4"/>
+              </a:rPr>
+              <a:t>https://elephantsolutions.net/best-css-frameworks-in-2021/</a:t>
+            </a:r>
+            <a:endParaRPr lang="pt-BR" sz="1800" dirty="0">
               <a:latin typeface="Times New Roman" panose="02020603050405020304" pitchFamily="18" charset="0"/>
               <a:cs typeface="Times New Roman" panose="02020603050405020304" pitchFamily="18" charset="0"/>
             </a:endParaRPr>
           </a:p>
           <a:p>
-            <a:pPr algn="just"/>
-            <a:endParaRPr lang="pt-BR" sz="2000" dirty="0">
-              <a:latin typeface="Calibri" panose="020F0502020204030204" pitchFamily="34" charset="0"/>
+            <a:pPr marL="0" indent="0" algn="just">
+              <a:buNone/>
+            </a:pPr>
+            <a:endParaRPr lang="pt-BR" sz="1800" dirty="0">
+              <a:latin typeface="Times New Roman" panose="02020603050405020304" pitchFamily="18" charset="0"/>
+              <a:cs typeface="Times New Roman" panose="02020603050405020304" pitchFamily="18" charset="0"/>
+            </a:endParaRPr>
+          </a:p>
+          <a:p>
+            <a:pPr marL="0" indent="0" algn="just">
+              <a:buNone/>
+            </a:pPr>
+            <a:r>
+              <a:rPr lang="pt-BR" sz="1800" dirty="0">
+                <a:latin typeface="Times New Roman" panose="02020603050405020304" pitchFamily="18" charset="0"/>
+                <a:cs typeface="Times New Roman" panose="02020603050405020304" pitchFamily="18" charset="0"/>
+              </a:rPr>
+              <a:t>[3] </a:t>
+            </a:r>
+            <a:r>
+              <a:rPr lang="pt-BR" sz="1800" dirty="0">
+                <a:latin typeface="Times New Roman" panose="02020603050405020304" pitchFamily="18" charset="0"/>
+                <a:cs typeface="Times New Roman" panose="02020603050405020304" pitchFamily="18" charset="0"/>
+                <a:hlinkClick r:id="rId5"/>
+              </a:rPr>
+              <a:t>https://youtu.be/CTjUpZqTJDg</a:t>
+            </a:r>
+            <a:endParaRPr lang="pt-BR" sz="1800" dirty="0">
+              <a:latin typeface="Times New Roman" panose="02020603050405020304" pitchFamily="18" charset="0"/>
+              <a:cs typeface="Times New Roman" panose="02020603050405020304" pitchFamily="18" charset="0"/>
+            </a:endParaRPr>
+          </a:p>
+          <a:p>
+            <a:pPr marL="0" indent="0" algn="just">
+              <a:buNone/>
+            </a:pPr>
+            <a:endParaRPr lang="pt-BR" sz="1800" dirty="0">
+              <a:latin typeface="Times New Roman" panose="02020603050405020304" pitchFamily="18" charset="0"/>
+              <a:cs typeface="Times New Roman" panose="02020603050405020304" pitchFamily="18" charset="0"/>
+            </a:endParaRPr>
+          </a:p>
+          <a:p>
+            <a:pPr marL="0" indent="0" algn="just">
+              <a:buNone/>
+            </a:pPr>
+            <a:r>
+              <a:rPr lang="pt-BR" sz="1800" dirty="0">
+                <a:latin typeface="Times New Roman" panose="02020603050405020304" pitchFamily="18" charset="0"/>
+                <a:cs typeface="Times New Roman" panose="02020603050405020304" pitchFamily="18" charset="0"/>
+              </a:rPr>
+              <a:t>[4] </a:t>
+            </a:r>
+          </a:p>
+          <a:p>
+            <a:pPr marL="0" indent="0" algn="just">
+              <a:buNone/>
+            </a:pPr>
+            <a:r>
+              <a:rPr lang="pt-BR" sz="1800" dirty="0">
+                <a:latin typeface="Times New Roman" panose="02020603050405020304" pitchFamily="18" charset="0"/>
+                <a:cs typeface="Times New Roman" panose="02020603050405020304" pitchFamily="18" charset="0"/>
+              </a:rPr>
+              <a:t>     </a:t>
+            </a:r>
+            <a:r>
+              <a:rPr lang="pt-BR" sz="1800" dirty="0">
+                <a:latin typeface="Times New Roman" panose="02020603050405020304" pitchFamily="18" charset="0"/>
+                <a:cs typeface="Times New Roman" panose="02020603050405020304" pitchFamily="18" charset="0"/>
+                <a:hlinkClick r:id="rId6"/>
+              </a:rPr>
+              <a:t>https://developer.mozilla.org/pt</a:t>
+            </a:r>
+            <a:r>
+              <a:rPr lang="pt-BR" sz="1800" dirty="0">
+                <a:latin typeface="Times New Roman" panose="02020603050405020304" pitchFamily="18" charset="0"/>
+                <a:cs typeface="Times New Roman" panose="02020603050405020304" pitchFamily="18" charset="0"/>
+                <a:hlinkClick r:id="rId7"/>
+              </a:rPr>
+              <a:t>-BR/docs/Learn/Getting_started_with_the_web/Installing_basic_software</a:t>
+            </a:r>
+            <a:endParaRPr lang="pt-BR" sz="1800" dirty="0">
+              <a:latin typeface="Times New Roman" panose="02020603050405020304" pitchFamily="18" charset="0"/>
+              <a:cs typeface="Times New Roman" panose="02020603050405020304" pitchFamily="18" charset="0"/>
+            </a:endParaRPr>
+          </a:p>
+          <a:p>
+            <a:pPr marL="0" indent="0" algn="just">
+              <a:buNone/>
+            </a:pPr>
+            <a:endParaRPr lang="pt-BR" sz="1800" dirty="0">
+              <a:latin typeface="Times New Roman" panose="02020603050405020304" pitchFamily="18" charset="0"/>
+              <a:cs typeface="Times New Roman" panose="02020603050405020304" pitchFamily="18" charset="0"/>
+            </a:endParaRPr>
+          </a:p>
+          <a:p>
+            <a:pPr marL="0" indent="0" algn="just">
+              <a:buNone/>
+            </a:pPr>
+            <a:endParaRPr lang="pt-BR" sz="1800" dirty="0">
+              <a:latin typeface="Times New Roman" panose="02020603050405020304" pitchFamily="18" charset="0"/>
+              <a:cs typeface="Times New Roman" panose="02020603050405020304" pitchFamily="18" charset="0"/>
+            </a:endParaRPr>
+          </a:p>
+          <a:p>
+            <a:pPr marL="0" indent="0" algn="just">
+              <a:buNone/>
+            </a:pPr>
+            <a:endParaRPr lang="pt-BR" sz="1800" dirty="0">
+              <a:latin typeface="Times New Roman" panose="02020603050405020304" pitchFamily="18" charset="0"/>
+              <a:cs typeface="Times New Roman" panose="02020603050405020304" pitchFamily="18" charset="0"/>
             </a:endParaRPr>
           </a:p>
         </p:txBody>
       </p:sp>
-      <p:pic>
-        <p:nvPicPr>
-          <p:cNvPr id="10" name="Imagem 9">
-            <a:extLst>
-              <a:ext uri="{FF2B5EF4-FFF2-40B4-BE49-F238E27FC236}">
-                <a16:creationId xmlns:a16="http://schemas.microsoft.com/office/drawing/2014/main" id="{B439B967-8D77-49B2-B05C-F4BE15CC78DF}"/>
-              </a:ext>
-            </a:extLst>
-          </p:cNvPr>
-          <p:cNvPicPr>
-            <a:picLocks noChangeAspect="1"/>
-          </p:cNvPicPr>
-          <p:nvPr/>
-        </p:nvPicPr>
-        <p:blipFill>
-          <a:blip r:embed="rId3"/>
-          <a:stretch>
-            <a:fillRect/>
-          </a:stretch>
-        </p:blipFill>
-        <p:spPr>
-          <a:xfrm>
-            <a:off x="574317" y="1961105"/>
-            <a:ext cx="6550908" cy="1979830"/>
-          </a:xfrm>
-          <a:prstGeom prst="rect">
-            <a:avLst/>
-          </a:prstGeom>
-        </p:spPr>
-      </p:pic>
     </p:spTree>
     <p:extLst>
       <p:ext uri="{BB962C8B-B14F-4D97-AF65-F5344CB8AC3E}">
-        <p14:creationId xmlns:p14="http://schemas.microsoft.com/office/powerpoint/2010/main" val="2470652989"/>
+        <p14:creationId xmlns:p14="http://schemas.microsoft.com/office/powerpoint/2010/main" val="2747596967"/>
       </p:ext>
     </p:extLst>
   </p:cSld>
@@ -7441,7 +7618,7 @@
                   <a:srgbClr val="0070C0"/>
                 </a:solidFill>
               </a:rPr>
-              <a:t>Referências</a:t>
+              <a:t>Dinâmica</a:t>
             </a:r>
             <a:r>
               <a:rPr lang="en-US" b="1" dirty="0">
@@ -7449,7 +7626,7 @@
                   <a:srgbClr val="0070C0"/>
                 </a:solidFill>
               </a:rPr>
-              <a:t> </a:t>
+              <a:t>/</a:t>
             </a:r>
             <a:r>
               <a:rPr lang="en-US" b="1" dirty="0" err="1">
@@ -7457,7 +7634,7 @@
                   <a:srgbClr val="0070C0"/>
                 </a:solidFill>
               </a:rPr>
-              <a:t>Bibliográficas</a:t>
+              <a:t>Atividades</a:t>
             </a:r>
             <a:endParaRPr lang="en-US" b="1" dirty="0">
               <a:solidFill>
@@ -7479,8 +7656,8 @@
         </p:nvSpPr>
         <p:spPr>
           <a:xfrm>
-            <a:off x="142865" y="1200151"/>
-            <a:ext cx="8865056" cy="3394472"/>
+            <a:off x="139472" y="1063230"/>
+            <a:ext cx="8865056" cy="3606305"/>
           </a:xfrm>
         </p:spPr>
         <p:txBody>
@@ -7492,7 +7669,17 @@
             <a:pPr marL="0" indent="0" algn="just">
               <a:buNone/>
             </a:pPr>
-            <a:endParaRPr lang="pt-BR" sz="1800" dirty="0">
+            <a:r>
+              <a:rPr lang="pt-BR" sz="2000" dirty="0">
+                <a:latin typeface="Times New Roman" panose="02020603050405020304" pitchFamily="18" charset="0"/>
+                <a:cs typeface="Times New Roman" panose="02020603050405020304" pitchFamily="18" charset="0"/>
+              </a:rPr>
+              <a:t>- Elabore um arquivo HTML para reproduzir o texto abaixo:</a:t>
+            </a:r>
+          </a:p>
+          <a:p>
+            <a:pPr algn="just"/>
+            <a:endParaRPr lang="pt-BR" sz="2000" dirty="0">
               <a:latin typeface="Times New Roman" panose="02020603050405020304" pitchFamily="18" charset="0"/>
               <a:cs typeface="Times New Roman" panose="02020603050405020304" pitchFamily="18" charset="0"/>
             </a:endParaRPr>
@@ -7501,83 +7688,60 @@
             <a:pPr marL="0" indent="0" algn="just">
               <a:buNone/>
             </a:pPr>
-            <a:r>
-              <a:rPr lang="pt-BR" sz="1800" dirty="0">
-                <a:latin typeface="Times New Roman" panose="02020603050405020304" pitchFamily="18" charset="0"/>
-                <a:cs typeface="Times New Roman" panose="02020603050405020304" pitchFamily="18" charset="0"/>
-              </a:rPr>
-              <a:t>[1] </a:t>
-            </a:r>
-            <a:r>
-              <a:rPr lang="pt-BR" sz="1800" b="1" dirty="0">
-                <a:latin typeface="Times New Roman" panose="02020603050405020304" pitchFamily="18" charset="0"/>
-                <a:cs typeface="Times New Roman" panose="02020603050405020304" pitchFamily="18" charset="0"/>
-              </a:rPr>
-              <a:t>BENTO</a:t>
-            </a:r>
-            <a:r>
-              <a:rPr lang="pt-BR" sz="1800" dirty="0">
-                <a:latin typeface="Times New Roman" panose="02020603050405020304" pitchFamily="18" charset="0"/>
-                <a:cs typeface="Times New Roman" panose="02020603050405020304" pitchFamily="18" charset="0"/>
-              </a:rPr>
-              <a:t>, Evaldo Junior. Desenvolvimento web com PHP e MySQL. Editora Casa do Código, 2021.</a:t>
-            </a:r>
-          </a:p>
-          <a:p>
-            <a:pPr marL="0" indent="0" algn="just">
-              <a:buNone/>
-            </a:pPr>
-            <a:endParaRPr lang="pt-BR" sz="1800" dirty="0">
+            <a:endParaRPr lang="pt-BR" sz="2000" dirty="0">
               <a:latin typeface="Times New Roman" panose="02020603050405020304" pitchFamily="18" charset="0"/>
               <a:cs typeface="Times New Roman" panose="02020603050405020304" pitchFamily="18" charset="0"/>
             </a:endParaRPr>
           </a:p>
           <a:p>
-            <a:pPr marL="0" indent="0" algn="just">
-              <a:buNone/>
-            </a:pPr>
-            <a:r>
-              <a:rPr lang="pt-BR" sz="1800" dirty="0">
-                <a:latin typeface="Times New Roman" panose="02020603050405020304" pitchFamily="18" charset="0"/>
-                <a:cs typeface="Times New Roman" panose="02020603050405020304" pitchFamily="18" charset="0"/>
-              </a:rPr>
-              <a:t>[2] </a:t>
-            </a:r>
-            <a:r>
-              <a:rPr lang="pt-BR" sz="1800" b="1" dirty="0">
-                <a:latin typeface="Times New Roman" panose="02020603050405020304" pitchFamily="18" charset="0"/>
-                <a:cs typeface="Times New Roman" panose="02020603050405020304" pitchFamily="18" charset="0"/>
-              </a:rPr>
-              <a:t>LOUDON</a:t>
-            </a:r>
-            <a:r>
-              <a:rPr lang="pt-BR" sz="1800" dirty="0">
-                <a:latin typeface="Times New Roman" panose="02020603050405020304" pitchFamily="18" charset="0"/>
-                <a:cs typeface="Times New Roman" panose="02020603050405020304" pitchFamily="18" charset="0"/>
-              </a:rPr>
-              <a:t>, Kyle. Desenvolvimento de grandes aplicações Web. Revista </a:t>
-            </a:r>
-            <a:r>
-              <a:rPr lang="pt-BR" sz="1800" dirty="0" err="1">
-                <a:latin typeface="Times New Roman" panose="02020603050405020304" pitchFamily="18" charset="0"/>
-                <a:cs typeface="Times New Roman" panose="02020603050405020304" pitchFamily="18" charset="0"/>
-              </a:rPr>
-              <a:t>Telfract</a:t>
-            </a:r>
-            <a:r>
-              <a:rPr lang="pt-BR" sz="1800" dirty="0">
-                <a:latin typeface="Times New Roman" panose="02020603050405020304" pitchFamily="18" charset="0"/>
-                <a:cs typeface="Times New Roman" panose="02020603050405020304" pitchFamily="18" charset="0"/>
-              </a:rPr>
-              <a:t>, v. 1, n. 1, 2018.</a:t>
-            </a:r>
+            <a:pPr algn="just"/>
+            <a:endParaRPr lang="pt-BR" sz="2000" dirty="0">
+              <a:latin typeface="Times New Roman" panose="02020603050405020304" pitchFamily="18" charset="0"/>
+              <a:cs typeface="Times New Roman" panose="02020603050405020304" pitchFamily="18" charset="0"/>
+            </a:endParaRPr>
+          </a:p>
+          <a:p>
+            <a:pPr algn="just"/>
+            <a:endParaRPr lang="pt-BR" sz="2000" dirty="0">
+              <a:latin typeface="Calibri" panose="020F0502020204030204" pitchFamily="34" charset="0"/>
+            </a:endParaRPr>
           </a:p>
         </p:txBody>
       </p:sp>
+      <p:pic>
+        <p:nvPicPr>
+          <p:cNvPr id="10" name="Imagem 9">
+            <a:extLst>
+              <a:ext uri="{FF2B5EF4-FFF2-40B4-BE49-F238E27FC236}">
+                <a16:creationId xmlns:a16="http://schemas.microsoft.com/office/drawing/2014/main" id="{B439B967-8D77-49B2-B05C-F4BE15CC78DF}"/>
+              </a:ext>
+            </a:extLst>
+          </p:cNvPr>
+          <p:cNvPicPr>
+            <a:picLocks noChangeAspect="1"/>
+          </p:cNvPicPr>
+          <p:nvPr/>
+        </p:nvPicPr>
+        <p:blipFill>
+          <a:blip r:embed="rId3"/>
+          <a:stretch>
+            <a:fillRect/>
+          </a:stretch>
+        </p:blipFill>
+        <p:spPr>
+          <a:xfrm>
+            <a:off x="574317" y="1961105"/>
+            <a:ext cx="6550908" cy="1979830"/>
+          </a:xfrm>
+          <a:prstGeom prst="rect">
+            <a:avLst/>
+          </a:prstGeom>
+        </p:spPr>
+      </p:pic>
     </p:spTree>
     <p:extLst>
       <p:ext uri="{BB962C8B-B14F-4D97-AF65-F5344CB8AC3E}">
-        <p14:creationId xmlns:p14="http://schemas.microsoft.com/office/powerpoint/2010/main" val="1115311843"/>
+        <p14:creationId xmlns:p14="http://schemas.microsoft.com/office/powerpoint/2010/main" val="2470652989"/>
       </p:ext>
     </p:extLst>
   </p:cSld>
@@ -8077,6 +8241,198 @@
           <a:chExt cx="0" cy="0"/>
         </a:xfrm>
       </p:grpSpPr>
+      <p:sp>
+        <p:nvSpPr>
+          <p:cNvPr id="6" name="Title 1"/>
+          <p:cNvSpPr>
+            <a:spLocks noGrp="1"/>
+          </p:cNvSpPr>
+          <p:nvPr>
+            <p:ph type="title"/>
+          </p:nvPr>
+        </p:nvSpPr>
+        <p:spPr>
+          <a:xfrm>
+            <a:off x="457200" y="205980"/>
+            <a:ext cx="8229600" cy="857251"/>
+          </a:xfrm>
+        </p:spPr>
+        <p:txBody>
+          <a:bodyPr>
+            <a:normAutofit/>
+          </a:bodyPr>
+          <a:lstStyle/>
+          <a:p>
+            <a:r>
+              <a:rPr lang="en-US" b="1" dirty="0" err="1">
+                <a:solidFill>
+                  <a:srgbClr val="0070C0"/>
+                </a:solidFill>
+              </a:rPr>
+              <a:t>Referências</a:t>
+            </a:r>
+            <a:r>
+              <a:rPr lang="en-US" b="1" dirty="0">
+                <a:solidFill>
+                  <a:srgbClr val="0070C0"/>
+                </a:solidFill>
+              </a:rPr>
+              <a:t> </a:t>
+            </a:r>
+            <a:r>
+              <a:rPr lang="en-US" b="1" dirty="0" err="1">
+                <a:solidFill>
+                  <a:srgbClr val="0070C0"/>
+                </a:solidFill>
+              </a:rPr>
+              <a:t>Bibliográficas</a:t>
+            </a:r>
+            <a:endParaRPr lang="en-US" b="1" dirty="0">
+              <a:solidFill>
+                <a:srgbClr val="0070C0"/>
+              </a:solidFill>
+            </a:endParaRPr>
+          </a:p>
+        </p:txBody>
+      </p:sp>
+      <p:sp>
+        <p:nvSpPr>
+          <p:cNvPr id="8" name="Text Placeholder 2"/>
+          <p:cNvSpPr>
+            <a:spLocks noGrp="1"/>
+          </p:cNvSpPr>
+          <p:nvPr>
+            <p:ph type="body" sz="half" idx="1"/>
+          </p:nvPr>
+        </p:nvSpPr>
+        <p:spPr>
+          <a:xfrm>
+            <a:off x="142865" y="1200151"/>
+            <a:ext cx="8865056" cy="3394472"/>
+          </a:xfrm>
+        </p:spPr>
+        <p:txBody>
+          <a:bodyPr>
+            <a:noAutofit/>
+          </a:bodyPr>
+          <a:lstStyle/>
+          <a:p>
+            <a:pPr marL="0" indent="0" algn="just">
+              <a:buNone/>
+            </a:pPr>
+            <a:endParaRPr lang="pt-BR" sz="1800" dirty="0">
+              <a:latin typeface="Times New Roman" panose="02020603050405020304" pitchFamily="18" charset="0"/>
+              <a:cs typeface="Times New Roman" panose="02020603050405020304" pitchFamily="18" charset="0"/>
+            </a:endParaRPr>
+          </a:p>
+          <a:p>
+            <a:pPr marL="0" indent="0" algn="just">
+              <a:buNone/>
+            </a:pPr>
+            <a:r>
+              <a:rPr lang="pt-BR" sz="1800" dirty="0">
+                <a:latin typeface="Times New Roman" panose="02020603050405020304" pitchFamily="18" charset="0"/>
+                <a:cs typeface="Times New Roman" panose="02020603050405020304" pitchFamily="18" charset="0"/>
+              </a:rPr>
+              <a:t>[1] </a:t>
+            </a:r>
+            <a:r>
+              <a:rPr lang="pt-BR" sz="1800" b="1" dirty="0">
+                <a:latin typeface="Times New Roman" panose="02020603050405020304" pitchFamily="18" charset="0"/>
+                <a:cs typeface="Times New Roman" panose="02020603050405020304" pitchFamily="18" charset="0"/>
+              </a:rPr>
+              <a:t>BENTO</a:t>
+            </a:r>
+            <a:r>
+              <a:rPr lang="pt-BR" sz="1800" dirty="0">
+                <a:latin typeface="Times New Roman" panose="02020603050405020304" pitchFamily="18" charset="0"/>
+                <a:cs typeface="Times New Roman" panose="02020603050405020304" pitchFamily="18" charset="0"/>
+              </a:rPr>
+              <a:t>, Evaldo Junior. Desenvolvimento web com PHP e MySQL. Editora Casa do Código, 2021.</a:t>
+            </a:r>
+          </a:p>
+          <a:p>
+            <a:pPr marL="0" indent="0" algn="just">
+              <a:buNone/>
+            </a:pPr>
+            <a:endParaRPr lang="pt-BR" sz="1800" dirty="0">
+              <a:latin typeface="Times New Roman" panose="02020603050405020304" pitchFamily="18" charset="0"/>
+              <a:cs typeface="Times New Roman" panose="02020603050405020304" pitchFamily="18" charset="0"/>
+            </a:endParaRPr>
+          </a:p>
+          <a:p>
+            <a:pPr marL="0" indent="0" algn="just">
+              <a:buNone/>
+            </a:pPr>
+            <a:r>
+              <a:rPr lang="pt-BR" sz="1800" dirty="0">
+                <a:latin typeface="Times New Roman" panose="02020603050405020304" pitchFamily="18" charset="0"/>
+                <a:cs typeface="Times New Roman" panose="02020603050405020304" pitchFamily="18" charset="0"/>
+              </a:rPr>
+              <a:t>[2] </a:t>
+            </a:r>
+            <a:r>
+              <a:rPr lang="pt-BR" sz="1800" b="1" dirty="0">
+                <a:latin typeface="Times New Roman" panose="02020603050405020304" pitchFamily="18" charset="0"/>
+                <a:cs typeface="Times New Roman" panose="02020603050405020304" pitchFamily="18" charset="0"/>
+              </a:rPr>
+              <a:t>LOUDON</a:t>
+            </a:r>
+            <a:r>
+              <a:rPr lang="pt-BR" sz="1800" dirty="0">
+                <a:latin typeface="Times New Roman" panose="02020603050405020304" pitchFamily="18" charset="0"/>
+                <a:cs typeface="Times New Roman" panose="02020603050405020304" pitchFamily="18" charset="0"/>
+              </a:rPr>
+              <a:t>, Kyle. Desenvolvimento de grandes aplicações Web. Revista </a:t>
+            </a:r>
+            <a:r>
+              <a:rPr lang="pt-BR" sz="1800" dirty="0" err="1">
+                <a:latin typeface="Times New Roman" panose="02020603050405020304" pitchFamily="18" charset="0"/>
+                <a:cs typeface="Times New Roman" panose="02020603050405020304" pitchFamily="18" charset="0"/>
+              </a:rPr>
+              <a:t>Telfract</a:t>
+            </a:r>
+            <a:r>
+              <a:rPr lang="pt-BR" sz="1800" dirty="0">
+                <a:latin typeface="Times New Roman" panose="02020603050405020304" pitchFamily="18" charset="0"/>
+                <a:cs typeface="Times New Roman" panose="02020603050405020304" pitchFamily="18" charset="0"/>
+              </a:rPr>
+              <a:t>, v. 1, n. 1, 2018.</a:t>
+            </a:r>
+          </a:p>
+        </p:txBody>
+      </p:sp>
+    </p:spTree>
+    <p:extLst>
+      <p:ext uri="{BB962C8B-B14F-4D97-AF65-F5344CB8AC3E}">
+        <p14:creationId xmlns:p14="http://schemas.microsoft.com/office/powerpoint/2010/main" val="1115311843"/>
+      </p:ext>
+    </p:extLst>
+  </p:cSld>
+  <p:clrMapOvr>
+    <a:masterClrMapping/>
+  </p:clrMapOvr>
+  <p:transition spd="med"/>
+</p:sld>
+</file>
+
+<file path=ppt/slides/slide21.xml><?xml version="1.0" encoding="utf-8"?>
+<p:sld xmlns:a="http://schemas.openxmlformats.org/drawingml/2006/main" xmlns:r="http://schemas.openxmlformats.org/officeDocument/2006/relationships" xmlns:p="http://schemas.openxmlformats.org/presentationml/2006/main">
+  <p:cSld>
+    <p:spTree>
+      <p:nvGrpSpPr>
+        <p:cNvPr id="1" name=""/>
+        <p:cNvGrpSpPr/>
+        <p:nvPr/>
+      </p:nvGrpSpPr>
+      <p:grpSpPr>
+        <a:xfrm>
+          <a:off x="0" y="0"/>
+          <a:ext cx="0" cy="0"/>
+          <a:chOff x="0" y="0"/>
+          <a:chExt cx="0" cy="0"/>
+        </a:xfrm>
+      </p:grpSpPr>
       <p:pic>
         <p:nvPicPr>
           <p:cNvPr id="112" name="Picture 6" descr="Picture 6"/>
@@ -8947,8 +9303,8 @@
         </p:nvSpPr>
         <p:spPr>
           <a:xfrm>
-            <a:off x="142865" y="1200151"/>
-            <a:ext cx="8865056" cy="3609844"/>
+            <a:off x="142865" y="949630"/>
+            <a:ext cx="8865056" cy="3987889"/>
           </a:xfrm>
         </p:spPr>
         <p:txBody>
@@ -9043,71 +9399,10 @@
               <a:buFont typeface="Wingdings" panose="05000000000000000000" pitchFamily="2" charset="2"/>
               <a:buChar char="ü"/>
             </a:pPr>
-            <a:r>
-              <a:rPr lang="pt-BR" sz="2400" b="1" dirty="0">
-                <a:solidFill>
-                  <a:srgbClr val="FF0000"/>
-                </a:solidFill>
-                <a:latin typeface="Times New Roman" panose="02020603050405020304" pitchFamily="18" charset="0"/>
-                <a:cs typeface="Times New Roman" panose="02020603050405020304" pitchFamily="18" charset="0"/>
-              </a:rPr>
-              <a:t>Navegador</a:t>
-            </a:r>
-            <a:r>
-              <a:rPr lang="pt-BR" sz="2400" dirty="0">
-                <a:latin typeface="Times New Roman" panose="02020603050405020304" pitchFamily="18" charset="0"/>
-                <a:cs typeface="Times New Roman" panose="02020603050405020304" pitchFamily="18" charset="0"/>
-              </a:rPr>
-              <a:t>: </a:t>
-            </a:r>
-            <a:r>
-              <a:rPr lang="pt-BR" sz="2400" b="1" dirty="0">
-                <a:solidFill>
-                  <a:srgbClr val="0070C0"/>
-                </a:solidFill>
-                <a:latin typeface="Times New Roman" panose="02020603050405020304" pitchFamily="18" charset="0"/>
-                <a:cs typeface="Times New Roman" panose="02020603050405020304" pitchFamily="18" charset="0"/>
-              </a:rPr>
-              <a:t>Chrome</a:t>
-            </a:r>
-            <a:r>
-              <a:rPr lang="pt-BR" sz="2400" dirty="0">
-                <a:latin typeface="Times New Roman" panose="02020603050405020304" pitchFamily="18" charset="0"/>
-                <a:cs typeface="Times New Roman" panose="02020603050405020304" pitchFamily="18" charset="0"/>
-              </a:rPr>
-              <a:t>, Firefox, </a:t>
-            </a:r>
-            <a:r>
-              <a:rPr lang="pt-BR" sz="2400" b="1" dirty="0">
-                <a:solidFill>
-                  <a:srgbClr val="0070C0"/>
-                </a:solidFill>
-                <a:latin typeface="Times New Roman" panose="02020603050405020304" pitchFamily="18" charset="0"/>
-                <a:cs typeface="Times New Roman" panose="02020603050405020304" pitchFamily="18" charset="0"/>
-              </a:rPr>
-              <a:t>Microsoft Edge</a:t>
-            </a:r>
-            <a:r>
-              <a:rPr lang="pt-BR" sz="2400" dirty="0">
-                <a:latin typeface="Times New Roman" panose="02020603050405020304" pitchFamily="18" charset="0"/>
-                <a:cs typeface="Times New Roman" panose="02020603050405020304" pitchFamily="18" charset="0"/>
-              </a:rPr>
-              <a:t>, </a:t>
-            </a:r>
-            <a:r>
-              <a:rPr lang="pt-BR" sz="2400" dirty="0" err="1">
-                <a:latin typeface="Times New Roman" panose="02020603050405020304" pitchFamily="18" charset="0"/>
-                <a:cs typeface="Times New Roman" panose="02020603050405020304" pitchFamily="18" charset="0"/>
-              </a:rPr>
-              <a:t>Brave</a:t>
-            </a:r>
-            <a:r>
-              <a:rPr lang="pt-BR" sz="2400" dirty="0">
-                <a:latin typeface="Times New Roman" panose="02020603050405020304" pitchFamily="18" charset="0"/>
-                <a:cs typeface="Times New Roman" panose="02020603050405020304" pitchFamily="18" charset="0"/>
-              </a:rPr>
-              <a:t>, etc.</a:t>
-            </a:r>
+            <a:endParaRPr lang="pt-BR" sz="2400" dirty="0">
+              <a:latin typeface="Times New Roman" panose="02020603050405020304" pitchFamily="18" charset="0"/>
+              <a:cs typeface="Times New Roman" panose="02020603050405020304" pitchFamily="18" charset="0"/>
+            </a:endParaRPr>
           </a:p>
           <a:p>
             <a:pPr algn="just">
@@ -9122,14 +9417,42 @@
                 <a:latin typeface="Times New Roman" panose="02020603050405020304" pitchFamily="18" charset="0"/>
                 <a:cs typeface="Times New Roman" panose="02020603050405020304" pitchFamily="18" charset="0"/>
               </a:rPr>
-              <a:t>Editor Gráfico</a:t>
+              <a:t>Servidor Web Local</a:t>
             </a:r>
             <a:r>
               <a:rPr lang="pt-BR" sz="2400" dirty="0">
                 <a:latin typeface="Times New Roman" panose="02020603050405020304" pitchFamily="18" charset="0"/>
                 <a:cs typeface="Times New Roman" panose="02020603050405020304" pitchFamily="18" charset="0"/>
               </a:rPr>
-              <a:t>: Photoshop, Paint.NET, XD, GIMP, Corel, etc.</a:t>
+              <a:t>: </a:t>
+            </a:r>
+            <a:r>
+              <a:rPr lang="pt-BR" sz="2400" dirty="0" err="1">
+                <a:latin typeface="Times New Roman" panose="02020603050405020304" pitchFamily="18" charset="0"/>
+                <a:cs typeface="Times New Roman" panose="02020603050405020304" pitchFamily="18" charset="0"/>
+              </a:rPr>
+              <a:t>VSCode</a:t>
+            </a:r>
+            <a:r>
+              <a:rPr lang="pt-BR" sz="2400" dirty="0">
+                <a:latin typeface="Times New Roman" panose="02020603050405020304" pitchFamily="18" charset="0"/>
+                <a:cs typeface="Times New Roman" panose="02020603050405020304" pitchFamily="18" charset="0"/>
+              </a:rPr>
+              <a:t>(</a:t>
+            </a:r>
+            <a:r>
+              <a:rPr lang="pt-BR" sz="2400" dirty="0" err="1">
+                <a:latin typeface="Times New Roman" panose="02020603050405020304" pitchFamily="18" charset="0"/>
+                <a:cs typeface="Times New Roman" panose="02020603050405020304" pitchFamily="18" charset="0"/>
+              </a:rPr>
+              <a:t>Imbutido</a:t>
+            </a:r>
+            <a:r>
+              <a:rPr lang="pt-BR" sz="2400" dirty="0">
+                <a:latin typeface="Times New Roman" panose="02020603050405020304" pitchFamily="18" charset="0"/>
+                <a:cs typeface="Times New Roman" panose="02020603050405020304" pitchFamily="18" charset="0"/>
+              </a:rPr>
+              <a:t>), Apache, etc.</a:t>
             </a:r>
           </a:p>
           <a:p>
@@ -9137,68 +9460,10 @@
               <a:buFont typeface="Wingdings" panose="05000000000000000000" pitchFamily="2" charset="2"/>
               <a:buChar char="ü"/>
             </a:pPr>
-            <a:r>
-              <a:rPr lang="pt-BR" sz="2400" b="1" dirty="0">
-                <a:solidFill>
-                  <a:srgbClr val="FF0000"/>
-                </a:solidFill>
-                <a:latin typeface="Times New Roman" panose="02020603050405020304" pitchFamily="18" charset="0"/>
-                <a:cs typeface="Times New Roman" panose="02020603050405020304" pitchFamily="18" charset="0"/>
-              </a:rPr>
-              <a:t>Sistema de Controle de Versão</a:t>
-            </a:r>
-            <a:r>
-              <a:rPr lang="pt-BR" sz="2400" dirty="0">
-                <a:latin typeface="Times New Roman" panose="02020603050405020304" pitchFamily="18" charset="0"/>
-                <a:cs typeface="Times New Roman" panose="02020603050405020304" pitchFamily="18" charset="0"/>
-              </a:rPr>
-              <a:t>: </a:t>
-            </a:r>
-            <a:r>
-              <a:rPr lang="pt-BR" sz="2400" b="1" dirty="0">
-                <a:solidFill>
-                  <a:srgbClr val="0070C0"/>
-                </a:solidFill>
-                <a:latin typeface="Times New Roman" panose="02020603050405020304" pitchFamily="18" charset="0"/>
-                <a:cs typeface="Times New Roman" panose="02020603050405020304" pitchFamily="18" charset="0"/>
-              </a:rPr>
-              <a:t>GitHub</a:t>
-            </a:r>
-            <a:r>
-              <a:rPr lang="pt-BR" sz="2400" dirty="0">
-                <a:latin typeface="Times New Roman" panose="02020603050405020304" pitchFamily="18" charset="0"/>
-                <a:cs typeface="Times New Roman" panose="02020603050405020304" pitchFamily="18" charset="0"/>
-              </a:rPr>
-              <a:t>, </a:t>
-            </a:r>
-            <a:r>
-              <a:rPr lang="pt-BR" sz="2400" dirty="0" err="1">
-                <a:latin typeface="Times New Roman" panose="02020603050405020304" pitchFamily="18" charset="0"/>
-                <a:cs typeface="Times New Roman" panose="02020603050405020304" pitchFamily="18" charset="0"/>
-              </a:rPr>
-              <a:t>GitLab</a:t>
-            </a:r>
-            <a:r>
-              <a:rPr lang="pt-BR" sz="2400" dirty="0">
-                <a:latin typeface="Times New Roman" panose="02020603050405020304" pitchFamily="18" charset="0"/>
-                <a:cs typeface="Times New Roman" panose="02020603050405020304" pitchFamily="18" charset="0"/>
-              </a:rPr>
-              <a:t>, </a:t>
-            </a:r>
-            <a:r>
-              <a:rPr lang="pt-BR" sz="2400" dirty="0" err="1">
-                <a:latin typeface="Times New Roman" panose="02020603050405020304" pitchFamily="18" charset="0"/>
-                <a:cs typeface="Times New Roman" panose="02020603050405020304" pitchFamily="18" charset="0"/>
-              </a:rPr>
-              <a:t>Git</a:t>
-            </a:r>
-            <a:r>
-              <a:rPr lang="pt-BR" sz="2400" dirty="0">
-                <a:latin typeface="Times New Roman" panose="02020603050405020304" pitchFamily="18" charset="0"/>
-                <a:cs typeface="Times New Roman" panose="02020603050405020304" pitchFamily="18" charset="0"/>
-              </a:rPr>
-              <a:t>, etc.</a:t>
-            </a:r>
+            <a:endParaRPr lang="pt-BR" sz="2400" dirty="0">
+              <a:latin typeface="Times New Roman" panose="02020603050405020304" pitchFamily="18" charset="0"/>
+              <a:cs typeface="Times New Roman" panose="02020603050405020304" pitchFamily="18" charset="0"/>
+            </a:endParaRPr>
           </a:p>
           <a:p>
             <a:pPr algn="just">
@@ -9213,63 +9478,55 @@
                 <a:latin typeface="Times New Roman" panose="02020603050405020304" pitchFamily="18" charset="0"/>
                 <a:cs typeface="Times New Roman" panose="02020603050405020304" pitchFamily="18" charset="0"/>
               </a:rPr>
-              <a:t>Hospedagem Web</a:t>
+              <a:t>Navegador</a:t>
             </a:r>
             <a:r>
               <a:rPr lang="pt-BR" sz="2400" dirty="0">
                 <a:latin typeface="Times New Roman" panose="02020603050405020304" pitchFamily="18" charset="0"/>
                 <a:cs typeface="Times New Roman" panose="02020603050405020304" pitchFamily="18" charset="0"/>
               </a:rPr>
-              <a:t>: FTP, </a:t>
+              <a:t>: </a:t>
+            </a:r>
+            <a:r>
+              <a:rPr lang="pt-BR" sz="2400" b="1" dirty="0">
+                <a:solidFill>
+                  <a:srgbClr val="0070C0"/>
+                </a:solidFill>
+                <a:latin typeface="Times New Roman" panose="02020603050405020304" pitchFamily="18" charset="0"/>
+                <a:cs typeface="Times New Roman" panose="02020603050405020304" pitchFamily="18" charset="0"/>
+              </a:rPr>
+              <a:t>Chrome</a:t>
+            </a:r>
+            <a:r>
+              <a:rPr lang="pt-BR" sz="2400" dirty="0">
+                <a:latin typeface="Times New Roman" panose="02020603050405020304" pitchFamily="18" charset="0"/>
+                <a:cs typeface="Times New Roman" panose="02020603050405020304" pitchFamily="18" charset="0"/>
+              </a:rPr>
+              <a:t>, Firefox, </a:t>
+            </a:r>
+            <a:r>
+              <a:rPr lang="pt-BR" sz="2400" b="1" dirty="0">
+                <a:solidFill>
+                  <a:srgbClr val="0070C0"/>
+                </a:solidFill>
+                <a:latin typeface="Times New Roman" panose="02020603050405020304" pitchFamily="18" charset="0"/>
+                <a:cs typeface="Times New Roman" panose="02020603050405020304" pitchFamily="18" charset="0"/>
+              </a:rPr>
+              <a:t>Microsoft Edge</a:t>
+            </a:r>
+            <a:r>
+              <a:rPr lang="pt-BR" sz="2400" dirty="0">
+                <a:latin typeface="Times New Roman" panose="02020603050405020304" pitchFamily="18" charset="0"/>
+                <a:cs typeface="Times New Roman" panose="02020603050405020304" pitchFamily="18" charset="0"/>
+              </a:rPr>
+              <a:t>, </a:t>
             </a:r>
             <a:r>
               <a:rPr lang="pt-BR" sz="2400" dirty="0" err="1">
                 <a:latin typeface="Times New Roman" panose="02020603050405020304" pitchFamily="18" charset="0"/>
                 <a:cs typeface="Times New Roman" panose="02020603050405020304" pitchFamily="18" charset="0"/>
               </a:rPr>
-              <a:t>Git</a:t>
-            </a:r>
-            <a:r>
-              <a:rPr lang="pt-BR" sz="2400" dirty="0">
-                <a:latin typeface="Times New Roman" panose="02020603050405020304" pitchFamily="18" charset="0"/>
-                <a:cs typeface="Times New Roman" panose="02020603050405020304" pitchFamily="18" charset="0"/>
-              </a:rPr>
-              <a:t>, </a:t>
-            </a:r>
-            <a:r>
-              <a:rPr lang="pt-BR" sz="2400" dirty="0" err="1">
-                <a:latin typeface="Times New Roman" panose="02020603050405020304" pitchFamily="18" charset="0"/>
-                <a:cs typeface="Times New Roman" panose="02020603050405020304" pitchFamily="18" charset="0"/>
-              </a:rPr>
-              <a:t>Cyberduck</a:t>
-            </a:r>
-            <a:r>
-              <a:rPr lang="pt-BR" sz="2400" dirty="0">
-                <a:latin typeface="Times New Roman" panose="02020603050405020304" pitchFamily="18" charset="0"/>
-                <a:cs typeface="Times New Roman" panose="02020603050405020304" pitchFamily="18" charset="0"/>
-              </a:rPr>
-              <a:t>, </a:t>
-            </a:r>
-            <a:r>
-              <a:rPr lang="pt-BR" sz="2400" dirty="0" err="1">
-                <a:latin typeface="Times New Roman" panose="02020603050405020304" pitchFamily="18" charset="0"/>
-                <a:cs typeface="Times New Roman" panose="02020603050405020304" pitchFamily="18" charset="0"/>
-              </a:rPr>
-              <a:t>Fetch</a:t>
-            </a:r>
-            <a:r>
-              <a:rPr lang="pt-BR" sz="2400" dirty="0">
-                <a:latin typeface="Times New Roman" panose="02020603050405020304" pitchFamily="18" charset="0"/>
-                <a:cs typeface="Times New Roman" panose="02020603050405020304" pitchFamily="18" charset="0"/>
-              </a:rPr>
-              <a:t>, </a:t>
-            </a:r>
-            <a:r>
-              <a:rPr lang="pt-BR" sz="2400" dirty="0" err="1">
-                <a:latin typeface="Times New Roman" panose="02020603050405020304" pitchFamily="18" charset="0"/>
-                <a:cs typeface="Times New Roman" panose="02020603050405020304" pitchFamily="18" charset="0"/>
-              </a:rPr>
-              <a:t>FileZilla</a:t>
+              <a:t>Brave</a:t>
             </a:r>
             <a:r>
               <a:rPr lang="pt-BR" sz="2400" dirty="0">
@@ -9284,37 +9541,10 @@
               <a:buFont typeface="Wingdings" panose="05000000000000000000" pitchFamily="2" charset="2"/>
               <a:buChar char="ü"/>
             </a:pPr>
-            <a:r>
-              <a:rPr lang="pt-BR" sz="2400" b="1" dirty="0">
-                <a:solidFill>
-                  <a:srgbClr val="FF0000"/>
-                </a:solidFill>
-                <a:latin typeface="Times New Roman" panose="02020603050405020304" pitchFamily="18" charset="0"/>
-                <a:cs typeface="Times New Roman" panose="02020603050405020304" pitchFamily="18" charset="0"/>
-              </a:rPr>
-              <a:t>Sistema de Automação (testes)</a:t>
-            </a:r>
-            <a:r>
-              <a:rPr lang="pt-BR" sz="2400" dirty="0">
-                <a:latin typeface="Times New Roman" panose="02020603050405020304" pitchFamily="18" charset="0"/>
-                <a:cs typeface="Times New Roman" panose="02020603050405020304" pitchFamily="18" charset="0"/>
-              </a:rPr>
-              <a:t>: </a:t>
-            </a:r>
-            <a:r>
-              <a:rPr lang="pt-BR" sz="2400" dirty="0" err="1">
-                <a:latin typeface="Times New Roman" panose="02020603050405020304" pitchFamily="18" charset="0"/>
-                <a:cs typeface="Times New Roman" panose="02020603050405020304" pitchFamily="18" charset="0"/>
-              </a:rPr>
-              <a:t>Grunt</a:t>
-            </a:r>
-            <a:r>
-              <a:rPr lang="pt-BR" sz="2400" dirty="0">
-                <a:latin typeface="Times New Roman" panose="02020603050405020304" pitchFamily="18" charset="0"/>
-                <a:cs typeface="Times New Roman" panose="02020603050405020304" pitchFamily="18" charset="0"/>
-              </a:rPr>
-              <a:t>, Jenkins, etc.</a:t>
-            </a:r>
+            <a:endParaRPr lang="pt-BR" sz="2400" dirty="0">
+              <a:latin typeface="Times New Roman" panose="02020603050405020304" pitchFamily="18" charset="0"/>
+              <a:cs typeface="Times New Roman" panose="02020603050405020304" pitchFamily="18" charset="0"/>
+            </a:endParaRPr>
           </a:p>
           <a:p>
             <a:pPr algn="just">
@@ -9329,7 +9559,7 @@
                 <a:latin typeface="Times New Roman" panose="02020603050405020304" pitchFamily="18" charset="0"/>
                 <a:cs typeface="Times New Roman" panose="02020603050405020304" pitchFamily="18" charset="0"/>
               </a:rPr>
-              <a:t>Acelerar Escrita</a:t>
+              <a:t>Repositório de Dados Remoto</a:t>
             </a:r>
             <a:r>
               <a:rPr lang="pt-BR" sz="2400" dirty="0">
@@ -9339,24 +9569,28 @@
               <a:t>: </a:t>
             </a:r>
             <a:r>
-              <a:rPr lang="pt-BR" sz="2400" b="1" dirty="0" err="1">
+              <a:rPr lang="pt-BR" sz="2400" b="1" dirty="0">
                 <a:solidFill>
                   <a:srgbClr val="0070C0"/>
                 </a:solidFill>
                 <a:latin typeface="Times New Roman" panose="02020603050405020304" pitchFamily="18" charset="0"/>
                 <a:cs typeface="Times New Roman" panose="02020603050405020304" pitchFamily="18" charset="0"/>
               </a:rPr>
-              <a:t>Templates</a:t>
-            </a:r>
-            <a:r>
-              <a:rPr lang="pt-BR" sz="2400" b="1" dirty="0">
-                <a:solidFill>
-                  <a:srgbClr val="0070C0"/>
-                </a:solidFill>
-                <a:latin typeface="Times New Roman" panose="02020603050405020304" pitchFamily="18" charset="0"/>
-                <a:cs typeface="Times New Roman" panose="02020603050405020304" pitchFamily="18" charset="0"/>
-              </a:rPr>
-              <a:t>, Bibliotecas, Frameworks</a:t>
+              <a:t>GitHub</a:t>
+            </a:r>
+            <a:r>
+              <a:rPr lang="pt-BR" sz="2400" dirty="0">
+                <a:latin typeface="Times New Roman" panose="02020603050405020304" pitchFamily="18" charset="0"/>
+                <a:cs typeface="Times New Roman" panose="02020603050405020304" pitchFamily="18" charset="0"/>
+              </a:rPr>
+              <a:t>, </a:t>
+            </a:r>
+            <a:r>
+              <a:rPr lang="pt-BR" sz="2400" dirty="0" err="1">
+                <a:latin typeface="Times New Roman" panose="02020603050405020304" pitchFamily="18" charset="0"/>
+                <a:cs typeface="Times New Roman" panose="02020603050405020304" pitchFamily="18" charset="0"/>
+              </a:rPr>
+              <a:t>GitLab</a:t>
             </a:r>
             <a:r>
               <a:rPr lang="pt-BR" sz="2400" dirty="0">
@@ -9371,62 +9605,67 @@
               <a:buFont typeface="Wingdings" panose="05000000000000000000" pitchFamily="2" charset="2"/>
               <a:buChar char="ü"/>
             </a:pPr>
-            <a:r>
-              <a:rPr lang="pt-BR" sz="2400" b="1" dirty="0">
-                <a:solidFill>
-                  <a:srgbClr val="FF0000"/>
-                </a:solidFill>
-                <a:latin typeface="Times New Roman" panose="02020603050405020304" pitchFamily="18" charset="0"/>
-                <a:cs typeface="Times New Roman" panose="02020603050405020304" pitchFamily="18" charset="0"/>
-              </a:rPr>
-              <a:t>Servidor Web Local</a:t>
-            </a:r>
-            <a:r>
-              <a:rPr lang="pt-BR" sz="2400" dirty="0">
-                <a:latin typeface="Times New Roman" panose="02020603050405020304" pitchFamily="18" charset="0"/>
-                <a:cs typeface="Times New Roman" panose="02020603050405020304" pitchFamily="18" charset="0"/>
-              </a:rPr>
-              <a:t>: </a:t>
-            </a:r>
-            <a:r>
-              <a:rPr lang="pt-BR" sz="2400" dirty="0" err="1">
-                <a:latin typeface="Times New Roman" panose="02020603050405020304" pitchFamily="18" charset="0"/>
-                <a:cs typeface="Times New Roman" panose="02020603050405020304" pitchFamily="18" charset="0"/>
-              </a:rPr>
-              <a:t>VSCode</a:t>
-            </a:r>
-            <a:r>
-              <a:rPr lang="pt-BR" sz="2400" dirty="0">
-                <a:latin typeface="Times New Roman" panose="02020603050405020304" pitchFamily="18" charset="0"/>
-                <a:cs typeface="Times New Roman" panose="02020603050405020304" pitchFamily="18" charset="0"/>
-              </a:rPr>
-              <a:t>(</a:t>
-            </a:r>
-            <a:r>
-              <a:rPr lang="pt-BR" sz="2400" dirty="0" err="1">
-                <a:latin typeface="Times New Roman" panose="02020603050405020304" pitchFamily="18" charset="0"/>
-                <a:cs typeface="Times New Roman" panose="02020603050405020304" pitchFamily="18" charset="0"/>
-              </a:rPr>
-              <a:t>Imbutido</a:t>
-            </a:r>
-            <a:r>
-              <a:rPr lang="pt-BR" sz="2400" dirty="0">
-                <a:latin typeface="Times New Roman" panose="02020603050405020304" pitchFamily="18" charset="0"/>
-                <a:cs typeface="Times New Roman" panose="02020603050405020304" pitchFamily="18" charset="0"/>
-              </a:rPr>
-              <a:t>), Apache</a:t>
-            </a:r>
-            <a:r>
-              <a:rPr lang="pt-BR" sz="2400">
-                <a:latin typeface="Times New Roman" panose="02020603050405020304" pitchFamily="18" charset="0"/>
-                <a:cs typeface="Times New Roman" panose="02020603050405020304" pitchFamily="18" charset="0"/>
-              </a:rPr>
-              <a:t>, etc.</a:t>
-            </a:r>
             <a:endParaRPr lang="pt-BR" sz="2400" dirty="0">
               <a:latin typeface="Times New Roman" panose="02020603050405020304" pitchFamily="18" charset="0"/>
               <a:cs typeface="Times New Roman" panose="02020603050405020304" pitchFamily="18" charset="0"/>
             </a:endParaRPr>
+          </a:p>
+          <a:p>
+            <a:pPr algn="just">
+              <a:buFont typeface="Wingdings" panose="05000000000000000000" pitchFamily="2" charset="2"/>
+              <a:buChar char="ü"/>
+            </a:pPr>
+            <a:r>
+              <a:rPr lang="pt-BR" sz="2400" b="1" dirty="0">
+                <a:solidFill>
+                  <a:srgbClr val="FF0000"/>
+                </a:solidFill>
+                <a:latin typeface="Times New Roman" panose="02020603050405020304" pitchFamily="18" charset="0"/>
+                <a:cs typeface="Times New Roman" panose="02020603050405020304" pitchFamily="18" charset="0"/>
+              </a:rPr>
+              <a:t>Sistema de Controle de Versão</a:t>
+            </a:r>
+            <a:r>
+              <a:rPr lang="pt-BR" sz="2400" dirty="0">
+                <a:latin typeface="Times New Roman" panose="02020603050405020304" pitchFamily="18" charset="0"/>
+                <a:cs typeface="Times New Roman" panose="02020603050405020304" pitchFamily="18" charset="0"/>
+              </a:rPr>
+              <a:t>: </a:t>
+            </a:r>
+            <a:r>
+              <a:rPr lang="pt-BR" sz="2400" b="1" dirty="0" err="1">
+                <a:solidFill>
+                  <a:srgbClr val="0070C0"/>
+                </a:solidFill>
+                <a:latin typeface="Times New Roman" panose="02020603050405020304" pitchFamily="18" charset="0"/>
+                <a:cs typeface="Times New Roman" panose="02020603050405020304" pitchFamily="18" charset="0"/>
+              </a:rPr>
+              <a:t>Cmder</a:t>
+            </a:r>
+            <a:r>
+              <a:rPr lang="pt-BR" sz="2400" dirty="0">
+                <a:latin typeface="Times New Roman" panose="02020603050405020304" pitchFamily="18" charset="0"/>
+                <a:cs typeface="Times New Roman" panose="02020603050405020304" pitchFamily="18" charset="0"/>
+              </a:rPr>
+              <a:t>, </a:t>
+            </a:r>
+            <a:r>
+              <a:rPr lang="pt-BR" sz="2400" b="1" dirty="0" err="1">
+                <a:solidFill>
+                  <a:srgbClr val="FF0000"/>
+                </a:solidFill>
+                <a:latin typeface="Times New Roman" panose="02020603050405020304" pitchFamily="18" charset="0"/>
+                <a:cs typeface="Times New Roman" panose="02020603050405020304" pitchFamily="18" charset="0"/>
+              </a:rPr>
+              <a:t>Git</a:t>
+            </a:r>
+            <a:r>
+              <a:rPr lang="pt-BR" sz="2400" dirty="0">
+                <a:latin typeface="Times New Roman" panose="02020603050405020304" pitchFamily="18" charset="0"/>
+                <a:cs typeface="Times New Roman" panose="02020603050405020304" pitchFamily="18" charset="0"/>
+              </a:rPr>
+              <a:t>, etc.</a:t>
+            </a:r>
           </a:p>
         </p:txBody>
       </p:sp>
@@ -9487,7 +9726,7 @@
                   <a:srgbClr val="0070C0"/>
                 </a:solidFill>
               </a:rPr>
-              <a:t>Caracterização</a:t>
+              <a:t>Contextualização</a:t>
             </a:r>
             <a:r>
               <a:rPr lang="en-US" b="1" dirty="0">
@@ -9495,7 +9734,7 @@
                   <a:srgbClr val="0070C0"/>
                 </a:solidFill>
               </a:rPr>
-              <a:t> </a:t>
+              <a:t> - </a:t>
             </a:r>
             <a:r>
               <a:rPr lang="en-US" b="1" dirty="0" err="1">
@@ -9503,16 +9742,13 @@
                   <a:srgbClr val="0070C0"/>
                 </a:solidFill>
               </a:rPr>
-              <a:t>Marcação</a:t>
-            </a:r>
-            <a:r>
-              <a:rPr lang="en-US" b="1" dirty="0">
-                <a:solidFill>
-                  <a:srgbClr val="0070C0"/>
-                </a:solidFill>
-              </a:rPr>
-              <a:t> (HTML)</a:t>
-            </a:r>
+              <a:t>Ambiente</a:t>
+            </a:r>
+            <a:endParaRPr lang="en-US" b="1" dirty="0">
+              <a:solidFill>
+                <a:srgbClr val="0070C0"/>
+              </a:solidFill>
+            </a:endParaRPr>
           </a:p>
         </p:txBody>
       </p:sp>
@@ -9529,7 +9765,7 @@
         <p:spPr>
           <a:xfrm>
             <a:off x="142865" y="1200151"/>
-            <a:ext cx="8865056" cy="3394472"/>
+            <a:ext cx="8865056" cy="3609844"/>
           </a:xfrm>
         </p:spPr>
         <p:txBody>
@@ -9538,124 +9774,273 @@
           </a:bodyPr>
           <a:lstStyle/>
           <a:p>
-            <a:pPr marL="0" indent="0" algn="just">
-              <a:buNone/>
+            <a:pPr algn="just">
+              <a:buFont typeface="Wingdings" panose="05000000000000000000" pitchFamily="2" charset="2"/>
+              <a:buChar char="ü"/>
             </a:pPr>
             <a:r>
+              <a:rPr lang="pt-BR" sz="2400" b="1" dirty="0">
+                <a:solidFill>
+                  <a:srgbClr val="FF0000"/>
+                </a:solidFill>
+                <a:latin typeface="Times New Roman" panose="02020603050405020304" pitchFamily="18" charset="0"/>
+                <a:cs typeface="Times New Roman" panose="02020603050405020304" pitchFamily="18" charset="0"/>
+              </a:rPr>
+              <a:t>Editor Gráfico</a:t>
+            </a:r>
+            <a:r>
               <a:rPr lang="pt-BR" sz="2400" dirty="0">
                 <a:latin typeface="Times New Roman" panose="02020603050405020304" pitchFamily="18" charset="0"/>
                 <a:cs typeface="Times New Roman" panose="02020603050405020304" pitchFamily="18" charset="0"/>
               </a:rPr>
-              <a:t>Criada pelo </a:t>
+              <a:t>: </a:t>
             </a:r>
             <a:r>
               <a:rPr lang="pt-BR" sz="2400" b="1" dirty="0">
-                <a:latin typeface="Times New Roman" panose="02020603050405020304" pitchFamily="18" charset="0"/>
-                <a:cs typeface="Times New Roman" panose="02020603050405020304" pitchFamily="18" charset="0"/>
-              </a:rPr>
-              <a:t>britânico Tim Berners-Lee</a:t>
+                <a:solidFill>
+                  <a:srgbClr val="0070C0"/>
+                </a:solidFill>
+                <a:latin typeface="Times New Roman" panose="02020603050405020304" pitchFamily="18" charset="0"/>
+                <a:cs typeface="Times New Roman" panose="02020603050405020304" pitchFamily="18" charset="0"/>
+              </a:rPr>
+              <a:t>Photoshop</a:t>
             </a:r>
             <a:r>
               <a:rPr lang="pt-BR" sz="2400" dirty="0">
                 <a:latin typeface="Times New Roman" panose="02020603050405020304" pitchFamily="18" charset="0"/>
                 <a:cs typeface="Times New Roman" panose="02020603050405020304" pitchFamily="18" charset="0"/>
               </a:rPr>
-              <a:t>, o </a:t>
-            </a:r>
-            <a:r>
-              <a:rPr lang="pt-BR" sz="2400" b="1" dirty="0">
-                <a:solidFill>
-                  <a:srgbClr val="FF0000"/>
-                </a:solidFill>
-                <a:latin typeface="Times New Roman" panose="02020603050405020304" pitchFamily="18" charset="0"/>
-                <a:cs typeface="Times New Roman" panose="02020603050405020304" pitchFamily="18" charset="0"/>
-              </a:rPr>
-              <a:t>acrônimo</a:t>
-            </a:r>
-            <a:r>
-              <a:rPr lang="pt-BR" sz="2400" dirty="0">
-                <a:latin typeface="Times New Roman" panose="02020603050405020304" pitchFamily="18" charset="0"/>
-                <a:cs typeface="Times New Roman" panose="02020603050405020304" pitchFamily="18" charset="0"/>
-              </a:rPr>
-              <a:t> </a:t>
-            </a:r>
-            <a:r>
-              <a:rPr lang="pt-BR" sz="2400" b="1" dirty="0">
-                <a:latin typeface="Times New Roman" panose="02020603050405020304" pitchFamily="18" charset="0"/>
-                <a:cs typeface="Times New Roman" panose="02020603050405020304" pitchFamily="18" charset="0"/>
-              </a:rPr>
-              <a:t>HTML</a:t>
-            </a:r>
-            <a:r>
-              <a:rPr lang="pt-BR" sz="2400" dirty="0">
-                <a:latin typeface="Times New Roman" panose="02020603050405020304" pitchFamily="18" charset="0"/>
-                <a:cs typeface="Times New Roman" panose="02020603050405020304" pitchFamily="18" charset="0"/>
-              </a:rPr>
-              <a:t> significa </a:t>
-            </a:r>
-            <a:r>
-              <a:rPr lang="pt-BR" sz="2400" b="1" dirty="0" err="1">
-                <a:solidFill>
-                  <a:srgbClr val="FF0000"/>
-                </a:solidFill>
-                <a:latin typeface="Times New Roman" panose="02020603050405020304" pitchFamily="18" charset="0"/>
-                <a:cs typeface="Times New Roman" panose="02020603050405020304" pitchFamily="18" charset="0"/>
-              </a:rPr>
-              <a:t>HiperText</a:t>
-            </a:r>
-            <a:r>
-              <a:rPr lang="pt-BR" sz="2400" b="1" dirty="0">
-                <a:solidFill>
-                  <a:srgbClr val="FF0000"/>
-                </a:solidFill>
-                <a:latin typeface="Times New Roman" panose="02020603050405020304" pitchFamily="18" charset="0"/>
-                <a:cs typeface="Times New Roman" panose="02020603050405020304" pitchFamily="18" charset="0"/>
-              </a:rPr>
-              <a:t> Markup </a:t>
-            </a:r>
-            <a:r>
-              <a:rPr lang="pt-BR" sz="2400" b="1" dirty="0" err="1">
-                <a:solidFill>
-                  <a:srgbClr val="FF0000"/>
-                </a:solidFill>
-                <a:latin typeface="Times New Roman" panose="02020603050405020304" pitchFamily="18" charset="0"/>
-                <a:cs typeface="Times New Roman" panose="02020603050405020304" pitchFamily="18" charset="0"/>
-              </a:rPr>
-              <a:t>Language</a:t>
-            </a:r>
-            <a:r>
-              <a:rPr lang="pt-BR" sz="2400" dirty="0">
-                <a:latin typeface="Times New Roman" panose="02020603050405020304" pitchFamily="18" charset="0"/>
-                <a:cs typeface="Times New Roman" panose="02020603050405020304" pitchFamily="18" charset="0"/>
-              </a:rPr>
-              <a:t>, traduzindo ao português: Linguagem de Marcação de Hipertexto.</a:t>
-            </a:r>
-          </a:p>
-          <a:p>
-            <a:pPr marL="0" indent="0" algn="just">
-              <a:buNone/>
+              <a:t>, Paint.NET, XD, GIMP, Corel, etc.</a:t>
+            </a:r>
+          </a:p>
+          <a:p>
+            <a:pPr algn="just">
+              <a:buFont typeface="Wingdings" panose="05000000000000000000" pitchFamily="2" charset="2"/>
+              <a:buChar char="ü"/>
             </a:pPr>
             <a:endParaRPr lang="pt-BR" sz="2400" dirty="0">
-              <a:solidFill>
-                <a:schemeClr val="tx1"/>
-              </a:solidFill>
               <a:latin typeface="Times New Roman" panose="02020603050405020304" pitchFamily="18" charset="0"/>
               <a:cs typeface="Times New Roman" panose="02020603050405020304" pitchFamily="18" charset="0"/>
             </a:endParaRPr>
           </a:p>
           <a:p>
-            <a:pPr marL="0" indent="0" algn="just">
-              <a:buNone/>
+            <a:pPr algn="just">
+              <a:buFont typeface="Wingdings" panose="05000000000000000000" pitchFamily="2" charset="2"/>
+              <a:buChar char="ü"/>
             </a:pPr>
             <a:r>
+              <a:rPr lang="pt-BR" sz="2400" b="1" dirty="0">
+                <a:solidFill>
+                  <a:srgbClr val="FF0000"/>
+                </a:solidFill>
+                <a:latin typeface="Times New Roman" panose="02020603050405020304" pitchFamily="18" charset="0"/>
+                <a:cs typeface="Times New Roman" panose="02020603050405020304" pitchFamily="18" charset="0"/>
+              </a:rPr>
+              <a:t>Hospedagem Web</a:t>
+            </a:r>
+            <a:r>
               <a:rPr lang="pt-BR" sz="2400" dirty="0">
-                <a:solidFill>
-                  <a:schemeClr val="tx1"/>
-                </a:solidFill>
-                <a:latin typeface="Times New Roman" panose="02020603050405020304" pitchFamily="18" charset="0"/>
-                <a:cs typeface="Times New Roman" panose="02020603050405020304" pitchFamily="18" charset="0"/>
-              </a:rPr>
-              <a:t>Permite inserir o conteúdo e estabelecer a estrutura básica de um website. Portanto, ele serve para dar significado e organizar as informações de uma página na web. </a:t>
+                <a:latin typeface="Times New Roman" panose="02020603050405020304" pitchFamily="18" charset="0"/>
+                <a:cs typeface="Times New Roman" panose="02020603050405020304" pitchFamily="18" charset="0"/>
+              </a:rPr>
+              <a:t>: </a:t>
+            </a:r>
+            <a:r>
+              <a:rPr lang="pt-BR" sz="2400" b="1" dirty="0">
+                <a:solidFill>
+                  <a:srgbClr val="0070C0"/>
+                </a:solidFill>
+                <a:latin typeface="Times New Roman" panose="02020603050405020304" pitchFamily="18" charset="0"/>
+                <a:cs typeface="Times New Roman" panose="02020603050405020304" pitchFamily="18" charset="0"/>
+              </a:rPr>
+              <a:t>FTP</a:t>
+            </a:r>
+            <a:r>
+              <a:rPr lang="pt-BR" sz="2400" dirty="0">
+                <a:latin typeface="Times New Roman" panose="02020603050405020304" pitchFamily="18" charset="0"/>
+                <a:cs typeface="Times New Roman" panose="02020603050405020304" pitchFamily="18" charset="0"/>
+              </a:rPr>
+              <a:t>, </a:t>
+            </a:r>
+            <a:r>
+              <a:rPr lang="pt-BR" sz="2400" dirty="0" err="1">
+                <a:latin typeface="Times New Roman" panose="02020603050405020304" pitchFamily="18" charset="0"/>
+                <a:cs typeface="Times New Roman" panose="02020603050405020304" pitchFamily="18" charset="0"/>
+              </a:rPr>
+              <a:t>Git</a:t>
+            </a:r>
+            <a:r>
+              <a:rPr lang="pt-BR" sz="2400" dirty="0">
+                <a:latin typeface="Times New Roman" panose="02020603050405020304" pitchFamily="18" charset="0"/>
+                <a:cs typeface="Times New Roman" panose="02020603050405020304" pitchFamily="18" charset="0"/>
+              </a:rPr>
+              <a:t>, </a:t>
+            </a:r>
+            <a:r>
+              <a:rPr lang="pt-BR" sz="2400" dirty="0" err="1">
+                <a:latin typeface="Times New Roman" panose="02020603050405020304" pitchFamily="18" charset="0"/>
+                <a:cs typeface="Times New Roman" panose="02020603050405020304" pitchFamily="18" charset="0"/>
+              </a:rPr>
+              <a:t>Cyberduck</a:t>
+            </a:r>
+            <a:r>
+              <a:rPr lang="pt-BR" sz="2400" dirty="0">
+                <a:latin typeface="Times New Roman" panose="02020603050405020304" pitchFamily="18" charset="0"/>
+                <a:cs typeface="Times New Roman" panose="02020603050405020304" pitchFamily="18" charset="0"/>
+              </a:rPr>
+              <a:t>, </a:t>
+            </a:r>
+            <a:r>
+              <a:rPr lang="pt-BR" sz="2400" dirty="0" err="1">
+                <a:latin typeface="Times New Roman" panose="02020603050405020304" pitchFamily="18" charset="0"/>
+                <a:cs typeface="Times New Roman" panose="02020603050405020304" pitchFamily="18" charset="0"/>
+              </a:rPr>
+              <a:t>Fetch</a:t>
+            </a:r>
+            <a:r>
+              <a:rPr lang="pt-BR" sz="2400" dirty="0">
+                <a:latin typeface="Times New Roman" panose="02020603050405020304" pitchFamily="18" charset="0"/>
+                <a:cs typeface="Times New Roman" panose="02020603050405020304" pitchFamily="18" charset="0"/>
+              </a:rPr>
+              <a:t>, </a:t>
+            </a:r>
+            <a:r>
+              <a:rPr lang="pt-BR" sz="2400" dirty="0" err="1">
+                <a:latin typeface="Times New Roman" panose="02020603050405020304" pitchFamily="18" charset="0"/>
+                <a:cs typeface="Times New Roman" panose="02020603050405020304" pitchFamily="18" charset="0"/>
+              </a:rPr>
+              <a:t>FileZilla</a:t>
+            </a:r>
+            <a:r>
+              <a:rPr lang="pt-BR" sz="2400" dirty="0">
+                <a:latin typeface="Times New Roman" panose="02020603050405020304" pitchFamily="18" charset="0"/>
+                <a:cs typeface="Times New Roman" panose="02020603050405020304" pitchFamily="18" charset="0"/>
+              </a:rPr>
+              <a:t>, etc.</a:t>
+            </a:r>
+          </a:p>
+          <a:p>
+            <a:pPr algn="just">
+              <a:buFont typeface="Wingdings" panose="05000000000000000000" pitchFamily="2" charset="2"/>
+              <a:buChar char="ü"/>
+            </a:pPr>
+            <a:endParaRPr lang="pt-BR" sz="2400" dirty="0">
+              <a:latin typeface="Times New Roman" panose="02020603050405020304" pitchFamily="18" charset="0"/>
+              <a:cs typeface="Times New Roman" panose="02020603050405020304" pitchFamily="18" charset="0"/>
+            </a:endParaRPr>
+          </a:p>
+          <a:p>
+            <a:pPr algn="just">
+              <a:buFont typeface="Wingdings" panose="05000000000000000000" pitchFamily="2" charset="2"/>
+              <a:buChar char="ü"/>
+            </a:pPr>
+            <a:r>
+              <a:rPr lang="pt-BR" sz="2400" b="1" dirty="0">
+                <a:solidFill>
+                  <a:srgbClr val="FF0000"/>
+                </a:solidFill>
+                <a:latin typeface="Times New Roman" panose="02020603050405020304" pitchFamily="18" charset="0"/>
+                <a:cs typeface="Times New Roman" panose="02020603050405020304" pitchFamily="18" charset="0"/>
+              </a:rPr>
+              <a:t>Sistema de Automação (testes)</a:t>
+            </a:r>
+            <a:r>
+              <a:rPr lang="pt-BR" sz="2400" dirty="0">
+                <a:latin typeface="Times New Roman" panose="02020603050405020304" pitchFamily="18" charset="0"/>
+                <a:cs typeface="Times New Roman" panose="02020603050405020304" pitchFamily="18" charset="0"/>
+              </a:rPr>
+              <a:t>: </a:t>
+            </a:r>
+            <a:r>
+              <a:rPr lang="pt-BR" sz="2400" dirty="0" err="1">
+                <a:latin typeface="Times New Roman" panose="02020603050405020304" pitchFamily="18" charset="0"/>
+                <a:cs typeface="Times New Roman" panose="02020603050405020304" pitchFamily="18" charset="0"/>
+              </a:rPr>
+              <a:t>Grunt</a:t>
+            </a:r>
+            <a:r>
+              <a:rPr lang="pt-BR" sz="2400" dirty="0">
+                <a:latin typeface="Times New Roman" panose="02020603050405020304" pitchFamily="18" charset="0"/>
+                <a:cs typeface="Times New Roman" panose="02020603050405020304" pitchFamily="18" charset="0"/>
+              </a:rPr>
+              <a:t>, </a:t>
+            </a:r>
+            <a:r>
+              <a:rPr lang="pt-BR" sz="2400" b="1" dirty="0">
+                <a:solidFill>
+                  <a:srgbClr val="0070C0"/>
+                </a:solidFill>
+                <a:latin typeface="Times New Roman" panose="02020603050405020304" pitchFamily="18" charset="0"/>
+                <a:cs typeface="Times New Roman" panose="02020603050405020304" pitchFamily="18" charset="0"/>
+              </a:rPr>
+              <a:t>Jenkins</a:t>
+            </a:r>
+            <a:r>
+              <a:rPr lang="pt-BR" sz="2400" dirty="0">
+                <a:latin typeface="Times New Roman" panose="02020603050405020304" pitchFamily="18" charset="0"/>
+                <a:cs typeface="Times New Roman" panose="02020603050405020304" pitchFamily="18" charset="0"/>
+              </a:rPr>
+              <a:t>, etc.</a:t>
+            </a:r>
+          </a:p>
+          <a:p>
+            <a:pPr algn="just">
+              <a:buFont typeface="Wingdings" panose="05000000000000000000" pitchFamily="2" charset="2"/>
+              <a:buChar char="ü"/>
+            </a:pPr>
+            <a:endParaRPr lang="pt-BR" sz="2400" dirty="0">
+              <a:latin typeface="Times New Roman" panose="02020603050405020304" pitchFamily="18" charset="0"/>
+              <a:cs typeface="Times New Roman" panose="02020603050405020304" pitchFamily="18" charset="0"/>
+            </a:endParaRPr>
+          </a:p>
+          <a:p>
+            <a:pPr algn="just">
+              <a:buFont typeface="Wingdings" panose="05000000000000000000" pitchFamily="2" charset="2"/>
+              <a:buChar char="ü"/>
+            </a:pPr>
+            <a:r>
+              <a:rPr lang="pt-BR" sz="2400" b="1" dirty="0">
+                <a:solidFill>
+                  <a:srgbClr val="FF0000"/>
+                </a:solidFill>
+                <a:latin typeface="Times New Roman" panose="02020603050405020304" pitchFamily="18" charset="0"/>
+                <a:cs typeface="Times New Roman" panose="02020603050405020304" pitchFamily="18" charset="0"/>
+              </a:rPr>
+              <a:t>Acelerar Escrita</a:t>
+            </a:r>
+            <a:r>
+              <a:rPr lang="pt-BR" sz="2400" dirty="0">
+                <a:latin typeface="Times New Roman" panose="02020603050405020304" pitchFamily="18" charset="0"/>
+                <a:cs typeface="Times New Roman" panose="02020603050405020304" pitchFamily="18" charset="0"/>
+              </a:rPr>
+              <a:t>: </a:t>
+            </a:r>
+            <a:r>
+              <a:rPr lang="pt-BR" sz="2400" b="1" dirty="0" err="1">
+                <a:solidFill>
+                  <a:srgbClr val="0070C0"/>
+                </a:solidFill>
+                <a:latin typeface="Times New Roman" panose="02020603050405020304" pitchFamily="18" charset="0"/>
+                <a:cs typeface="Times New Roman" panose="02020603050405020304" pitchFamily="18" charset="0"/>
+              </a:rPr>
+              <a:t>Templates</a:t>
+            </a:r>
+            <a:r>
+              <a:rPr lang="pt-BR" sz="2400" b="1" dirty="0">
+                <a:solidFill>
+                  <a:srgbClr val="0070C0"/>
+                </a:solidFill>
+                <a:latin typeface="Times New Roman" panose="02020603050405020304" pitchFamily="18" charset="0"/>
+                <a:cs typeface="Times New Roman" panose="02020603050405020304" pitchFamily="18" charset="0"/>
+              </a:rPr>
+              <a:t>, Bibliotecas, Frameworks</a:t>
+            </a:r>
+            <a:r>
+              <a:rPr lang="pt-BR" sz="2400" dirty="0">
+                <a:latin typeface="Times New Roman" panose="02020603050405020304" pitchFamily="18" charset="0"/>
+                <a:cs typeface="Times New Roman" panose="02020603050405020304" pitchFamily="18" charset="0"/>
+              </a:rPr>
+              <a:t>, etc.</a:t>
             </a:r>
           </a:p>
         </p:txBody>
@@ -9663,7 +10048,7 @@
     </p:spTree>
     <p:extLst>
       <p:ext uri="{BB962C8B-B14F-4D97-AF65-F5344CB8AC3E}">
-        <p14:creationId xmlns:p14="http://schemas.microsoft.com/office/powerpoint/2010/main" val="2106685335"/>
+        <p14:creationId xmlns:p14="http://schemas.microsoft.com/office/powerpoint/2010/main" val="2259020931"/>
       </p:ext>
     </p:extLst>
   </p:cSld>
@@ -9776,7 +10161,52 @@
                 <a:latin typeface="Times New Roman" panose="02020603050405020304" pitchFamily="18" charset="0"/>
                 <a:cs typeface="Times New Roman" panose="02020603050405020304" pitchFamily="18" charset="0"/>
               </a:rPr>
-              <a:t>Através de um documento HTML, ou seja, um documento com a extensão .</a:t>
+              <a:t>Criada pelo </a:t>
+            </a:r>
+            <a:r>
+              <a:rPr lang="pt-BR" sz="2400" b="1" dirty="0">
+                <a:latin typeface="Times New Roman" panose="02020603050405020304" pitchFamily="18" charset="0"/>
+                <a:cs typeface="Times New Roman" panose="02020603050405020304" pitchFamily="18" charset="0"/>
+              </a:rPr>
+              <a:t>britânico Tim Berners-Lee</a:t>
+            </a:r>
+            <a:r>
+              <a:rPr lang="pt-BR" sz="2400" dirty="0">
+                <a:latin typeface="Times New Roman" panose="02020603050405020304" pitchFamily="18" charset="0"/>
+                <a:cs typeface="Times New Roman" panose="02020603050405020304" pitchFamily="18" charset="0"/>
+              </a:rPr>
+              <a:t>, o </a:t>
+            </a:r>
+            <a:r>
+              <a:rPr lang="pt-BR" sz="2400" b="1" dirty="0">
+                <a:solidFill>
+                  <a:srgbClr val="FF0000"/>
+                </a:solidFill>
+                <a:latin typeface="Times New Roman" panose="02020603050405020304" pitchFamily="18" charset="0"/>
+                <a:cs typeface="Times New Roman" panose="02020603050405020304" pitchFamily="18" charset="0"/>
+              </a:rPr>
+              <a:t>acrônimo</a:t>
+            </a:r>
+            <a:r>
+              <a:rPr lang="pt-BR" sz="2400" dirty="0">
+                <a:latin typeface="Times New Roman" panose="02020603050405020304" pitchFamily="18" charset="0"/>
+                <a:cs typeface="Times New Roman" panose="02020603050405020304" pitchFamily="18" charset="0"/>
+              </a:rPr>
+              <a:t> </a:t>
+            </a:r>
+            <a:r>
+              <a:rPr lang="pt-BR" sz="2400" b="1" dirty="0">
+                <a:latin typeface="Times New Roman" panose="02020603050405020304" pitchFamily="18" charset="0"/>
+                <a:cs typeface="Times New Roman" panose="02020603050405020304" pitchFamily="18" charset="0"/>
+              </a:rPr>
+              <a:t>HTML</a:t>
+            </a:r>
+            <a:r>
+              <a:rPr lang="pt-BR" sz="2400" dirty="0">
+                <a:latin typeface="Times New Roman" panose="02020603050405020304" pitchFamily="18" charset="0"/>
+                <a:cs typeface="Times New Roman" panose="02020603050405020304" pitchFamily="18" charset="0"/>
+              </a:rPr>
+              <a:t> significa </a:t>
             </a:r>
             <a:r>
               <a:rPr lang="pt-BR" sz="2400" b="1" dirty="0" err="1">
@@ -9786,31 +10216,34 @@
                 <a:latin typeface="Times New Roman" panose="02020603050405020304" pitchFamily="18" charset="0"/>
                 <a:cs typeface="Times New Roman" panose="02020603050405020304" pitchFamily="18" charset="0"/>
               </a:rPr>
-              <a:t>html</a:t>
+              <a:t>HiperText</a:t>
+            </a:r>
+            <a:r>
+              <a:rPr lang="pt-BR" sz="2400" b="1" dirty="0">
+                <a:solidFill>
+                  <a:srgbClr val="FF0000"/>
+                </a:solidFill>
+                <a:latin typeface="Times New Roman" panose="02020603050405020304" pitchFamily="18" charset="0"/>
+                <a:cs typeface="Times New Roman" panose="02020603050405020304" pitchFamily="18" charset="0"/>
+              </a:rPr>
+              <a:t> Markup </a:t>
+            </a:r>
+            <a:r>
+              <a:rPr lang="pt-BR" sz="2400" b="1" dirty="0" err="1">
+                <a:solidFill>
+                  <a:srgbClr val="FF0000"/>
+                </a:solidFill>
+                <a:latin typeface="Times New Roman" panose="02020603050405020304" pitchFamily="18" charset="0"/>
+                <a:cs typeface="Times New Roman" panose="02020603050405020304" pitchFamily="18" charset="0"/>
+              </a:rPr>
+              <a:t>Language</a:t>
             </a:r>
             <a:r>
               <a:rPr lang="pt-BR" sz="2400" dirty="0">
                 <a:latin typeface="Times New Roman" panose="02020603050405020304" pitchFamily="18" charset="0"/>
                 <a:cs typeface="Times New Roman" panose="02020603050405020304" pitchFamily="18" charset="0"/>
               </a:rPr>
-              <a:t> ou .</a:t>
-            </a:r>
-            <a:r>
-              <a:rPr lang="pt-BR" sz="2400" b="1" dirty="0" err="1">
-                <a:solidFill>
-                  <a:srgbClr val="FF0000"/>
-                </a:solidFill>
-                <a:latin typeface="Times New Roman" panose="02020603050405020304" pitchFamily="18" charset="0"/>
-                <a:cs typeface="Times New Roman" panose="02020603050405020304" pitchFamily="18" charset="0"/>
-              </a:rPr>
-              <a:t>htm</a:t>
-            </a:r>
-            <a:r>
-              <a:rPr lang="pt-BR" sz="2400" dirty="0">
-                <a:latin typeface="Times New Roman" panose="02020603050405020304" pitchFamily="18" charset="0"/>
-                <a:cs typeface="Times New Roman" panose="02020603050405020304" pitchFamily="18" charset="0"/>
-              </a:rPr>
-              <a:t>., o navegador faz a leitura do arquivo e renderiza o seu conteúdo para que o usuário final possa visualizá-lo.</a:t>
+              <a:t>, traduzindo ao português: Linguagem de Marcação de Hipertexto.</a:t>
             </a:r>
           </a:p>
           <a:p>
@@ -9818,6 +10251,9 @@
               <a:buNone/>
             </a:pPr>
             <a:endParaRPr lang="pt-BR" sz="2400" dirty="0">
+              <a:solidFill>
+                <a:schemeClr val="tx1"/>
+              </a:solidFill>
               <a:latin typeface="Times New Roman" panose="02020603050405020304" pitchFamily="18" charset="0"/>
               <a:cs typeface="Times New Roman" panose="02020603050405020304" pitchFamily="18" charset="0"/>
             </a:endParaRPr>
@@ -9827,241 +10263,22 @@
               <a:buNone/>
             </a:pPr>
             <a:r>
-              <a:rPr lang="pt-BR" sz="2400" b="1" dirty="0">
-                <a:solidFill>
-                  <a:srgbClr val="FF0000"/>
-                </a:solidFill>
-                <a:latin typeface="Times New Roman" panose="02020603050405020304" pitchFamily="18" charset="0"/>
-                <a:cs typeface="Times New Roman" panose="02020603050405020304" pitchFamily="18" charset="0"/>
-              </a:rPr>
-              <a:t>IDE</a:t>
-            </a:r>
-            <a:r>
               <a:rPr lang="pt-BR" sz="2400" dirty="0">
-                <a:latin typeface="Times New Roman" panose="02020603050405020304" pitchFamily="18" charset="0"/>
-                <a:cs typeface="Times New Roman" panose="02020603050405020304" pitchFamily="18" charset="0"/>
-              </a:rPr>
-              <a:t>: Sublime </a:t>
-            </a:r>
-            <a:r>
-              <a:rPr lang="pt-BR" sz="2400" dirty="0" err="1">
-                <a:latin typeface="Times New Roman" panose="02020603050405020304" pitchFamily="18" charset="0"/>
-                <a:cs typeface="Times New Roman" panose="02020603050405020304" pitchFamily="18" charset="0"/>
-              </a:rPr>
-              <a:t>Text</a:t>
-            </a:r>
-            <a:r>
-              <a:rPr lang="pt-BR" sz="2400" dirty="0">
-                <a:latin typeface="Times New Roman" panose="02020603050405020304" pitchFamily="18" charset="0"/>
-                <a:cs typeface="Times New Roman" panose="02020603050405020304" pitchFamily="18" charset="0"/>
-              </a:rPr>
-              <a:t>, </a:t>
-            </a:r>
-            <a:r>
-              <a:rPr lang="pt-BR" sz="2400" dirty="0" err="1">
-                <a:latin typeface="Times New Roman" panose="02020603050405020304" pitchFamily="18" charset="0"/>
-                <a:cs typeface="Times New Roman" panose="02020603050405020304" pitchFamily="18" charset="0"/>
-              </a:rPr>
-              <a:t>NotePad</a:t>
-            </a:r>
-            <a:r>
-              <a:rPr lang="pt-BR" sz="2400" dirty="0">
-                <a:latin typeface="Times New Roman" panose="02020603050405020304" pitchFamily="18" charset="0"/>
-                <a:cs typeface="Times New Roman" panose="02020603050405020304" pitchFamily="18" charset="0"/>
-              </a:rPr>
-              <a:t>++, VS </a:t>
-            </a:r>
-            <a:r>
-              <a:rPr lang="pt-BR" sz="2400" dirty="0" err="1">
-                <a:latin typeface="Times New Roman" panose="02020603050405020304" pitchFamily="18" charset="0"/>
-                <a:cs typeface="Times New Roman" panose="02020603050405020304" pitchFamily="18" charset="0"/>
-              </a:rPr>
-              <a:t>Code</a:t>
-            </a:r>
-            <a:r>
-              <a:rPr lang="pt-BR" sz="2400" dirty="0">
-                <a:latin typeface="Times New Roman" panose="02020603050405020304" pitchFamily="18" charset="0"/>
-                <a:cs typeface="Times New Roman" panose="02020603050405020304" pitchFamily="18" charset="0"/>
-              </a:rPr>
-              <a:t>, </a:t>
-            </a:r>
-            <a:r>
-              <a:rPr lang="pt-BR" sz="2400" dirty="0" err="1">
-                <a:latin typeface="Times New Roman" panose="02020603050405020304" pitchFamily="18" charset="0"/>
-                <a:cs typeface="Times New Roman" panose="02020603050405020304" pitchFamily="18" charset="0"/>
-              </a:rPr>
-              <a:t>Notepad</a:t>
-            </a:r>
-            <a:r>
-              <a:rPr lang="pt-BR" sz="2400" dirty="0">
-                <a:latin typeface="Times New Roman" panose="02020603050405020304" pitchFamily="18" charset="0"/>
-                <a:cs typeface="Times New Roman" panose="02020603050405020304" pitchFamily="18" charset="0"/>
-              </a:rPr>
-              <a:t>, </a:t>
-            </a:r>
-            <a:r>
-              <a:rPr lang="pt-BR" sz="2400" dirty="0">
-                <a:solidFill>
-                  <a:srgbClr val="FF0000"/>
-                </a:solidFill>
-                <a:latin typeface="Times New Roman" panose="02020603050405020304" pitchFamily="18" charset="0"/>
-                <a:cs typeface="Times New Roman" panose="02020603050405020304" pitchFamily="18" charset="0"/>
-              </a:rPr>
-              <a:t>Vim (Linux), </a:t>
-            </a:r>
-            <a:r>
-              <a:rPr lang="pt-BR" sz="2400" dirty="0" err="1">
-                <a:solidFill>
-                  <a:srgbClr val="FF0000"/>
-                </a:solidFill>
-                <a:latin typeface="Times New Roman" panose="02020603050405020304" pitchFamily="18" charset="0"/>
-                <a:cs typeface="Times New Roman" panose="02020603050405020304" pitchFamily="18" charset="0"/>
-              </a:rPr>
-              <a:t>Atom</a:t>
-            </a:r>
-            <a:r>
-              <a:rPr lang="pt-BR" sz="2400" dirty="0">
-                <a:solidFill>
-                  <a:srgbClr val="FF0000"/>
-                </a:solidFill>
-                <a:latin typeface="Times New Roman" panose="02020603050405020304" pitchFamily="18" charset="0"/>
-                <a:cs typeface="Times New Roman" panose="02020603050405020304" pitchFamily="18" charset="0"/>
-              </a:rPr>
-              <a:t> (Linux)</a:t>
-            </a:r>
-            <a:r>
-              <a:rPr lang="pt-BR" sz="2400" dirty="0">
-                <a:latin typeface="Times New Roman" panose="02020603050405020304" pitchFamily="18" charset="0"/>
-                <a:cs typeface="Times New Roman" panose="02020603050405020304" pitchFamily="18" charset="0"/>
-              </a:rPr>
-              <a:t>, </a:t>
-            </a:r>
-            <a:r>
-              <a:rPr lang="pt-BR" sz="2400" dirty="0" err="1">
-                <a:latin typeface="Times New Roman" panose="02020603050405020304" pitchFamily="18" charset="0"/>
-                <a:cs typeface="Times New Roman" panose="02020603050405020304" pitchFamily="18" charset="0"/>
-              </a:rPr>
-              <a:t>Backets</a:t>
-            </a:r>
-            <a:r>
-              <a:rPr lang="pt-BR" sz="2400" dirty="0">
-                <a:latin typeface="Times New Roman" panose="02020603050405020304" pitchFamily="18" charset="0"/>
-                <a:cs typeface="Times New Roman" panose="02020603050405020304" pitchFamily="18" charset="0"/>
-              </a:rPr>
-              <a:t> (GNU </a:t>
-            </a:r>
-            <a:r>
-              <a:rPr lang="pt-BR" sz="2400" dirty="0" err="1">
-                <a:latin typeface="Times New Roman" panose="02020603050405020304" pitchFamily="18" charset="0"/>
-                <a:cs typeface="Times New Roman" panose="02020603050405020304" pitchFamily="18" charset="0"/>
-              </a:rPr>
-              <a:t>Emacs</a:t>
-            </a:r>
-            <a:r>
-              <a:rPr lang="pt-BR" sz="2400" dirty="0">
-                <a:latin typeface="Times New Roman" panose="02020603050405020304" pitchFamily="18" charset="0"/>
-                <a:cs typeface="Times New Roman" panose="02020603050405020304" pitchFamily="18" charset="0"/>
-              </a:rPr>
-              <a:t>), </a:t>
-            </a:r>
-            <a:r>
-              <a:rPr lang="pt-BR" sz="2400" dirty="0" err="1">
-                <a:latin typeface="Times New Roman" panose="02020603050405020304" pitchFamily="18" charset="0"/>
-                <a:cs typeface="Times New Roman" panose="02020603050405020304" pitchFamily="18" charset="0"/>
-              </a:rPr>
-              <a:t>etc</a:t>
-            </a:r>
-            <a:endParaRPr lang="pt-BR" sz="2400" dirty="0">
-              <a:latin typeface="Times New Roman" panose="02020603050405020304" pitchFamily="18" charset="0"/>
-              <a:cs typeface="Times New Roman" panose="02020603050405020304" pitchFamily="18" charset="0"/>
-            </a:endParaRPr>
-          </a:p>
-          <a:p>
-            <a:pPr marL="0" indent="0" algn="just">
-              <a:buNone/>
-            </a:pPr>
-            <a:endParaRPr lang="pt-BR" sz="2400" dirty="0">
-              <a:latin typeface="Times New Roman" panose="02020603050405020304" pitchFamily="18" charset="0"/>
-              <a:cs typeface="Times New Roman" panose="02020603050405020304" pitchFamily="18" charset="0"/>
-            </a:endParaRPr>
-          </a:p>
-          <a:p>
-            <a:pPr marL="0" indent="0" algn="just">
-              <a:buNone/>
-            </a:pPr>
-            <a:r>
-              <a:rPr lang="pt-BR" sz="2400" dirty="0">
-                <a:latin typeface="Times New Roman" panose="02020603050405020304" pitchFamily="18" charset="0"/>
-                <a:cs typeface="Times New Roman" panose="02020603050405020304" pitchFamily="18" charset="0"/>
-              </a:rPr>
-              <a:t>Navegadores: Google Chrome, </a:t>
-            </a:r>
-            <a:r>
-              <a:rPr lang="pt-BR" sz="2400" b="1" dirty="0">
-                <a:solidFill>
-                  <a:srgbClr val="FF0000"/>
-                </a:solidFill>
-                <a:latin typeface="Times New Roman" panose="02020603050405020304" pitchFamily="18" charset="0"/>
-                <a:cs typeface="Times New Roman" panose="02020603050405020304" pitchFamily="18" charset="0"/>
-              </a:rPr>
-              <a:t>Safari</a:t>
-            </a:r>
-            <a:r>
-              <a:rPr lang="pt-BR" sz="2400" dirty="0">
-                <a:latin typeface="Times New Roman" panose="02020603050405020304" pitchFamily="18" charset="0"/>
-                <a:cs typeface="Times New Roman" panose="02020603050405020304" pitchFamily="18" charset="0"/>
-              </a:rPr>
-              <a:t>, ou Mozilla Firefox, Opera, </a:t>
-            </a:r>
-            <a:r>
-              <a:rPr lang="pt-BR" sz="2400" dirty="0" err="1">
-                <a:latin typeface="Times New Roman" panose="02020603050405020304" pitchFamily="18" charset="0"/>
-                <a:cs typeface="Times New Roman" panose="02020603050405020304" pitchFamily="18" charset="0"/>
-              </a:rPr>
-              <a:t>Brave</a:t>
-            </a:r>
-            <a:r>
-              <a:rPr lang="pt-BR" sz="2400" dirty="0">
-                <a:latin typeface="Times New Roman" panose="02020603050405020304" pitchFamily="18" charset="0"/>
-                <a:cs typeface="Times New Roman" panose="02020603050405020304" pitchFamily="18" charset="0"/>
-              </a:rPr>
-              <a:t>, </a:t>
-            </a:r>
-            <a:r>
-              <a:rPr lang="pt-BR" sz="2400" b="1" dirty="0">
-                <a:solidFill>
-                  <a:srgbClr val="FF0000"/>
-                </a:solidFill>
-                <a:latin typeface="Times New Roman" panose="02020603050405020304" pitchFamily="18" charset="0"/>
-                <a:cs typeface="Times New Roman" panose="02020603050405020304" pitchFamily="18" charset="0"/>
-              </a:rPr>
-              <a:t>Internet Explore 11, Microsoft Edge</a:t>
-            </a:r>
-            <a:r>
-              <a:rPr lang="pt-BR" sz="2400" dirty="0">
-                <a:latin typeface="Times New Roman" panose="02020603050405020304" pitchFamily="18" charset="0"/>
-                <a:cs typeface="Times New Roman" panose="02020603050405020304" pitchFamily="18" charset="0"/>
-              </a:rPr>
-              <a:t>, </a:t>
-            </a:r>
-            <a:r>
-              <a:rPr lang="pt-BR" sz="2400" dirty="0" err="1">
-                <a:latin typeface="Times New Roman" panose="02020603050405020304" pitchFamily="18" charset="0"/>
-                <a:cs typeface="Times New Roman" panose="02020603050405020304" pitchFamily="18" charset="0"/>
-              </a:rPr>
-              <a:t>etc</a:t>
-            </a:r>
-            <a:endParaRPr lang="pt-BR" sz="2400" dirty="0">
-              <a:latin typeface="Times New Roman" panose="02020603050405020304" pitchFamily="18" charset="0"/>
-              <a:cs typeface="Times New Roman" panose="02020603050405020304" pitchFamily="18" charset="0"/>
-            </a:endParaRPr>
+                <a:solidFill>
+                  <a:schemeClr val="tx1"/>
+                </a:solidFill>
+                <a:latin typeface="Times New Roman" panose="02020603050405020304" pitchFamily="18" charset="0"/>
+                <a:cs typeface="Times New Roman" panose="02020603050405020304" pitchFamily="18" charset="0"/>
+              </a:rPr>
+              <a:t>Permite inserir o conteúdo e estabelecer a estrutura básica de um website. Portanto, ele serve para dar significado e organizar as informações de uma página na web. </a:t>
+            </a:r>
           </a:p>
         </p:txBody>
       </p:sp>
     </p:spTree>
     <p:extLst>
       <p:ext uri="{BB962C8B-B14F-4D97-AF65-F5344CB8AC3E}">
-        <p14:creationId xmlns:p14="http://schemas.microsoft.com/office/powerpoint/2010/main" val="2564018350"/>
+        <p14:creationId xmlns:p14="http://schemas.microsoft.com/office/powerpoint/2010/main" val="2106685335"/>
       </p:ext>
     </p:extLst>
   </p:cSld>
@@ -10170,14 +10387,28 @@
               <a:buNone/>
             </a:pPr>
             <a:r>
-              <a:rPr lang="pt-BR" sz="2400" b="1" dirty="0">
+              <a:rPr lang="pt-BR" sz="2400" dirty="0">
+                <a:latin typeface="Times New Roman" panose="02020603050405020304" pitchFamily="18" charset="0"/>
+                <a:cs typeface="Times New Roman" panose="02020603050405020304" pitchFamily="18" charset="0"/>
+              </a:rPr>
+              <a:t>Através de um documento HTML, ou seja, um documento com a extensão .</a:t>
+            </a:r>
+            <a:r>
+              <a:rPr lang="pt-BR" sz="2400" b="1" dirty="0" err="1">
                 <a:solidFill>
                   <a:srgbClr val="FF0000"/>
                 </a:solidFill>
                 <a:latin typeface="Times New Roman" panose="02020603050405020304" pitchFamily="18" charset="0"/>
                 <a:cs typeface="Times New Roman" panose="02020603050405020304" pitchFamily="18" charset="0"/>
               </a:rPr>
-              <a:t>Algumas </a:t>
+              <a:t>html</a:t>
+            </a:r>
+            <a:r>
+              <a:rPr lang="pt-BR" sz="2400" dirty="0">
+                <a:latin typeface="Times New Roman" panose="02020603050405020304" pitchFamily="18" charset="0"/>
+                <a:cs typeface="Times New Roman" panose="02020603050405020304" pitchFamily="18" charset="0"/>
+              </a:rPr>
+              <a:t> ou .</a:t>
             </a:r>
             <a:r>
               <a:rPr lang="pt-BR" sz="2400" b="1" dirty="0" err="1">
@@ -10187,31 +10418,14 @@
                 <a:latin typeface="Times New Roman" panose="02020603050405020304" pitchFamily="18" charset="0"/>
                 <a:cs typeface="Times New Roman" panose="02020603050405020304" pitchFamily="18" charset="0"/>
               </a:rPr>
-              <a:t>Tags</a:t>
-            </a:r>
-            <a:r>
-              <a:rPr lang="pt-BR" sz="2400" b="1" dirty="0">
-                <a:solidFill>
-                  <a:srgbClr val="FF0000"/>
-                </a:solidFill>
-                <a:latin typeface="Times New Roman" panose="02020603050405020304" pitchFamily="18" charset="0"/>
-                <a:cs typeface="Times New Roman" panose="02020603050405020304" pitchFamily="18" charset="0"/>
-              </a:rPr>
-              <a:t> </a:t>
-            </a:r>
-            <a:r>
-              <a:rPr lang="pt-BR" sz="2400" b="1" dirty="0">
-                <a:latin typeface="Times New Roman" panose="02020603050405020304" pitchFamily="18" charset="0"/>
-                <a:cs typeface="Times New Roman" panose="02020603050405020304" pitchFamily="18" charset="0"/>
-              </a:rPr>
-              <a:t>(W3C)</a:t>
+              <a:t>htm</a:t>
             </a:r>
             <a:r>
               <a:rPr lang="pt-BR" sz="2400" dirty="0">
                 <a:latin typeface="Times New Roman" panose="02020603050405020304" pitchFamily="18" charset="0"/>
                 <a:cs typeface="Times New Roman" panose="02020603050405020304" pitchFamily="18" charset="0"/>
               </a:rPr>
-              <a:t>:</a:t>
+              <a:t>., o navegador faz a leitura do arquivo e renderiza o seu conteúdo para que o usuário final possa visualizá-lo.</a:t>
             </a:r>
           </a:p>
           <a:p>
@@ -10228,77 +10442,110 @@
               <a:buNone/>
             </a:pPr>
             <a:r>
+              <a:rPr lang="pt-BR" sz="2400" b="1" dirty="0">
+                <a:solidFill>
+                  <a:srgbClr val="FF0000"/>
+                </a:solidFill>
+                <a:latin typeface="Times New Roman" panose="02020603050405020304" pitchFamily="18" charset="0"/>
+                <a:cs typeface="Times New Roman" panose="02020603050405020304" pitchFamily="18" charset="0"/>
+              </a:rPr>
+              <a:t>IDE</a:t>
+            </a:r>
+            <a:r>
               <a:rPr lang="pt-BR" sz="2400" dirty="0">
                 <a:latin typeface="Times New Roman" panose="02020603050405020304" pitchFamily="18" charset="0"/>
                 <a:cs typeface="Times New Roman" panose="02020603050405020304" pitchFamily="18" charset="0"/>
               </a:rPr>
-              <a:t>HTML, b, Strong, </a:t>
+              <a:t>: Sublime </a:t>
             </a:r>
             <a:r>
               <a:rPr lang="pt-BR" sz="2400" dirty="0" err="1">
                 <a:latin typeface="Times New Roman" panose="02020603050405020304" pitchFamily="18" charset="0"/>
                 <a:cs typeface="Times New Roman" panose="02020603050405020304" pitchFamily="18" charset="0"/>
               </a:rPr>
-              <a:t>ul</a:t>
+              <a:t>Text</a:t>
             </a:r>
             <a:r>
               <a:rPr lang="pt-BR" sz="2400" dirty="0">
                 <a:latin typeface="Times New Roman" panose="02020603050405020304" pitchFamily="18" charset="0"/>
                 <a:cs typeface="Times New Roman" panose="02020603050405020304" pitchFamily="18" charset="0"/>
               </a:rPr>
-              <a:t>/li, </a:t>
+              <a:t>, </a:t>
             </a:r>
             <a:r>
               <a:rPr lang="pt-BR" sz="2400" dirty="0" err="1">
                 <a:latin typeface="Times New Roman" panose="02020603050405020304" pitchFamily="18" charset="0"/>
                 <a:cs typeface="Times New Roman" panose="02020603050405020304" pitchFamily="18" charset="0"/>
               </a:rPr>
-              <a:t>ol</a:t>
+              <a:t>NotePad</a:t>
             </a:r>
             <a:r>
               <a:rPr lang="pt-BR" sz="2400" dirty="0">
                 <a:latin typeface="Times New Roman" panose="02020603050405020304" pitchFamily="18" charset="0"/>
                 <a:cs typeface="Times New Roman" panose="02020603050405020304" pitchFamily="18" charset="0"/>
               </a:rPr>
-              <a:t>/li, </a:t>
+              <a:t>++, VS </a:t>
             </a:r>
             <a:r>
               <a:rPr lang="pt-BR" sz="2400" dirty="0" err="1">
                 <a:latin typeface="Times New Roman" panose="02020603050405020304" pitchFamily="18" charset="0"/>
                 <a:cs typeface="Times New Roman" panose="02020603050405020304" pitchFamily="18" charset="0"/>
               </a:rPr>
-              <a:t>br</a:t>
+              <a:t>Code</a:t>
             </a:r>
             <a:r>
               <a:rPr lang="pt-BR" sz="2400" dirty="0">
                 <a:latin typeface="Times New Roman" panose="02020603050405020304" pitchFamily="18" charset="0"/>
                 <a:cs typeface="Times New Roman" panose="02020603050405020304" pitchFamily="18" charset="0"/>
               </a:rPr>
-              <a:t>, p, h1...h6, </a:t>
+              <a:t>, </a:t>
             </a:r>
             <a:r>
               <a:rPr lang="pt-BR" sz="2400" dirty="0" err="1">
                 <a:latin typeface="Times New Roman" panose="02020603050405020304" pitchFamily="18" charset="0"/>
                 <a:cs typeface="Times New Roman" panose="02020603050405020304" pitchFamily="18" charset="0"/>
               </a:rPr>
-              <a:t>hr</a:t>
+              <a:t>Notepad</a:t>
             </a:r>
             <a:r>
               <a:rPr lang="pt-BR" sz="2400" dirty="0">
                 <a:latin typeface="Times New Roman" panose="02020603050405020304" pitchFamily="18" charset="0"/>
                 <a:cs typeface="Times New Roman" panose="02020603050405020304" pitchFamily="18" charset="0"/>
               </a:rPr>
-              <a:t>, a, </a:t>
+              <a:t>, </a:t>
+            </a:r>
+            <a:r>
+              <a:rPr lang="pt-BR" sz="2400" dirty="0">
+                <a:solidFill>
+                  <a:srgbClr val="FF0000"/>
+                </a:solidFill>
+                <a:latin typeface="Times New Roman" panose="02020603050405020304" pitchFamily="18" charset="0"/>
+                <a:cs typeface="Times New Roman" panose="02020603050405020304" pitchFamily="18" charset="0"/>
+              </a:rPr>
+              <a:t>Vim (Linux), </a:t>
             </a:r>
             <a:r>
               <a:rPr lang="pt-BR" sz="2400" dirty="0" err="1">
-                <a:latin typeface="Times New Roman" panose="02020603050405020304" pitchFamily="18" charset="0"/>
-                <a:cs typeface="Times New Roman" panose="02020603050405020304" pitchFamily="18" charset="0"/>
-              </a:rPr>
-              <a:t>img</a:t>
+                <a:solidFill>
+                  <a:srgbClr val="FF0000"/>
+                </a:solidFill>
+                <a:latin typeface="Times New Roman" panose="02020603050405020304" pitchFamily="18" charset="0"/>
+                <a:cs typeface="Times New Roman" panose="02020603050405020304" pitchFamily="18" charset="0"/>
+              </a:rPr>
+              <a:t>Atom</a:t>
             </a:r>
             <a:r>
               <a:rPr lang="pt-BR" sz="2400" dirty="0">
+                <a:solidFill>
+                  <a:srgbClr val="FF0000"/>
+                </a:solidFill>
+                <a:latin typeface="Times New Roman" panose="02020603050405020304" pitchFamily="18" charset="0"/>
+                <a:cs typeface="Times New Roman" panose="02020603050405020304" pitchFamily="18" charset="0"/>
+              </a:rPr>
+              <a:t> (Linux)</a:t>
+            </a:r>
+            <a:r>
+              <a:rPr lang="pt-BR" sz="2400" dirty="0">
                 <a:latin typeface="Times New Roman" panose="02020603050405020304" pitchFamily="18" charset="0"/>
                 <a:cs typeface="Times New Roman" panose="02020603050405020304" pitchFamily="18" charset="0"/>
               </a:rPr>
@@ -10309,113 +10556,40 @@
                 <a:latin typeface="Times New Roman" panose="02020603050405020304" pitchFamily="18" charset="0"/>
                 <a:cs typeface="Times New Roman" panose="02020603050405020304" pitchFamily="18" charset="0"/>
               </a:rPr>
-              <a:t>button</a:t>
+              <a:t>Backets</a:t>
             </a:r>
             <a:r>
               <a:rPr lang="pt-BR" sz="2400" dirty="0">
                 <a:latin typeface="Times New Roman" panose="02020603050405020304" pitchFamily="18" charset="0"/>
                 <a:cs typeface="Times New Roman" panose="02020603050405020304" pitchFamily="18" charset="0"/>
               </a:rPr>
-              <a:t>, </a:t>
+              <a:t> (GNU </a:t>
             </a:r>
             <a:r>
               <a:rPr lang="pt-BR" sz="2400" dirty="0" err="1">
                 <a:latin typeface="Times New Roman" panose="02020603050405020304" pitchFamily="18" charset="0"/>
                 <a:cs typeface="Times New Roman" panose="02020603050405020304" pitchFamily="18" charset="0"/>
               </a:rPr>
-              <a:t>head</a:t>
+              <a:t>Emacs</a:t>
             </a:r>
             <a:r>
               <a:rPr lang="pt-BR" sz="2400" dirty="0">
                 <a:latin typeface="Times New Roman" panose="02020603050405020304" pitchFamily="18" charset="0"/>
                 <a:cs typeface="Times New Roman" panose="02020603050405020304" pitchFamily="18" charset="0"/>
               </a:rPr>
-              <a:t>, link, header, </a:t>
+              <a:t>), </a:t>
             </a:r>
             <a:r>
               <a:rPr lang="pt-BR" sz="2400" dirty="0" err="1">
                 <a:latin typeface="Times New Roman" panose="02020603050405020304" pitchFamily="18" charset="0"/>
                 <a:cs typeface="Times New Roman" panose="02020603050405020304" pitchFamily="18" charset="0"/>
               </a:rPr>
-              <a:t>footer</a:t>
-            </a:r>
-            <a:r>
-              <a:rPr lang="pt-BR" sz="2400" dirty="0">
-                <a:latin typeface="Times New Roman" panose="02020603050405020304" pitchFamily="18" charset="0"/>
-                <a:cs typeface="Times New Roman" panose="02020603050405020304" pitchFamily="18" charset="0"/>
-              </a:rPr>
-              <a:t>, body, </a:t>
-            </a:r>
-            <a:r>
-              <a:rPr lang="pt-BR" sz="2400" dirty="0" err="1">
-                <a:latin typeface="Times New Roman" panose="02020603050405020304" pitchFamily="18" charset="0"/>
-                <a:cs typeface="Times New Roman" panose="02020603050405020304" pitchFamily="18" charset="0"/>
-              </a:rPr>
-              <a:t>form</a:t>
-            </a:r>
-            <a:r>
-              <a:rPr lang="pt-BR" sz="2400" dirty="0">
-                <a:latin typeface="Times New Roman" panose="02020603050405020304" pitchFamily="18" charset="0"/>
-                <a:cs typeface="Times New Roman" panose="02020603050405020304" pitchFamily="18" charset="0"/>
-              </a:rPr>
-              <a:t>, input, </a:t>
-            </a:r>
-            <a:r>
-              <a:rPr lang="pt-BR" sz="2400" dirty="0" err="1">
-                <a:latin typeface="Times New Roman" panose="02020603050405020304" pitchFamily="18" charset="0"/>
-                <a:cs typeface="Times New Roman" panose="02020603050405020304" pitchFamily="18" charset="0"/>
-              </a:rPr>
-              <a:t>label</a:t>
-            </a:r>
-            <a:r>
-              <a:rPr lang="pt-BR" sz="2400" dirty="0">
-                <a:latin typeface="Times New Roman" panose="02020603050405020304" pitchFamily="18" charset="0"/>
-                <a:cs typeface="Times New Roman" panose="02020603050405020304" pitchFamily="18" charset="0"/>
-              </a:rPr>
-              <a:t>, </a:t>
-            </a:r>
-            <a:r>
-              <a:rPr lang="pt-BR" sz="2400" dirty="0" err="1">
-                <a:latin typeface="Times New Roman" panose="02020603050405020304" pitchFamily="18" charset="0"/>
-                <a:cs typeface="Times New Roman" panose="02020603050405020304" pitchFamily="18" charset="0"/>
-              </a:rPr>
-              <a:t>textarea</a:t>
-            </a:r>
-            <a:r>
-              <a:rPr lang="pt-BR" sz="2400" dirty="0">
-                <a:latin typeface="Times New Roman" panose="02020603050405020304" pitchFamily="18" charset="0"/>
-                <a:cs typeface="Times New Roman" panose="02020603050405020304" pitchFamily="18" charset="0"/>
-              </a:rPr>
-              <a:t>, script, </a:t>
-            </a:r>
-            <a:r>
-              <a:rPr lang="pt-BR" sz="2400" dirty="0" err="1">
-                <a:latin typeface="Times New Roman" panose="02020603050405020304" pitchFamily="18" charset="0"/>
-                <a:cs typeface="Times New Roman" panose="02020603050405020304" pitchFamily="18" charset="0"/>
-              </a:rPr>
-              <a:t>title</a:t>
-            </a:r>
-            <a:r>
-              <a:rPr lang="pt-BR" sz="2400" dirty="0">
-                <a:latin typeface="Times New Roman" panose="02020603050405020304" pitchFamily="18" charset="0"/>
-                <a:cs typeface="Times New Roman" panose="02020603050405020304" pitchFamily="18" charset="0"/>
-              </a:rPr>
-              <a:t>, meta, </a:t>
-            </a:r>
-            <a:r>
-              <a:rPr lang="pt-BR" sz="2400" dirty="0" err="1">
-                <a:latin typeface="Times New Roman" panose="02020603050405020304" pitchFamily="18" charset="0"/>
-                <a:cs typeface="Times New Roman" panose="02020603050405020304" pitchFamily="18" charset="0"/>
-              </a:rPr>
-              <a:t>style</a:t>
-            </a:r>
-            <a:r>
-              <a:rPr lang="pt-BR" sz="2400" dirty="0">
-                <a:latin typeface="Times New Roman" panose="02020603050405020304" pitchFamily="18" charset="0"/>
-                <a:cs typeface="Times New Roman" panose="02020603050405020304" pitchFamily="18" charset="0"/>
-              </a:rPr>
-              <a:t>, etc.</a:t>
-            </a:r>
+              <a:t>etc</a:t>
+            </a:r>
+            <a:endParaRPr lang="pt-BR" sz="2400" dirty="0">
+              <a:latin typeface="Times New Roman" panose="02020603050405020304" pitchFamily="18" charset="0"/>
+              <a:cs typeface="Times New Roman" panose="02020603050405020304" pitchFamily="18" charset="0"/>
+            </a:endParaRPr>
           </a:p>
           <a:p>
             <a:pPr marL="0" indent="0" algn="just">
@@ -10431,22 +10605,67 @@
               <a:buNone/>
             </a:pPr>
             <a:r>
-              <a:rPr lang="pt-BR" sz="1800" dirty="0">
-                <a:latin typeface="Times New Roman" panose="02020603050405020304" pitchFamily="18" charset="0"/>
-                <a:cs typeface="Times New Roman" panose="02020603050405020304" pitchFamily="18" charset="0"/>
-                <a:hlinkClick r:id="rId3"/>
-              </a:rPr>
-              <a:t>https://developer.mozilla.org/pt-BR/docs/Web/HTML/Element</a:t>
-            </a:r>
-            <a:endParaRPr lang="pt-BR" sz="1800" dirty="0">
-              <a:latin typeface="Times New Roman" panose="02020603050405020304" pitchFamily="18" charset="0"/>
-              <a:cs typeface="Times New Roman" panose="02020603050405020304" pitchFamily="18" charset="0"/>
-            </a:endParaRPr>
-          </a:p>
-          <a:p>
-            <a:pPr marL="0" indent="0" algn="just">
-              <a:buNone/>
-            </a:pPr>
+              <a:rPr lang="pt-BR" sz="2400" dirty="0">
+                <a:latin typeface="Times New Roman" panose="02020603050405020304" pitchFamily="18" charset="0"/>
+                <a:cs typeface="Times New Roman" panose="02020603050405020304" pitchFamily="18" charset="0"/>
+              </a:rPr>
+              <a:t>Navegadores: Google Chrome, </a:t>
+            </a:r>
+            <a:r>
+              <a:rPr lang="pt-BR" sz="2400" b="1" dirty="0">
+                <a:solidFill>
+                  <a:srgbClr val="FF0000"/>
+                </a:solidFill>
+                <a:latin typeface="Times New Roman" panose="02020603050405020304" pitchFamily="18" charset="0"/>
+                <a:cs typeface="Times New Roman" panose="02020603050405020304" pitchFamily="18" charset="0"/>
+              </a:rPr>
+              <a:t>Safari</a:t>
+            </a:r>
+            <a:r>
+              <a:rPr lang="pt-BR" sz="2400" dirty="0">
+                <a:latin typeface="Times New Roman" panose="02020603050405020304" pitchFamily="18" charset="0"/>
+                <a:cs typeface="Times New Roman" panose="02020603050405020304" pitchFamily="18" charset="0"/>
+              </a:rPr>
+              <a:t>, ou Mozilla Firefox, Opera, </a:t>
+            </a:r>
+            <a:r>
+              <a:rPr lang="pt-BR" sz="2400" dirty="0" err="1">
+                <a:latin typeface="Times New Roman" panose="02020603050405020304" pitchFamily="18" charset="0"/>
+                <a:cs typeface="Times New Roman" panose="02020603050405020304" pitchFamily="18" charset="0"/>
+              </a:rPr>
+              <a:t>Brave</a:t>
+            </a:r>
+            <a:r>
+              <a:rPr lang="pt-BR" sz="2400" dirty="0">
+                <a:latin typeface="Times New Roman" panose="02020603050405020304" pitchFamily="18" charset="0"/>
+                <a:cs typeface="Times New Roman" panose="02020603050405020304" pitchFamily="18" charset="0"/>
+              </a:rPr>
+              <a:t>, </a:t>
+            </a:r>
+            <a:r>
+              <a:rPr lang="pt-BR" sz="2400" b="1" dirty="0">
+                <a:solidFill>
+                  <a:srgbClr val="FF0000"/>
+                </a:solidFill>
+                <a:latin typeface="Times New Roman" panose="02020603050405020304" pitchFamily="18" charset="0"/>
+                <a:cs typeface="Times New Roman" panose="02020603050405020304" pitchFamily="18" charset="0"/>
+              </a:rPr>
+              <a:t>Internet Explore 11, Microsoft Edge</a:t>
+            </a:r>
+            <a:r>
+              <a:rPr lang="pt-BR" sz="2400" dirty="0">
+                <a:latin typeface="Times New Roman" panose="02020603050405020304" pitchFamily="18" charset="0"/>
+                <a:cs typeface="Times New Roman" panose="02020603050405020304" pitchFamily="18" charset="0"/>
+              </a:rPr>
+              <a:t>, </a:t>
+            </a:r>
+            <a:r>
+              <a:rPr lang="pt-BR" sz="2400" dirty="0" err="1">
+                <a:latin typeface="Times New Roman" panose="02020603050405020304" pitchFamily="18" charset="0"/>
+                <a:cs typeface="Times New Roman" panose="02020603050405020304" pitchFamily="18" charset="0"/>
+              </a:rPr>
+              <a:t>etc</a:t>
+            </a:r>
             <a:endParaRPr lang="pt-BR" sz="2400" dirty="0">
               <a:latin typeface="Times New Roman" panose="02020603050405020304" pitchFamily="18" charset="0"/>
               <a:cs typeface="Times New Roman" panose="02020603050405020304" pitchFamily="18" charset="0"/>
@@ -10457,7 +10676,7 @@
     </p:spTree>
     <p:extLst>
       <p:ext uri="{BB962C8B-B14F-4D97-AF65-F5344CB8AC3E}">
-        <p14:creationId xmlns:p14="http://schemas.microsoft.com/office/powerpoint/2010/main" val="3624253472"/>
+        <p14:creationId xmlns:p14="http://schemas.microsoft.com/office/powerpoint/2010/main" val="2564018350"/>
       </p:ext>
     </p:extLst>
   </p:cSld>
@@ -10519,7 +10738,23 @@
                   <a:srgbClr val="0070C0"/>
                 </a:solidFill>
               </a:rPr>
-              <a:t> Style (CSS)</a:t>
+              <a:t> </a:t>
+            </a:r>
+            <a:r>
+              <a:rPr lang="en-US" b="1" dirty="0" err="1">
+                <a:solidFill>
+                  <a:srgbClr val="0070C0"/>
+                </a:solidFill>
+              </a:rPr>
+              <a:t>Marcação</a:t>
+            </a:r>
+            <a:r>
+              <a:rPr lang="en-US" b="1" dirty="0">
+                <a:solidFill>
+                  <a:srgbClr val="0070C0"/>
+                </a:solidFill>
+              </a:rPr>
+              <a:t> (HTML)</a:t>
             </a:r>
           </a:p>
         </p:txBody>
@@ -10552,129 +10787,46 @@
             <a:r>
               <a:rPr lang="pt-BR" sz="2400" b="1" dirty="0">
                 <a:solidFill>
-                  <a:schemeClr val="tx1"/>
-                </a:solidFill>
-                <a:latin typeface="Times New Roman" panose="02020603050405020304" pitchFamily="18" charset="0"/>
-                <a:cs typeface="Times New Roman" panose="02020603050405020304" pitchFamily="18" charset="0"/>
-              </a:rPr>
-              <a:t>CSS</a:t>
+                  <a:srgbClr val="FF0000"/>
+                </a:solidFill>
+                <a:latin typeface="Times New Roman" panose="02020603050405020304" pitchFamily="18" charset="0"/>
+                <a:cs typeface="Times New Roman" panose="02020603050405020304" pitchFamily="18" charset="0"/>
+              </a:rPr>
+              <a:t>Algumas </a:t>
+            </a:r>
+            <a:r>
+              <a:rPr lang="pt-BR" sz="2400" b="1" dirty="0" err="1">
+                <a:solidFill>
+                  <a:srgbClr val="FF0000"/>
+                </a:solidFill>
+                <a:latin typeface="Times New Roman" panose="02020603050405020304" pitchFamily="18" charset="0"/>
+                <a:cs typeface="Times New Roman" panose="02020603050405020304" pitchFamily="18" charset="0"/>
+              </a:rPr>
+              <a:t>Tags</a:t>
+            </a:r>
+            <a:r>
+              <a:rPr lang="pt-BR" sz="2400" b="1" dirty="0">
+                <a:solidFill>
+                  <a:srgbClr val="FF0000"/>
+                </a:solidFill>
+                <a:latin typeface="Times New Roman" panose="02020603050405020304" pitchFamily="18" charset="0"/>
+                <a:cs typeface="Times New Roman" panose="02020603050405020304" pitchFamily="18" charset="0"/>
+              </a:rPr>
+              <a:t> </a:t>
+            </a:r>
+            <a:r>
+              <a:rPr lang="pt-BR" sz="2400" b="1" dirty="0">
+                <a:latin typeface="Times New Roman" panose="02020603050405020304" pitchFamily="18" charset="0"/>
+                <a:cs typeface="Times New Roman" panose="02020603050405020304" pitchFamily="18" charset="0"/>
+              </a:rPr>
+              <a:t>(W3C)</a:t>
             </a:r>
             <a:r>
               <a:rPr lang="pt-BR" sz="2400" dirty="0">
-                <a:solidFill>
-                  <a:schemeClr val="tx1"/>
-                </a:solidFill>
-                <a:latin typeface="Times New Roman" panose="02020603050405020304" pitchFamily="18" charset="0"/>
-                <a:cs typeface="Times New Roman" panose="02020603050405020304" pitchFamily="18" charset="0"/>
-              </a:rPr>
-              <a:t> é a sigla para o termo em inglês </a:t>
-            </a:r>
-            <a:r>
-              <a:rPr lang="pt-BR" sz="2400" dirty="0" err="1">
-                <a:solidFill>
-                  <a:schemeClr val="tx1"/>
-                </a:solidFill>
-                <a:latin typeface="Times New Roman" panose="02020603050405020304" pitchFamily="18" charset="0"/>
-                <a:cs typeface="Times New Roman" panose="02020603050405020304" pitchFamily="18" charset="0"/>
-              </a:rPr>
-              <a:t>Cascading</a:t>
-            </a:r>
-            <a:r>
-              <a:rPr lang="pt-BR" sz="2400" dirty="0">
-                <a:solidFill>
-                  <a:schemeClr val="tx1"/>
-                </a:solidFill>
-                <a:latin typeface="Times New Roman" panose="02020603050405020304" pitchFamily="18" charset="0"/>
-                <a:cs typeface="Times New Roman" panose="02020603050405020304" pitchFamily="18" charset="0"/>
-              </a:rPr>
-              <a:t> </a:t>
-            </a:r>
-            <a:r>
-              <a:rPr lang="pt-BR" sz="2400" dirty="0" err="1">
-                <a:solidFill>
-                  <a:schemeClr val="tx1"/>
-                </a:solidFill>
-                <a:latin typeface="Times New Roman" panose="02020603050405020304" pitchFamily="18" charset="0"/>
-                <a:cs typeface="Times New Roman" panose="02020603050405020304" pitchFamily="18" charset="0"/>
-              </a:rPr>
-              <a:t>Style</a:t>
-            </a:r>
-            <a:r>
-              <a:rPr lang="pt-BR" sz="2400" dirty="0">
-                <a:solidFill>
-                  <a:schemeClr val="tx1"/>
-                </a:solidFill>
-                <a:latin typeface="Times New Roman" panose="02020603050405020304" pitchFamily="18" charset="0"/>
-                <a:cs typeface="Times New Roman" panose="02020603050405020304" pitchFamily="18" charset="0"/>
-              </a:rPr>
-              <a:t> </a:t>
-            </a:r>
-            <a:r>
-              <a:rPr lang="pt-BR" sz="2400" dirty="0" err="1">
-                <a:solidFill>
-                  <a:schemeClr val="tx1"/>
-                </a:solidFill>
-                <a:latin typeface="Times New Roman" panose="02020603050405020304" pitchFamily="18" charset="0"/>
-                <a:cs typeface="Times New Roman" panose="02020603050405020304" pitchFamily="18" charset="0"/>
-              </a:rPr>
-              <a:t>Sheets</a:t>
-            </a:r>
-            <a:r>
-              <a:rPr lang="pt-BR" sz="2400" dirty="0">
-                <a:solidFill>
-                  <a:schemeClr val="tx1"/>
-                </a:solidFill>
-                <a:latin typeface="Times New Roman" panose="02020603050405020304" pitchFamily="18" charset="0"/>
-                <a:cs typeface="Times New Roman" panose="02020603050405020304" pitchFamily="18" charset="0"/>
-              </a:rPr>
-              <a:t> que, traduzido para o português, significa Folha de Estilo em Cascatas. O CSS é fácil de aprender e entender e é facilmente utilizado com as </a:t>
-            </a:r>
-            <a:r>
-              <a:rPr lang="pt-BR" sz="2400" b="1" dirty="0">
-                <a:solidFill>
-                  <a:srgbClr val="FF0000"/>
-                </a:solidFill>
-                <a:latin typeface="Times New Roman" panose="02020603050405020304" pitchFamily="18" charset="0"/>
-                <a:cs typeface="Times New Roman" panose="02020603050405020304" pitchFamily="18" charset="0"/>
-                <a:hlinkClick r:id="rId3">
-                  <a:extLst>
-                    <a:ext uri="{A12FA001-AC4F-418D-AE19-62706E023703}">
-                      <ahyp:hlinkClr xmlns:ahyp="http://schemas.microsoft.com/office/drawing/2018/hyperlinkcolor" val="tx"/>
-                    </a:ext>
-                  </a:extLst>
-                </a:hlinkClick>
-              </a:rPr>
-              <a:t>linguagens de marcação HTML</a:t>
-            </a:r>
-            <a:r>
-              <a:rPr lang="pt-BR" sz="2400" dirty="0">
-                <a:solidFill>
-                  <a:schemeClr val="tx1"/>
-                </a:solidFill>
-                <a:latin typeface="Times New Roman" panose="02020603050405020304" pitchFamily="18" charset="0"/>
-                <a:cs typeface="Times New Roman" panose="02020603050405020304" pitchFamily="18" charset="0"/>
-              </a:rPr>
-              <a:t> ou </a:t>
-            </a:r>
-            <a:r>
-              <a:rPr lang="pt-BR" sz="2400" b="1" dirty="0">
-                <a:solidFill>
-                  <a:schemeClr val="tx1"/>
-                </a:solidFill>
-                <a:latin typeface="Times New Roman" panose="02020603050405020304" pitchFamily="18" charset="0"/>
-                <a:cs typeface="Times New Roman" panose="02020603050405020304" pitchFamily="18" charset="0"/>
-              </a:rPr>
-              <a:t>XHTML</a:t>
-            </a:r>
-            <a:r>
-              <a:rPr lang="pt-BR" sz="2400" dirty="0">
-                <a:solidFill>
-                  <a:schemeClr val="tx1"/>
-                </a:solidFill>
-                <a:latin typeface="Times New Roman" panose="02020603050405020304" pitchFamily="18" charset="0"/>
-                <a:cs typeface="Times New Roman" panose="02020603050405020304" pitchFamily="18" charset="0"/>
-              </a:rPr>
-              <a:t>. </a:t>
+                <a:latin typeface="Times New Roman" panose="02020603050405020304" pitchFamily="18" charset="0"/>
+                <a:cs typeface="Times New Roman" panose="02020603050405020304" pitchFamily="18" charset="0"/>
+              </a:rPr>
+              <a:t>:</a:t>
             </a:r>
           </a:p>
           <a:p>
@@ -10682,9 +10834,6 @@
               <a:buNone/>
             </a:pPr>
             <a:endParaRPr lang="pt-BR" sz="2400" dirty="0">
-              <a:solidFill>
-                <a:schemeClr val="tx1"/>
-              </a:solidFill>
               <a:latin typeface="Times New Roman" panose="02020603050405020304" pitchFamily="18" charset="0"/>
               <a:cs typeface="Times New Roman" panose="02020603050405020304" pitchFamily="18" charset="0"/>
             </a:endParaRPr>
@@ -10694,14 +10843,200 @@
               <a:buNone/>
             </a:pPr>
             <a:r>
-              <a:rPr lang="pt-BR" sz="1600" dirty="0">
-                <a:latin typeface="Times New Roman" panose="02020603050405020304" pitchFamily="18" charset="0"/>
-                <a:cs typeface="Times New Roman" panose="02020603050405020304" pitchFamily="18" charset="0"/>
-                <a:hlinkClick r:id="rId4"/>
-              </a:rPr>
-              <a:t>https://www.devmedia.com.br/estilizando-fontes-com-css/24226</a:t>
-            </a:r>
-            <a:endParaRPr lang="pt-BR" sz="1600" dirty="0">
+              <a:rPr lang="pt-BR" sz="2400" dirty="0">
+                <a:latin typeface="Times New Roman" panose="02020603050405020304" pitchFamily="18" charset="0"/>
+                <a:cs typeface="Times New Roman" panose="02020603050405020304" pitchFamily="18" charset="0"/>
+              </a:rPr>
+              <a:t>HTML, b, Strong, </a:t>
+            </a:r>
+            <a:r>
+              <a:rPr lang="pt-BR" sz="2400" dirty="0" err="1">
+                <a:latin typeface="Times New Roman" panose="02020603050405020304" pitchFamily="18" charset="0"/>
+                <a:cs typeface="Times New Roman" panose="02020603050405020304" pitchFamily="18" charset="0"/>
+              </a:rPr>
+              <a:t>ul</a:t>
+            </a:r>
+            <a:r>
+              <a:rPr lang="pt-BR" sz="2400" dirty="0">
+                <a:latin typeface="Times New Roman" panose="02020603050405020304" pitchFamily="18" charset="0"/>
+                <a:cs typeface="Times New Roman" panose="02020603050405020304" pitchFamily="18" charset="0"/>
+              </a:rPr>
+              <a:t>/li, </a:t>
+            </a:r>
+            <a:r>
+              <a:rPr lang="pt-BR" sz="2400" dirty="0" err="1">
+                <a:latin typeface="Times New Roman" panose="02020603050405020304" pitchFamily="18" charset="0"/>
+                <a:cs typeface="Times New Roman" panose="02020603050405020304" pitchFamily="18" charset="0"/>
+              </a:rPr>
+              <a:t>ol</a:t>
+            </a:r>
+            <a:r>
+              <a:rPr lang="pt-BR" sz="2400" dirty="0">
+                <a:latin typeface="Times New Roman" panose="02020603050405020304" pitchFamily="18" charset="0"/>
+                <a:cs typeface="Times New Roman" panose="02020603050405020304" pitchFamily="18" charset="0"/>
+              </a:rPr>
+              <a:t>/li, </a:t>
+            </a:r>
+            <a:r>
+              <a:rPr lang="pt-BR" sz="2400" dirty="0" err="1">
+                <a:latin typeface="Times New Roman" panose="02020603050405020304" pitchFamily="18" charset="0"/>
+                <a:cs typeface="Times New Roman" panose="02020603050405020304" pitchFamily="18" charset="0"/>
+              </a:rPr>
+              <a:t>br</a:t>
+            </a:r>
+            <a:r>
+              <a:rPr lang="pt-BR" sz="2400" dirty="0">
+                <a:latin typeface="Times New Roman" panose="02020603050405020304" pitchFamily="18" charset="0"/>
+                <a:cs typeface="Times New Roman" panose="02020603050405020304" pitchFamily="18" charset="0"/>
+              </a:rPr>
+              <a:t>, p, h1...h6, </a:t>
+            </a:r>
+            <a:r>
+              <a:rPr lang="pt-BR" sz="2400" dirty="0" err="1">
+                <a:latin typeface="Times New Roman" panose="02020603050405020304" pitchFamily="18" charset="0"/>
+                <a:cs typeface="Times New Roman" panose="02020603050405020304" pitchFamily="18" charset="0"/>
+              </a:rPr>
+              <a:t>hr</a:t>
+            </a:r>
+            <a:r>
+              <a:rPr lang="pt-BR" sz="2400" dirty="0">
+                <a:latin typeface="Times New Roman" panose="02020603050405020304" pitchFamily="18" charset="0"/>
+                <a:cs typeface="Times New Roman" panose="02020603050405020304" pitchFamily="18" charset="0"/>
+              </a:rPr>
+              <a:t>, a, </a:t>
+            </a:r>
+            <a:r>
+              <a:rPr lang="pt-BR" sz="2400" dirty="0" err="1">
+                <a:latin typeface="Times New Roman" panose="02020603050405020304" pitchFamily="18" charset="0"/>
+                <a:cs typeface="Times New Roman" panose="02020603050405020304" pitchFamily="18" charset="0"/>
+              </a:rPr>
+              <a:t>img</a:t>
+            </a:r>
+            <a:r>
+              <a:rPr lang="pt-BR" sz="2400" dirty="0">
+                <a:latin typeface="Times New Roman" panose="02020603050405020304" pitchFamily="18" charset="0"/>
+                <a:cs typeface="Times New Roman" panose="02020603050405020304" pitchFamily="18" charset="0"/>
+              </a:rPr>
+              <a:t>, </a:t>
+            </a:r>
+            <a:r>
+              <a:rPr lang="pt-BR" sz="2400" dirty="0" err="1">
+                <a:latin typeface="Times New Roman" panose="02020603050405020304" pitchFamily="18" charset="0"/>
+                <a:cs typeface="Times New Roman" panose="02020603050405020304" pitchFamily="18" charset="0"/>
+              </a:rPr>
+              <a:t>button</a:t>
+            </a:r>
+            <a:r>
+              <a:rPr lang="pt-BR" sz="2400" dirty="0">
+                <a:latin typeface="Times New Roman" panose="02020603050405020304" pitchFamily="18" charset="0"/>
+                <a:cs typeface="Times New Roman" panose="02020603050405020304" pitchFamily="18" charset="0"/>
+              </a:rPr>
+              <a:t>, </a:t>
+            </a:r>
+            <a:r>
+              <a:rPr lang="pt-BR" sz="2400" dirty="0" err="1">
+                <a:latin typeface="Times New Roman" panose="02020603050405020304" pitchFamily="18" charset="0"/>
+                <a:cs typeface="Times New Roman" panose="02020603050405020304" pitchFamily="18" charset="0"/>
+              </a:rPr>
+              <a:t>head</a:t>
+            </a:r>
+            <a:r>
+              <a:rPr lang="pt-BR" sz="2400" dirty="0">
+                <a:latin typeface="Times New Roman" panose="02020603050405020304" pitchFamily="18" charset="0"/>
+                <a:cs typeface="Times New Roman" panose="02020603050405020304" pitchFamily="18" charset="0"/>
+              </a:rPr>
+              <a:t>, link, header, </a:t>
+            </a:r>
+            <a:r>
+              <a:rPr lang="pt-BR" sz="2400" dirty="0" err="1">
+                <a:latin typeface="Times New Roman" panose="02020603050405020304" pitchFamily="18" charset="0"/>
+                <a:cs typeface="Times New Roman" panose="02020603050405020304" pitchFamily="18" charset="0"/>
+              </a:rPr>
+              <a:t>footer</a:t>
+            </a:r>
+            <a:r>
+              <a:rPr lang="pt-BR" sz="2400" dirty="0">
+                <a:latin typeface="Times New Roman" panose="02020603050405020304" pitchFamily="18" charset="0"/>
+                <a:cs typeface="Times New Roman" panose="02020603050405020304" pitchFamily="18" charset="0"/>
+              </a:rPr>
+              <a:t>, body, </a:t>
+            </a:r>
+            <a:r>
+              <a:rPr lang="pt-BR" sz="2400" dirty="0" err="1">
+                <a:latin typeface="Times New Roman" panose="02020603050405020304" pitchFamily="18" charset="0"/>
+                <a:cs typeface="Times New Roman" panose="02020603050405020304" pitchFamily="18" charset="0"/>
+              </a:rPr>
+              <a:t>form</a:t>
+            </a:r>
+            <a:r>
+              <a:rPr lang="pt-BR" sz="2400" dirty="0">
+                <a:latin typeface="Times New Roman" panose="02020603050405020304" pitchFamily="18" charset="0"/>
+                <a:cs typeface="Times New Roman" panose="02020603050405020304" pitchFamily="18" charset="0"/>
+              </a:rPr>
+              <a:t>, input, </a:t>
+            </a:r>
+            <a:r>
+              <a:rPr lang="pt-BR" sz="2400" dirty="0" err="1">
+                <a:latin typeface="Times New Roman" panose="02020603050405020304" pitchFamily="18" charset="0"/>
+                <a:cs typeface="Times New Roman" panose="02020603050405020304" pitchFamily="18" charset="0"/>
+              </a:rPr>
+              <a:t>label</a:t>
+            </a:r>
+            <a:r>
+              <a:rPr lang="pt-BR" sz="2400" dirty="0">
+                <a:latin typeface="Times New Roman" panose="02020603050405020304" pitchFamily="18" charset="0"/>
+                <a:cs typeface="Times New Roman" panose="02020603050405020304" pitchFamily="18" charset="0"/>
+              </a:rPr>
+              <a:t>, </a:t>
+            </a:r>
+            <a:r>
+              <a:rPr lang="pt-BR" sz="2400" dirty="0" err="1">
+                <a:latin typeface="Times New Roman" panose="02020603050405020304" pitchFamily="18" charset="0"/>
+                <a:cs typeface="Times New Roman" panose="02020603050405020304" pitchFamily="18" charset="0"/>
+              </a:rPr>
+              <a:t>textarea</a:t>
+            </a:r>
+            <a:r>
+              <a:rPr lang="pt-BR" sz="2400" dirty="0">
+                <a:latin typeface="Times New Roman" panose="02020603050405020304" pitchFamily="18" charset="0"/>
+                <a:cs typeface="Times New Roman" panose="02020603050405020304" pitchFamily="18" charset="0"/>
+              </a:rPr>
+              <a:t>, script, </a:t>
+            </a:r>
+            <a:r>
+              <a:rPr lang="pt-BR" sz="2400" dirty="0" err="1">
+                <a:latin typeface="Times New Roman" panose="02020603050405020304" pitchFamily="18" charset="0"/>
+                <a:cs typeface="Times New Roman" panose="02020603050405020304" pitchFamily="18" charset="0"/>
+              </a:rPr>
+              <a:t>title</a:t>
+            </a:r>
+            <a:r>
+              <a:rPr lang="pt-BR" sz="2400" dirty="0">
+                <a:latin typeface="Times New Roman" panose="02020603050405020304" pitchFamily="18" charset="0"/>
+                <a:cs typeface="Times New Roman" panose="02020603050405020304" pitchFamily="18" charset="0"/>
+              </a:rPr>
+              <a:t>, meta, </a:t>
+            </a:r>
+            <a:r>
+              <a:rPr lang="pt-BR" sz="2400" dirty="0" err="1">
+                <a:latin typeface="Times New Roman" panose="02020603050405020304" pitchFamily="18" charset="0"/>
+                <a:cs typeface="Times New Roman" panose="02020603050405020304" pitchFamily="18" charset="0"/>
+              </a:rPr>
+              <a:t>style</a:t>
+            </a:r>
+            <a:r>
+              <a:rPr lang="pt-BR" sz="2400" dirty="0">
+                <a:latin typeface="Times New Roman" panose="02020603050405020304" pitchFamily="18" charset="0"/>
+                <a:cs typeface="Times New Roman" panose="02020603050405020304" pitchFamily="18" charset="0"/>
+              </a:rPr>
+              <a:t>, etc.</a:t>
+            </a:r>
+          </a:p>
+          <a:p>
+            <a:pPr marL="0" indent="0" algn="just">
+              <a:buNone/>
+            </a:pPr>
+            <a:endParaRPr lang="pt-BR" sz="2400" dirty="0">
               <a:latin typeface="Times New Roman" panose="02020603050405020304" pitchFamily="18" charset="0"/>
               <a:cs typeface="Times New Roman" panose="02020603050405020304" pitchFamily="18" charset="0"/>
             </a:endParaRPr>
@@ -10711,14 +11046,14 @@
               <a:buNone/>
             </a:pPr>
             <a:r>
-              <a:rPr lang="pt-BR" sz="1600" dirty="0">
-                <a:latin typeface="Times New Roman" panose="02020603050405020304" pitchFamily="18" charset="0"/>
-                <a:cs typeface="Times New Roman" panose="02020603050405020304" pitchFamily="18" charset="0"/>
-                <a:hlinkClick r:id="rId5"/>
-              </a:rPr>
-              <a:t>https://developer.mozilla.org/pt-BR/docs/Learn/Getting_started_with_the_web/CSS_basics</a:t>
-            </a:r>
-            <a:endParaRPr lang="pt-BR" sz="1600" dirty="0">
+              <a:rPr lang="pt-BR" sz="1800" dirty="0">
+                <a:latin typeface="Times New Roman" panose="02020603050405020304" pitchFamily="18" charset="0"/>
+                <a:cs typeface="Times New Roman" panose="02020603050405020304" pitchFamily="18" charset="0"/>
+                <a:hlinkClick r:id="rId3"/>
+              </a:rPr>
+              <a:t>https://developer.mozilla.org/pt-BR/docs/Web/HTML/Element</a:t>
+            </a:r>
+            <a:endParaRPr lang="pt-BR" sz="1800" dirty="0">
               <a:latin typeface="Times New Roman" panose="02020603050405020304" pitchFamily="18" charset="0"/>
               <a:cs typeface="Times New Roman" panose="02020603050405020304" pitchFamily="18" charset="0"/>
             </a:endParaRPr>
@@ -10727,24 +11062,7 @@
             <a:pPr marL="0" indent="0" algn="just">
               <a:buNone/>
             </a:pPr>
-            <a:r>
-              <a:rPr lang="pt-BR" sz="1600" dirty="0">
-                <a:latin typeface="Times New Roman" panose="02020603050405020304" pitchFamily="18" charset="0"/>
-                <a:cs typeface="Times New Roman" panose="02020603050405020304" pitchFamily="18" charset="0"/>
-                <a:hlinkClick r:id="rId6"/>
-              </a:rPr>
-              <a:t>https://www.hostinger.com.br/tutoriais/o-que-e-css-guia-basico-de-css#Como_CSS_Funciona</a:t>
-            </a:r>
-            <a:endParaRPr lang="pt-BR" sz="1600" dirty="0">
-              <a:latin typeface="Times New Roman" panose="02020603050405020304" pitchFamily="18" charset="0"/>
-              <a:cs typeface="Times New Roman" panose="02020603050405020304" pitchFamily="18" charset="0"/>
-            </a:endParaRPr>
-          </a:p>
-          <a:p>
-            <a:pPr marL="0" indent="0" algn="just">
-              <a:buNone/>
-            </a:pPr>
-            <a:endParaRPr lang="pt-BR" sz="1600" dirty="0">
+            <a:endParaRPr lang="pt-BR" sz="2400" dirty="0">
               <a:latin typeface="Times New Roman" panose="02020603050405020304" pitchFamily="18" charset="0"/>
               <a:cs typeface="Times New Roman" panose="02020603050405020304" pitchFamily="18" charset="0"/>
             </a:endParaRPr>
@@ -10754,7 +11072,7 @@
     </p:spTree>
     <p:extLst>
       <p:ext uri="{BB962C8B-B14F-4D97-AF65-F5344CB8AC3E}">
-        <p14:creationId xmlns:p14="http://schemas.microsoft.com/office/powerpoint/2010/main" val="910174333"/>
+        <p14:creationId xmlns:p14="http://schemas.microsoft.com/office/powerpoint/2010/main" val="3624253472"/>
       </p:ext>
     </p:extLst>
   </p:cSld>

--- a/01 Classes/Aula 01 Desenvolvimento Web Caracterização.pptx
+++ b/01 Classes/Aula 01 Desenvolvimento Web Caracterização.pptx
@@ -9597,7 +9597,28 @@
                 <a:latin typeface="Times New Roman" panose="02020603050405020304" pitchFamily="18" charset="0"/>
                 <a:cs typeface="Times New Roman" panose="02020603050405020304" pitchFamily="18" charset="0"/>
               </a:rPr>
-              <a:t>, etc.</a:t>
+              <a:t>, </a:t>
+            </a:r>
+            <a:r>
+              <a:rPr lang="pt-BR" sz="2400" dirty="0" err="1">
+                <a:latin typeface="Times New Roman" panose="02020603050405020304" pitchFamily="18" charset="0"/>
+                <a:cs typeface="Times New Roman" panose="02020603050405020304" pitchFamily="18" charset="0"/>
+              </a:rPr>
+              <a:t>BitBucket</a:t>
+            </a:r>
+            <a:r>
+              <a:rPr lang="pt-BR" sz="2400">
+                <a:latin typeface="Times New Roman" panose="02020603050405020304" pitchFamily="18" charset="0"/>
+                <a:cs typeface="Times New Roman" panose="02020603050405020304" pitchFamily="18" charset="0"/>
+              </a:rPr>
+              <a:t>, etc</a:t>
+            </a:r>
+            <a:r>
+              <a:rPr lang="pt-BR" sz="2400" dirty="0">
+                <a:latin typeface="Times New Roman" panose="02020603050405020304" pitchFamily="18" charset="0"/>
+                <a:cs typeface="Times New Roman" panose="02020603050405020304" pitchFamily="18" charset="0"/>
+              </a:rPr>
+              <a:t>.</a:t>
             </a:r>
           </a:p>
           <a:p>
